--- a/project_managment/Presentation.pptx
+++ b/project_managment/Presentation.pptx
@@ -7,6 +7,10 @@
   <p:sldIdLst>
     <p:sldId id="256" r:id="rId2"/>
     <p:sldId id="257" r:id="rId3"/>
+    <p:sldId id="258" r:id="rId4"/>
+    <p:sldId id="259" r:id="rId5"/>
+    <p:sldId id="260" r:id="rId6"/>
+    <p:sldId id="261" r:id="rId7"/>
   </p:sldIdLst>
   <p:sldSz cx="12192000" cy="6858000"/>
   <p:notesSz cx="6858000" cy="9144000"/>
@@ -4000,6 +4004,1111 @@
     <p:extLst>
       <p:ext uri="{BB962C8B-B14F-4D97-AF65-F5344CB8AC3E}">
         <p14:creationId xmlns:p14="http://schemas.microsoft.com/office/powerpoint/2010/main" val="501488400"/>
+      </p:ext>
+    </p:extLst>
+  </p:cSld>
+  <p:clrMapOvr>
+    <a:masterClrMapping/>
+  </p:clrMapOvr>
+</p:sld>
+</file>
+
+<file path=ppt/slides/slide3.xml><?xml version="1.0" encoding="utf-8"?>
+<p:sld xmlns:a="http://schemas.openxmlformats.org/drawingml/2006/main" xmlns:r="http://schemas.openxmlformats.org/officeDocument/2006/relationships" xmlns:p="http://schemas.openxmlformats.org/presentationml/2006/main">
+  <p:cSld>
+    <p:spTree>
+      <p:nvGrpSpPr>
+        <p:cNvPr id="1" name=""/>
+        <p:cNvGrpSpPr/>
+        <p:nvPr/>
+      </p:nvGrpSpPr>
+      <p:grpSpPr>
+        <a:xfrm>
+          <a:off x="0" y="0"/>
+          <a:ext cx="0" cy="0"/>
+          <a:chOff x="0" y="0"/>
+          <a:chExt cx="0" cy="0"/>
+        </a:xfrm>
+      </p:grpSpPr>
+      <p:sp>
+        <p:nvSpPr>
+          <p:cNvPr id="2" name="Title 1">
+            <a:extLst>
+              <a:ext uri="{FF2B5EF4-FFF2-40B4-BE49-F238E27FC236}">
+                <a16:creationId xmlns:a16="http://schemas.microsoft.com/office/drawing/2014/main" id="{1F7AE544-0634-0BA5-BF2A-3F357D3D98FE}"/>
+              </a:ext>
+            </a:extLst>
+          </p:cNvPr>
+          <p:cNvSpPr>
+            <a:spLocks noGrp="1"/>
+          </p:cNvSpPr>
+          <p:nvPr>
+            <p:ph type="title"/>
+          </p:nvPr>
+        </p:nvSpPr>
+        <p:spPr/>
+        <p:txBody>
+          <a:bodyPr/>
+          <a:lstStyle/>
+          <a:p>
+            <a:r>
+              <a:rPr lang="en-DE" dirty="0"/>
+              <a:t>Phasen und Meilensteine</a:t>
+            </a:r>
+          </a:p>
+        </p:txBody>
+      </p:sp>
+      <p:sp>
+        <p:nvSpPr>
+          <p:cNvPr id="3" name="Content Placeholder 2">
+            <a:extLst>
+              <a:ext uri="{FF2B5EF4-FFF2-40B4-BE49-F238E27FC236}">
+                <a16:creationId xmlns:a16="http://schemas.microsoft.com/office/drawing/2014/main" id="{E2075432-E86C-564B-6AD8-BEADF58C180B}"/>
+              </a:ext>
+            </a:extLst>
+          </p:cNvPr>
+          <p:cNvSpPr>
+            <a:spLocks noGrp="1"/>
+          </p:cNvSpPr>
+          <p:nvPr>
+            <p:ph idx="1"/>
+          </p:nvPr>
+        </p:nvSpPr>
+        <p:spPr/>
+        <p:txBody>
+          <a:bodyPr>
+            <a:normAutofit fontScale="85000" lnSpcReduction="20000"/>
+          </a:bodyPr>
+          <a:lstStyle/>
+          <a:p>
+            <a:r>
+              <a:rPr lang="en-DE" dirty="0"/>
+              <a:t>Start</a:t>
+            </a:r>
+          </a:p>
+          <a:p>
+            <a:r>
+              <a:rPr lang="en-DE" u="sng" dirty="0"/>
+              <a:t>Überblick über das Projekt und Planung der Aufgaben</a:t>
+            </a:r>
+          </a:p>
+          <a:p>
+            <a:r>
+              <a:rPr lang="en-DE" dirty="0"/>
+              <a:t>Fertigstellen des Backlogs</a:t>
+            </a:r>
+          </a:p>
+          <a:p>
+            <a:r>
+              <a:rPr lang="en-DE" u="sng" dirty="0"/>
+              <a:t>Technisches Design für Backend und Frontend</a:t>
+            </a:r>
+          </a:p>
+          <a:p>
+            <a:r>
+              <a:rPr lang="en-DE" dirty="0"/>
+              <a:t>Präsentation von Produkt Design und Lösungen des Backends</a:t>
+            </a:r>
+          </a:p>
+          <a:p>
+            <a:r>
+              <a:rPr lang="en-DE" u="sng" dirty="0"/>
+              <a:t>Implementation</a:t>
+            </a:r>
+          </a:p>
+          <a:p>
+            <a:r>
+              <a:rPr lang="en-DE" dirty="0"/>
+              <a:t>Fertiges Produkt</a:t>
+            </a:r>
+          </a:p>
+          <a:p>
+            <a:r>
+              <a:rPr lang="en-DE" u="sng" dirty="0"/>
+              <a:t>Testen und Anpassen</a:t>
+            </a:r>
+          </a:p>
+          <a:p>
+            <a:r>
+              <a:rPr lang="en-DE" dirty="0"/>
+              <a:t>Produkt mit 80% Code Coverage</a:t>
+            </a:r>
+          </a:p>
+          <a:p>
+            <a:r>
+              <a:rPr lang="en-DE" u="sng" dirty="0"/>
+              <a:t>Planung des Showcases und der Auslieferung</a:t>
+            </a:r>
+          </a:p>
+          <a:p>
+            <a:r>
+              <a:rPr lang="en-DE" dirty="0"/>
+              <a:t>Auslieferung</a:t>
+            </a:r>
+          </a:p>
+        </p:txBody>
+      </p:sp>
+    </p:spTree>
+    <p:extLst>
+      <p:ext uri="{BB962C8B-B14F-4D97-AF65-F5344CB8AC3E}">
+        <p14:creationId xmlns:p14="http://schemas.microsoft.com/office/powerpoint/2010/main" val="3585016482"/>
+      </p:ext>
+    </p:extLst>
+  </p:cSld>
+  <p:clrMapOvr>
+    <a:masterClrMapping/>
+  </p:clrMapOvr>
+</p:sld>
+</file>
+
+<file path=ppt/slides/slide4.xml><?xml version="1.0" encoding="utf-8"?>
+<p:sld xmlns:a="http://schemas.openxmlformats.org/drawingml/2006/main" xmlns:r="http://schemas.openxmlformats.org/officeDocument/2006/relationships" xmlns:p="http://schemas.openxmlformats.org/presentationml/2006/main">
+  <p:cSld>
+    <p:spTree>
+      <p:nvGrpSpPr>
+        <p:cNvPr id="1" name=""/>
+        <p:cNvGrpSpPr/>
+        <p:nvPr/>
+      </p:nvGrpSpPr>
+      <p:grpSpPr>
+        <a:xfrm>
+          <a:off x="0" y="0"/>
+          <a:ext cx="0" cy="0"/>
+          <a:chOff x="0" y="0"/>
+          <a:chExt cx="0" cy="0"/>
+        </a:xfrm>
+      </p:grpSpPr>
+      <p:sp>
+        <p:nvSpPr>
+          <p:cNvPr id="2" name="Title 1">
+            <a:extLst>
+              <a:ext uri="{FF2B5EF4-FFF2-40B4-BE49-F238E27FC236}">
+                <a16:creationId xmlns:a16="http://schemas.microsoft.com/office/drawing/2014/main" id="{82F75A57-3C61-5D2B-2617-B36192FF0334}"/>
+              </a:ext>
+            </a:extLst>
+          </p:cNvPr>
+          <p:cNvSpPr>
+            <a:spLocks noGrp="1"/>
+          </p:cNvSpPr>
+          <p:nvPr>
+            <p:ph type="title"/>
+          </p:nvPr>
+        </p:nvSpPr>
+        <p:spPr/>
+        <p:txBody>
+          <a:bodyPr/>
+          <a:lstStyle/>
+          <a:p>
+            <a:r>
+              <a:rPr lang="en-DE" dirty="0"/>
+              <a:t>Projektstrukturplan</a:t>
+            </a:r>
+          </a:p>
+        </p:txBody>
+      </p:sp>
+      <p:sp>
+        <p:nvSpPr>
+          <p:cNvPr id="3" name="Content Placeholder 2">
+            <a:extLst>
+              <a:ext uri="{FF2B5EF4-FFF2-40B4-BE49-F238E27FC236}">
+                <a16:creationId xmlns:a16="http://schemas.microsoft.com/office/drawing/2014/main" id="{387DA067-DD43-F975-70F7-74FEB88EE602}"/>
+              </a:ext>
+            </a:extLst>
+          </p:cNvPr>
+          <p:cNvSpPr>
+            <a:spLocks noGrp="1"/>
+          </p:cNvSpPr>
+          <p:nvPr>
+            <p:ph idx="1"/>
+          </p:nvPr>
+        </p:nvSpPr>
+        <p:spPr/>
+        <p:txBody>
+          <a:bodyPr/>
+          <a:lstStyle/>
+          <a:p>
+            <a:pPr marL="514350" indent="-514350">
+              <a:buFont typeface="+mj-lt"/>
+              <a:buAutoNum type="arabicPeriod"/>
+            </a:pPr>
+            <a:r>
+              <a:rPr lang="en-DE" dirty="0"/>
+              <a:t>Projektmanagment</a:t>
+            </a:r>
+          </a:p>
+          <a:p>
+            <a:pPr marL="971550" lvl="1" indent="-514350">
+              <a:buFont typeface="+mj-lt"/>
+              <a:buAutoNum type="arabicPeriod"/>
+            </a:pPr>
+            <a:r>
+              <a:rPr lang="en-DE" dirty="0"/>
+              <a:t>Verteilung der Rollen und Zuständigkeiten</a:t>
+            </a:r>
+          </a:p>
+          <a:p>
+            <a:pPr marL="971550" lvl="1" indent="-514350">
+              <a:buFont typeface="+mj-lt"/>
+              <a:buAutoNum type="arabicPeriod"/>
+            </a:pPr>
+            <a:r>
+              <a:rPr lang="en-DE" dirty="0"/>
+              <a:t>Planung durchführen</a:t>
+            </a:r>
+          </a:p>
+          <a:p>
+            <a:pPr marL="971550" lvl="1" indent="-514350">
+              <a:buFont typeface="+mj-lt"/>
+              <a:buAutoNum type="arabicPeriod"/>
+            </a:pPr>
+            <a:r>
+              <a:rPr lang="en-DE" dirty="0"/>
+              <a:t>Klärung der Anfordungen </a:t>
+            </a:r>
+          </a:p>
+          <a:p>
+            <a:pPr marL="971550" lvl="1" indent="-514350">
+              <a:buFont typeface="+mj-lt"/>
+              <a:buAutoNum type="arabicPeriod"/>
+            </a:pPr>
+            <a:r>
+              <a:rPr lang="en-DE" dirty="0"/>
+              <a:t>Schreiben des Backlogs</a:t>
+            </a:r>
+          </a:p>
+          <a:p>
+            <a:pPr marL="971550" lvl="1" indent="-514350">
+              <a:buFont typeface="+mj-lt"/>
+              <a:buAutoNum type="arabicPeriod"/>
+            </a:pPr>
+            <a:r>
+              <a:rPr lang="en-DE" dirty="0"/>
+              <a:t>Controlling durchführen</a:t>
+            </a:r>
+          </a:p>
+          <a:p>
+            <a:pPr marL="514350" indent="-514350">
+              <a:buFont typeface="+mj-lt"/>
+              <a:buAutoNum type="arabicPeriod"/>
+            </a:pPr>
+            <a:r>
+              <a:rPr lang="en-DE" dirty="0"/>
+              <a:t>Spezifikationsphase</a:t>
+            </a:r>
+          </a:p>
+          <a:p>
+            <a:pPr marL="971550" lvl="1" indent="-514350">
+              <a:buFont typeface="+mj-lt"/>
+              <a:buAutoNum type="arabicPeriod"/>
+            </a:pPr>
+            <a:r>
+              <a:rPr lang="en-DE" dirty="0"/>
+              <a:t>Festlegen der Frameworks und der Sprachen</a:t>
+            </a:r>
+          </a:p>
+          <a:p>
+            <a:pPr marL="971550" lvl="1" indent="-514350">
+              <a:buFont typeface="+mj-lt"/>
+              <a:buAutoNum type="arabicPeriod"/>
+            </a:pPr>
+            <a:r>
+              <a:rPr lang="en-DE" dirty="0"/>
+              <a:t>Design des Frontends </a:t>
+            </a:r>
+          </a:p>
+          <a:p>
+            <a:pPr marL="971550" lvl="1" indent="-514350">
+              <a:buFont typeface="+mj-lt"/>
+              <a:buAutoNum type="arabicPeriod"/>
+            </a:pPr>
+            <a:r>
+              <a:rPr lang="en-DE" dirty="0"/>
+              <a:t>Planung des Backends</a:t>
+            </a:r>
+          </a:p>
+        </p:txBody>
+      </p:sp>
+    </p:spTree>
+    <p:extLst>
+      <p:ext uri="{BB962C8B-B14F-4D97-AF65-F5344CB8AC3E}">
+        <p14:creationId xmlns:p14="http://schemas.microsoft.com/office/powerpoint/2010/main" val="1205569394"/>
+      </p:ext>
+    </p:extLst>
+  </p:cSld>
+  <p:clrMapOvr>
+    <a:masterClrMapping/>
+  </p:clrMapOvr>
+</p:sld>
+</file>
+
+<file path=ppt/slides/slide5.xml><?xml version="1.0" encoding="utf-8"?>
+<p:sld xmlns:a="http://schemas.openxmlformats.org/drawingml/2006/main" xmlns:r="http://schemas.openxmlformats.org/officeDocument/2006/relationships" xmlns:p="http://schemas.openxmlformats.org/presentationml/2006/main">
+  <p:cSld>
+    <p:spTree>
+      <p:nvGrpSpPr>
+        <p:cNvPr id="1" name=""/>
+        <p:cNvGrpSpPr/>
+        <p:nvPr/>
+      </p:nvGrpSpPr>
+      <p:grpSpPr>
+        <a:xfrm>
+          <a:off x="0" y="0"/>
+          <a:ext cx="0" cy="0"/>
+          <a:chOff x="0" y="0"/>
+          <a:chExt cx="0" cy="0"/>
+        </a:xfrm>
+      </p:grpSpPr>
+      <p:sp>
+        <p:nvSpPr>
+          <p:cNvPr id="2" name="Title 1">
+            <a:extLst>
+              <a:ext uri="{FF2B5EF4-FFF2-40B4-BE49-F238E27FC236}">
+                <a16:creationId xmlns:a16="http://schemas.microsoft.com/office/drawing/2014/main" id="{C0489FF1-E81D-6567-D9E2-679B1950535C}"/>
+              </a:ext>
+            </a:extLst>
+          </p:cNvPr>
+          <p:cNvSpPr>
+            <a:spLocks noGrp="1"/>
+          </p:cNvSpPr>
+          <p:nvPr>
+            <p:ph type="title"/>
+          </p:nvPr>
+        </p:nvSpPr>
+        <p:spPr/>
+        <p:txBody>
+          <a:bodyPr/>
+          <a:lstStyle/>
+          <a:p>
+            <a:r>
+              <a:rPr lang="en-DE" dirty="0"/>
+              <a:t>Projektstrukturplan</a:t>
+            </a:r>
+          </a:p>
+        </p:txBody>
+      </p:sp>
+      <p:sp>
+        <p:nvSpPr>
+          <p:cNvPr id="3" name="Content Placeholder 2">
+            <a:extLst>
+              <a:ext uri="{FF2B5EF4-FFF2-40B4-BE49-F238E27FC236}">
+                <a16:creationId xmlns:a16="http://schemas.microsoft.com/office/drawing/2014/main" id="{E3AA2C6F-1518-A9CB-5EE2-1CD3306ADA79}"/>
+              </a:ext>
+            </a:extLst>
+          </p:cNvPr>
+          <p:cNvSpPr>
+            <a:spLocks noGrp="1"/>
+          </p:cNvSpPr>
+          <p:nvPr>
+            <p:ph idx="1"/>
+          </p:nvPr>
+        </p:nvSpPr>
+        <p:spPr/>
+        <p:txBody>
+          <a:bodyPr/>
+          <a:lstStyle/>
+          <a:p>
+            <a:pPr marL="514350" indent="-514350">
+              <a:buFont typeface="+mj-lt"/>
+              <a:buAutoNum type="arabicPeriod"/>
+            </a:pPr>
+            <a:r>
+              <a:rPr lang="en-DE" dirty="0"/>
+              <a:t>Durchführungsphase</a:t>
+            </a:r>
+          </a:p>
+          <a:p>
+            <a:pPr marL="971550" lvl="1" indent="-514350">
+              <a:buFont typeface="+mj-lt"/>
+              <a:buAutoNum type="arabicPeriod"/>
+            </a:pPr>
+            <a:r>
+              <a:rPr lang="en-DE" dirty="0"/>
+              <a:t>Implementation</a:t>
+            </a:r>
+          </a:p>
+          <a:p>
+            <a:pPr marL="971550" lvl="1" indent="-514350">
+              <a:buFont typeface="+mj-lt"/>
+              <a:buAutoNum type="arabicPeriod"/>
+            </a:pPr>
+            <a:r>
+              <a:rPr lang="en-DE" dirty="0"/>
+              <a:t>Dokumentation erstellen</a:t>
+            </a:r>
+          </a:p>
+          <a:p>
+            <a:pPr marL="514350" indent="-514350">
+              <a:buFont typeface="+mj-lt"/>
+              <a:buAutoNum type="arabicPeriod"/>
+            </a:pPr>
+            <a:r>
+              <a:rPr lang="en-DE" dirty="0"/>
+              <a:t>Abschluss</a:t>
+            </a:r>
+          </a:p>
+          <a:p>
+            <a:pPr marL="971550" lvl="1" indent="-514350">
+              <a:buFont typeface="+mj-lt"/>
+              <a:buAutoNum type="arabicPeriod"/>
+            </a:pPr>
+            <a:r>
+              <a:rPr lang="en-DE" dirty="0"/>
+              <a:t>Test der Anwendung</a:t>
+            </a:r>
+          </a:p>
+          <a:p>
+            <a:pPr marL="971550" lvl="1" indent="-514350">
+              <a:buFont typeface="+mj-lt"/>
+              <a:buAutoNum type="arabicPeriod"/>
+            </a:pPr>
+            <a:r>
+              <a:rPr lang="en-DE" dirty="0"/>
+              <a:t>Erstellung der Präsentation</a:t>
+            </a:r>
+          </a:p>
+          <a:p>
+            <a:pPr marL="1428750" lvl="2" indent="-514350">
+              <a:buFont typeface="+mj-lt"/>
+              <a:buAutoNum type="arabicPeriod"/>
+            </a:pPr>
+            <a:r>
+              <a:rPr lang="en-DE" dirty="0"/>
+              <a:t>Planung des Showcases</a:t>
+            </a:r>
+          </a:p>
+          <a:p>
+            <a:pPr marL="1428750" lvl="2" indent="-514350">
+              <a:buFont typeface="+mj-lt"/>
+              <a:buAutoNum type="arabicPeriod"/>
+            </a:pPr>
+            <a:r>
+              <a:rPr lang="en-DE" dirty="0"/>
+              <a:t>Planung der Präsentation</a:t>
+            </a:r>
+          </a:p>
+        </p:txBody>
+      </p:sp>
+    </p:spTree>
+    <p:extLst>
+      <p:ext uri="{BB962C8B-B14F-4D97-AF65-F5344CB8AC3E}">
+        <p14:creationId xmlns:p14="http://schemas.microsoft.com/office/powerpoint/2010/main" val="2331074384"/>
+      </p:ext>
+    </p:extLst>
+  </p:cSld>
+  <p:clrMapOvr>
+    <a:masterClrMapping/>
+  </p:clrMapOvr>
+</p:sld>
+</file>
+
+<file path=ppt/slides/slide6.xml><?xml version="1.0" encoding="utf-8"?>
+<p:sld xmlns:a="http://schemas.openxmlformats.org/drawingml/2006/main" xmlns:r="http://schemas.openxmlformats.org/officeDocument/2006/relationships" xmlns:p="http://schemas.openxmlformats.org/presentationml/2006/main">
+  <p:cSld>
+    <p:spTree>
+      <p:nvGrpSpPr>
+        <p:cNvPr id="1" name=""/>
+        <p:cNvGrpSpPr/>
+        <p:nvPr/>
+      </p:nvGrpSpPr>
+      <p:grpSpPr>
+        <a:xfrm>
+          <a:off x="0" y="0"/>
+          <a:ext cx="0" cy="0"/>
+          <a:chOff x="0" y="0"/>
+          <a:chExt cx="0" cy="0"/>
+        </a:xfrm>
+      </p:grpSpPr>
+      <p:sp>
+        <p:nvSpPr>
+          <p:cNvPr id="2" name="Title 1">
+            <a:extLst>
+              <a:ext uri="{FF2B5EF4-FFF2-40B4-BE49-F238E27FC236}">
+                <a16:creationId xmlns:a16="http://schemas.microsoft.com/office/drawing/2014/main" id="{6D5BC19F-C135-7B30-001C-EC8BFC9C757B}"/>
+              </a:ext>
+            </a:extLst>
+          </p:cNvPr>
+          <p:cNvSpPr>
+            <a:spLocks noGrp="1"/>
+          </p:cNvSpPr>
+          <p:nvPr>
+            <p:ph type="title"/>
+          </p:nvPr>
+        </p:nvSpPr>
+        <p:spPr/>
+        <p:txBody>
+          <a:bodyPr/>
+          <a:lstStyle/>
+          <a:p>
+            <a:r>
+              <a:rPr lang="en-DE" dirty="0"/>
+              <a:t>Ablaufplan</a:t>
+            </a:r>
+          </a:p>
+        </p:txBody>
+      </p:sp>
+      <p:graphicFrame>
+        <p:nvGraphicFramePr>
+          <p:cNvPr id="4" name="Content Placeholder 3">
+            <a:extLst>
+              <a:ext uri="{FF2B5EF4-FFF2-40B4-BE49-F238E27FC236}">
+                <a16:creationId xmlns:a16="http://schemas.microsoft.com/office/drawing/2014/main" id="{7372C82D-6365-7739-1C16-32E932C56DDC}"/>
+              </a:ext>
+            </a:extLst>
+          </p:cNvPr>
+          <p:cNvGraphicFramePr>
+            <a:graphicFrameLocks noGrp="1"/>
+          </p:cNvGraphicFramePr>
+          <p:nvPr>
+            <p:ph idx="1"/>
+            <p:extLst>
+              <p:ext uri="{D42A27DB-BD31-4B8C-83A1-F6EECF244321}">
+                <p14:modId xmlns:p14="http://schemas.microsoft.com/office/powerpoint/2010/main" val="2158999136"/>
+              </p:ext>
+            </p:extLst>
+          </p:nvPr>
+        </p:nvGraphicFramePr>
+        <p:xfrm>
+          <a:off x="838200" y="1825625"/>
+          <a:ext cx="10515600" cy="3708400"/>
+        </p:xfrm>
+        <a:graphic>
+          <a:graphicData uri="http://schemas.openxmlformats.org/drawingml/2006/table">
+            <a:tbl>
+              <a:tblPr firstRow="1" bandRow="1">
+                <a:solidFill>
+                  <a:srgbClr val="C00000"/>
+                </a:solidFill>
+                <a:tableStyleId>{21E4AEA4-8DFA-4A89-87EB-49C32662AFE0}</a:tableStyleId>
+              </a:tblPr>
+              <a:tblGrid>
+                <a:gridCol w="2628900">
+                  <a:extLst>
+                    <a:ext uri="{9D8B030D-6E8A-4147-A177-3AD203B41FA5}">
+                      <a16:colId xmlns:a16="http://schemas.microsoft.com/office/drawing/2014/main" val="1935207542"/>
+                    </a:ext>
+                  </a:extLst>
+                </a:gridCol>
+                <a:gridCol w="2628900">
+                  <a:extLst>
+                    <a:ext uri="{9D8B030D-6E8A-4147-A177-3AD203B41FA5}">
+                      <a16:colId xmlns:a16="http://schemas.microsoft.com/office/drawing/2014/main" val="1180961405"/>
+                    </a:ext>
+                  </a:extLst>
+                </a:gridCol>
+                <a:gridCol w="2628900">
+                  <a:extLst>
+                    <a:ext uri="{9D8B030D-6E8A-4147-A177-3AD203B41FA5}">
+                      <a16:colId xmlns:a16="http://schemas.microsoft.com/office/drawing/2014/main" val="3318192054"/>
+                    </a:ext>
+                  </a:extLst>
+                </a:gridCol>
+                <a:gridCol w="2628900">
+                  <a:extLst>
+                    <a:ext uri="{9D8B030D-6E8A-4147-A177-3AD203B41FA5}">
+                      <a16:colId xmlns:a16="http://schemas.microsoft.com/office/drawing/2014/main" val="2832026615"/>
+                    </a:ext>
+                  </a:extLst>
+                </a:gridCol>
+              </a:tblGrid>
+              <a:tr h="370840">
+                <a:tc>
+                  <a:txBody>
+                    <a:bodyPr/>
+                    <a:lstStyle/>
+                    <a:p>
+                      <a:r>
+                        <a:rPr lang="en-DE" dirty="0"/>
+                        <a:t>ID</a:t>
+                      </a:r>
+                    </a:p>
+                  </a:txBody>
+                  <a:tcPr/>
+                </a:tc>
+                <a:tc>
+                  <a:txBody>
+                    <a:bodyPr/>
+                    <a:lstStyle/>
+                    <a:p>
+                      <a:r>
+                        <a:rPr lang="en-DE" dirty="0"/>
+                        <a:t>Vorgang/Arbeitspaket</a:t>
+                      </a:r>
+                    </a:p>
+                  </a:txBody>
+                  <a:tcPr/>
+                </a:tc>
+                <a:tc>
+                  <a:txBody>
+                    <a:bodyPr/>
+                    <a:lstStyle/>
+                    <a:p>
+                      <a:r>
+                        <a:rPr lang="en-DE" dirty="0"/>
+                        <a:t>Dauer</a:t>
+                      </a:r>
+                    </a:p>
+                  </a:txBody>
+                  <a:tcPr/>
+                </a:tc>
+                <a:tc>
+                  <a:txBody>
+                    <a:bodyPr/>
+                    <a:lstStyle/>
+                    <a:p>
+                      <a:r>
+                        <a:rPr lang="en-DE" dirty="0"/>
+                        <a:t>Vorgänger</a:t>
+                      </a:r>
+                    </a:p>
+                  </a:txBody>
+                  <a:tcPr/>
+                </a:tc>
+                <a:extLst>
+                  <a:ext uri="{0D108BD9-81ED-4DB2-BD59-A6C34878D82A}">
+                    <a16:rowId xmlns:a16="http://schemas.microsoft.com/office/drawing/2014/main" val="712556138"/>
+                  </a:ext>
+                </a:extLst>
+              </a:tr>
+              <a:tr h="370840">
+                <a:tc>
+                  <a:txBody>
+                    <a:bodyPr/>
+                    <a:lstStyle/>
+                    <a:p>
+                      <a:r>
+                        <a:rPr lang="en-DE" dirty="0"/>
+                        <a:t>001</a:t>
+                      </a:r>
+                    </a:p>
+                  </a:txBody>
+                  <a:tcPr/>
+                </a:tc>
+                <a:tc>
+                  <a:txBody>
+                    <a:bodyPr/>
+                    <a:lstStyle/>
+                    <a:p>
+                      <a:endParaRPr lang="en-DE"/>
+                    </a:p>
+                  </a:txBody>
+                  <a:tcPr/>
+                </a:tc>
+                <a:tc>
+                  <a:txBody>
+                    <a:bodyPr/>
+                    <a:lstStyle/>
+                    <a:p>
+                      <a:endParaRPr lang="en-DE"/>
+                    </a:p>
+                  </a:txBody>
+                  <a:tcPr/>
+                </a:tc>
+                <a:tc>
+                  <a:txBody>
+                    <a:bodyPr/>
+                    <a:lstStyle/>
+                    <a:p>
+                      <a:endParaRPr lang="en-DE"/>
+                    </a:p>
+                  </a:txBody>
+                  <a:tcPr/>
+                </a:tc>
+                <a:extLst>
+                  <a:ext uri="{0D108BD9-81ED-4DB2-BD59-A6C34878D82A}">
+                    <a16:rowId xmlns:a16="http://schemas.microsoft.com/office/drawing/2014/main" val="3317126260"/>
+                  </a:ext>
+                </a:extLst>
+              </a:tr>
+              <a:tr h="370840">
+                <a:tc>
+                  <a:txBody>
+                    <a:bodyPr/>
+                    <a:lstStyle/>
+                    <a:p>
+                      <a:r>
+                        <a:rPr lang="en-DE" dirty="0"/>
+                        <a:t>002</a:t>
+                      </a:r>
+                    </a:p>
+                  </a:txBody>
+                  <a:tcPr/>
+                </a:tc>
+                <a:tc>
+                  <a:txBody>
+                    <a:bodyPr/>
+                    <a:lstStyle/>
+                    <a:p>
+                      <a:endParaRPr lang="en-DE" dirty="0"/>
+                    </a:p>
+                  </a:txBody>
+                  <a:tcPr/>
+                </a:tc>
+                <a:tc>
+                  <a:txBody>
+                    <a:bodyPr/>
+                    <a:lstStyle/>
+                    <a:p>
+                      <a:endParaRPr lang="en-DE"/>
+                    </a:p>
+                  </a:txBody>
+                  <a:tcPr/>
+                </a:tc>
+                <a:tc>
+                  <a:txBody>
+                    <a:bodyPr/>
+                    <a:lstStyle/>
+                    <a:p>
+                      <a:endParaRPr lang="en-DE"/>
+                    </a:p>
+                  </a:txBody>
+                  <a:tcPr/>
+                </a:tc>
+                <a:extLst>
+                  <a:ext uri="{0D108BD9-81ED-4DB2-BD59-A6C34878D82A}">
+                    <a16:rowId xmlns:a16="http://schemas.microsoft.com/office/drawing/2014/main" val="1119334958"/>
+                  </a:ext>
+                </a:extLst>
+              </a:tr>
+              <a:tr h="370840">
+                <a:tc>
+                  <a:txBody>
+                    <a:bodyPr/>
+                    <a:lstStyle/>
+                    <a:p>
+                      <a:r>
+                        <a:rPr lang="en-DE" dirty="0"/>
+                        <a:t>003</a:t>
+                      </a:r>
+                    </a:p>
+                  </a:txBody>
+                  <a:tcPr/>
+                </a:tc>
+                <a:tc>
+                  <a:txBody>
+                    <a:bodyPr/>
+                    <a:lstStyle/>
+                    <a:p>
+                      <a:endParaRPr lang="en-DE"/>
+                    </a:p>
+                  </a:txBody>
+                  <a:tcPr/>
+                </a:tc>
+                <a:tc>
+                  <a:txBody>
+                    <a:bodyPr/>
+                    <a:lstStyle/>
+                    <a:p>
+                      <a:endParaRPr lang="en-DE"/>
+                    </a:p>
+                  </a:txBody>
+                  <a:tcPr/>
+                </a:tc>
+                <a:tc>
+                  <a:txBody>
+                    <a:bodyPr/>
+                    <a:lstStyle/>
+                    <a:p>
+                      <a:endParaRPr lang="en-DE"/>
+                    </a:p>
+                  </a:txBody>
+                  <a:tcPr/>
+                </a:tc>
+                <a:extLst>
+                  <a:ext uri="{0D108BD9-81ED-4DB2-BD59-A6C34878D82A}">
+                    <a16:rowId xmlns:a16="http://schemas.microsoft.com/office/drawing/2014/main" val="4011287731"/>
+                  </a:ext>
+                </a:extLst>
+              </a:tr>
+              <a:tr h="370840">
+                <a:tc>
+                  <a:txBody>
+                    <a:bodyPr/>
+                    <a:lstStyle/>
+                    <a:p>
+                      <a:endParaRPr lang="en-DE"/>
+                    </a:p>
+                  </a:txBody>
+                  <a:tcPr/>
+                </a:tc>
+                <a:tc>
+                  <a:txBody>
+                    <a:bodyPr/>
+                    <a:lstStyle/>
+                    <a:p>
+                      <a:endParaRPr lang="en-DE"/>
+                    </a:p>
+                  </a:txBody>
+                  <a:tcPr/>
+                </a:tc>
+                <a:tc>
+                  <a:txBody>
+                    <a:bodyPr/>
+                    <a:lstStyle/>
+                    <a:p>
+                      <a:endParaRPr lang="en-DE"/>
+                    </a:p>
+                  </a:txBody>
+                  <a:tcPr/>
+                </a:tc>
+                <a:tc>
+                  <a:txBody>
+                    <a:bodyPr/>
+                    <a:lstStyle/>
+                    <a:p>
+                      <a:endParaRPr lang="en-DE"/>
+                    </a:p>
+                  </a:txBody>
+                  <a:tcPr/>
+                </a:tc>
+                <a:extLst>
+                  <a:ext uri="{0D108BD9-81ED-4DB2-BD59-A6C34878D82A}">
+                    <a16:rowId xmlns:a16="http://schemas.microsoft.com/office/drawing/2014/main" val="3951912939"/>
+                  </a:ext>
+                </a:extLst>
+              </a:tr>
+              <a:tr h="370840">
+                <a:tc>
+                  <a:txBody>
+                    <a:bodyPr/>
+                    <a:lstStyle/>
+                    <a:p>
+                      <a:endParaRPr lang="en-DE"/>
+                    </a:p>
+                  </a:txBody>
+                  <a:tcPr/>
+                </a:tc>
+                <a:tc>
+                  <a:txBody>
+                    <a:bodyPr/>
+                    <a:lstStyle/>
+                    <a:p>
+                      <a:endParaRPr lang="en-DE"/>
+                    </a:p>
+                  </a:txBody>
+                  <a:tcPr/>
+                </a:tc>
+                <a:tc>
+                  <a:txBody>
+                    <a:bodyPr/>
+                    <a:lstStyle/>
+                    <a:p>
+                      <a:endParaRPr lang="en-DE"/>
+                    </a:p>
+                  </a:txBody>
+                  <a:tcPr/>
+                </a:tc>
+                <a:tc>
+                  <a:txBody>
+                    <a:bodyPr/>
+                    <a:lstStyle/>
+                    <a:p>
+                      <a:endParaRPr lang="en-DE"/>
+                    </a:p>
+                  </a:txBody>
+                  <a:tcPr/>
+                </a:tc>
+                <a:extLst>
+                  <a:ext uri="{0D108BD9-81ED-4DB2-BD59-A6C34878D82A}">
+                    <a16:rowId xmlns:a16="http://schemas.microsoft.com/office/drawing/2014/main" val="910714745"/>
+                  </a:ext>
+                </a:extLst>
+              </a:tr>
+              <a:tr h="370840">
+                <a:tc>
+                  <a:txBody>
+                    <a:bodyPr/>
+                    <a:lstStyle/>
+                    <a:p>
+                      <a:endParaRPr lang="en-DE"/>
+                    </a:p>
+                  </a:txBody>
+                  <a:tcPr/>
+                </a:tc>
+                <a:tc>
+                  <a:txBody>
+                    <a:bodyPr/>
+                    <a:lstStyle/>
+                    <a:p>
+                      <a:endParaRPr lang="en-DE"/>
+                    </a:p>
+                  </a:txBody>
+                  <a:tcPr/>
+                </a:tc>
+                <a:tc>
+                  <a:txBody>
+                    <a:bodyPr/>
+                    <a:lstStyle/>
+                    <a:p>
+                      <a:endParaRPr lang="en-DE"/>
+                    </a:p>
+                  </a:txBody>
+                  <a:tcPr/>
+                </a:tc>
+                <a:tc>
+                  <a:txBody>
+                    <a:bodyPr/>
+                    <a:lstStyle/>
+                    <a:p>
+                      <a:endParaRPr lang="en-DE"/>
+                    </a:p>
+                  </a:txBody>
+                  <a:tcPr/>
+                </a:tc>
+                <a:extLst>
+                  <a:ext uri="{0D108BD9-81ED-4DB2-BD59-A6C34878D82A}">
+                    <a16:rowId xmlns:a16="http://schemas.microsoft.com/office/drawing/2014/main" val="810071938"/>
+                  </a:ext>
+                </a:extLst>
+              </a:tr>
+              <a:tr h="370840">
+                <a:tc>
+                  <a:txBody>
+                    <a:bodyPr/>
+                    <a:lstStyle/>
+                    <a:p>
+                      <a:endParaRPr lang="en-DE"/>
+                    </a:p>
+                  </a:txBody>
+                  <a:tcPr/>
+                </a:tc>
+                <a:tc>
+                  <a:txBody>
+                    <a:bodyPr/>
+                    <a:lstStyle/>
+                    <a:p>
+                      <a:endParaRPr lang="en-DE"/>
+                    </a:p>
+                  </a:txBody>
+                  <a:tcPr/>
+                </a:tc>
+                <a:tc>
+                  <a:txBody>
+                    <a:bodyPr/>
+                    <a:lstStyle/>
+                    <a:p>
+                      <a:endParaRPr lang="en-DE"/>
+                    </a:p>
+                  </a:txBody>
+                  <a:tcPr/>
+                </a:tc>
+                <a:tc>
+                  <a:txBody>
+                    <a:bodyPr/>
+                    <a:lstStyle/>
+                    <a:p>
+                      <a:endParaRPr lang="en-DE"/>
+                    </a:p>
+                  </a:txBody>
+                  <a:tcPr/>
+                </a:tc>
+                <a:extLst>
+                  <a:ext uri="{0D108BD9-81ED-4DB2-BD59-A6C34878D82A}">
+                    <a16:rowId xmlns:a16="http://schemas.microsoft.com/office/drawing/2014/main" val="646375227"/>
+                  </a:ext>
+                </a:extLst>
+              </a:tr>
+              <a:tr h="370840">
+                <a:tc>
+                  <a:txBody>
+                    <a:bodyPr/>
+                    <a:lstStyle/>
+                    <a:p>
+                      <a:endParaRPr lang="en-DE"/>
+                    </a:p>
+                  </a:txBody>
+                  <a:tcPr/>
+                </a:tc>
+                <a:tc>
+                  <a:txBody>
+                    <a:bodyPr/>
+                    <a:lstStyle/>
+                    <a:p>
+                      <a:endParaRPr lang="en-DE"/>
+                    </a:p>
+                  </a:txBody>
+                  <a:tcPr/>
+                </a:tc>
+                <a:tc>
+                  <a:txBody>
+                    <a:bodyPr/>
+                    <a:lstStyle/>
+                    <a:p>
+                      <a:endParaRPr lang="en-DE"/>
+                    </a:p>
+                  </a:txBody>
+                  <a:tcPr/>
+                </a:tc>
+                <a:tc>
+                  <a:txBody>
+                    <a:bodyPr/>
+                    <a:lstStyle/>
+                    <a:p>
+                      <a:endParaRPr lang="en-DE"/>
+                    </a:p>
+                  </a:txBody>
+                  <a:tcPr/>
+                </a:tc>
+                <a:extLst>
+                  <a:ext uri="{0D108BD9-81ED-4DB2-BD59-A6C34878D82A}">
+                    <a16:rowId xmlns:a16="http://schemas.microsoft.com/office/drawing/2014/main" val="652125406"/>
+                  </a:ext>
+                </a:extLst>
+              </a:tr>
+              <a:tr h="370840">
+                <a:tc>
+                  <a:txBody>
+                    <a:bodyPr/>
+                    <a:lstStyle/>
+                    <a:p>
+                      <a:endParaRPr lang="en-DE"/>
+                    </a:p>
+                  </a:txBody>
+                  <a:tcPr/>
+                </a:tc>
+                <a:tc>
+                  <a:txBody>
+                    <a:bodyPr/>
+                    <a:lstStyle/>
+                    <a:p>
+                      <a:endParaRPr lang="en-DE"/>
+                    </a:p>
+                  </a:txBody>
+                  <a:tcPr/>
+                </a:tc>
+                <a:tc>
+                  <a:txBody>
+                    <a:bodyPr/>
+                    <a:lstStyle/>
+                    <a:p>
+                      <a:endParaRPr lang="en-DE"/>
+                    </a:p>
+                  </a:txBody>
+                  <a:tcPr/>
+                </a:tc>
+                <a:tc>
+                  <a:txBody>
+                    <a:bodyPr/>
+                    <a:lstStyle/>
+                    <a:p>
+                      <a:endParaRPr lang="en-DE" dirty="0"/>
+                    </a:p>
+                  </a:txBody>
+                  <a:tcPr/>
+                </a:tc>
+                <a:extLst>
+                  <a:ext uri="{0D108BD9-81ED-4DB2-BD59-A6C34878D82A}">
+                    <a16:rowId xmlns:a16="http://schemas.microsoft.com/office/drawing/2014/main" val="2384931300"/>
+                  </a:ext>
+                </a:extLst>
+              </a:tr>
+            </a:tbl>
+          </a:graphicData>
+        </a:graphic>
+      </p:graphicFrame>
+    </p:spTree>
+    <p:extLst>
+      <p:ext uri="{BB962C8B-B14F-4D97-AF65-F5344CB8AC3E}">
+        <p14:creationId xmlns:p14="http://schemas.microsoft.com/office/powerpoint/2010/main" val="4076420045"/>
       </p:ext>
     </p:extLst>
   </p:cSld>

--- a/project_managment/Presentation.pptx
+++ b/project_managment/Presentation.pptx
@@ -4,6 +4,9 @@
   <p:sldMasterIdLst>
     <p:sldMasterId id="2147483648" r:id="rId1"/>
   </p:sldMasterIdLst>
+  <p:notesMasterIdLst>
+    <p:notesMasterId r:id="rId9"/>
+  </p:notesMasterIdLst>
   <p:sldIdLst>
     <p:sldId id="256" r:id="rId2"/>
     <p:sldId id="257" r:id="rId3"/>
@@ -11,6 +14,7 @@
     <p:sldId id="259" r:id="rId5"/>
     <p:sldId id="260" r:id="rId6"/>
     <p:sldId id="261" r:id="rId7"/>
+    <p:sldId id="262" r:id="rId8"/>
   </p:sldIdLst>
   <p:sldSz cx="12192000" cy="6858000"/>
   <p:notesSz cx="6858000" cy="9144000"/>
@@ -110,6 +114,440 @@
     </a:lvl9pPr>
   </p:defaultTextStyle>
 </p:presentation>
+</file>
+
+<file path=ppt/notesMasters/notesMaster1.xml><?xml version="1.0" encoding="utf-8"?>
+<p:notesMaster xmlns:a="http://schemas.openxmlformats.org/drawingml/2006/main" xmlns:r="http://schemas.openxmlformats.org/officeDocument/2006/relationships" xmlns:p="http://schemas.openxmlformats.org/presentationml/2006/main">
+  <p:cSld>
+    <p:bg>
+      <p:bgRef idx="1001">
+        <a:schemeClr val="bg1"/>
+      </p:bgRef>
+    </p:bg>
+    <p:spTree>
+      <p:nvGrpSpPr>
+        <p:cNvPr id="1" name=""/>
+        <p:cNvGrpSpPr/>
+        <p:nvPr/>
+      </p:nvGrpSpPr>
+      <p:grpSpPr>
+        <a:xfrm>
+          <a:off x="0" y="0"/>
+          <a:ext cx="0" cy="0"/>
+          <a:chOff x="0" y="0"/>
+          <a:chExt cx="0" cy="0"/>
+        </a:xfrm>
+      </p:grpSpPr>
+      <p:sp>
+        <p:nvSpPr>
+          <p:cNvPr id="2" name="Header Placeholder 1"/>
+          <p:cNvSpPr>
+            <a:spLocks noGrp="1"/>
+          </p:cNvSpPr>
+          <p:nvPr>
+            <p:ph type="hdr" sz="quarter"/>
+          </p:nvPr>
+        </p:nvSpPr>
+        <p:spPr>
+          <a:xfrm>
+            <a:off x="0" y="0"/>
+            <a:ext cx="2971800" cy="458788"/>
+          </a:xfrm>
+          <a:prstGeom prst="rect">
+            <a:avLst/>
+          </a:prstGeom>
+        </p:spPr>
+        <p:txBody>
+          <a:bodyPr vert="horz" lIns="91440" tIns="45720" rIns="91440" bIns="45720" rtlCol="0"/>
+          <a:lstStyle>
+            <a:lvl1pPr algn="l">
+              <a:defRPr sz="1200"/>
+            </a:lvl1pPr>
+          </a:lstStyle>
+          <a:p>
+            <a:endParaRPr lang="en-DE"/>
+          </a:p>
+        </p:txBody>
+      </p:sp>
+      <p:sp>
+        <p:nvSpPr>
+          <p:cNvPr id="3" name="Date Placeholder 2"/>
+          <p:cNvSpPr>
+            <a:spLocks noGrp="1"/>
+          </p:cNvSpPr>
+          <p:nvPr>
+            <p:ph type="dt" idx="1"/>
+          </p:nvPr>
+        </p:nvSpPr>
+        <p:spPr>
+          <a:xfrm>
+            <a:off x="3884613" y="0"/>
+            <a:ext cx="2971800" cy="458788"/>
+          </a:xfrm>
+          <a:prstGeom prst="rect">
+            <a:avLst/>
+          </a:prstGeom>
+        </p:spPr>
+        <p:txBody>
+          <a:bodyPr vert="horz" lIns="91440" tIns="45720" rIns="91440" bIns="45720" rtlCol="0"/>
+          <a:lstStyle>
+            <a:lvl1pPr algn="r">
+              <a:defRPr sz="1200"/>
+            </a:lvl1pPr>
+          </a:lstStyle>
+          <a:p>
+            <a:fld id="{401AF56D-A891-1E47-ADA4-0E5256E2EB53}" type="datetimeFigureOut">
+              <a:rPr lang="en-DE" smtClean="0"/>
+              <a:t>24.05.24</a:t>
+            </a:fld>
+            <a:endParaRPr lang="en-DE"/>
+          </a:p>
+        </p:txBody>
+      </p:sp>
+      <p:sp>
+        <p:nvSpPr>
+          <p:cNvPr id="4" name="Slide Image Placeholder 3"/>
+          <p:cNvSpPr>
+            <a:spLocks noGrp="1" noRot="1" noChangeAspect="1"/>
+          </p:cNvSpPr>
+          <p:nvPr>
+            <p:ph type="sldImg" idx="2"/>
+          </p:nvPr>
+        </p:nvSpPr>
+        <p:spPr>
+          <a:xfrm>
+            <a:off x="685800" y="1143000"/>
+            <a:ext cx="5486400" cy="3086100"/>
+          </a:xfrm>
+          <a:prstGeom prst="rect">
+            <a:avLst/>
+          </a:prstGeom>
+          <a:noFill/>
+          <a:ln w="12700">
+            <a:solidFill>
+              <a:prstClr val="black"/>
+            </a:solidFill>
+          </a:ln>
+        </p:spPr>
+        <p:txBody>
+          <a:bodyPr vert="horz" lIns="91440" tIns="45720" rIns="91440" bIns="45720" rtlCol="0" anchor="ctr"/>
+          <a:lstStyle/>
+          <a:p>
+            <a:endParaRPr lang="en-DE"/>
+          </a:p>
+        </p:txBody>
+      </p:sp>
+      <p:sp>
+        <p:nvSpPr>
+          <p:cNvPr id="5" name="Notes Placeholder 4"/>
+          <p:cNvSpPr>
+            <a:spLocks noGrp="1"/>
+          </p:cNvSpPr>
+          <p:nvPr>
+            <p:ph type="body" sz="quarter" idx="3"/>
+          </p:nvPr>
+        </p:nvSpPr>
+        <p:spPr>
+          <a:xfrm>
+            <a:off x="685800" y="4400550"/>
+            <a:ext cx="5486400" cy="3600450"/>
+          </a:xfrm>
+          <a:prstGeom prst="rect">
+            <a:avLst/>
+          </a:prstGeom>
+        </p:spPr>
+        <p:txBody>
+          <a:bodyPr vert="horz" lIns="91440" tIns="45720" rIns="91440" bIns="45720" rtlCol="0"/>
+          <a:lstStyle/>
+          <a:p>
+            <a:pPr lvl="0"/>
+            <a:r>
+              <a:rPr lang="en-GB"/>
+              <a:t>Click to edit Master text styles</a:t>
+            </a:r>
+          </a:p>
+          <a:p>
+            <a:pPr lvl="1"/>
+            <a:r>
+              <a:rPr lang="en-GB"/>
+              <a:t>Second level</a:t>
+            </a:r>
+          </a:p>
+          <a:p>
+            <a:pPr lvl="2"/>
+            <a:r>
+              <a:rPr lang="en-GB"/>
+              <a:t>Third level</a:t>
+            </a:r>
+          </a:p>
+          <a:p>
+            <a:pPr lvl="3"/>
+            <a:r>
+              <a:rPr lang="en-GB"/>
+              <a:t>Fourth level</a:t>
+            </a:r>
+          </a:p>
+          <a:p>
+            <a:pPr lvl="4"/>
+            <a:r>
+              <a:rPr lang="en-GB"/>
+              <a:t>Fifth level</a:t>
+            </a:r>
+            <a:endParaRPr lang="en-DE"/>
+          </a:p>
+        </p:txBody>
+      </p:sp>
+      <p:sp>
+        <p:nvSpPr>
+          <p:cNvPr id="6" name="Footer Placeholder 5"/>
+          <p:cNvSpPr>
+            <a:spLocks noGrp="1"/>
+          </p:cNvSpPr>
+          <p:nvPr>
+            <p:ph type="ftr" sz="quarter" idx="4"/>
+          </p:nvPr>
+        </p:nvSpPr>
+        <p:spPr>
+          <a:xfrm>
+            <a:off x="0" y="8685213"/>
+            <a:ext cx="2971800" cy="458787"/>
+          </a:xfrm>
+          <a:prstGeom prst="rect">
+            <a:avLst/>
+          </a:prstGeom>
+        </p:spPr>
+        <p:txBody>
+          <a:bodyPr vert="horz" lIns="91440" tIns="45720" rIns="91440" bIns="45720" rtlCol="0" anchor="b"/>
+          <a:lstStyle>
+            <a:lvl1pPr algn="l">
+              <a:defRPr sz="1200"/>
+            </a:lvl1pPr>
+          </a:lstStyle>
+          <a:p>
+            <a:endParaRPr lang="en-DE"/>
+          </a:p>
+        </p:txBody>
+      </p:sp>
+      <p:sp>
+        <p:nvSpPr>
+          <p:cNvPr id="7" name="Slide Number Placeholder 6"/>
+          <p:cNvSpPr>
+            <a:spLocks noGrp="1"/>
+          </p:cNvSpPr>
+          <p:nvPr>
+            <p:ph type="sldNum" sz="quarter" idx="5"/>
+          </p:nvPr>
+        </p:nvSpPr>
+        <p:spPr>
+          <a:xfrm>
+            <a:off x="3884613" y="8685213"/>
+            <a:ext cx="2971800" cy="458787"/>
+          </a:xfrm>
+          <a:prstGeom prst="rect">
+            <a:avLst/>
+          </a:prstGeom>
+        </p:spPr>
+        <p:txBody>
+          <a:bodyPr vert="horz" lIns="91440" tIns="45720" rIns="91440" bIns="45720" rtlCol="0" anchor="b"/>
+          <a:lstStyle>
+            <a:lvl1pPr algn="r">
+              <a:defRPr sz="1200"/>
+            </a:lvl1pPr>
+          </a:lstStyle>
+          <a:p>
+            <a:fld id="{124B74E8-2CB9-4B43-A677-99F470D1B8ED}" type="slidenum">
+              <a:rPr lang="en-DE" smtClean="0"/>
+              <a:t>‹#›</a:t>
+            </a:fld>
+            <a:endParaRPr lang="en-DE"/>
+          </a:p>
+        </p:txBody>
+      </p:sp>
+    </p:spTree>
+    <p:extLst>
+      <p:ext uri="{BB962C8B-B14F-4D97-AF65-F5344CB8AC3E}">
+        <p14:creationId xmlns:p14="http://schemas.microsoft.com/office/powerpoint/2010/main" val="1190348234"/>
+      </p:ext>
+    </p:extLst>
+  </p:cSld>
+  <p:clrMap bg1="lt1" tx1="dk1" bg2="lt2" tx2="dk2" accent1="accent1" accent2="accent2" accent3="accent3" accent4="accent4" accent5="accent5" accent6="accent6" hlink="hlink" folHlink="folHlink"/>
+  <p:notesStyle>
+    <a:lvl1pPr marL="0" algn="l" defTabSz="914400" rtl="0" eaLnBrk="1" latinLnBrk="0" hangingPunct="1">
+      <a:defRPr sz="1200" kern="1200">
+        <a:solidFill>
+          <a:schemeClr val="tx1"/>
+        </a:solidFill>
+        <a:latin typeface="+mn-lt"/>
+        <a:ea typeface="+mn-ea"/>
+        <a:cs typeface="+mn-cs"/>
+      </a:defRPr>
+    </a:lvl1pPr>
+    <a:lvl2pPr marL="457200" algn="l" defTabSz="914400" rtl="0" eaLnBrk="1" latinLnBrk="0" hangingPunct="1">
+      <a:defRPr sz="1200" kern="1200">
+        <a:solidFill>
+          <a:schemeClr val="tx1"/>
+        </a:solidFill>
+        <a:latin typeface="+mn-lt"/>
+        <a:ea typeface="+mn-ea"/>
+        <a:cs typeface="+mn-cs"/>
+      </a:defRPr>
+    </a:lvl2pPr>
+    <a:lvl3pPr marL="914400" algn="l" defTabSz="914400" rtl="0" eaLnBrk="1" latinLnBrk="0" hangingPunct="1">
+      <a:defRPr sz="1200" kern="1200">
+        <a:solidFill>
+          <a:schemeClr val="tx1"/>
+        </a:solidFill>
+        <a:latin typeface="+mn-lt"/>
+        <a:ea typeface="+mn-ea"/>
+        <a:cs typeface="+mn-cs"/>
+      </a:defRPr>
+    </a:lvl3pPr>
+    <a:lvl4pPr marL="1371600" algn="l" defTabSz="914400" rtl="0" eaLnBrk="1" latinLnBrk="0" hangingPunct="1">
+      <a:defRPr sz="1200" kern="1200">
+        <a:solidFill>
+          <a:schemeClr val="tx1"/>
+        </a:solidFill>
+        <a:latin typeface="+mn-lt"/>
+        <a:ea typeface="+mn-ea"/>
+        <a:cs typeface="+mn-cs"/>
+      </a:defRPr>
+    </a:lvl4pPr>
+    <a:lvl5pPr marL="1828800" algn="l" defTabSz="914400" rtl="0" eaLnBrk="1" latinLnBrk="0" hangingPunct="1">
+      <a:defRPr sz="1200" kern="1200">
+        <a:solidFill>
+          <a:schemeClr val="tx1"/>
+        </a:solidFill>
+        <a:latin typeface="+mn-lt"/>
+        <a:ea typeface="+mn-ea"/>
+        <a:cs typeface="+mn-cs"/>
+      </a:defRPr>
+    </a:lvl5pPr>
+    <a:lvl6pPr marL="2286000" algn="l" defTabSz="914400" rtl="0" eaLnBrk="1" latinLnBrk="0" hangingPunct="1">
+      <a:defRPr sz="1200" kern="1200">
+        <a:solidFill>
+          <a:schemeClr val="tx1"/>
+        </a:solidFill>
+        <a:latin typeface="+mn-lt"/>
+        <a:ea typeface="+mn-ea"/>
+        <a:cs typeface="+mn-cs"/>
+      </a:defRPr>
+    </a:lvl6pPr>
+    <a:lvl7pPr marL="2743200" algn="l" defTabSz="914400" rtl="0" eaLnBrk="1" latinLnBrk="0" hangingPunct="1">
+      <a:defRPr sz="1200" kern="1200">
+        <a:solidFill>
+          <a:schemeClr val="tx1"/>
+        </a:solidFill>
+        <a:latin typeface="+mn-lt"/>
+        <a:ea typeface="+mn-ea"/>
+        <a:cs typeface="+mn-cs"/>
+      </a:defRPr>
+    </a:lvl7pPr>
+    <a:lvl8pPr marL="3200400" algn="l" defTabSz="914400" rtl="0" eaLnBrk="1" latinLnBrk="0" hangingPunct="1">
+      <a:defRPr sz="1200" kern="1200">
+        <a:solidFill>
+          <a:schemeClr val="tx1"/>
+        </a:solidFill>
+        <a:latin typeface="+mn-lt"/>
+        <a:ea typeface="+mn-ea"/>
+        <a:cs typeface="+mn-cs"/>
+      </a:defRPr>
+    </a:lvl8pPr>
+    <a:lvl9pPr marL="3657600" algn="l" defTabSz="914400" rtl="0" eaLnBrk="1" latinLnBrk="0" hangingPunct="1">
+      <a:defRPr sz="1200" kern="1200">
+        <a:solidFill>
+          <a:schemeClr val="tx1"/>
+        </a:solidFill>
+        <a:latin typeface="+mn-lt"/>
+        <a:ea typeface="+mn-ea"/>
+        <a:cs typeface="+mn-cs"/>
+      </a:defRPr>
+    </a:lvl9pPr>
+  </p:notesStyle>
+</p:notesMaster>
+</file>
+
+<file path=ppt/notesSlides/notesSlide1.xml><?xml version="1.0" encoding="utf-8"?>
+<p:notes xmlns:a="http://schemas.openxmlformats.org/drawingml/2006/main" xmlns:r="http://schemas.openxmlformats.org/officeDocument/2006/relationships" xmlns:p="http://schemas.openxmlformats.org/presentationml/2006/main">
+  <p:cSld>
+    <p:spTree>
+      <p:nvGrpSpPr>
+        <p:cNvPr id="1" name=""/>
+        <p:cNvGrpSpPr/>
+        <p:nvPr/>
+      </p:nvGrpSpPr>
+      <p:grpSpPr>
+        <a:xfrm>
+          <a:off x="0" y="0"/>
+          <a:ext cx="0" cy="0"/>
+          <a:chOff x="0" y="0"/>
+          <a:chExt cx="0" cy="0"/>
+        </a:xfrm>
+      </p:grpSpPr>
+      <p:sp>
+        <p:nvSpPr>
+          <p:cNvPr id="2" name="Slide Image Placeholder 1"/>
+          <p:cNvSpPr>
+            <a:spLocks noGrp="1" noRot="1" noChangeAspect="1"/>
+          </p:cNvSpPr>
+          <p:nvPr>
+            <p:ph type="sldImg"/>
+          </p:nvPr>
+        </p:nvSpPr>
+        <p:spPr/>
+      </p:sp>
+      <p:sp>
+        <p:nvSpPr>
+          <p:cNvPr id="3" name="Notes Placeholder 2"/>
+          <p:cNvSpPr>
+            <a:spLocks noGrp="1"/>
+          </p:cNvSpPr>
+          <p:nvPr>
+            <p:ph type="body" idx="1"/>
+          </p:nvPr>
+        </p:nvSpPr>
+        <p:spPr/>
+        <p:txBody>
+          <a:bodyPr/>
+          <a:lstStyle/>
+          <a:p>
+            <a:endParaRPr lang="en-DE" dirty="0"/>
+          </a:p>
+        </p:txBody>
+      </p:sp>
+      <p:sp>
+        <p:nvSpPr>
+          <p:cNvPr id="4" name="Slide Number Placeholder 3"/>
+          <p:cNvSpPr>
+            <a:spLocks noGrp="1"/>
+          </p:cNvSpPr>
+          <p:nvPr>
+            <p:ph type="sldNum" sz="quarter" idx="5"/>
+          </p:nvPr>
+        </p:nvSpPr>
+        <p:spPr/>
+        <p:txBody>
+          <a:bodyPr/>
+          <a:lstStyle/>
+          <a:p>
+            <a:fld id="{124B74E8-2CB9-4B43-A677-99F470D1B8ED}" type="slidenum">
+              <a:rPr lang="en-DE" smtClean="0"/>
+              <a:t>6</a:t>
+            </a:fld>
+            <a:endParaRPr lang="en-DE"/>
+          </a:p>
+        </p:txBody>
+      </p:sp>
+    </p:spTree>
+    <p:extLst>
+      <p:ext uri="{BB962C8B-B14F-4D97-AF65-F5344CB8AC3E}">
+        <p14:creationId xmlns:p14="http://schemas.microsoft.com/office/powerpoint/2010/main" val="3481128882"/>
+      </p:ext>
+    </p:extLst>
+  </p:cSld>
+  <p:clrMapOvr>
+    <a:masterClrMapping/>
+  </p:clrMapOvr>
+</p:notes>
 </file>
 
 <file path=ppt/slideLayouts/slideLayout1.xml><?xml version="1.0" encoding="utf-8"?>
@@ -4486,6 +4924,16 @@
               <a:t>Planung der Präsentation</a:t>
             </a:r>
           </a:p>
+          <a:p>
+            <a:pPr marL="971550" lvl="1" indent="-514350">
+              <a:buFont typeface="+mj-lt"/>
+              <a:buAutoNum type="arabicPeriod"/>
+            </a:pPr>
+            <a:r>
+              <a:rPr lang="en-DE" dirty="0"/>
+              <a:t>Präsentation</a:t>
+            </a:r>
+          </a:p>
         </p:txBody>
       </p:sp>
     </p:spTree>
@@ -4562,14 +5010,14 @@
             <p:ph idx="1"/>
             <p:extLst>
               <p:ext uri="{D42A27DB-BD31-4B8C-83A1-F6EECF244321}">
-                <p14:modId xmlns:p14="http://schemas.microsoft.com/office/powerpoint/2010/main" val="2158999136"/>
+                <p14:modId xmlns:p14="http://schemas.microsoft.com/office/powerpoint/2010/main" val="4214766079"/>
               </p:ext>
             </p:extLst>
           </p:nvPr>
         </p:nvGraphicFramePr>
         <p:xfrm>
           <a:off x="838200" y="1825625"/>
-          <a:ext cx="10515600" cy="3708400"/>
+          <a:ext cx="10515600" cy="4450080"/>
         </p:xfrm>
         <a:graphic>
           <a:graphicData uri="http://schemas.openxmlformats.org/drawingml/2006/table">
@@ -4581,28 +5029,28 @@
                 <a:tableStyleId>{21E4AEA4-8DFA-4A89-87EB-49C32662AFE0}</a:tableStyleId>
               </a:tblPr>
               <a:tblGrid>
-                <a:gridCol w="2628900">
+                <a:gridCol w="1079665">
                   <a:extLst>
                     <a:ext uri="{9D8B030D-6E8A-4147-A177-3AD203B41FA5}">
                       <a16:colId xmlns:a16="http://schemas.microsoft.com/office/drawing/2014/main" val="1935207542"/>
                     </a:ext>
                   </a:extLst>
                 </a:gridCol>
-                <a:gridCol w="2628900">
+                <a:gridCol w="4773880">
                   <a:extLst>
                     <a:ext uri="{9D8B030D-6E8A-4147-A177-3AD203B41FA5}">
                       <a16:colId xmlns:a16="http://schemas.microsoft.com/office/drawing/2014/main" val="1180961405"/>
                     </a:ext>
                   </a:extLst>
                 </a:gridCol>
-                <a:gridCol w="2628900">
+                <a:gridCol w="1306286">
                   <a:extLst>
                     <a:ext uri="{9D8B030D-6E8A-4147-A177-3AD203B41FA5}">
                       <a16:colId xmlns:a16="http://schemas.microsoft.com/office/drawing/2014/main" val="3318192054"/>
                     </a:ext>
                   </a:extLst>
                 </a:gridCol>
-                <a:gridCol w="2628900">
+                <a:gridCol w="3355769">
                   <a:extLst>
                     <a:ext uri="{9D8B030D-6E8A-4147-A177-3AD203B41FA5}">
                       <a16:colId xmlns:a16="http://schemas.microsoft.com/office/drawing/2014/main" val="2832026615"/>
@@ -4688,27 +5136,33 @@
                     <a:bodyPr/>
                     <a:lstStyle/>
                     <a:p>
-                      <a:endParaRPr lang="en-DE"/>
-                    </a:p>
-                  </a:txBody>
-                  <a:tcPr/>
-                </a:tc>
-                <a:tc>
-                  <a:txBody>
-                    <a:bodyPr/>
-                    <a:lstStyle/>
-                    <a:p>
-                      <a:endParaRPr lang="en-DE"/>
-                    </a:p>
-                  </a:txBody>
-                  <a:tcPr/>
-                </a:tc>
-                <a:tc>
-                  <a:txBody>
-                    <a:bodyPr/>
-                    <a:lstStyle/>
-                    <a:p>
-                      <a:endParaRPr lang="en-DE"/>
+                      <a:r>
+                        <a:rPr lang="en-DE" dirty="0"/>
+                        <a:t>Rollen Verteilung</a:t>
+                      </a:r>
+                    </a:p>
+                  </a:txBody>
+                  <a:tcPr/>
+                </a:tc>
+                <a:tc>
+                  <a:txBody>
+                    <a:bodyPr/>
+                    <a:lstStyle/>
+                    <a:p>
+                      <a:r>
+                        <a:rPr lang="en-DE" dirty="0"/>
+                        <a:t>1d</a:t>
+                      </a:r>
+                    </a:p>
+                  </a:txBody>
+                  <a:tcPr/>
+                </a:tc>
+                <a:tc>
+                  <a:txBody>
+                    <a:bodyPr/>
+                    <a:lstStyle/>
+                    <a:p>
+                      <a:endParaRPr lang="en-DE" dirty="0"/>
                     </a:p>
                   </a:txBody>
                   <a:tcPr/>
@@ -4738,27 +5192,33 @@
                     <a:bodyPr/>
                     <a:lstStyle/>
                     <a:p>
+                      <a:r>
+                        <a:rPr lang="en-DE" dirty="0"/>
+                        <a:t>Klärung der Anforderungen</a:t>
+                      </a:r>
+                    </a:p>
+                  </a:txBody>
+                  <a:tcPr/>
+                </a:tc>
+                <a:tc>
+                  <a:txBody>
+                    <a:bodyPr/>
+                    <a:lstStyle/>
+                    <a:p>
+                      <a:r>
+                        <a:rPr lang="en-DE" dirty="0"/>
+                        <a:t>1d</a:t>
+                      </a:r>
+                    </a:p>
+                  </a:txBody>
+                  <a:tcPr/>
+                </a:tc>
+                <a:tc>
+                  <a:txBody>
+                    <a:bodyPr/>
+                    <a:lstStyle/>
+                    <a:p>
                       <a:endParaRPr lang="en-DE" dirty="0"/>
-                    </a:p>
-                  </a:txBody>
-                  <a:tcPr/>
-                </a:tc>
-                <a:tc>
-                  <a:txBody>
-                    <a:bodyPr/>
-                    <a:lstStyle/>
-                    <a:p>
-                      <a:endParaRPr lang="en-DE"/>
-                    </a:p>
-                  </a:txBody>
-                  <a:tcPr/>
-                </a:tc>
-                <a:tc>
-                  <a:txBody>
-                    <a:bodyPr/>
-                    <a:lstStyle/>
-                    <a:p>
-                      <a:endParaRPr lang="en-DE"/>
                     </a:p>
                   </a:txBody>
                   <a:tcPr/>
@@ -4788,27 +5248,36 @@
                     <a:bodyPr/>
                     <a:lstStyle/>
                     <a:p>
-                      <a:endParaRPr lang="en-DE"/>
-                    </a:p>
-                  </a:txBody>
-                  <a:tcPr/>
-                </a:tc>
-                <a:tc>
-                  <a:txBody>
-                    <a:bodyPr/>
-                    <a:lstStyle/>
-                    <a:p>
-                      <a:endParaRPr lang="en-DE"/>
-                    </a:p>
-                  </a:txBody>
-                  <a:tcPr/>
-                </a:tc>
-                <a:tc>
-                  <a:txBody>
-                    <a:bodyPr/>
-                    <a:lstStyle/>
-                    <a:p>
-                      <a:endParaRPr lang="en-DE"/>
+                      <a:r>
+                        <a:rPr lang="en-DE" dirty="0"/>
+                        <a:t>Schreiben des Backlogs</a:t>
+                      </a:r>
+                    </a:p>
+                  </a:txBody>
+                  <a:tcPr/>
+                </a:tc>
+                <a:tc>
+                  <a:txBody>
+                    <a:bodyPr/>
+                    <a:lstStyle/>
+                    <a:p>
+                      <a:r>
+                        <a:rPr lang="en-DE" dirty="0"/>
+                        <a:t>3d</a:t>
+                      </a:r>
+                    </a:p>
+                  </a:txBody>
+                  <a:tcPr/>
+                </a:tc>
+                <a:tc>
+                  <a:txBody>
+                    <a:bodyPr/>
+                    <a:lstStyle/>
+                    <a:p>
+                      <a:r>
+                        <a:rPr lang="en-DE" dirty="0"/>
+                        <a:t>001, 002</a:t>
+                      </a:r>
                     </a:p>
                   </a:txBody>
                   <a:tcPr/>
@@ -4825,37 +5294,49 @@
                     <a:bodyPr/>
                     <a:lstStyle/>
                     <a:p>
-                      <a:endParaRPr lang="en-DE"/>
-                    </a:p>
-                  </a:txBody>
-                  <a:tcPr/>
-                </a:tc>
-                <a:tc>
-                  <a:txBody>
-                    <a:bodyPr/>
-                    <a:lstStyle/>
-                    <a:p>
-                      <a:endParaRPr lang="en-DE"/>
-                    </a:p>
-                  </a:txBody>
-                  <a:tcPr/>
-                </a:tc>
-                <a:tc>
-                  <a:txBody>
-                    <a:bodyPr/>
-                    <a:lstStyle/>
-                    <a:p>
-                      <a:endParaRPr lang="en-DE"/>
-                    </a:p>
-                  </a:txBody>
-                  <a:tcPr/>
-                </a:tc>
-                <a:tc>
-                  <a:txBody>
-                    <a:bodyPr/>
-                    <a:lstStyle/>
-                    <a:p>
-                      <a:endParaRPr lang="en-DE"/>
+                      <a:r>
+                        <a:rPr lang="en-DE" dirty="0"/>
+                        <a:t>004</a:t>
+                      </a:r>
+                    </a:p>
+                  </a:txBody>
+                  <a:tcPr/>
+                </a:tc>
+                <a:tc>
+                  <a:txBody>
+                    <a:bodyPr/>
+                    <a:lstStyle/>
+                    <a:p>
+                      <a:r>
+                        <a:rPr lang="en-DE" dirty="0"/>
+                        <a:t>Festlegen des Frameworks und der Sprachen</a:t>
+                      </a:r>
+                    </a:p>
+                  </a:txBody>
+                  <a:tcPr/>
+                </a:tc>
+                <a:tc>
+                  <a:txBody>
+                    <a:bodyPr/>
+                    <a:lstStyle/>
+                    <a:p>
+                      <a:r>
+                        <a:rPr lang="en-DE" dirty="0"/>
+                        <a:t>1d</a:t>
+                      </a:r>
+                    </a:p>
+                  </a:txBody>
+                  <a:tcPr/>
+                </a:tc>
+                <a:tc>
+                  <a:txBody>
+                    <a:bodyPr/>
+                    <a:lstStyle/>
+                    <a:p>
+                      <a:r>
+                        <a:rPr lang="en-DE" dirty="0"/>
+                        <a:t>003</a:t>
+                      </a:r>
                     </a:p>
                   </a:txBody>
                   <a:tcPr/>
@@ -4872,37 +5353,46 @@
                     <a:bodyPr/>
                     <a:lstStyle/>
                     <a:p>
-                      <a:endParaRPr lang="en-DE"/>
-                    </a:p>
-                  </a:txBody>
-                  <a:tcPr/>
-                </a:tc>
-                <a:tc>
-                  <a:txBody>
-                    <a:bodyPr/>
-                    <a:lstStyle/>
-                    <a:p>
-                      <a:endParaRPr lang="en-DE"/>
-                    </a:p>
-                  </a:txBody>
-                  <a:tcPr/>
-                </a:tc>
-                <a:tc>
-                  <a:txBody>
-                    <a:bodyPr/>
-                    <a:lstStyle/>
-                    <a:p>
-                      <a:endParaRPr lang="en-DE"/>
-                    </a:p>
-                  </a:txBody>
-                  <a:tcPr/>
-                </a:tc>
-                <a:tc>
-                  <a:txBody>
-                    <a:bodyPr/>
-                    <a:lstStyle/>
-                    <a:p>
-                      <a:endParaRPr lang="en-DE"/>
+                      <a:r>
+                        <a:rPr lang="en-DE" dirty="0"/>
+                        <a:t>005</a:t>
+                      </a:r>
+                    </a:p>
+                  </a:txBody>
+                  <a:tcPr/>
+                </a:tc>
+                <a:tc>
+                  <a:txBody>
+                    <a:bodyPr/>
+                    <a:lstStyle/>
+                    <a:p>
+                      <a:r>
+                        <a:rPr lang="en-DE" dirty="0"/>
+                        <a:t>Design des Frontends</a:t>
+                      </a:r>
+                    </a:p>
+                  </a:txBody>
+                  <a:tcPr/>
+                </a:tc>
+                <a:tc>
+                  <a:txBody>
+                    <a:bodyPr/>
+                    <a:lstStyle/>
+                    <a:p>
+                      <a:endParaRPr lang="en-DE" dirty="0"/>
+                    </a:p>
+                  </a:txBody>
+                  <a:tcPr/>
+                </a:tc>
+                <a:tc>
+                  <a:txBody>
+                    <a:bodyPr/>
+                    <a:lstStyle/>
+                    <a:p>
+                      <a:r>
+                        <a:rPr lang="en-DE" dirty="0"/>
+                        <a:t>003, 004</a:t>
+                      </a:r>
                     </a:p>
                   </a:txBody>
                   <a:tcPr/>
@@ -4919,6 +5409,32 @@
                     <a:bodyPr/>
                     <a:lstStyle/>
                     <a:p>
+                      <a:r>
+                        <a:rPr lang="en-DE" dirty="0"/>
+                        <a:t>006</a:t>
+                      </a:r>
+                    </a:p>
+                  </a:txBody>
+                  <a:tcPr/>
+                </a:tc>
+                <a:tc>
+                  <a:txBody>
+                    <a:bodyPr/>
+                    <a:lstStyle/>
+                    <a:p>
+                      <a:r>
+                        <a:rPr lang="en-DE" dirty="0"/>
+                        <a:t>Planung des Backends</a:t>
+                      </a:r>
+                    </a:p>
+                  </a:txBody>
+                  <a:tcPr/>
+                </a:tc>
+                <a:tc>
+                  <a:txBody>
+                    <a:bodyPr/>
+                    <a:lstStyle/>
+                    <a:p>
                       <a:endParaRPr lang="en-DE"/>
                     </a:p>
                   </a:txBody>
@@ -4929,27 +5445,10 @@
                     <a:bodyPr/>
                     <a:lstStyle/>
                     <a:p>
-                      <a:endParaRPr lang="en-DE"/>
-                    </a:p>
-                  </a:txBody>
-                  <a:tcPr/>
-                </a:tc>
-                <a:tc>
-                  <a:txBody>
-                    <a:bodyPr/>
-                    <a:lstStyle/>
-                    <a:p>
-                      <a:endParaRPr lang="en-DE"/>
-                    </a:p>
-                  </a:txBody>
-                  <a:tcPr/>
-                </a:tc>
-                <a:tc>
-                  <a:txBody>
-                    <a:bodyPr/>
-                    <a:lstStyle/>
-                    <a:p>
-                      <a:endParaRPr lang="en-DE"/>
+                      <a:r>
+                        <a:rPr lang="en-DE" dirty="0"/>
+                        <a:t>003, 004</a:t>
+                      </a:r>
                     </a:p>
                   </a:txBody>
                   <a:tcPr/>
@@ -4966,6 +5465,32 @@
                     <a:bodyPr/>
                     <a:lstStyle/>
                     <a:p>
+                      <a:r>
+                        <a:rPr lang="en-DE" dirty="0"/>
+                        <a:t>007</a:t>
+                      </a:r>
+                    </a:p>
+                  </a:txBody>
+                  <a:tcPr/>
+                </a:tc>
+                <a:tc>
+                  <a:txBody>
+                    <a:bodyPr/>
+                    <a:lstStyle/>
+                    <a:p>
+                      <a:r>
+                        <a:rPr lang="en-DE" dirty="0"/>
+                        <a:t>Implementation</a:t>
+                      </a:r>
+                    </a:p>
+                  </a:txBody>
+                  <a:tcPr/>
+                </a:tc>
+                <a:tc>
+                  <a:txBody>
+                    <a:bodyPr/>
+                    <a:lstStyle/>
+                    <a:p>
                       <a:endParaRPr lang="en-DE"/>
                     </a:p>
                   </a:txBody>
@@ -4976,27 +5501,10 @@
                     <a:bodyPr/>
                     <a:lstStyle/>
                     <a:p>
-                      <a:endParaRPr lang="en-DE"/>
-                    </a:p>
-                  </a:txBody>
-                  <a:tcPr/>
-                </a:tc>
-                <a:tc>
-                  <a:txBody>
-                    <a:bodyPr/>
-                    <a:lstStyle/>
-                    <a:p>
-                      <a:endParaRPr lang="en-DE"/>
-                    </a:p>
-                  </a:txBody>
-                  <a:tcPr/>
-                </a:tc>
-                <a:tc>
-                  <a:txBody>
-                    <a:bodyPr/>
-                    <a:lstStyle/>
-                    <a:p>
-                      <a:endParaRPr lang="en-DE"/>
+                      <a:r>
+                        <a:rPr lang="en-DE" dirty="0"/>
+                        <a:t>003, 005, 006</a:t>
+                      </a:r>
                     </a:p>
                   </a:txBody>
                   <a:tcPr/>
@@ -5013,6 +5521,32 @@
                     <a:bodyPr/>
                     <a:lstStyle/>
                     <a:p>
+                      <a:r>
+                        <a:rPr lang="en-DE" dirty="0"/>
+                        <a:t>008</a:t>
+                      </a:r>
+                    </a:p>
+                  </a:txBody>
+                  <a:tcPr/>
+                </a:tc>
+                <a:tc>
+                  <a:txBody>
+                    <a:bodyPr/>
+                    <a:lstStyle/>
+                    <a:p>
+                      <a:r>
+                        <a:rPr lang="en-DE" dirty="0"/>
+                        <a:t>Dokumentation erstellen</a:t>
+                      </a:r>
+                    </a:p>
+                  </a:txBody>
+                  <a:tcPr/>
+                </a:tc>
+                <a:tc>
+                  <a:txBody>
+                    <a:bodyPr/>
+                    <a:lstStyle/>
+                    <a:p>
                       <a:endParaRPr lang="en-DE"/>
                     </a:p>
                   </a:txBody>
@@ -5023,27 +5557,10 @@
                     <a:bodyPr/>
                     <a:lstStyle/>
                     <a:p>
-                      <a:endParaRPr lang="en-DE"/>
-                    </a:p>
-                  </a:txBody>
-                  <a:tcPr/>
-                </a:tc>
-                <a:tc>
-                  <a:txBody>
-                    <a:bodyPr/>
-                    <a:lstStyle/>
-                    <a:p>
-                      <a:endParaRPr lang="en-DE"/>
-                    </a:p>
-                  </a:txBody>
-                  <a:tcPr/>
-                </a:tc>
-                <a:tc>
-                  <a:txBody>
-                    <a:bodyPr/>
-                    <a:lstStyle/>
-                    <a:p>
-                      <a:endParaRPr lang="en-DE"/>
+                      <a:r>
+                        <a:rPr lang="en-DE" dirty="0"/>
+                        <a:t>007</a:t>
+                      </a:r>
                     </a:p>
                   </a:txBody>
                   <a:tcPr/>
@@ -5060,27 +5577,23 @@
                     <a:bodyPr/>
                     <a:lstStyle/>
                     <a:p>
-                      <a:endParaRPr lang="en-DE"/>
-                    </a:p>
-                  </a:txBody>
-                  <a:tcPr/>
-                </a:tc>
-                <a:tc>
-                  <a:txBody>
-                    <a:bodyPr/>
-                    <a:lstStyle/>
-                    <a:p>
-                      <a:endParaRPr lang="en-DE"/>
-                    </a:p>
-                  </a:txBody>
-                  <a:tcPr/>
-                </a:tc>
-                <a:tc>
-                  <a:txBody>
-                    <a:bodyPr/>
-                    <a:lstStyle/>
-                    <a:p>
-                      <a:endParaRPr lang="en-DE"/>
+                      <a:r>
+                        <a:rPr lang="en-DE" dirty="0"/>
+                        <a:t>009</a:t>
+                      </a:r>
+                    </a:p>
+                  </a:txBody>
+                  <a:tcPr/>
+                </a:tc>
+                <a:tc>
+                  <a:txBody>
+                    <a:bodyPr/>
+                    <a:lstStyle/>
+                    <a:p>
+                      <a:r>
+                        <a:rPr lang="en-DE" dirty="0"/>
+                        <a:t>Test der Anwendung</a:t>
+                      </a:r>
                     </a:p>
                   </a:txBody>
                   <a:tcPr/>
@@ -5091,6 +5604,19 @@
                     <a:lstStyle/>
                     <a:p>
                       <a:endParaRPr lang="en-DE" dirty="0"/>
+                    </a:p>
+                  </a:txBody>
+                  <a:tcPr/>
+                </a:tc>
+                <a:tc>
+                  <a:txBody>
+                    <a:bodyPr/>
+                    <a:lstStyle/>
+                    <a:p>
+                      <a:r>
+                        <a:rPr lang="en-DE" dirty="0"/>
+                        <a:t>002, 007</a:t>
+                      </a:r>
                     </a:p>
                   </a:txBody>
                   <a:tcPr/>
@@ -5098,6 +5624,121 @@
                 <a:extLst>
                   <a:ext uri="{0D108BD9-81ED-4DB2-BD59-A6C34878D82A}">
                     <a16:rowId xmlns:a16="http://schemas.microsoft.com/office/drawing/2014/main" val="2384931300"/>
+                  </a:ext>
+                </a:extLst>
+              </a:tr>
+              <a:tr h="370840">
+                <a:tc>
+                  <a:txBody>
+                    <a:bodyPr/>
+                    <a:lstStyle/>
+                    <a:p>
+                      <a:r>
+                        <a:rPr lang="en-DE" dirty="0"/>
+                        <a:t>010</a:t>
+                      </a:r>
+                    </a:p>
+                  </a:txBody>
+                  <a:tcPr/>
+                </a:tc>
+                <a:tc>
+                  <a:txBody>
+                    <a:bodyPr/>
+                    <a:lstStyle/>
+                    <a:p>
+                      <a:r>
+                        <a:rPr lang="en-DE" dirty="0"/>
+                        <a:t>Erstellung der Präsentation</a:t>
+                      </a:r>
+                    </a:p>
+                  </a:txBody>
+                  <a:tcPr/>
+                </a:tc>
+                <a:tc>
+                  <a:txBody>
+                    <a:bodyPr/>
+                    <a:lstStyle/>
+                    <a:p>
+                      <a:endParaRPr lang="en-DE" dirty="0"/>
+                    </a:p>
+                  </a:txBody>
+                  <a:tcPr/>
+                </a:tc>
+                <a:tc>
+                  <a:txBody>
+                    <a:bodyPr/>
+                    <a:lstStyle/>
+                    <a:p>
+                      <a:r>
+                        <a:rPr lang="en-DE" dirty="0"/>
+                        <a:t>002, 007</a:t>
+                      </a:r>
+                    </a:p>
+                  </a:txBody>
+                  <a:tcPr/>
+                </a:tc>
+                <a:extLst>
+                  <a:ext uri="{0D108BD9-81ED-4DB2-BD59-A6C34878D82A}">
+                    <a16:rowId xmlns:a16="http://schemas.microsoft.com/office/drawing/2014/main" val="4185326369"/>
+                  </a:ext>
+                </a:extLst>
+              </a:tr>
+              <a:tr h="370840">
+                <a:tc>
+                  <a:txBody>
+                    <a:bodyPr/>
+                    <a:lstStyle/>
+                    <a:p>
+                      <a:r>
+                        <a:rPr lang="en-DE" dirty="0"/>
+                        <a:t>011</a:t>
+                      </a:r>
+                    </a:p>
+                  </a:txBody>
+                  <a:tcPr/>
+                </a:tc>
+                <a:tc>
+                  <a:txBody>
+                    <a:bodyPr/>
+                    <a:lstStyle/>
+                    <a:p>
+                      <a:r>
+                        <a:rPr lang="en-DE" dirty="0"/>
+                        <a:t>Präsentation und Übergabe</a:t>
+                      </a:r>
+                    </a:p>
+                  </a:txBody>
+                  <a:tcPr/>
+                </a:tc>
+                <a:tc>
+                  <a:txBody>
+                    <a:bodyPr/>
+                    <a:lstStyle/>
+                    <a:p>
+                      <a:r>
+                        <a:rPr lang="en-DE" dirty="0"/>
+                        <a:t>1d</a:t>
+                      </a:r>
+                    </a:p>
+                  </a:txBody>
+                  <a:tcPr/>
+                </a:tc>
+                <a:tc>
+                  <a:txBody>
+                    <a:bodyPr/>
+                    <a:lstStyle/>
+                    <a:p>
+                      <a:r>
+                        <a:rPr lang="en-DE" dirty="0"/>
+                        <a:t>007, 008, 009, 010</a:t>
+                      </a:r>
+                    </a:p>
+                  </a:txBody>
+                  <a:tcPr/>
+                </a:tc>
+                <a:extLst>
+                  <a:ext uri="{0D108BD9-81ED-4DB2-BD59-A6C34878D82A}">
+                    <a16:rowId xmlns:a16="http://schemas.microsoft.com/office/drawing/2014/main" val="625360320"/>
                   </a:ext>
                 </a:extLst>
               </a:tr>
@@ -5109,6 +5750,89 @@
     <p:extLst>
       <p:ext uri="{BB962C8B-B14F-4D97-AF65-F5344CB8AC3E}">
         <p14:creationId xmlns:p14="http://schemas.microsoft.com/office/powerpoint/2010/main" val="4076420045"/>
+      </p:ext>
+    </p:extLst>
+  </p:cSld>
+  <p:clrMapOvr>
+    <a:masterClrMapping/>
+  </p:clrMapOvr>
+</p:sld>
+</file>
+
+<file path=ppt/slides/slide7.xml><?xml version="1.0" encoding="utf-8"?>
+<p:sld xmlns:a="http://schemas.openxmlformats.org/drawingml/2006/main" xmlns:r="http://schemas.openxmlformats.org/officeDocument/2006/relationships" xmlns:p="http://schemas.openxmlformats.org/presentationml/2006/main">
+  <p:cSld>
+    <p:spTree>
+      <p:nvGrpSpPr>
+        <p:cNvPr id="1" name=""/>
+        <p:cNvGrpSpPr/>
+        <p:nvPr/>
+      </p:nvGrpSpPr>
+      <p:grpSpPr>
+        <a:xfrm>
+          <a:off x="0" y="0"/>
+          <a:ext cx="0" cy="0"/>
+          <a:chOff x="0" y="0"/>
+          <a:chExt cx="0" cy="0"/>
+        </a:xfrm>
+      </p:grpSpPr>
+      <p:sp>
+        <p:nvSpPr>
+          <p:cNvPr id="2" name="Title 1">
+            <a:extLst>
+              <a:ext uri="{FF2B5EF4-FFF2-40B4-BE49-F238E27FC236}">
+                <a16:creationId xmlns:a16="http://schemas.microsoft.com/office/drawing/2014/main" id="{992D4995-A997-8A8D-3AAE-9F18818CE903}"/>
+              </a:ext>
+            </a:extLst>
+          </p:cNvPr>
+          <p:cNvSpPr>
+            <a:spLocks noGrp="1"/>
+          </p:cNvSpPr>
+          <p:nvPr>
+            <p:ph type="title"/>
+          </p:nvPr>
+        </p:nvSpPr>
+        <p:spPr/>
+        <p:txBody>
+          <a:bodyPr/>
+          <a:lstStyle/>
+          <a:p>
+            <a:r>
+              <a:rPr lang="en-DE" dirty="0"/>
+              <a:t>Balkenplan Gantt-Chart</a:t>
+            </a:r>
+          </a:p>
+        </p:txBody>
+      </p:sp>
+      <p:sp>
+        <p:nvSpPr>
+          <p:cNvPr id="3" name="Content Placeholder 2">
+            <a:extLst>
+              <a:ext uri="{FF2B5EF4-FFF2-40B4-BE49-F238E27FC236}">
+                <a16:creationId xmlns:a16="http://schemas.microsoft.com/office/drawing/2014/main" id="{4EA87C42-757A-469C-AE5C-417DF64B6695}"/>
+              </a:ext>
+            </a:extLst>
+          </p:cNvPr>
+          <p:cNvSpPr>
+            <a:spLocks noGrp="1"/>
+          </p:cNvSpPr>
+          <p:nvPr>
+            <p:ph idx="1"/>
+          </p:nvPr>
+        </p:nvSpPr>
+        <p:spPr/>
+        <p:txBody>
+          <a:bodyPr/>
+          <a:lstStyle/>
+          <a:p>
+            <a:endParaRPr lang="en-DE" dirty="0"/>
+          </a:p>
+        </p:txBody>
+      </p:sp>
+    </p:spTree>
+    <p:extLst>
+      <p:ext uri="{BB962C8B-B14F-4D97-AF65-F5344CB8AC3E}">
+        <p14:creationId xmlns:p14="http://schemas.microsoft.com/office/powerpoint/2010/main" val="3073082300"/>
       </p:ext>
     </p:extLst>
   </p:cSld>
@@ -5431,4 +6155,319 @@
     </a:ext>
   </a:extLst>
 </a:theme>
+</file>
+
+<file path=ppt/theme/theme2.xml><?xml version="1.0" encoding="utf-8"?>
+<a:theme xmlns:a="http://schemas.openxmlformats.org/drawingml/2006/main" name="Office Theme">
+  <a:themeElements>
+    <a:clrScheme name="Office">
+      <a:dk1>
+        <a:sysClr val="windowText" lastClr="000000"/>
+      </a:dk1>
+      <a:lt1>
+        <a:sysClr val="window" lastClr="FFFFFF"/>
+      </a:lt1>
+      <a:dk2>
+        <a:srgbClr val="0E2841"/>
+      </a:dk2>
+      <a:lt2>
+        <a:srgbClr val="E8E8E8"/>
+      </a:lt2>
+      <a:accent1>
+        <a:srgbClr val="156082"/>
+      </a:accent1>
+      <a:accent2>
+        <a:srgbClr val="E97132"/>
+      </a:accent2>
+      <a:accent3>
+        <a:srgbClr val="196B24"/>
+      </a:accent3>
+      <a:accent4>
+        <a:srgbClr val="0F9ED5"/>
+      </a:accent4>
+      <a:accent5>
+        <a:srgbClr val="A02B93"/>
+      </a:accent5>
+      <a:accent6>
+        <a:srgbClr val="4EA72E"/>
+      </a:accent6>
+      <a:hlink>
+        <a:srgbClr val="467886"/>
+      </a:hlink>
+      <a:folHlink>
+        <a:srgbClr val="96607D"/>
+      </a:folHlink>
+    </a:clrScheme>
+    <a:fontScheme name="Office">
+      <a:majorFont>
+        <a:latin typeface="Aptos Display" panose="02110004020202020204"/>
+        <a:ea typeface=""/>
+        <a:cs typeface=""/>
+        <a:font script="Jpan" typeface="游ゴシック Light"/>
+        <a:font script="Hang" typeface="맑은 고딕"/>
+        <a:font script="Hans" typeface="等线 Light"/>
+        <a:font script="Hant" typeface="新細明體"/>
+        <a:font script="Arab" typeface="Times New Roman"/>
+        <a:font script="Hebr" typeface="Times New Roman"/>
+        <a:font script="Thai" typeface="Angsana New"/>
+        <a:font script="Ethi" typeface="Nyala"/>
+        <a:font script="Beng" typeface="Vrinda"/>
+        <a:font script="Gujr" typeface="Shruti"/>
+        <a:font script="Khmr" typeface="MoolBoran"/>
+        <a:font script="Knda" typeface="Tunga"/>
+        <a:font script="Guru" typeface="Raavi"/>
+        <a:font script="Cans" typeface="Euphemia"/>
+        <a:font script="Cher" typeface="Plantagenet Cherokee"/>
+        <a:font script="Yiii" typeface="Microsoft Yi Baiti"/>
+        <a:font script="Tibt" typeface="Microsoft Himalaya"/>
+        <a:font script="Thaa" typeface="MV Boli"/>
+        <a:font script="Deva" typeface="Mangal"/>
+        <a:font script="Telu" typeface="Gautami"/>
+        <a:font script="Taml" typeface="Latha"/>
+        <a:font script="Syrc" typeface="Estrangelo Edessa"/>
+        <a:font script="Orya" typeface="Kalinga"/>
+        <a:font script="Mlym" typeface="Kartika"/>
+        <a:font script="Laoo" typeface="DokChampa"/>
+        <a:font script="Sinh" typeface="Iskoola Pota"/>
+        <a:font script="Mong" typeface="Mongolian Baiti"/>
+        <a:font script="Viet" typeface="Times New Roman"/>
+        <a:font script="Uigh" typeface="Microsoft Uighur"/>
+        <a:font script="Geor" typeface="Sylfaen"/>
+        <a:font script="Armn" typeface="Arial"/>
+        <a:font script="Bugi" typeface="Leelawadee UI"/>
+        <a:font script="Bopo" typeface="Microsoft JhengHei"/>
+        <a:font script="Java" typeface="Javanese Text"/>
+        <a:font script="Lisu" typeface="Segoe UI"/>
+        <a:font script="Mymr" typeface="Myanmar Text"/>
+        <a:font script="Nkoo" typeface="Ebrima"/>
+        <a:font script="Olck" typeface="Nirmala UI"/>
+        <a:font script="Osma" typeface="Ebrima"/>
+        <a:font script="Phag" typeface="Phagspa"/>
+        <a:font script="Syrn" typeface="Estrangelo Edessa"/>
+        <a:font script="Syrj" typeface="Estrangelo Edessa"/>
+        <a:font script="Syre" typeface="Estrangelo Edessa"/>
+        <a:font script="Sora" typeface="Nirmala UI"/>
+        <a:font script="Tale" typeface="Microsoft Tai Le"/>
+        <a:font script="Talu" typeface="Microsoft New Tai Lue"/>
+        <a:font script="Tfng" typeface="Ebrima"/>
+      </a:majorFont>
+      <a:minorFont>
+        <a:latin typeface="Aptos" panose="02110004020202020204"/>
+        <a:ea typeface=""/>
+        <a:cs typeface=""/>
+        <a:font script="Jpan" typeface="游ゴシック"/>
+        <a:font script="Hang" typeface="맑은 고딕"/>
+        <a:font script="Hans" typeface="等线"/>
+        <a:font script="Hant" typeface="新細明體"/>
+        <a:font script="Arab" typeface="Arial"/>
+        <a:font script="Hebr" typeface="Arial"/>
+        <a:font script="Thai" typeface="Cordia New"/>
+        <a:font script="Ethi" typeface="Nyala"/>
+        <a:font script="Beng" typeface="Vrinda"/>
+        <a:font script="Gujr" typeface="Shruti"/>
+        <a:font script="Khmr" typeface="DaunPenh"/>
+        <a:font script="Knda" typeface="Tunga"/>
+        <a:font script="Guru" typeface="Raavi"/>
+        <a:font script="Cans" typeface="Euphemia"/>
+        <a:font script="Cher" typeface="Plantagenet Cherokee"/>
+        <a:font script="Yiii" typeface="Microsoft Yi Baiti"/>
+        <a:font script="Tibt" typeface="Microsoft Himalaya"/>
+        <a:font script="Thaa" typeface="MV Boli"/>
+        <a:font script="Deva" typeface="Mangal"/>
+        <a:font script="Telu" typeface="Gautami"/>
+        <a:font script="Taml" typeface="Latha"/>
+        <a:font script="Syrc" typeface="Estrangelo Edessa"/>
+        <a:font script="Orya" typeface="Kalinga"/>
+        <a:font script="Mlym" typeface="Kartika"/>
+        <a:font script="Laoo" typeface="DokChampa"/>
+        <a:font script="Sinh" typeface="Iskoola Pota"/>
+        <a:font script="Mong" typeface="Mongolian Baiti"/>
+        <a:font script="Viet" typeface="Arial"/>
+        <a:font script="Uigh" typeface="Microsoft Uighur"/>
+        <a:font script="Geor" typeface="Sylfaen"/>
+        <a:font script="Armn" typeface="Arial"/>
+        <a:font script="Bugi" typeface="Leelawadee UI"/>
+        <a:font script="Bopo" typeface="Microsoft JhengHei"/>
+        <a:font script="Java" typeface="Javanese Text"/>
+        <a:font script="Lisu" typeface="Segoe UI"/>
+        <a:font script="Mymr" typeface="Myanmar Text"/>
+        <a:font script="Nkoo" typeface="Ebrima"/>
+        <a:font script="Olck" typeface="Nirmala UI"/>
+        <a:font script="Osma" typeface="Ebrima"/>
+        <a:font script="Phag" typeface="Phagspa"/>
+        <a:font script="Syrn" typeface="Estrangelo Edessa"/>
+        <a:font script="Syrj" typeface="Estrangelo Edessa"/>
+        <a:font script="Syre" typeface="Estrangelo Edessa"/>
+        <a:font script="Sora" typeface="Nirmala UI"/>
+        <a:font script="Tale" typeface="Microsoft Tai Le"/>
+        <a:font script="Talu" typeface="Microsoft New Tai Lue"/>
+        <a:font script="Tfng" typeface="Ebrima"/>
+      </a:minorFont>
+    </a:fontScheme>
+    <a:fmtScheme name="Office">
+      <a:fillStyleLst>
+        <a:solidFill>
+          <a:schemeClr val="phClr"/>
+        </a:solidFill>
+        <a:gradFill rotWithShape="1">
+          <a:gsLst>
+            <a:gs pos="0">
+              <a:schemeClr val="phClr">
+                <a:lumMod val="110000"/>
+                <a:satMod val="105000"/>
+                <a:tint val="67000"/>
+              </a:schemeClr>
+            </a:gs>
+            <a:gs pos="50000">
+              <a:schemeClr val="phClr">
+                <a:lumMod val="105000"/>
+                <a:satMod val="103000"/>
+                <a:tint val="73000"/>
+              </a:schemeClr>
+            </a:gs>
+            <a:gs pos="100000">
+              <a:schemeClr val="phClr">
+                <a:lumMod val="105000"/>
+                <a:satMod val="109000"/>
+                <a:tint val="81000"/>
+              </a:schemeClr>
+            </a:gs>
+          </a:gsLst>
+          <a:lin ang="5400000" scaled="0"/>
+        </a:gradFill>
+        <a:gradFill rotWithShape="1">
+          <a:gsLst>
+            <a:gs pos="0">
+              <a:schemeClr val="phClr">
+                <a:satMod val="103000"/>
+                <a:lumMod val="102000"/>
+                <a:tint val="94000"/>
+              </a:schemeClr>
+            </a:gs>
+            <a:gs pos="50000">
+              <a:schemeClr val="phClr">
+                <a:satMod val="110000"/>
+                <a:lumMod val="100000"/>
+                <a:shade val="100000"/>
+              </a:schemeClr>
+            </a:gs>
+            <a:gs pos="100000">
+              <a:schemeClr val="phClr">
+                <a:lumMod val="99000"/>
+                <a:satMod val="120000"/>
+                <a:shade val="78000"/>
+              </a:schemeClr>
+            </a:gs>
+          </a:gsLst>
+          <a:lin ang="5400000" scaled="0"/>
+        </a:gradFill>
+      </a:fillStyleLst>
+      <a:lnStyleLst>
+        <a:ln w="12700" cap="flat" cmpd="sng" algn="ctr">
+          <a:solidFill>
+            <a:schemeClr val="phClr"/>
+          </a:solidFill>
+          <a:prstDash val="solid"/>
+          <a:miter lim="800000"/>
+        </a:ln>
+        <a:ln w="19050" cap="flat" cmpd="sng" algn="ctr">
+          <a:solidFill>
+            <a:schemeClr val="phClr"/>
+          </a:solidFill>
+          <a:prstDash val="solid"/>
+          <a:miter lim="800000"/>
+        </a:ln>
+        <a:ln w="25400" cap="flat" cmpd="sng" algn="ctr">
+          <a:solidFill>
+            <a:schemeClr val="phClr"/>
+          </a:solidFill>
+          <a:prstDash val="solid"/>
+          <a:miter lim="800000"/>
+        </a:ln>
+      </a:lnStyleLst>
+      <a:effectStyleLst>
+        <a:effectStyle>
+          <a:effectLst/>
+        </a:effectStyle>
+        <a:effectStyle>
+          <a:effectLst/>
+        </a:effectStyle>
+        <a:effectStyle>
+          <a:effectLst>
+            <a:outerShdw blurRad="57150" dist="19050" dir="5400000" algn="ctr" rotWithShape="0">
+              <a:srgbClr val="000000">
+                <a:alpha val="63000"/>
+              </a:srgbClr>
+            </a:outerShdw>
+          </a:effectLst>
+        </a:effectStyle>
+      </a:effectStyleLst>
+      <a:bgFillStyleLst>
+        <a:solidFill>
+          <a:schemeClr val="phClr"/>
+        </a:solidFill>
+        <a:solidFill>
+          <a:schemeClr val="phClr">
+            <a:tint val="95000"/>
+            <a:satMod val="170000"/>
+          </a:schemeClr>
+        </a:solidFill>
+        <a:gradFill rotWithShape="1">
+          <a:gsLst>
+            <a:gs pos="0">
+              <a:schemeClr val="phClr">
+                <a:tint val="93000"/>
+                <a:satMod val="150000"/>
+                <a:shade val="98000"/>
+                <a:lumMod val="102000"/>
+              </a:schemeClr>
+            </a:gs>
+            <a:gs pos="50000">
+              <a:schemeClr val="phClr">
+                <a:tint val="98000"/>
+                <a:satMod val="130000"/>
+                <a:shade val="90000"/>
+                <a:lumMod val="103000"/>
+              </a:schemeClr>
+            </a:gs>
+            <a:gs pos="100000">
+              <a:schemeClr val="phClr">
+                <a:shade val="63000"/>
+                <a:satMod val="120000"/>
+              </a:schemeClr>
+            </a:gs>
+          </a:gsLst>
+          <a:lin ang="5400000" scaled="0"/>
+        </a:gradFill>
+      </a:bgFillStyleLst>
+    </a:fmtScheme>
+  </a:themeElements>
+  <a:objectDefaults>
+    <a:lnDef>
+      <a:spPr/>
+      <a:bodyPr/>
+      <a:lstStyle/>
+      <a:style>
+        <a:lnRef idx="2">
+          <a:schemeClr val="accent1"/>
+        </a:lnRef>
+        <a:fillRef idx="0">
+          <a:schemeClr val="accent1"/>
+        </a:fillRef>
+        <a:effectRef idx="1">
+          <a:schemeClr val="accent1"/>
+        </a:effectRef>
+        <a:fontRef idx="minor">
+          <a:schemeClr val="tx1"/>
+        </a:fontRef>
+      </a:style>
+    </a:lnDef>
+  </a:objectDefaults>
+  <a:extraClrSchemeLst/>
+  <a:extLst>
+    <a:ext uri="{05A4C25C-085E-4340-85A3-A5531E510DB2}">
+      <thm15:themeFamily xmlns:thm15="http://schemas.microsoft.com/office/thememl/2012/main" name="Office Theme" id="{2E142A2C-CD16-42D6-873A-C26D2A0506FA}" vid="{1BDDFF52-6CD6-40A5-AB3C-68EB2F1E4D0A}"/>
+    </a:ext>
+  </a:extLst>
+</a:theme>
 </file>
--- a/project_managment/Presentation.pptx
+++ b/project_managment/Presentation.pptx
@@ -5,7 +5,7 @@
     <p:sldMasterId id="2147483648" r:id="rId1"/>
   </p:sldMasterIdLst>
   <p:notesMasterIdLst>
-    <p:notesMasterId r:id="rId9"/>
+    <p:notesMasterId r:id="rId12"/>
   </p:notesMasterIdLst>
   <p:sldIdLst>
     <p:sldId id="256" r:id="rId2"/>
@@ -15,6 +15,9 @@
     <p:sldId id="260" r:id="rId6"/>
     <p:sldId id="261" r:id="rId7"/>
     <p:sldId id="262" r:id="rId8"/>
+    <p:sldId id="263" r:id="rId9"/>
+    <p:sldId id="264" r:id="rId10"/>
+    <p:sldId id="265" r:id="rId11"/>
   </p:sldIdLst>
   <p:sldSz cx="12192000" cy="6858000"/>
   <p:notesSz cx="6858000" cy="9144000"/>
@@ -541,6 +544,90 @@
     <p:extLst>
       <p:ext uri="{BB962C8B-B14F-4D97-AF65-F5344CB8AC3E}">
         <p14:creationId xmlns:p14="http://schemas.microsoft.com/office/powerpoint/2010/main" val="3481128882"/>
+      </p:ext>
+    </p:extLst>
+  </p:cSld>
+  <p:clrMapOvr>
+    <a:masterClrMapping/>
+  </p:clrMapOvr>
+</p:notes>
+</file>
+
+<file path=ppt/notesSlides/notesSlide2.xml><?xml version="1.0" encoding="utf-8"?>
+<p:notes xmlns:a="http://schemas.openxmlformats.org/drawingml/2006/main" xmlns:r="http://schemas.openxmlformats.org/officeDocument/2006/relationships" xmlns:p="http://schemas.openxmlformats.org/presentationml/2006/main">
+  <p:cSld>
+    <p:spTree>
+      <p:nvGrpSpPr>
+        <p:cNvPr id="1" name=""/>
+        <p:cNvGrpSpPr/>
+        <p:nvPr/>
+      </p:nvGrpSpPr>
+      <p:grpSpPr>
+        <a:xfrm>
+          <a:off x="0" y="0"/>
+          <a:ext cx="0" cy="0"/>
+          <a:chOff x="0" y="0"/>
+          <a:chExt cx="0" cy="0"/>
+        </a:xfrm>
+      </p:grpSpPr>
+      <p:sp>
+        <p:nvSpPr>
+          <p:cNvPr id="2" name="Slide Image Placeholder 1"/>
+          <p:cNvSpPr>
+            <a:spLocks noGrp="1" noRot="1" noChangeAspect="1"/>
+          </p:cNvSpPr>
+          <p:nvPr>
+            <p:ph type="sldImg"/>
+          </p:nvPr>
+        </p:nvSpPr>
+        <p:spPr/>
+      </p:sp>
+      <p:sp>
+        <p:nvSpPr>
+          <p:cNvPr id="3" name="Notes Placeholder 2"/>
+          <p:cNvSpPr>
+            <a:spLocks noGrp="1"/>
+          </p:cNvSpPr>
+          <p:nvPr>
+            <p:ph type="body" idx="1"/>
+          </p:nvPr>
+        </p:nvSpPr>
+        <p:spPr/>
+        <p:txBody>
+          <a:bodyPr/>
+          <a:lstStyle/>
+          <a:p>
+            <a:endParaRPr lang="en-DE" dirty="0"/>
+          </a:p>
+        </p:txBody>
+      </p:sp>
+      <p:sp>
+        <p:nvSpPr>
+          <p:cNvPr id="4" name="Slide Number Placeholder 3"/>
+          <p:cNvSpPr>
+            <a:spLocks noGrp="1"/>
+          </p:cNvSpPr>
+          <p:nvPr>
+            <p:ph type="sldNum" sz="quarter" idx="5"/>
+          </p:nvPr>
+        </p:nvSpPr>
+        <p:spPr/>
+        <p:txBody>
+          <a:bodyPr/>
+          <a:lstStyle/>
+          <a:p>
+            <a:fld id="{124B74E8-2CB9-4B43-A677-99F470D1B8ED}" type="slidenum">
+              <a:rPr lang="en-DE" smtClean="0"/>
+              <a:t>9</a:t>
+            </a:fld>
+            <a:endParaRPr lang="en-DE"/>
+          </a:p>
+        </p:txBody>
+      </p:sp>
+    </p:spTree>
+    <p:extLst>
+      <p:ext uri="{BB962C8B-B14F-4D97-AF65-F5344CB8AC3E}">
+        <p14:creationId xmlns:p14="http://schemas.microsoft.com/office/powerpoint/2010/main" val="293441496"/>
       </p:ext>
     </p:extLst>
   </p:cSld>
@@ -3854,6 +3941,89 @@
 </p:sld>
 </file>
 
+<file path=ppt/slides/slide10.xml><?xml version="1.0" encoding="utf-8"?>
+<p:sld xmlns:a="http://schemas.openxmlformats.org/drawingml/2006/main" xmlns:r="http://schemas.openxmlformats.org/officeDocument/2006/relationships" xmlns:p="http://schemas.openxmlformats.org/presentationml/2006/main">
+  <p:cSld>
+    <p:spTree>
+      <p:nvGrpSpPr>
+        <p:cNvPr id="1" name=""/>
+        <p:cNvGrpSpPr/>
+        <p:nvPr/>
+      </p:nvGrpSpPr>
+      <p:grpSpPr>
+        <a:xfrm>
+          <a:off x="0" y="0"/>
+          <a:ext cx="0" cy="0"/>
+          <a:chOff x="0" y="0"/>
+          <a:chExt cx="0" cy="0"/>
+        </a:xfrm>
+      </p:grpSpPr>
+      <p:sp>
+        <p:nvSpPr>
+          <p:cNvPr id="2" name="Title 1">
+            <a:extLst>
+              <a:ext uri="{FF2B5EF4-FFF2-40B4-BE49-F238E27FC236}">
+                <a16:creationId xmlns:a16="http://schemas.microsoft.com/office/drawing/2014/main" id="{7F066BBA-8414-3ECF-75FC-13E851634B76}"/>
+              </a:ext>
+            </a:extLst>
+          </p:cNvPr>
+          <p:cNvSpPr>
+            <a:spLocks noGrp="1"/>
+          </p:cNvSpPr>
+          <p:nvPr>
+            <p:ph type="title"/>
+          </p:nvPr>
+        </p:nvSpPr>
+        <p:spPr/>
+        <p:txBody>
+          <a:bodyPr/>
+          <a:lstStyle/>
+          <a:p>
+            <a:r>
+              <a:rPr lang="en-DE" dirty="0"/>
+              <a:t>Sprint Backlog</a:t>
+            </a:r>
+          </a:p>
+        </p:txBody>
+      </p:sp>
+      <p:sp>
+        <p:nvSpPr>
+          <p:cNvPr id="3" name="Content Placeholder 2">
+            <a:extLst>
+              <a:ext uri="{FF2B5EF4-FFF2-40B4-BE49-F238E27FC236}">
+                <a16:creationId xmlns:a16="http://schemas.microsoft.com/office/drawing/2014/main" id="{39834415-7BFF-4F8A-CA29-C11F444FE63A}"/>
+              </a:ext>
+            </a:extLst>
+          </p:cNvPr>
+          <p:cNvSpPr>
+            <a:spLocks noGrp="1"/>
+          </p:cNvSpPr>
+          <p:nvPr>
+            <p:ph idx="1"/>
+          </p:nvPr>
+        </p:nvSpPr>
+        <p:spPr/>
+        <p:txBody>
+          <a:bodyPr/>
+          <a:lstStyle/>
+          <a:p>
+            <a:endParaRPr lang="en-DE"/>
+          </a:p>
+        </p:txBody>
+      </p:sp>
+    </p:spTree>
+    <p:extLst>
+      <p:ext uri="{BB962C8B-B14F-4D97-AF65-F5344CB8AC3E}">
+        <p14:creationId xmlns:p14="http://schemas.microsoft.com/office/powerpoint/2010/main" val="464263906"/>
+      </p:ext>
+    </p:extLst>
+  </p:cSld>
+  <p:clrMapOvr>
+    <a:masterClrMapping/>
+  </p:clrMapOvr>
+</p:sld>
+</file>
+
 <file path=ppt/slides/slide2.xml><?xml version="1.0" encoding="utf-8"?>
 <p:sld xmlns:a="http://schemas.openxmlformats.org/drawingml/2006/main" xmlns:r="http://schemas.openxmlformats.org/officeDocument/2006/relationships" xmlns:p="http://schemas.openxmlformats.org/presentationml/2006/main">
   <p:cSld>
@@ -5010,7 +5180,7 @@
             <p:ph idx="1"/>
             <p:extLst>
               <p:ext uri="{D42A27DB-BD31-4B8C-83A1-F6EECF244321}">
-                <p14:modId xmlns:p14="http://schemas.microsoft.com/office/powerpoint/2010/main" val="4214766079"/>
+                <p14:modId xmlns:p14="http://schemas.microsoft.com/office/powerpoint/2010/main" val="3052204824"/>
               </p:ext>
             </p:extLst>
           </p:nvPr>
@@ -5151,7 +5321,7 @@
                     <a:p>
                       <a:r>
                         <a:rPr lang="en-DE" dirty="0"/>
-                        <a:t>1d</a:t>
+                        <a:t>1 d</a:t>
                       </a:r>
                     </a:p>
                   </a:txBody>
@@ -5207,7 +5377,7 @@
                     <a:p>
                       <a:r>
                         <a:rPr lang="en-DE" dirty="0"/>
-                        <a:t>1d</a:t>
+                        <a:t>1 d</a:t>
                       </a:r>
                     </a:p>
                   </a:txBody>
@@ -5263,7 +5433,7 @@
                     <a:p>
                       <a:r>
                         <a:rPr lang="en-DE" dirty="0"/>
-                        <a:t>3d</a:t>
+                        <a:t>3 d</a:t>
                       </a:r>
                     </a:p>
                   </a:txBody>
@@ -5322,7 +5492,7 @@
                     <a:p>
                       <a:r>
                         <a:rPr lang="en-DE" dirty="0"/>
-                        <a:t>1d</a:t>
+                        <a:t>1 d</a:t>
                       </a:r>
                     </a:p>
                   </a:txBody>
@@ -5379,7 +5549,10 @@
                     <a:bodyPr/>
                     <a:lstStyle/>
                     <a:p>
-                      <a:endParaRPr lang="en-DE" dirty="0"/>
+                      <a:r>
+                        <a:rPr lang="en-DE" dirty="0"/>
+                        <a:t>3 d</a:t>
+                      </a:r>
                     </a:p>
                   </a:txBody>
                   <a:tcPr/>
@@ -5435,7 +5608,10 @@
                     <a:bodyPr/>
                     <a:lstStyle/>
                     <a:p>
-                      <a:endParaRPr lang="en-DE"/>
+                      <a:r>
+                        <a:rPr lang="en-DE" dirty="0"/>
+                        <a:t>3 d</a:t>
+                      </a:r>
                     </a:p>
                   </a:txBody>
                   <a:tcPr/>
@@ -5491,7 +5667,10 @@
                     <a:bodyPr/>
                     <a:lstStyle/>
                     <a:p>
-                      <a:endParaRPr lang="en-DE"/>
+                      <a:r>
+                        <a:rPr lang="en-DE" dirty="0"/>
+                        <a:t>15 d</a:t>
+                      </a:r>
                     </a:p>
                   </a:txBody>
                   <a:tcPr/>
@@ -5535,7 +5714,11 @@
                     <a:lstStyle/>
                     <a:p>
                       <a:r>
-                        <a:rPr lang="en-DE" dirty="0"/>
+                        <a:rPr lang="en-DE" dirty="0">
+                          <a:solidFill>
+                            <a:schemeClr val="tx1"/>
+                          </a:solidFill>
+                        </a:rPr>
                         <a:t>Dokumentation erstellen</a:t>
                       </a:r>
                     </a:p>
@@ -5547,7 +5730,10 @@
                     <a:bodyPr/>
                     <a:lstStyle/>
                     <a:p>
-                      <a:endParaRPr lang="en-DE"/>
+                      <a:r>
+                        <a:rPr lang="en-DE" dirty="0"/>
+                        <a:t>4 d</a:t>
+                      </a:r>
                     </a:p>
                   </a:txBody>
                   <a:tcPr/>
@@ -5603,7 +5789,10 @@
                     <a:bodyPr/>
                     <a:lstStyle/>
                     <a:p>
-                      <a:endParaRPr lang="en-DE" dirty="0"/>
+                      <a:r>
+                        <a:rPr lang="en-DE" dirty="0"/>
+                        <a:t>4 d</a:t>
+                      </a:r>
                     </a:p>
                   </a:txBody>
                   <a:tcPr/>
@@ -5647,7 +5836,11 @@
                     <a:lstStyle/>
                     <a:p>
                       <a:r>
-                        <a:rPr lang="en-DE" dirty="0"/>
+                        <a:rPr lang="en-DE" dirty="0">
+                          <a:solidFill>
+                            <a:srgbClr val="00B050"/>
+                          </a:solidFill>
+                        </a:rPr>
                         <a:t>Erstellung der Präsentation</a:t>
                       </a:r>
                     </a:p>
@@ -5659,7 +5852,10 @@
                     <a:bodyPr/>
                     <a:lstStyle/>
                     <a:p>
-                      <a:endParaRPr lang="en-DE" dirty="0"/>
+                      <a:r>
+                        <a:rPr lang="en-DE" dirty="0"/>
+                        <a:t>2 d</a:t>
+                      </a:r>
                     </a:p>
                   </a:txBody>
                   <a:tcPr/>
@@ -5717,7 +5913,7 @@
                     <a:p>
                       <a:r>
                         <a:rPr lang="en-DE" dirty="0"/>
-                        <a:t>1d</a:t>
+                        <a:t>1 d</a:t>
                       </a:r>
                     </a:p>
                   </a:txBody>
@@ -5833,6 +6029,1877 @@
     <p:extLst>
       <p:ext uri="{BB962C8B-B14F-4D97-AF65-F5344CB8AC3E}">
         <p14:creationId xmlns:p14="http://schemas.microsoft.com/office/powerpoint/2010/main" val="3073082300"/>
+      </p:ext>
+    </p:extLst>
+  </p:cSld>
+  <p:clrMapOvr>
+    <a:masterClrMapping/>
+  </p:clrMapOvr>
+</p:sld>
+</file>
+
+<file path=ppt/slides/slide8.xml><?xml version="1.0" encoding="utf-8"?>
+<p:sld xmlns:a="http://schemas.openxmlformats.org/drawingml/2006/main" xmlns:r="http://schemas.openxmlformats.org/officeDocument/2006/relationships" xmlns:p="http://schemas.openxmlformats.org/presentationml/2006/main">
+  <p:cSld>
+    <p:spTree>
+      <p:nvGrpSpPr>
+        <p:cNvPr id="1" name=""/>
+        <p:cNvGrpSpPr/>
+        <p:nvPr/>
+      </p:nvGrpSpPr>
+      <p:grpSpPr>
+        <a:xfrm>
+          <a:off x="0" y="0"/>
+          <a:ext cx="0" cy="0"/>
+          <a:chOff x="0" y="0"/>
+          <a:chExt cx="0" cy="0"/>
+        </a:xfrm>
+      </p:grpSpPr>
+      <p:sp>
+        <p:nvSpPr>
+          <p:cNvPr id="2" name="Title 1">
+            <a:extLst>
+              <a:ext uri="{FF2B5EF4-FFF2-40B4-BE49-F238E27FC236}">
+                <a16:creationId xmlns:a16="http://schemas.microsoft.com/office/drawing/2014/main" id="{ECB7C652-2907-E48F-08F6-303E09C6EB10}"/>
+              </a:ext>
+            </a:extLst>
+          </p:cNvPr>
+          <p:cNvSpPr>
+            <a:spLocks noGrp="1"/>
+          </p:cNvSpPr>
+          <p:nvPr>
+            <p:ph type="title"/>
+          </p:nvPr>
+        </p:nvSpPr>
+        <p:spPr/>
+        <p:txBody>
+          <a:bodyPr/>
+          <a:lstStyle/>
+          <a:p>
+            <a:r>
+              <a:rPr lang="en-DE" dirty="0"/>
+              <a:t>Qualitative Risikobewertung</a:t>
+            </a:r>
+          </a:p>
+        </p:txBody>
+      </p:sp>
+      <p:graphicFrame>
+        <p:nvGraphicFramePr>
+          <p:cNvPr id="4" name="Content Placeholder 3">
+            <a:extLst>
+              <a:ext uri="{FF2B5EF4-FFF2-40B4-BE49-F238E27FC236}">
+                <a16:creationId xmlns:a16="http://schemas.microsoft.com/office/drawing/2014/main" id="{E1E5126C-9713-47F9-035F-A2D51A3F4AA6}"/>
+              </a:ext>
+            </a:extLst>
+          </p:cNvPr>
+          <p:cNvGraphicFramePr>
+            <a:graphicFrameLocks noGrp="1"/>
+          </p:cNvGraphicFramePr>
+          <p:nvPr>
+            <p:ph idx="1"/>
+            <p:extLst>
+              <p:ext uri="{D42A27DB-BD31-4B8C-83A1-F6EECF244321}">
+                <p14:modId xmlns:p14="http://schemas.microsoft.com/office/powerpoint/2010/main" val="2295062658"/>
+              </p:ext>
+            </p:extLst>
+          </p:nvPr>
+        </p:nvGraphicFramePr>
+        <p:xfrm>
+          <a:off x="838200" y="1825625"/>
+          <a:ext cx="10515600" cy="5120640"/>
+        </p:xfrm>
+        <a:graphic>
+          <a:graphicData uri="http://schemas.openxmlformats.org/drawingml/2006/table">
+            <a:tbl>
+              <a:tblPr firstRow="1" bandRow="1">
+                <a:tableStyleId>{21E4AEA4-8DFA-4A89-87EB-49C32662AFE0}</a:tableStyleId>
+              </a:tblPr>
+              <a:tblGrid>
+                <a:gridCol w="2103120">
+                  <a:extLst>
+                    <a:ext uri="{9D8B030D-6E8A-4147-A177-3AD203B41FA5}">
+                      <a16:colId xmlns:a16="http://schemas.microsoft.com/office/drawing/2014/main" val="1030339272"/>
+                    </a:ext>
+                  </a:extLst>
+                </a:gridCol>
+                <a:gridCol w="2103120">
+                  <a:extLst>
+                    <a:ext uri="{9D8B030D-6E8A-4147-A177-3AD203B41FA5}">
+                      <a16:colId xmlns:a16="http://schemas.microsoft.com/office/drawing/2014/main" val="982368822"/>
+                    </a:ext>
+                  </a:extLst>
+                </a:gridCol>
+                <a:gridCol w="1451363">
+                  <a:extLst>
+                    <a:ext uri="{9D8B030D-6E8A-4147-A177-3AD203B41FA5}">
+                      <a16:colId xmlns:a16="http://schemas.microsoft.com/office/drawing/2014/main" val="3065904161"/>
+                    </a:ext>
+                  </a:extLst>
+                </a:gridCol>
+                <a:gridCol w="3051958">
+                  <a:extLst>
+                    <a:ext uri="{9D8B030D-6E8A-4147-A177-3AD203B41FA5}">
+                      <a16:colId xmlns:a16="http://schemas.microsoft.com/office/drawing/2014/main" val="1596670242"/>
+                    </a:ext>
+                  </a:extLst>
+                </a:gridCol>
+                <a:gridCol w="1806039">
+                  <a:extLst>
+                    <a:ext uri="{9D8B030D-6E8A-4147-A177-3AD203B41FA5}">
+                      <a16:colId xmlns:a16="http://schemas.microsoft.com/office/drawing/2014/main" val="3006475380"/>
+                    </a:ext>
+                  </a:extLst>
+                </a:gridCol>
+              </a:tblGrid>
+              <a:tr h="370840">
+                <a:tc>
+                  <a:txBody>
+                    <a:bodyPr/>
+                    <a:lstStyle/>
+                    <a:p>
+                      <a:r>
+                        <a:rPr lang="en-DE" dirty="0"/>
+                        <a:t>Risiko</a:t>
+                      </a:r>
+                    </a:p>
+                  </a:txBody>
+                  <a:tcPr/>
+                </a:tc>
+                <a:tc>
+                  <a:txBody>
+                    <a:bodyPr/>
+                    <a:lstStyle/>
+                    <a:p>
+                      <a:r>
+                        <a:rPr lang="en-DE" dirty="0"/>
+                        <a:t>Ursache</a:t>
+                      </a:r>
+                    </a:p>
+                  </a:txBody>
+                  <a:tcPr/>
+                </a:tc>
+                <a:tc>
+                  <a:txBody>
+                    <a:bodyPr/>
+                    <a:lstStyle/>
+                    <a:p>
+                      <a:r>
+                        <a:rPr lang="en-DE" dirty="0"/>
+                        <a:t>Eintritts Wahrscheinlichkeit</a:t>
+                      </a:r>
+                    </a:p>
+                  </a:txBody>
+                  <a:tcPr/>
+                </a:tc>
+                <a:tc>
+                  <a:txBody>
+                    <a:bodyPr/>
+                    <a:lstStyle/>
+                    <a:p>
+                      <a:r>
+                        <a:rPr lang="en-DE" dirty="0"/>
+                        <a:t>Mitigation / Gegenmaßnahme</a:t>
+                      </a:r>
+                    </a:p>
+                  </a:txBody>
+                  <a:tcPr/>
+                </a:tc>
+                <a:tc>
+                  <a:txBody>
+                    <a:bodyPr/>
+                    <a:lstStyle/>
+                    <a:p>
+                      <a:r>
+                        <a:rPr lang="en-DE" dirty="0"/>
+                        <a:t>Stakeholder</a:t>
+                      </a:r>
+                    </a:p>
+                  </a:txBody>
+                  <a:tcPr/>
+                </a:tc>
+                <a:extLst>
+                  <a:ext uri="{0D108BD9-81ED-4DB2-BD59-A6C34878D82A}">
+                    <a16:rowId xmlns:a16="http://schemas.microsoft.com/office/drawing/2014/main" val="3558834017"/>
+                  </a:ext>
+                </a:extLst>
+              </a:tr>
+              <a:tr h="370840">
+                <a:tc>
+                  <a:txBody>
+                    <a:bodyPr/>
+                    <a:lstStyle/>
+                    <a:p>
+                      <a:r>
+                        <a:rPr lang="en-DE" dirty="0"/>
+                        <a:t>Dokumentation wird nicht rechtzeitig fertig</a:t>
+                      </a:r>
+                    </a:p>
+                  </a:txBody>
+                  <a:tcPr/>
+                </a:tc>
+                <a:tc>
+                  <a:txBody>
+                    <a:bodyPr/>
+                    <a:lstStyle/>
+                    <a:p>
+                      <a:r>
+                        <a:rPr lang="en-DE" dirty="0"/>
+                        <a:t>Ausfälle bei Doku-Entwicklung</a:t>
+                      </a:r>
+                    </a:p>
+                  </a:txBody>
+                  <a:tcPr/>
+                </a:tc>
+                <a:tc>
+                  <a:txBody>
+                    <a:bodyPr/>
+                    <a:lstStyle/>
+                    <a:p>
+                      <a:r>
+                        <a:rPr lang="en-DE" dirty="0"/>
+                        <a:t>5,0%</a:t>
+                      </a:r>
+                    </a:p>
+                  </a:txBody>
+                  <a:tcPr/>
+                </a:tc>
+                <a:tc>
+                  <a:txBody>
+                    <a:bodyPr/>
+                    <a:lstStyle/>
+                    <a:p>
+                      <a:r>
+                        <a:rPr lang="en-DE" dirty="0"/>
+                        <a:t>Regelmäßige Absprache mit Reviews unter den Entwicklern</a:t>
+                      </a:r>
+                    </a:p>
+                  </a:txBody>
+                  <a:tcPr/>
+                </a:tc>
+                <a:tc>
+                  <a:txBody>
+                    <a:bodyPr/>
+                    <a:lstStyle/>
+                    <a:p>
+                      <a:r>
+                        <a:rPr lang="en-DE" dirty="0"/>
+                        <a:t>Scrum Master</a:t>
+                      </a:r>
+                    </a:p>
+                  </a:txBody>
+                  <a:tcPr/>
+                </a:tc>
+                <a:extLst>
+                  <a:ext uri="{0D108BD9-81ED-4DB2-BD59-A6C34878D82A}">
+                    <a16:rowId xmlns:a16="http://schemas.microsoft.com/office/drawing/2014/main" val="166855193"/>
+                  </a:ext>
+                </a:extLst>
+              </a:tr>
+              <a:tr h="370840">
+                <a:tc>
+                  <a:txBody>
+                    <a:bodyPr/>
+                    <a:lstStyle/>
+                    <a:p>
+                      <a:r>
+                        <a:rPr lang="en-DE" dirty="0"/>
+                        <a:t>Produkt wird nicht rechtzeitig fertig</a:t>
+                      </a:r>
+                    </a:p>
+                  </a:txBody>
+                  <a:tcPr/>
+                </a:tc>
+                <a:tc>
+                  <a:txBody>
+                    <a:bodyPr/>
+                    <a:lstStyle/>
+                    <a:p>
+                      <a:r>
+                        <a:rPr lang="en-DE" dirty="0"/>
+                        <a:t>Ausfälle in der Entwicklung</a:t>
+                      </a:r>
+                    </a:p>
+                  </a:txBody>
+                  <a:tcPr/>
+                </a:tc>
+                <a:tc>
+                  <a:txBody>
+                    <a:bodyPr/>
+                    <a:lstStyle/>
+                    <a:p>
+                      <a:r>
+                        <a:rPr lang="en-DE" dirty="0"/>
+                        <a:t>0,5%</a:t>
+                      </a:r>
+                    </a:p>
+                  </a:txBody>
+                  <a:tcPr/>
+                </a:tc>
+                <a:tc>
+                  <a:txBody>
+                    <a:bodyPr/>
+                    <a:lstStyle/>
+                    <a:p>
+                      <a:r>
+                        <a:rPr lang="en-DE" dirty="0"/>
+                        <a:t>Alle Entwickler werden in Front- und Backend eingebunden</a:t>
+                      </a:r>
+                    </a:p>
+                  </a:txBody>
+                  <a:tcPr/>
+                </a:tc>
+                <a:tc>
+                  <a:txBody>
+                    <a:bodyPr/>
+                    <a:lstStyle/>
+                    <a:p>
+                      <a:r>
+                        <a:rPr lang="en-DE" dirty="0"/>
+                        <a:t>Scrum Master,</a:t>
+                      </a:r>
+                    </a:p>
+                    <a:p>
+                      <a:r>
+                        <a:rPr lang="en-DE" dirty="0"/>
+                        <a:t>Projektmanager</a:t>
+                      </a:r>
+                    </a:p>
+                  </a:txBody>
+                  <a:tcPr/>
+                </a:tc>
+                <a:extLst>
+                  <a:ext uri="{0D108BD9-81ED-4DB2-BD59-A6C34878D82A}">
+                    <a16:rowId xmlns:a16="http://schemas.microsoft.com/office/drawing/2014/main" val="2838980679"/>
+                  </a:ext>
+                </a:extLst>
+              </a:tr>
+              <a:tr h="370840">
+                <a:tc>
+                  <a:txBody>
+                    <a:bodyPr/>
+                    <a:lstStyle/>
+                    <a:p>
+                      <a:r>
+                        <a:rPr lang="en-DE" dirty="0"/>
+                        <a:t>Mangel an Fachwissen</a:t>
+                      </a:r>
+                    </a:p>
+                  </a:txBody>
+                  <a:tcPr/>
+                </a:tc>
+                <a:tc>
+                  <a:txBody>
+                    <a:bodyPr/>
+                    <a:lstStyle/>
+                    <a:p>
+                      <a:r>
+                        <a:rPr lang="en-DE" dirty="0"/>
+                        <a:t>Unzureichende Kenntnisse oder Erfahrungen im Team</a:t>
+                      </a:r>
+                    </a:p>
+                  </a:txBody>
+                  <a:tcPr/>
+                </a:tc>
+                <a:tc>
+                  <a:txBody>
+                    <a:bodyPr/>
+                    <a:lstStyle/>
+                    <a:p>
+                      <a:r>
+                        <a:rPr lang="en-DE" dirty="0"/>
+                        <a:t>20%</a:t>
+                      </a:r>
+                    </a:p>
+                  </a:txBody>
+                  <a:tcPr/>
+                </a:tc>
+                <a:tc>
+                  <a:txBody>
+                    <a:bodyPr/>
+                    <a:lstStyle/>
+                    <a:p>
+                      <a:r>
+                        <a:rPr lang="en-DE" dirty="0"/>
+                        <a:t>Alle Entwickler werden bei der Wahl der Technologie mit einbezogen und auf ihre Kenntnisse Rücksicht genommen</a:t>
+                      </a:r>
+                    </a:p>
+                  </a:txBody>
+                  <a:tcPr/>
+                </a:tc>
+                <a:tc>
+                  <a:txBody>
+                    <a:bodyPr/>
+                    <a:lstStyle/>
+                    <a:p>
+                      <a:r>
+                        <a:rPr lang="en-DE" dirty="0"/>
+                        <a:t>Projektmanager,</a:t>
+                      </a:r>
+                    </a:p>
+                    <a:p>
+                      <a:r>
+                        <a:rPr lang="en-DE" dirty="0"/>
+                        <a:t>Scrum Master</a:t>
+                      </a:r>
+                    </a:p>
+                  </a:txBody>
+                  <a:tcPr/>
+                </a:tc>
+                <a:extLst>
+                  <a:ext uri="{0D108BD9-81ED-4DB2-BD59-A6C34878D82A}">
+                    <a16:rowId xmlns:a16="http://schemas.microsoft.com/office/drawing/2014/main" val="715082525"/>
+                  </a:ext>
+                </a:extLst>
+              </a:tr>
+              <a:tr h="370840">
+                <a:tc>
+                  <a:txBody>
+                    <a:bodyPr/>
+                    <a:lstStyle/>
+                    <a:p>
+                      <a:r>
+                        <a:rPr lang="en-DE" dirty="0"/>
+                        <a:t>Test Coverage &lt;80%</a:t>
+                      </a:r>
+                    </a:p>
+                  </a:txBody>
+                  <a:tcPr/>
+                </a:tc>
+                <a:tc>
+                  <a:txBody>
+                    <a:bodyPr/>
+                    <a:lstStyle/>
+                    <a:p>
+                      <a:r>
+                        <a:rPr lang="en-DE" dirty="0"/>
+                        <a:t>Ausfälle in der Entwicklung</a:t>
+                      </a:r>
+                    </a:p>
+                  </a:txBody>
+                  <a:tcPr/>
+                </a:tc>
+                <a:tc>
+                  <a:txBody>
+                    <a:bodyPr/>
+                    <a:lstStyle/>
+                    <a:p>
+                      <a:r>
+                        <a:rPr lang="en-DE" dirty="0"/>
+                        <a:t>20%</a:t>
+                      </a:r>
+                    </a:p>
+                  </a:txBody>
+                  <a:tcPr/>
+                </a:tc>
+                <a:tc>
+                  <a:txBody>
+                    <a:bodyPr/>
+                    <a:lstStyle/>
+                    <a:p>
+                      <a:r>
+                        <a:rPr lang="en-DE" dirty="0"/>
+                        <a:t>Keine- Risiko wird aufgrund der kurzen Entwicklungszeit akzeptiert </a:t>
+                      </a:r>
+                    </a:p>
+                  </a:txBody>
+                  <a:tcPr/>
+                </a:tc>
+                <a:tc>
+                  <a:txBody>
+                    <a:bodyPr/>
+                    <a:lstStyle/>
+                    <a:p>
+                      <a:r>
+                        <a:rPr lang="en-DE" dirty="0"/>
+                        <a:t>Projektmanager</a:t>
+                      </a:r>
+                    </a:p>
+                  </a:txBody>
+                  <a:tcPr/>
+                </a:tc>
+                <a:extLst>
+                  <a:ext uri="{0D108BD9-81ED-4DB2-BD59-A6C34878D82A}">
+                    <a16:rowId xmlns:a16="http://schemas.microsoft.com/office/drawing/2014/main" val="2662875080"/>
+                  </a:ext>
+                </a:extLst>
+              </a:tr>
+            </a:tbl>
+          </a:graphicData>
+        </a:graphic>
+      </p:graphicFrame>
+    </p:spTree>
+    <p:extLst>
+      <p:ext uri="{BB962C8B-B14F-4D97-AF65-F5344CB8AC3E}">
+        <p14:creationId xmlns:p14="http://schemas.microsoft.com/office/powerpoint/2010/main" val="379084021"/>
+      </p:ext>
+    </p:extLst>
+  </p:cSld>
+  <p:clrMapOvr>
+    <a:masterClrMapping/>
+  </p:clrMapOvr>
+</p:sld>
+</file>
+
+<file path=ppt/slides/slide9.xml><?xml version="1.0" encoding="utf-8"?>
+<p:sld xmlns:a="http://schemas.openxmlformats.org/drawingml/2006/main" xmlns:r="http://schemas.openxmlformats.org/officeDocument/2006/relationships" xmlns:p="http://schemas.openxmlformats.org/presentationml/2006/main">
+  <p:cSld>
+    <p:spTree>
+      <p:nvGrpSpPr>
+        <p:cNvPr id="1" name=""/>
+        <p:cNvGrpSpPr/>
+        <p:nvPr/>
+      </p:nvGrpSpPr>
+      <p:grpSpPr>
+        <a:xfrm>
+          <a:off x="0" y="0"/>
+          <a:ext cx="0" cy="0"/>
+          <a:chOff x="0" y="0"/>
+          <a:chExt cx="0" cy="0"/>
+        </a:xfrm>
+      </p:grpSpPr>
+      <p:sp>
+        <p:nvSpPr>
+          <p:cNvPr id="2" name="Title 1">
+            <a:extLst>
+              <a:ext uri="{FF2B5EF4-FFF2-40B4-BE49-F238E27FC236}">
+                <a16:creationId xmlns:a16="http://schemas.microsoft.com/office/drawing/2014/main" id="{FF7B60E5-A69F-29C9-E354-CD58DBEC380D}"/>
+              </a:ext>
+            </a:extLst>
+          </p:cNvPr>
+          <p:cNvSpPr>
+            <a:spLocks noGrp="1"/>
+          </p:cNvSpPr>
+          <p:nvPr>
+            <p:ph type="title"/>
+          </p:nvPr>
+        </p:nvSpPr>
+        <p:spPr/>
+        <p:txBody>
+          <a:bodyPr/>
+          <a:lstStyle/>
+          <a:p>
+            <a:r>
+              <a:rPr lang="en-DE" dirty="0"/>
+              <a:t>Product Backlog</a:t>
+            </a:r>
+          </a:p>
+        </p:txBody>
+      </p:sp>
+      <p:graphicFrame>
+        <p:nvGraphicFramePr>
+          <p:cNvPr id="4" name="Content Placeholder 3">
+            <a:extLst>
+              <a:ext uri="{FF2B5EF4-FFF2-40B4-BE49-F238E27FC236}">
+                <a16:creationId xmlns:a16="http://schemas.microsoft.com/office/drawing/2014/main" id="{5C6E70F7-27AF-28B9-E363-472395824058}"/>
+              </a:ext>
+            </a:extLst>
+          </p:cNvPr>
+          <p:cNvGraphicFramePr>
+            <a:graphicFrameLocks noGrp="1"/>
+          </p:cNvGraphicFramePr>
+          <p:nvPr>
+            <p:ph idx="1"/>
+            <p:extLst>
+              <p:ext uri="{D42A27DB-BD31-4B8C-83A1-F6EECF244321}">
+                <p14:modId xmlns:p14="http://schemas.microsoft.com/office/powerpoint/2010/main" val="3079057424"/>
+              </p:ext>
+            </p:extLst>
+          </p:nvPr>
+        </p:nvGraphicFramePr>
+        <p:xfrm>
+          <a:off x="838200" y="1825625"/>
+          <a:ext cx="10515600" cy="16022320"/>
+        </p:xfrm>
+        <a:graphic>
+          <a:graphicData uri="http://schemas.openxmlformats.org/drawingml/2006/table">
+            <a:tbl>
+              <a:tblPr firstRow="1" bandRow="1">
+                <a:tableStyleId>{21E4AEA4-8DFA-4A89-87EB-49C32662AFE0}</a:tableStyleId>
+              </a:tblPr>
+              <a:tblGrid>
+                <a:gridCol w="729343">
+                  <a:extLst>
+                    <a:ext uri="{9D8B030D-6E8A-4147-A177-3AD203B41FA5}">
+                      <a16:colId xmlns:a16="http://schemas.microsoft.com/office/drawing/2014/main" val="1987750083"/>
+                    </a:ext>
+                  </a:extLst>
+                </a:gridCol>
+                <a:gridCol w="2300369">
+                  <a:extLst>
+                    <a:ext uri="{9D8B030D-6E8A-4147-A177-3AD203B41FA5}">
+                      <a16:colId xmlns:a16="http://schemas.microsoft.com/office/drawing/2014/main" val="645368892"/>
+                    </a:ext>
+                  </a:extLst>
+                </a:gridCol>
+                <a:gridCol w="6053328">
+                  <a:extLst>
+                    <a:ext uri="{9D8B030D-6E8A-4147-A177-3AD203B41FA5}">
+                      <a16:colId xmlns:a16="http://schemas.microsoft.com/office/drawing/2014/main" val="207721845"/>
+                    </a:ext>
+                  </a:extLst>
+                </a:gridCol>
+                <a:gridCol w="1432560">
+                  <a:extLst>
+                    <a:ext uri="{9D8B030D-6E8A-4147-A177-3AD203B41FA5}">
+                      <a16:colId xmlns:a16="http://schemas.microsoft.com/office/drawing/2014/main" val="2256790804"/>
+                    </a:ext>
+                  </a:extLst>
+                </a:gridCol>
+              </a:tblGrid>
+              <a:tr h="370840">
+                <a:tc>
+                  <a:txBody>
+                    <a:bodyPr/>
+                    <a:lstStyle/>
+                    <a:p>
+                      <a:r>
+                        <a:rPr lang="en-DE" dirty="0"/>
+                        <a:t>ID</a:t>
+                      </a:r>
+                    </a:p>
+                  </a:txBody>
+                  <a:tcPr/>
+                </a:tc>
+                <a:tc>
+                  <a:txBody>
+                    <a:bodyPr/>
+                    <a:lstStyle/>
+                    <a:p>
+                      <a:r>
+                        <a:rPr lang="en-DE" dirty="0"/>
+                        <a:t>Epic</a:t>
+                      </a:r>
+                    </a:p>
+                  </a:txBody>
+                  <a:tcPr/>
+                </a:tc>
+                <a:tc>
+                  <a:txBody>
+                    <a:bodyPr/>
+                    <a:lstStyle/>
+                    <a:p>
+                      <a:r>
+                        <a:rPr lang="en-DE" dirty="0"/>
+                        <a:t>User Story</a:t>
+                      </a:r>
+                    </a:p>
+                  </a:txBody>
+                  <a:tcPr/>
+                </a:tc>
+                <a:tc>
+                  <a:txBody>
+                    <a:bodyPr/>
+                    <a:lstStyle/>
+                    <a:p>
+                      <a:r>
+                        <a:rPr lang="en-DE" dirty="0"/>
+                        <a:t>Priorität</a:t>
+                      </a:r>
+                    </a:p>
+                  </a:txBody>
+                  <a:tcPr/>
+                </a:tc>
+                <a:extLst>
+                  <a:ext uri="{0D108BD9-81ED-4DB2-BD59-A6C34878D82A}">
+                    <a16:rowId xmlns:a16="http://schemas.microsoft.com/office/drawing/2014/main" val="3256265648"/>
+                  </a:ext>
+                </a:extLst>
+              </a:tr>
+              <a:tr h="370840">
+                <a:tc>
+                  <a:txBody>
+                    <a:bodyPr/>
+                    <a:lstStyle/>
+                    <a:p>
+                      <a:r>
+                        <a:rPr lang="en-DE" dirty="0"/>
+                        <a:t>1001</a:t>
+                      </a:r>
+                    </a:p>
+                  </a:txBody>
+                  <a:tcPr/>
+                </a:tc>
+                <a:tc>
+                  <a:txBody>
+                    <a:bodyPr/>
+                    <a:lstStyle/>
+                    <a:p>
+                      <a:r>
+                        <a:rPr lang="en-DE" dirty="0"/>
+                        <a:t>Spiel erstellen</a:t>
+                      </a:r>
+                    </a:p>
+                  </a:txBody>
+                  <a:tcPr/>
+                </a:tc>
+                <a:tc>
+                  <a:txBody>
+                    <a:bodyPr/>
+                    <a:lstStyle/>
+                    <a:p>
+                      <a:r>
+                        <a:rPr lang="en-DE" dirty="0"/>
+                        <a:t>Als Benutzer möchte ich ein Spiel erstellen können, dass andere dann sehen und diesem beitreten können</a:t>
+                      </a:r>
+                    </a:p>
+                  </a:txBody>
+                  <a:tcPr/>
+                </a:tc>
+                <a:tc>
+                  <a:txBody>
+                    <a:bodyPr/>
+                    <a:lstStyle/>
+                    <a:p>
+                      <a:endParaRPr lang="en-DE"/>
+                    </a:p>
+                  </a:txBody>
+                  <a:tcPr/>
+                </a:tc>
+                <a:extLst>
+                  <a:ext uri="{0D108BD9-81ED-4DB2-BD59-A6C34878D82A}">
+                    <a16:rowId xmlns:a16="http://schemas.microsoft.com/office/drawing/2014/main" val="3855986042"/>
+                  </a:ext>
+                </a:extLst>
+              </a:tr>
+              <a:tr h="370840">
+                <a:tc>
+                  <a:txBody>
+                    <a:bodyPr/>
+                    <a:lstStyle/>
+                    <a:p>
+                      <a:r>
+                        <a:rPr lang="en-DE" dirty="0"/>
+                        <a:t>2001</a:t>
+                      </a:r>
+                    </a:p>
+                  </a:txBody>
+                  <a:tcPr/>
+                </a:tc>
+                <a:tc>
+                  <a:txBody>
+                    <a:bodyPr/>
+                    <a:lstStyle/>
+                    <a:p>
+                      <a:r>
+                        <a:rPr lang="en-DE" dirty="0"/>
+                        <a:t>Spiel erstellen</a:t>
+                      </a:r>
+                    </a:p>
+                  </a:txBody>
+                  <a:tcPr/>
+                </a:tc>
+                <a:tc>
+                  <a:txBody>
+                    <a:bodyPr/>
+                    <a:lstStyle/>
+                    <a:p>
+                      <a:r>
+                        <a:rPr lang="en-DE" dirty="0"/>
+                        <a:t>Als B</a:t>
+                      </a:r>
+                      <a:r>
+                        <a:rPr lang="en-GB" dirty="0"/>
+                        <a:t>e</a:t>
+                      </a:r>
+                      <a:r>
+                        <a:rPr lang="en-DE" dirty="0"/>
+                        <a:t>nutzer möchte ich eine Oberfläche haben, auf der ich ein Spiel erstellen und konfigurieren kann, wenn das spiel erstellt ist, werde ich in die Spielansicht weitergeleitet</a:t>
+                      </a:r>
+                    </a:p>
+                  </a:txBody>
+                  <a:tcPr/>
+                </a:tc>
+                <a:tc>
+                  <a:txBody>
+                    <a:bodyPr/>
+                    <a:lstStyle/>
+                    <a:p>
+                      <a:endParaRPr lang="en-DE"/>
+                    </a:p>
+                  </a:txBody>
+                  <a:tcPr/>
+                </a:tc>
+                <a:extLst>
+                  <a:ext uri="{0D108BD9-81ED-4DB2-BD59-A6C34878D82A}">
+                    <a16:rowId xmlns:a16="http://schemas.microsoft.com/office/drawing/2014/main" val="3411303007"/>
+                  </a:ext>
+                </a:extLst>
+              </a:tr>
+              <a:tr h="370840">
+                <a:tc>
+                  <a:txBody>
+                    <a:bodyPr/>
+                    <a:lstStyle/>
+                    <a:p>
+                      <a:r>
+                        <a:rPr lang="en-DE" dirty="0"/>
+                        <a:t>1002</a:t>
+                      </a:r>
+                    </a:p>
+                  </a:txBody>
+                  <a:tcPr/>
+                </a:tc>
+                <a:tc>
+                  <a:txBody>
+                    <a:bodyPr/>
+                    <a:lstStyle/>
+                    <a:p>
+                      <a:r>
+                        <a:rPr lang="en-DE" dirty="0"/>
+                        <a:t>Spiel beitreten</a:t>
+                      </a:r>
+                    </a:p>
+                  </a:txBody>
+                  <a:tcPr/>
+                </a:tc>
+                <a:tc>
+                  <a:txBody>
+                    <a:bodyPr/>
+                    <a:lstStyle/>
+                    <a:p>
+                      <a:r>
+                        <a:rPr lang="en-DE" dirty="0"/>
+                        <a:t>Als Benutzer möchte ich einem Spiel beitreten können und an diesem dann teilnehmen</a:t>
+                      </a:r>
+                    </a:p>
+                  </a:txBody>
+                  <a:tcPr/>
+                </a:tc>
+                <a:tc>
+                  <a:txBody>
+                    <a:bodyPr/>
+                    <a:lstStyle/>
+                    <a:p>
+                      <a:endParaRPr lang="en-DE"/>
+                    </a:p>
+                  </a:txBody>
+                  <a:tcPr/>
+                </a:tc>
+                <a:extLst>
+                  <a:ext uri="{0D108BD9-81ED-4DB2-BD59-A6C34878D82A}">
+                    <a16:rowId xmlns:a16="http://schemas.microsoft.com/office/drawing/2014/main" val="1293520576"/>
+                  </a:ext>
+                </a:extLst>
+              </a:tr>
+              <a:tr h="370840">
+                <a:tc>
+                  <a:txBody>
+                    <a:bodyPr/>
+                    <a:lstStyle/>
+                    <a:p>
+                      <a:r>
+                        <a:rPr lang="en-DE" dirty="0"/>
+                        <a:t>2002</a:t>
+                      </a:r>
+                    </a:p>
+                  </a:txBody>
+                  <a:tcPr/>
+                </a:tc>
+                <a:tc>
+                  <a:txBody>
+                    <a:bodyPr/>
+                    <a:lstStyle/>
+                    <a:p>
+                      <a:r>
+                        <a:rPr lang="en-DE" dirty="0"/>
+                        <a:t>Spiel beitreten</a:t>
+                      </a:r>
+                    </a:p>
+                  </a:txBody>
+                  <a:tcPr/>
+                </a:tc>
+                <a:tc>
+                  <a:txBody>
+                    <a:bodyPr/>
+                    <a:lstStyle/>
+                    <a:p>
+                      <a:r>
+                        <a:rPr lang="en-DE" dirty="0"/>
+                        <a:t>Als Benutzer möchte ich eine Übersicht an Spielen haben, denen ich beitreten kann</a:t>
+                      </a:r>
+                    </a:p>
+                  </a:txBody>
+                  <a:tcPr/>
+                </a:tc>
+                <a:tc>
+                  <a:txBody>
+                    <a:bodyPr/>
+                    <a:lstStyle/>
+                    <a:p>
+                      <a:endParaRPr lang="en-DE"/>
+                    </a:p>
+                  </a:txBody>
+                  <a:tcPr/>
+                </a:tc>
+                <a:extLst>
+                  <a:ext uri="{0D108BD9-81ED-4DB2-BD59-A6C34878D82A}">
+                    <a16:rowId xmlns:a16="http://schemas.microsoft.com/office/drawing/2014/main" val="2489901243"/>
+                  </a:ext>
+                </a:extLst>
+              </a:tr>
+              <a:tr h="370840">
+                <a:tc>
+                  <a:txBody>
+                    <a:bodyPr/>
+                    <a:lstStyle/>
+                    <a:p>
+                      <a:r>
+                        <a:rPr lang="en-DE" dirty="0"/>
+                        <a:t>2003</a:t>
+                      </a:r>
+                    </a:p>
+                  </a:txBody>
+                  <a:tcPr/>
+                </a:tc>
+                <a:tc>
+                  <a:txBody>
+                    <a:bodyPr/>
+                    <a:lstStyle/>
+                    <a:p>
+                      <a:r>
+                        <a:rPr lang="en-DE" dirty="0"/>
+                        <a:t>Spiel beitreten</a:t>
+                      </a:r>
+                    </a:p>
+                  </a:txBody>
+                  <a:tcPr/>
+                </a:tc>
+                <a:tc>
+                  <a:txBody>
+                    <a:bodyPr/>
+                    <a:lstStyle/>
+                    <a:p>
+                      <a:r>
+                        <a:rPr lang="en-DE" dirty="0"/>
+                        <a:t>Als Benutzer möchte ich, wenn ich einem Spiel beitrete, meinen Namen eingeben müssen und dann auf die Spielseite weitergeleitet werden</a:t>
+                      </a:r>
+                    </a:p>
+                  </a:txBody>
+                  <a:tcPr/>
+                </a:tc>
+                <a:tc>
+                  <a:txBody>
+                    <a:bodyPr/>
+                    <a:lstStyle/>
+                    <a:p>
+                      <a:endParaRPr lang="en-DE"/>
+                    </a:p>
+                  </a:txBody>
+                  <a:tcPr/>
+                </a:tc>
+                <a:extLst>
+                  <a:ext uri="{0D108BD9-81ED-4DB2-BD59-A6C34878D82A}">
+                    <a16:rowId xmlns:a16="http://schemas.microsoft.com/office/drawing/2014/main" val="3463875102"/>
+                  </a:ext>
+                </a:extLst>
+              </a:tr>
+              <a:tr h="370840">
+                <a:tc>
+                  <a:txBody>
+                    <a:bodyPr/>
+                    <a:lstStyle/>
+                    <a:p>
+                      <a:r>
+                        <a:rPr lang="en-DE" dirty="0"/>
+                        <a:t>1003</a:t>
+                      </a:r>
+                    </a:p>
+                  </a:txBody>
+                  <a:tcPr/>
+                </a:tc>
+                <a:tc>
+                  <a:txBody>
+                    <a:bodyPr/>
+                    <a:lstStyle/>
+                    <a:p>
+                      <a:r>
+                        <a:rPr lang="en-DE" dirty="0"/>
+                        <a:t>Spiel verlassen</a:t>
+                      </a:r>
+                    </a:p>
+                  </a:txBody>
+                  <a:tcPr/>
+                </a:tc>
+                <a:tc>
+                  <a:txBody>
+                    <a:bodyPr/>
+                    <a:lstStyle/>
+                    <a:p>
+                      <a:r>
+                        <a:rPr lang="en-DE" dirty="0"/>
+                        <a:t>Als Benutzer möchte ich jederzeit das Spiel wieder verlassen können</a:t>
+                      </a:r>
+                    </a:p>
+                  </a:txBody>
+                  <a:tcPr/>
+                </a:tc>
+                <a:tc>
+                  <a:txBody>
+                    <a:bodyPr/>
+                    <a:lstStyle/>
+                    <a:p>
+                      <a:endParaRPr lang="en-DE"/>
+                    </a:p>
+                  </a:txBody>
+                  <a:tcPr/>
+                </a:tc>
+                <a:extLst>
+                  <a:ext uri="{0D108BD9-81ED-4DB2-BD59-A6C34878D82A}">
+                    <a16:rowId xmlns:a16="http://schemas.microsoft.com/office/drawing/2014/main" val="1907830566"/>
+                  </a:ext>
+                </a:extLst>
+              </a:tr>
+              <a:tr h="370840">
+                <a:tc>
+                  <a:txBody>
+                    <a:bodyPr/>
+                    <a:lstStyle/>
+                    <a:p>
+                      <a:r>
+                        <a:rPr lang="en-DE" dirty="0"/>
+                        <a:t>2004</a:t>
+                      </a:r>
+                    </a:p>
+                  </a:txBody>
+                  <a:tcPr/>
+                </a:tc>
+                <a:tc>
+                  <a:txBody>
+                    <a:bodyPr/>
+                    <a:lstStyle/>
+                    <a:p>
+                      <a:r>
+                        <a:rPr lang="en-DE" dirty="0"/>
+                        <a:t>Spiel verlassen</a:t>
+                      </a:r>
+                    </a:p>
+                  </a:txBody>
+                  <a:tcPr/>
+                </a:tc>
+                <a:tc>
+                  <a:txBody>
+                    <a:bodyPr/>
+                    <a:lstStyle/>
+                    <a:p>
+                      <a:r>
+                        <a:rPr lang="en-DE" dirty="0"/>
+                        <a:t>Als Benutzer möchte ich jederzeit über eine Knopf das Spiel verlassen können und werde dann wieder auf die Seite, auf der man Spielen beitreten kann, weitergeleitet</a:t>
+                      </a:r>
+                    </a:p>
+                  </a:txBody>
+                  <a:tcPr/>
+                </a:tc>
+                <a:tc>
+                  <a:txBody>
+                    <a:bodyPr/>
+                    <a:lstStyle/>
+                    <a:p>
+                      <a:endParaRPr lang="en-DE"/>
+                    </a:p>
+                  </a:txBody>
+                  <a:tcPr/>
+                </a:tc>
+                <a:extLst>
+                  <a:ext uri="{0D108BD9-81ED-4DB2-BD59-A6C34878D82A}">
+                    <a16:rowId xmlns:a16="http://schemas.microsoft.com/office/drawing/2014/main" val="3996010894"/>
+                  </a:ext>
+                </a:extLst>
+              </a:tr>
+              <a:tr h="370840">
+                <a:tc>
+                  <a:txBody>
+                    <a:bodyPr/>
+                    <a:lstStyle/>
+                    <a:p>
+                      <a:r>
+                        <a:rPr lang="en-DE" dirty="0"/>
+                        <a:t>1004</a:t>
+                      </a:r>
+                    </a:p>
+                  </a:txBody>
+                  <a:tcPr/>
+                </a:tc>
+                <a:tc>
+                  <a:txBody>
+                    <a:bodyPr/>
+                    <a:lstStyle/>
+                    <a:p>
+                      <a:r>
+                        <a:rPr lang="en-DE" dirty="0"/>
+                        <a:t>Bingofeld erstellen</a:t>
+                      </a:r>
+                    </a:p>
+                  </a:txBody>
+                  <a:tcPr/>
+                </a:tc>
+                <a:tc>
+                  <a:txBody>
+                    <a:bodyPr/>
+                    <a:lstStyle/>
+                    <a:p>
+                      <a:r>
+                        <a:rPr lang="en-DE" dirty="0"/>
+                        <a:t>Als Benutzer möchte ich eine Bingofeld erstellen können indem ich dort meine eigenen Begriffe eintrage</a:t>
+                      </a:r>
+                    </a:p>
+                  </a:txBody>
+                  <a:tcPr/>
+                </a:tc>
+                <a:tc>
+                  <a:txBody>
+                    <a:bodyPr/>
+                    <a:lstStyle/>
+                    <a:p>
+                      <a:endParaRPr lang="en-DE"/>
+                    </a:p>
+                  </a:txBody>
+                  <a:tcPr/>
+                </a:tc>
+                <a:extLst>
+                  <a:ext uri="{0D108BD9-81ED-4DB2-BD59-A6C34878D82A}">
+                    <a16:rowId xmlns:a16="http://schemas.microsoft.com/office/drawing/2014/main" val="1946434553"/>
+                  </a:ext>
+                </a:extLst>
+              </a:tr>
+              <a:tr h="370840">
+                <a:tc>
+                  <a:txBody>
+                    <a:bodyPr/>
+                    <a:lstStyle/>
+                    <a:p>
+                      <a:r>
+                        <a:rPr lang="en-DE" dirty="0"/>
+                        <a:t>2005</a:t>
+                      </a:r>
+                    </a:p>
+                  </a:txBody>
+                  <a:tcPr/>
+                </a:tc>
+                <a:tc>
+                  <a:txBody>
+                    <a:bodyPr/>
+                    <a:lstStyle/>
+                    <a:p>
+                      <a:r>
+                        <a:rPr lang="en-DE" dirty="0"/>
+                        <a:t>Bingofeld erstellen</a:t>
+                      </a:r>
+                    </a:p>
+                  </a:txBody>
+                  <a:tcPr/>
+                </a:tc>
+                <a:tc>
+                  <a:txBody>
+                    <a:bodyPr/>
+                    <a:lstStyle/>
+                    <a:p>
+                      <a:r>
+                        <a:rPr lang="en-DE" dirty="0"/>
+                        <a:t>Als Benutzer möchte ich auf der Spielseite in die Bingofelder eigene Begriffe eintragen können</a:t>
+                      </a:r>
+                    </a:p>
+                  </a:txBody>
+                  <a:tcPr/>
+                </a:tc>
+                <a:tc>
+                  <a:txBody>
+                    <a:bodyPr/>
+                    <a:lstStyle/>
+                    <a:p>
+                      <a:endParaRPr lang="en-DE" dirty="0"/>
+                    </a:p>
+                  </a:txBody>
+                  <a:tcPr/>
+                </a:tc>
+                <a:extLst>
+                  <a:ext uri="{0D108BD9-81ED-4DB2-BD59-A6C34878D82A}">
+                    <a16:rowId xmlns:a16="http://schemas.microsoft.com/office/drawing/2014/main" val="2074463469"/>
+                  </a:ext>
+                </a:extLst>
+              </a:tr>
+              <a:tr h="370840">
+                <a:tc>
+                  <a:txBody>
+                    <a:bodyPr/>
+                    <a:lstStyle/>
+                    <a:p>
+                      <a:r>
+                        <a:rPr lang="en-DE" dirty="0"/>
+                        <a:t>1005</a:t>
+                      </a:r>
+                    </a:p>
+                  </a:txBody>
+                  <a:tcPr/>
+                </a:tc>
+                <a:tc>
+                  <a:txBody>
+                    <a:bodyPr/>
+                    <a:lstStyle/>
+                    <a:p>
+                      <a:r>
+                        <a:rPr lang="en-DE" dirty="0"/>
+                        <a:t>Spiel starten</a:t>
+                      </a:r>
+                    </a:p>
+                  </a:txBody>
+                  <a:tcPr/>
+                </a:tc>
+                <a:tc>
+                  <a:txBody>
+                    <a:bodyPr/>
+                    <a:lstStyle/>
+                    <a:p>
+                      <a:r>
+                        <a:rPr lang="en-DE" dirty="0"/>
+                        <a:t>Als Benutzer, der eine Spiel erstellt hat, möchte ich ein Spiel starten können, die Spieler sollen darüber informiert werden</a:t>
+                      </a:r>
+                    </a:p>
+                  </a:txBody>
+                  <a:tcPr/>
+                </a:tc>
+                <a:tc>
+                  <a:txBody>
+                    <a:bodyPr/>
+                    <a:lstStyle/>
+                    <a:p>
+                      <a:endParaRPr lang="en-DE" dirty="0"/>
+                    </a:p>
+                  </a:txBody>
+                  <a:tcPr/>
+                </a:tc>
+                <a:extLst>
+                  <a:ext uri="{0D108BD9-81ED-4DB2-BD59-A6C34878D82A}">
+                    <a16:rowId xmlns:a16="http://schemas.microsoft.com/office/drawing/2014/main" val="2709662696"/>
+                  </a:ext>
+                </a:extLst>
+              </a:tr>
+              <a:tr h="370840">
+                <a:tc>
+                  <a:txBody>
+                    <a:bodyPr/>
+                    <a:lstStyle/>
+                    <a:p>
+                      <a:r>
+                        <a:rPr lang="en-DE" dirty="0"/>
+                        <a:t>2006</a:t>
+                      </a:r>
+                    </a:p>
+                  </a:txBody>
+                  <a:tcPr/>
+                </a:tc>
+                <a:tc>
+                  <a:txBody>
+                    <a:bodyPr/>
+                    <a:lstStyle/>
+                    <a:p>
+                      <a:r>
+                        <a:rPr lang="en-DE" dirty="0"/>
+                        <a:t>Spiel starten</a:t>
+                      </a:r>
+                    </a:p>
+                  </a:txBody>
+                  <a:tcPr/>
+                </a:tc>
+                <a:tc>
+                  <a:txBody>
+                    <a:bodyPr/>
+                    <a:lstStyle/>
+                    <a:p>
+                      <a:r>
+                        <a:rPr lang="en-DE" dirty="0"/>
+                        <a:t>Als Benutzer, der eine Spiel erstellt hat, möchte ich ein Spiel über eine Button starten können, die Spieler sollen dann über eine N</a:t>
+                      </a:r>
+                      <a:r>
+                        <a:rPr lang="en-GB" dirty="0"/>
+                        <a:t>a</a:t>
+                      </a:r>
+                      <a:r>
+                        <a:rPr lang="en-DE" dirty="0"/>
+                        <a:t>chricht und eine Veränderung des Status darüber informiert werden, dass das Spiel gestartet wurde</a:t>
+                      </a:r>
+                    </a:p>
+                  </a:txBody>
+                  <a:tcPr/>
+                </a:tc>
+                <a:tc>
+                  <a:txBody>
+                    <a:bodyPr/>
+                    <a:lstStyle/>
+                    <a:p>
+                      <a:endParaRPr lang="en-DE" dirty="0"/>
+                    </a:p>
+                  </a:txBody>
+                  <a:tcPr/>
+                </a:tc>
+                <a:extLst>
+                  <a:ext uri="{0D108BD9-81ED-4DB2-BD59-A6C34878D82A}">
+                    <a16:rowId xmlns:a16="http://schemas.microsoft.com/office/drawing/2014/main" val="243785666"/>
+                  </a:ext>
+                </a:extLst>
+              </a:tr>
+              <a:tr h="370840">
+                <a:tc>
+                  <a:txBody>
+                    <a:bodyPr/>
+                    <a:lstStyle/>
+                    <a:p>
+                      <a:r>
+                        <a:rPr lang="en-DE" dirty="0"/>
+                        <a:t>1006</a:t>
+                      </a:r>
+                    </a:p>
+                  </a:txBody>
+                  <a:tcPr/>
+                </a:tc>
+                <a:tc>
+                  <a:txBody>
+                    <a:bodyPr/>
+                    <a:lstStyle/>
+                    <a:p>
+                      <a:r>
+                        <a:rPr lang="en-DE" dirty="0"/>
+                        <a:t>Bingofeld abkreuzen</a:t>
+                      </a:r>
+                    </a:p>
+                  </a:txBody>
+                  <a:tcPr/>
+                </a:tc>
+                <a:tc>
+                  <a:txBody>
+                    <a:bodyPr/>
+                    <a:lstStyle/>
+                    <a:p>
+                      <a:r>
+                        <a:rPr lang="en-DE" dirty="0"/>
+                        <a:t>Als Benutzer möchte ich ein Feld abkreuzen können.</a:t>
+                      </a:r>
+                    </a:p>
+                  </a:txBody>
+                  <a:tcPr/>
+                </a:tc>
+                <a:tc>
+                  <a:txBody>
+                    <a:bodyPr/>
+                    <a:lstStyle/>
+                    <a:p>
+                      <a:endParaRPr lang="en-DE" dirty="0"/>
+                    </a:p>
+                  </a:txBody>
+                  <a:tcPr/>
+                </a:tc>
+                <a:extLst>
+                  <a:ext uri="{0D108BD9-81ED-4DB2-BD59-A6C34878D82A}">
+                    <a16:rowId xmlns:a16="http://schemas.microsoft.com/office/drawing/2014/main" val="4090877107"/>
+                  </a:ext>
+                </a:extLst>
+              </a:tr>
+              <a:tr h="370840">
+                <a:tc>
+                  <a:txBody>
+                    <a:bodyPr/>
+                    <a:lstStyle/>
+                    <a:p>
+                      <a:r>
+                        <a:rPr lang="en-DE" dirty="0"/>
+                        <a:t>2007</a:t>
+                      </a:r>
+                    </a:p>
+                  </a:txBody>
+                  <a:tcPr/>
+                </a:tc>
+                <a:tc>
+                  <a:txBody>
+                    <a:bodyPr/>
+                    <a:lstStyle/>
+                    <a:p>
+                      <a:r>
+                        <a:rPr lang="en-DE" dirty="0"/>
+                        <a:t>Bingofeld abkreuzen</a:t>
+                      </a:r>
+                    </a:p>
+                  </a:txBody>
+                  <a:tcPr/>
+                </a:tc>
+                <a:tc>
+                  <a:txBody>
+                    <a:bodyPr/>
+                    <a:lstStyle/>
+                    <a:p>
+                      <a:r>
+                        <a:rPr lang="en-DE" dirty="0"/>
+                        <a:t>Als Benutzer möchte ich durch anklicken eines Feldes dieses Abkreuzen können.</a:t>
+                      </a:r>
+                    </a:p>
+                  </a:txBody>
+                  <a:tcPr/>
+                </a:tc>
+                <a:tc>
+                  <a:txBody>
+                    <a:bodyPr/>
+                    <a:lstStyle/>
+                    <a:p>
+                      <a:endParaRPr lang="en-DE" dirty="0"/>
+                    </a:p>
+                  </a:txBody>
+                  <a:tcPr/>
+                </a:tc>
+                <a:extLst>
+                  <a:ext uri="{0D108BD9-81ED-4DB2-BD59-A6C34878D82A}">
+                    <a16:rowId xmlns:a16="http://schemas.microsoft.com/office/drawing/2014/main" val="2376865773"/>
+                  </a:ext>
+                </a:extLst>
+              </a:tr>
+              <a:tr h="370840">
+                <a:tc>
+                  <a:txBody>
+                    <a:bodyPr/>
+                    <a:lstStyle/>
+                    <a:p>
+                      <a:r>
+                        <a:rPr lang="en-DE" dirty="0"/>
+                        <a:t>1007</a:t>
+                      </a:r>
+                    </a:p>
+                  </a:txBody>
+                  <a:tcPr/>
+                </a:tc>
+                <a:tc>
+                  <a:txBody>
+                    <a:bodyPr/>
+                    <a:lstStyle/>
+                    <a:p>
+                      <a:r>
+                        <a:rPr lang="en-DE" dirty="0"/>
+                        <a:t>Bingo ausgeben</a:t>
+                      </a:r>
+                    </a:p>
+                  </a:txBody>
+                  <a:tcPr/>
+                </a:tc>
+                <a:tc>
+                  <a:txBody>
+                    <a:bodyPr/>
+                    <a:lstStyle/>
+                    <a:p>
+                      <a:r>
+                        <a:rPr lang="en-DE" dirty="0"/>
+                        <a:t>Als Benutzer möchte ich, dass das Spiel erkennt, wenn jemand ein Bingo hat</a:t>
+                      </a:r>
+                    </a:p>
+                  </a:txBody>
+                  <a:tcPr/>
+                </a:tc>
+                <a:tc>
+                  <a:txBody>
+                    <a:bodyPr/>
+                    <a:lstStyle/>
+                    <a:p>
+                      <a:endParaRPr lang="en-DE" dirty="0"/>
+                    </a:p>
+                  </a:txBody>
+                  <a:tcPr/>
+                </a:tc>
+                <a:extLst>
+                  <a:ext uri="{0D108BD9-81ED-4DB2-BD59-A6C34878D82A}">
+                    <a16:rowId xmlns:a16="http://schemas.microsoft.com/office/drawing/2014/main" val="2019315468"/>
+                  </a:ext>
+                </a:extLst>
+              </a:tr>
+              <a:tr h="370840">
+                <a:tc>
+                  <a:txBody>
+                    <a:bodyPr/>
+                    <a:lstStyle/>
+                    <a:p>
+                      <a:r>
+                        <a:rPr lang="en-DE" dirty="0"/>
+                        <a:t>2008</a:t>
+                      </a:r>
+                    </a:p>
+                  </a:txBody>
+                  <a:tcPr/>
+                </a:tc>
+                <a:tc>
+                  <a:txBody>
+                    <a:bodyPr/>
+                    <a:lstStyle/>
+                    <a:p>
+                      <a:r>
+                        <a:rPr lang="en-DE" dirty="0"/>
+                        <a:t>Bingo ausgeben</a:t>
+                      </a:r>
+                    </a:p>
+                  </a:txBody>
+                  <a:tcPr/>
+                </a:tc>
+                <a:tc>
+                  <a:txBody>
+                    <a:bodyPr/>
+                    <a:lstStyle/>
+                    <a:p>
+                      <a:r>
+                        <a:rPr lang="en-DE" dirty="0"/>
+                        <a:t>Als Benutzer möchte ich, dass das Spiel auf dem Bingofeld ein Bingo markiert und die anderen Spieler über mein Bingo informiert. Außerdem soll auch ich informiert werden, wenn jemand anderes ein Bingo macht</a:t>
+                      </a:r>
+                    </a:p>
+                  </a:txBody>
+                  <a:tcPr/>
+                </a:tc>
+                <a:tc>
+                  <a:txBody>
+                    <a:bodyPr/>
+                    <a:lstStyle/>
+                    <a:p>
+                      <a:endParaRPr lang="en-DE" dirty="0"/>
+                    </a:p>
+                  </a:txBody>
+                  <a:tcPr/>
+                </a:tc>
+                <a:extLst>
+                  <a:ext uri="{0D108BD9-81ED-4DB2-BD59-A6C34878D82A}">
+                    <a16:rowId xmlns:a16="http://schemas.microsoft.com/office/drawing/2014/main" val="683198553"/>
+                  </a:ext>
+                </a:extLst>
+              </a:tr>
+              <a:tr h="370840">
+                <a:tc>
+                  <a:txBody>
+                    <a:bodyPr/>
+                    <a:lstStyle/>
+                    <a:p>
+                      <a:r>
+                        <a:rPr lang="en-DE" dirty="0"/>
+                        <a:t>1008</a:t>
+                      </a:r>
+                    </a:p>
+                  </a:txBody>
+                  <a:tcPr/>
+                </a:tc>
+                <a:tc>
+                  <a:txBody>
+                    <a:bodyPr/>
+                    <a:lstStyle/>
+                    <a:p>
+                      <a:r>
+                        <a:rPr lang="en-DE" dirty="0"/>
+                        <a:t>Spielstand einsehen</a:t>
+                      </a:r>
+                    </a:p>
+                  </a:txBody>
+                  <a:tcPr/>
+                </a:tc>
+                <a:tc>
+                  <a:txBody>
+                    <a:bodyPr/>
+                    <a:lstStyle/>
+                    <a:p>
+                      <a:r>
+                        <a:rPr lang="en-DE" dirty="0"/>
+                        <a:t>Als Benutzer möchte ich wissen, wie viel Felder in einer Reihe alle anderen Spieler haben</a:t>
+                      </a:r>
+                    </a:p>
+                  </a:txBody>
+                  <a:tcPr/>
+                </a:tc>
+                <a:tc>
+                  <a:txBody>
+                    <a:bodyPr/>
+                    <a:lstStyle/>
+                    <a:p>
+                      <a:endParaRPr lang="en-DE" dirty="0"/>
+                    </a:p>
+                  </a:txBody>
+                  <a:tcPr/>
+                </a:tc>
+                <a:extLst>
+                  <a:ext uri="{0D108BD9-81ED-4DB2-BD59-A6C34878D82A}">
+                    <a16:rowId xmlns:a16="http://schemas.microsoft.com/office/drawing/2014/main" val="3990464832"/>
+                  </a:ext>
+                </a:extLst>
+              </a:tr>
+              <a:tr h="370840">
+                <a:tc>
+                  <a:txBody>
+                    <a:bodyPr/>
+                    <a:lstStyle/>
+                    <a:p>
+                      <a:r>
+                        <a:rPr lang="en-DE" dirty="0"/>
+                        <a:t>2009</a:t>
+                      </a:r>
+                    </a:p>
+                  </a:txBody>
+                  <a:tcPr/>
+                </a:tc>
+                <a:tc>
+                  <a:txBody>
+                    <a:bodyPr/>
+                    <a:lstStyle/>
+                    <a:p>
+                      <a:r>
+                        <a:rPr lang="en-DE" dirty="0"/>
+                        <a:t>Spielstand einsehen</a:t>
+                      </a:r>
+                    </a:p>
+                  </a:txBody>
+                  <a:tcPr/>
+                </a:tc>
+                <a:tc>
+                  <a:txBody>
+                    <a:bodyPr/>
+                    <a:lstStyle/>
+                    <a:p>
+                      <a:r>
+                        <a:rPr lang="en-DE" dirty="0"/>
+                        <a:t>Als Benutzer möchte ich in der Liste am Rand, in der alle andere Spieler stehen, neben dem Name sehen, wie viele Felder in einer Reihe sie haben. Außerdem sollen hier auch die Sieger angezeigt werden</a:t>
+                      </a:r>
+                    </a:p>
+                  </a:txBody>
+                  <a:tcPr/>
+                </a:tc>
+                <a:tc>
+                  <a:txBody>
+                    <a:bodyPr/>
+                    <a:lstStyle/>
+                    <a:p>
+                      <a:endParaRPr lang="en-DE" dirty="0"/>
+                    </a:p>
+                  </a:txBody>
+                  <a:tcPr/>
+                </a:tc>
+                <a:extLst>
+                  <a:ext uri="{0D108BD9-81ED-4DB2-BD59-A6C34878D82A}">
+                    <a16:rowId xmlns:a16="http://schemas.microsoft.com/office/drawing/2014/main" val="1019733955"/>
+                  </a:ext>
+                </a:extLst>
+              </a:tr>
+              <a:tr h="370840">
+                <a:tc>
+                  <a:txBody>
+                    <a:bodyPr/>
+                    <a:lstStyle/>
+                    <a:p>
+                      <a:r>
+                        <a:rPr lang="en-DE" dirty="0"/>
+                        <a:t>1009</a:t>
+                      </a:r>
+                    </a:p>
+                  </a:txBody>
+                  <a:tcPr/>
+                </a:tc>
+                <a:tc>
+                  <a:txBody>
+                    <a:bodyPr/>
+                    <a:lstStyle/>
+                    <a:p>
+                      <a:r>
+                        <a:rPr lang="en-DE" dirty="0"/>
+                        <a:t>Spielfelder ansehen</a:t>
+                      </a:r>
+                    </a:p>
+                  </a:txBody>
+                  <a:tcPr/>
+                </a:tc>
+                <a:tc>
+                  <a:txBody>
+                    <a:bodyPr/>
+                    <a:lstStyle/>
+                    <a:p>
+                      <a:r>
+                        <a:rPr lang="en-DE" dirty="0"/>
+                        <a:t>Als Benutzer möchte ich mir die aktuellen Spielfelder der anderen Spieler ansehen können.</a:t>
+                      </a:r>
+                    </a:p>
+                  </a:txBody>
+                  <a:tcPr/>
+                </a:tc>
+                <a:tc>
+                  <a:txBody>
+                    <a:bodyPr/>
+                    <a:lstStyle/>
+                    <a:p>
+                      <a:endParaRPr lang="en-DE" dirty="0"/>
+                    </a:p>
+                  </a:txBody>
+                  <a:tcPr/>
+                </a:tc>
+                <a:extLst>
+                  <a:ext uri="{0D108BD9-81ED-4DB2-BD59-A6C34878D82A}">
+                    <a16:rowId xmlns:a16="http://schemas.microsoft.com/office/drawing/2014/main" val="2716980319"/>
+                  </a:ext>
+                </a:extLst>
+              </a:tr>
+              <a:tr h="370840">
+                <a:tc>
+                  <a:txBody>
+                    <a:bodyPr/>
+                    <a:lstStyle/>
+                    <a:p>
+                      <a:r>
+                        <a:rPr lang="en-DE" dirty="0"/>
+                        <a:t>2010</a:t>
+                      </a:r>
+                    </a:p>
+                  </a:txBody>
+                  <a:tcPr/>
+                </a:tc>
+                <a:tc>
+                  <a:txBody>
+                    <a:bodyPr/>
+                    <a:lstStyle/>
+                    <a:p>
+                      <a:r>
+                        <a:rPr lang="en-DE" dirty="0"/>
+                        <a:t>Spielfelder ansehen</a:t>
+                      </a:r>
+                    </a:p>
+                  </a:txBody>
+                  <a:tcPr/>
+                </a:tc>
+                <a:tc>
+                  <a:txBody>
+                    <a:bodyPr/>
+                    <a:lstStyle/>
+                    <a:p>
+                      <a:r>
+                        <a:rPr lang="en-DE" dirty="0"/>
+                        <a:t>Als Benutzer möchte ich die Mitspieler in der Liste rechts vom Spiel anklicken können, um mir ihre Spielfelder anschauen zu können</a:t>
+                      </a:r>
+                    </a:p>
+                  </a:txBody>
+                  <a:tcPr/>
+                </a:tc>
+                <a:tc>
+                  <a:txBody>
+                    <a:bodyPr/>
+                    <a:lstStyle/>
+                    <a:p>
+                      <a:endParaRPr lang="en-DE" dirty="0"/>
+                    </a:p>
+                  </a:txBody>
+                  <a:tcPr/>
+                </a:tc>
+                <a:extLst>
+                  <a:ext uri="{0D108BD9-81ED-4DB2-BD59-A6C34878D82A}">
+                    <a16:rowId xmlns:a16="http://schemas.microsoft.com/office/drawing/2014/main" val="1477488863"/>
+                  </a:ext>
+                </a:extLst>
+              </a:tr>
+              <a:tr h="370840">
+                <a:tc>
+                  <a:txBody>
+                    <a:bodyPr/>
+                    <a:lstStyle/>
+                    <a:p>
+                      <a:r>
+                        <a:rPr lang="en-DE" dirty="0"/>
+                        <a:t>1010</a:t>
+                      </a:r>
+                    </a:p>
+                  </a:txBody>
+                  <a:tcPr/>
+                </a:tc>
+                <a:tc>
+                  <a:txBody>
+                    <a:bodyPr/>
+                    <a:lstStyle/>
+                    <a:p>
+                      <a:r>
+                        <a:rPr lang="en-DE" dirty="0"/>
+                        <a:t>Test</a:t>
+                      </a:r>
+                    </a:p>
+                  </a:txBody>
+                  <a:tcPr/>
+                </a:tc>
+                <a:tc>
+                  <a:txBody>
+                    <a:bodyPr/>
+                    <a:lstStyle/>
+                    <a:p>
+                      <a:endParaRPr lang="en-DE" dirty="0"/>
+                    </a:p>
+                  </a:txBody>
+                  <a:tcPr/>
+                </a:tc>
+                <a:tc>
+                  <a:txBody>
+                    <a:bodyPr/>
+                    <a:lstStyle/>
+                    <a:p>
+                      <a:endParaRPr lang="en-DE" dirty="0"/>
+                    </a:p>
+                  </a:txBody>
+                  <a:tcPr/>
+                </a:tc>
+                <a:extLst>
+                  <a:ext uri="{0D108BD9-81ED-4DB2-BD59-A6C34878D82A}">
+                    <a16:rowId xmlns:a16="http://schemas.microsoft.com/office/drawing/2014/main" val="511092063"/>
+                  </a:ext>
+                </a:extLst>
+              </a:tr>
+              <a:tr h="370840">
+                <a:tc>
+                  <a:txBody>
+                    <a:bodyPr/>
+                    <a:lstStyle/>
+                    <a:p>
+                      <a:r>
+                        <a:rPr lang="en-DE" dirty="0"/>
+                        <a:t>2011</a:t>
+                      </a:r>
+                    </a:p>
+                  </a:txBody>
+                  <a:tcPr/>
+                </a:tc>
+                <a:tc>
+                  <a:txBody>
+                    <a:bodyPr/>
+                    <a:lstStyle/>
+                    <a:p>
+                      <a:r>
+                        <a:rPr lang="en-DE"/>
+                        <a:t>Usertest</a:t>
+                      </a:r>
+                      <a:endParaRPr lang="en-DE" dirty="0"/>
+                    </a:p>
+                  </a:txBody>
+                  <a:tcPr/>
+                </a:tc>
+                <a:tc>
+                  <a:txBody>
+                    <a:bodyPr/>
+                    <a:lstStyle/>
+                    <a:p>
+                      <a:endParaRPr lang="en-DE" dirty="0"/>
+                    </a:p>
+                  </a:txBody>
+                  <a:tcPr/>
+                </a:tc>
+                <a:tc>
+                  <a:txBody>
+                    <a:bodyPr/>
+                    <a:lstStyle/>
+                    <a:p>
+                      <a:endParaRPr lang="en-DE" dirty="0"/>
+                    </a:p>
+                  </a:txBody>
+                  <a:tcPr/>
+                </a:tc>
+                <a:extLst>
+                  <a:ext uri="{0D108BD9-81ED-4DB2-BD59-A6C34878D82A}">
+                    <a16:rowId xmlns:a16="http://schemas.microsoft.com/office/drawing/2014/main" val="154090631"/>
+                  </a:ext>
+                </a:extLst>
+              </a:tr>
+            </a:tbl>
+          </a:graphicData>
+        </a:graphic>
+      </p:graphicFrame>
+    </p:spTree>
+    <p:extLst>
+      <p:ext uri="{BB962C8B-B14F-4D97-AF65-F5344CB8AC3E}">
+        <p14:creationId xmlns:p14="http://schemas.microsoft.com/office/powerpoint/2010/main" val="1342165261"/>
       </p:ext>
     </p:extLst>
   </p:cSld>

--- a/project_managment/Presentation.pptx
+++ b/project_managment/Presentation.pptx
@@ -116,6 +116,11 @@
       </a:defRPr>
     </a:lvl9pPr>
   </p:defaultTextStyle>
+  <p:extLst>
+    <p:ext uri="{EFAFB233-063F-42B5-8137-9DF3F51BA10A}">
+      <p15:sldGuideLst xmlns:p15="http://schemas.microsoft.com/office/powerpoint/2012/main"/>
+    </p:ext>
+  </p:extLst>
 </p:presentation>
 </file>
 
@@ -201,7 +206,7 @@
           <a:p>
             <a:fld id="{401AF56D-A891-1E47-ADA4-0E5256E2EB53}" type="datetimeFigureOut">
               <a:rPr lang="en-DE" smtClean="0"/>
-              <a:t>24.05.24</a:t>
+              <a:t>06/12/2024</a:t>
             </a:fld>
             <a:endParaRPr lang="en-DE"/>
           </a:p>
@@ -360,7 +365,7 @@
           <a:p>
             <a:fld id="{124B74E8-2CB9-4B43-A677-99F470D1B8ED}" type="slidenum">
               <a:rPr lang="en-DE" smtClean="0"/>
-              <a:t>‹#›</a:t>
+              <a:t>‹Nr.›</a:t>
             </a:fld>
             <a:endParaRPr lang="en-DE"/>
           </a:p>
@@ -786,7 +791,7 @@
           <a:p>
             <a:fld id="{3FB693E0-9A46-1A4F-9326-4156F3EFE763}" type="datetimeFigureOut">
               <a:rPr lang="en-DE" smtClean="0"/>
-              <a:t>22.05.24</a:t>
+              <a:t>06/12/2024</a:t>
             </a:fld>
             <a:endParaRPr lang="en-DE"/>
           </a:p>
@@ -840,7 +845,7 @@
           <a:p>
             <a:fld id="{2B8C0FD7-E9E3-554C-BCF5-5FAFB13DAE90}" type="slidenum">
               <a:rPr lang="en-DE" smtClean="0"/>
-              <a:t>‹#›</a:t>
+              <a:t>‹Nr.›</a:t>
             </a:fld>
             <a:endParaRPr lang="en-DE"/>
           </a:p>
@@ -986,7 +991,7 @@
           <a:p>
             <a:fld id="{3FB693E0-9A46-1A4F-9326-4156F3EFE763}" type="datetimeFigureOut">
               <a:rPr lang="en-DE" smtClean="0"/>
-              <a:t>22.05.24</a:t>
+              <a:t>06/12/2024</a:t>
             </a:fld>
             <a:endParaRPr lang="en-DE"/>
           </a:p>
@@ -1040,7 +1045,7 @@
           <a:p>
             <a:fld id="{2B8C0FD7-E9E3-554C-BCF5-5FAFB13DAE90}" type="slidenum">
               <a:rPr lang="en-DE" smtClean="0"/>
-              <a:t>‹#›</a:t>
+              <a:t>‹Nr.›</a:t>
             </a:fld>
             <a:endParaRPr lang="en-DE"/>
           </a:p>
@@ -1196,7 +1201,7 @@
           <a:p>
             <a:fld id="{3FB693E0-9A46-1A4F-9326-4156F3EFE763}" type="datetimeFigureOut">
               <a:rPr lang="en-DE" smtClean="0"/>
-              <a:t>22.05.24</a:t>
+              <a:t>06/12/2024</a:t>
             </a:fld>
             <a:endParaRPr lang="en-DE"/>
           </a:p>
@@ -1250,7 +1255,7 @@
           <a:p>
             <a:fld id="{2B8C0FD7-E9E3-554C-BCF5-5FAFB13DAE90}" type="slidenum">
               <a:rPr lang="en-DE" smtClean="0"/>
-              <a:t>‹#›</a:t>
+              <a:t>‹Nr.›</a:t>
             </a:fld>
             <a:endParaRPr lang="en-DE"/>
           </a:p>
@@ -1396,7 +1401,7 @@
           <a:p>
             <a:fld id="{3FB693E0-9A46-1A4F-9326-4156F3EFE763}" type="datetimeFigureOut">
               <a:rPr lang="en-DE" smtClean="0"/>
-              <a:t>22.05.24</a:t>
+              <a:t>06/12/2024</a:t>
             </a:fld>
             <a:endParaRPr lang="en-DE"/>
           </a:p>
@@ -1450,7 +1455,7 @@
           <a:p>
             <a:fld id="{2B8C0FD7-E9E3-554C-BCF5-5FAFB13DAE90}" type="slidenum">
               <a:rPr lang="en-DE" smtClean="0"/>
-              <a:t>‹#›</a:t>
+              <a:t>‹Nr.›</a:t>
             </a:fld>
             <a:endParaRPr lang="en-DE"/>
           </a:p>
@@ -1672,7 +1677,7 @@
           <a:p>
             <a:fld id="{3FB693E0-9A46-1A4F-9326-4156F3EFE763}" type="datetimeFigureOut">
               <a:rPr lang="en-DE" smtClean="0"/>
-              <a:t>22.05.24</a:t>
+              <a:t>06/12/2024</a:t>
             </a:fld>
             <a:endParaRPr lang="en-DE"/>
           </a:p>
@@ -1726,7 +1731,7 @@
           <a:p>
             <a:fld id="{2B8C0FD7-E9E3-554C-BCF5-5FAFB13DAE90}" type="slidenum">
               <a:rPr lang="en-DE" smtClean="0"/>
-              <a:t>‹#›</a:t>
+              <a:t>‹Nr.›</a:t>
             </a:fld>
             <a:endParaRPr lang="en-DE"/>
           </a:p>
@@ -1940,7 +1945,7 @@
           <a:p>
             <a:fld id="{3FB693E0-9A46-1A4F-9326-4156F3EFE763}" type="datetimeFigureOut">
               <a:rPr lang="en-DE" smtClean="0"/>
-              <a:t>22.05.24</a:t>
+              <a:t>06/12/2024</a:t>
             </a:fld>
             <a:endParaRPr lang="en-DE"/>
           </a:p>
@@ -1994,7 +1999,7 @@
           <a:p>
             <a:fld id="{2B8C0FD7-E9E3-554C-BCF5-5FAFB13DAE90}" type="slidenum">
               <a:rPr lang="en-DE" smtClean="0"/>
-              <a:t>‹#›</a:t>
+              <a:t>‹Nr.›</a:t>
             </a:fld>
             <a:endParaRPr lang="en-DE"/>
           </a:p>
@@ -2355,7 +2360,7 @@
           <a:p>
             <a:fld id="{3FB693E0-9A46-1A4F-9326-4156F3EFE763}" type="datetimeFigureOut">
               <a:rPr lang="en-DE" smtClean="0"/>
-              <a:t>22.05.24</a:t>
+              <a:t>06/12/2024</a:t>
             </a:fld>
             <a:endParaRPr lang="en-DE"/>
           </a:p>
@@ -2409,7 +2414,7 @@
           <a:p>
             <a:fld id="{2B8C0FD7-E9E3-554C-BCF5-5FAFB13DAE90}" type="slidenum">
               <a:rPr lang="en-DE" smtClean="0"/>
-              <a:t>‹#›</a:t>
+              <a:t>‹Nr.›</a:t>
             </a:fld>
             <a:endParaRPr lang="en-DE"/>
           </a:p>
@@ -2497,7 +2502,7 @@
           <a:p>
             <a:fld id="{3FB693E0-9A46-1A4F-9326-4156F3EFE763}" type="datetimeFigureOut">
               <a:rPr lang="en-DE" smtClean="0"/>
-              <a:t>22.05.24</a:t>
+              <a:t>06/12/2024</a:t>
             </a:fld>
             <a:endParaRPr lang="en-DE"/>
           </a:p>
@@ -2551,7 +2556,7 @@
           <a:p>
             <a:fld id="{2B8C0FD7-E9E3-554C-BCF5-5FAFB13DAE90}" type="slidenum">
               <a:rPr lang="en-DE" smtClean="0"/>
-              <a:t>‹#›</a:t>
+              <a:t>‹Nr.›</a:t>
             </a:fld>
             <a:endParaRPr lang="en-DE"/>
           </a:p>
@@ -2610,7 +2615,7 @@
           <a:p>
             <a:fld id="{3FB693E0-9A46-1A4F-9326-4156F3EFE763}" type="datetimeFigureOut">
               <a:rPr lang="en-DE" smtClean="0"/>
-              <a:t>22.05.24</a:t>
+              <a:t>06/12/2024</a:t>
             </a:fld>
             <a:endParaRPr lang="en-DE"/>
           </a:p>
@@ -2664,7 +2669,7 @@
           <a:p>
             <a:fld id="{2B8C0FD7-E9E3-554C-BCF5-5FAFB13DAE90}" type="slidenum">
               <a:rPr lang="en-DE" smtClean="0"/>
-              <a:t>‹#›</a:t>
+              <a:t>‹Nr.›</a:t>
             </a:fld>
             <a:endParaRPr lang="en-DE"/>
           </a:p>
@@ -2923,7 +2928,7 @@
           <a:p>
             <a:fld id="{3FB693E0-9A46-1A4F-9326-4156F3EFE763}" type="datetimeFigureOut">
               <a:rPr lang="en-DE" smtClean="0"/>
-              <a:t>22.05.24</a:t>
+              <a:t>06/12/2024</a:t>
             </a:fld>
             <a:endParaRPr lang="en-DE"/>
           </a:p>
@@ -2977,7 +2982,7 @@
           <a:p>
             <a:fld id="{2B8C0FD7-E9E3-554C-BCF5-5FAFB13DAE90}" type="slidenum">
               <a:rPr lang="en-DE" smtClean="0"/>
-              <a:t>‹#›</a:t>
+              <a:t>‹Nr.›</a:t>
             </a:fld>
             <a:endParaRPr lang="en-DE"/>
           </a:p>
@@ -3212,7 +3217,7 @@
           <a:p>
             <a:fld id="{3FB693E0-9A46-1A4F-9326-4156F3EFE763}" type="datetimeFigureOut">
               <a:rPr lang="en-DE" smtClean="0"/>
-              <a:t>22.05.24</a:t>
+              <a:t>06/12/2024</a:t>
             </a:fld>
             <a:endParaRPr lang="en-DE"/>
           </a:p>
@@ -3266,7 +3271,7 @@
           <a:p>
             <a:fld id="{2B8C0FD7-E9E3-554C-BCF5-5FAFB13DAE90}" type="slidenum">
               <a:rPr lang="en-DE" smtClean="0"/>
-              <a:t>‹#›</a:t>
+              <a:t>‹Nr.›</a:t>
             </a:fld>
             <a:endParaRPr lang="en-DE"/>
           </a:p>
@@ -3455,7 +3460,7 @@
           <a:p>
             <a:fld id="{3FB693E0-9A46-1A4F-9326-4156F3EFE763}" type="datetimeFigureOut">
               <a:rPr lang="en-DE" smtClean="0"/>
-              <a:t>22.05.24</a:t>
+              <a:t>06/12/2024</a:t>
             </a:fld>
             <a:endParaRPr lang="en-DE"/>
           </a:p>
@@ -3545,7 +3550,7 @@
           <a:p>
             <a:fld id="{2B8C0FD7-E9E3-554C-BCF5-5FAFB13DAE90}" type="slidenum">
               <a:rPr lang="en-DE" smtClean="0"/>
-              <a:t>‹#›</a:t>
+              <a:t>‹Nr.›</a:t>
             </a:fld>
             <a:endParaRPr lang="en-DE"/>
           </a:p>
@@ -4085,7 +4090,7 @@
             <p:ph idx="1"/>
             <p:extLst>
               <p:ext uri="{D42A27DB-BD31-4B8C-83A1-F6EECF244321}">
-                <p14:modId xmlns:p14="http://schemas.microsoft.com/office/powerpoint/2010/main" val="2036199985"/>
+                <p14:modId xmlns:p14="http://schemas.microsoft.com/office/powerpoint/2010/main" val="2257877471"/>
               </p:ext>
             </p:extLst>
           </p:nvPr>

--- a/project_managment/Presentation.pptx
+++ b/project_managment/Presentation.pptx
@@ -5,19 +5,20 @@
     <p:sldMasterId id="2147483648" r:id="rId1"/>
   </p:sldMasterIdLst>
   <p:notesMasterIdLst>
-    <p:notesMasterId r:id="rId12"/>
+    <p:notesMasterId r:id="rId13"/>
   </p:notesMasterIdLst>
   <p:sldIdLst>
     <p:sldId id="256" r:id="rId2"/>
     <p:sldId id="257" r:id="rId3"/>
     <p:sldId id="258" r:id="rId4"/>
-    <p:sldId id="259" r:id="rId5"/>
-    <p:sldId id="260" r:id="rId6"/>
-    <p:sldId id="261" r:id="rId7"/>
-    <p:sldId id="262" r:id="rId8"/>
-    <p:sldId id="263" r:id="rId9"/>
-    <p:sldId id="264" r:id="rId10"/>
-    <p:sldId id="265" r:id="rId11"/>
+    <p:sldId id="266" r:id="rId5"/>
+    <p:sldId id="259" r:id="rId6"/>
+    <p:sldId id="260" r:id="rId7"/>
+    <p:sldId id="261" r:id="rId8"/>
+    <p:sldId id="262" r:id="rId9"/>
+    <p:sldId id="263" r:id="rId10"/>
+    <p:sldId id="264" r:id="rId11"/>
+    <p:sldId id="265" r:id="rId12"/>
   </p:sldIdLst>
   <p:sldSz cx="12192000" cy="6858000"/>
   <p:notesSz cx="6858000" cy="9144000"/>
@@ -25,7 +26,7 @@
     <a:defPPr>
       <a:defRPr lang="en-DE"/>
     </a:defPPr>
-    <a:lvl1pPr marL="0" algn="l" defTabSz="914400" rtl="0" eaLnBrk="1" latinLnBrk="0" hangingPunct="1">
+    <a:lvl1pPr marL="0" algn="l" defTabSz="914377" rtl="0" eaLnBrk="1" latinLnBrk="0" hangingPunct="1">
       <a:defRPr sz="1800" kern="1200">
         <a:solidFill>
           <a:schemeClr val="tx1"/>
@@ -35,7 +36,7 @@
         <a:cs typeface="+mn-cs"/>
       </a:defRPr>
     </a:lvl1pPr>
-    <a:lvl2pPr marL="457200" algn="l" defTabSz="914400" rtl="0" eaLnBrk="1" latinLnBrk="0" hangingPunct="1">
+    <a:lvl2pPr marL="457189" algn="l" defTabSz="914377" rtl="0" eaLnBrk="1" latinLnBrk="0" hangingPunct="1">
       <a:defRPr sz="1800" kern="1200">
         <a:solidFill>
           <a:schemeClr val="tx1"/>
@@ -45,7 +46,7 @@
         <a:cs typeface="+mn-cs"/>
       </a:defRPr>
     </a:lvl2pPr>
-    <a:lvl3pPr marL="914400" algn="l" defTabSz="914400" rtl="0" eaLnBrk="1" latinLnBrk="0" hangingPunct="1">
+    <a:lvl3pPr marL="914377" algn="l" defTabSz="914377" rtl="0" eaLnBrk="1" latinLnBrk="0" hangingPunct="1">
       <a:defRPr sz="1800" kern="1200">
         <a:solidFill>
           <a:schemeClr val="tx1"/>
@@ -55,7 +56,7 @@
         <a:cs typeface="+mn-cs"/>
       </a:defRPr>
     </a:lvl3pPr>
-    <a:lvl4pPr marL="1371600" algn="l" defTabSz="914400" rtl="0" eaLnBrk="1" latinLnBrk="0" hangingPunct="1">
+    <a:lvl4pPr marL="1371566" algn="l" defTabSz="914377" rtl="0" eaLnBrk="1" latinLnBrk="0" hangingPunct="1">
       <a:defRPr sz="1800" kern="1200">
         <a:solidFill>
           <a:schemeClr val="tx1"/>
@@ -65,7 +66,7 @@
         <a:cs typeface="+mn-cs"/>
       </a:defRPr>
     </a:lvl4pPr>
-    <a:lvl5pPr marL="1828800" algn="l" defTabSz="914400" rtl="0" eaLnBrk="1" latinLnBrk="0" hangingPunct="1">
+    <a:lvl5pPr marL="1828754" algn="l" defTabSz="914377" rtl="0" eaLnBrk="1" latinLnBrk="0" hangingPunct="1">
       <a:defRPr sz="1800" kern="1200">
         <a:solidFill>
           <a:schemeClr val="tx1"/>
@@ -75,7 +76,7 @@
         <a:cs typeface="+mn-cs"/>
       </a:defRPr>
     </a:lvl5pPr>
-    <a:lvl6pPr marL="2286000" algn="l" defTabSz="914400" rtl="0" eaLnBrk="1" latinLnBrk="0" hangingPunct="1">
+    <a:lvl6pPr marL="2285943" algn="l" defTabSz="914377" rtl="0" eaLnBrk="1" latinLnBrk="0" hangingPunct="1">
       <a:defRPr sz="1800" kern="1200">
         <a:solidFill>
           <a:schemeClr val="tx1"/>
@@ -85,7 +86,7 @@
         <a:cs typeface="+mn-cs"/>
       </a:defRPr>
     </a:lvl6pPr>
-    <a:lvl7pPr marL="2743200" algn="l" defTabSz="914400" rtl="0" eaLnBrk="1" latinLnBrk="0" hangingPunct="1">
+    <a:lvl7pPr marL="2743131" algn="l" defTabSz="914377" rtl="0" eaLnBrk="1" latinLnBrk="0" hangingPunct="1">
       <a:defRPr sz="1800" kern="1200">
         <a:solidFill>
           <a:schemeClr val="tx1"/>
@@ -95,7 +96,7 @@
         <a:cs typeface="+mn-cs"/>
       </a:defRPr>
     </a:lvl7pPr>
-    <a:lvl8pPr marL="3200400" algn="l" defTabSz="914400" rtl="0" eaLnBrk="1" latinLnBrk="0" hangingPunct="1">
+    <a:lvl8pPr marL="3200320" algn="l" defTabSz="914377" rtl="0" eaLnBrk="1" latinLnBrk="0" hangingPunct="1">
       <a:defRPr sz="1800" kern="1200">
         <a:solidFill>
           <a:schemeClr val="tx1"/>
@@ -105,7 +106,7 @@
         <a:cs typeface="+mn-cs"/>
       </a:defRPr>
     </a:lvl8pPr>
-    <a:lvl9pPr marL="3657600" algn="l" defTabSz="914400" rtl="0" eaLnBrk="1" latinLnBrk="0" hangingPunct="1">
+    <a:lvl9pPr marL="3657509" algn="l" defTabSz="914377" rtl="0" eaLnBrk="1" latinLnBrk="0" hangingPunct="1">
       <a:defRPr sz="1800" kern="1200">
         <a:solidFill>
           <a:schemeClr val="tx1"/>
@@ -206,7 +207,7 @@
           <a:p>
             <a:fld id="{401AF56D-A891-1E47-ADA4-0E5256E2EB53}" type="datetimeFigureOut">
               <a:rPr lang="en-DE" smtClean="0"/>
-              <a:t>06/12/2024</a:t>
+              <a:t>25.06.24</a:t>
             </a:fld>
             <a:endParaRPr lang="en-DE"/>
           </a:p>
@@ -365,7 +366,7 @@
           <a:p>
             <a:fld id="{124B74E8-2CB9-4B43-A677-99F470D1B8ED}" type="slidenum">
               <a:rPr lang="en-DE" smtClean="0"/>
-              <a:t>‹Nr.›</a:t>
+              <a:t>‹#›</a:t>
             </a:fld>
             <a:endParaRPr lang="en-DE"/>
           </a:p>
@@ -380,7 +381,7 @@
   </p:cSld>
   <p:clrMap bg1="lt1" tx1="dk1" bg2="lt2" tx2="dk2" accent1="accent1" accent2="accent2" accent3="accent3" accent4="accent4" accent5="accent5" accent6="accent6" hlink="hlink" folHlink="folHlink"/>
   <p:notesStyle>
-    <a:lvl1pPr marL="0" algn="l" defTabSz="914400" rtl="0" eaLnBrk="1" latinLnBrk="0" hangingPunct="1">
+    <a:lvl1pPr marL="0" algn="l" defTabSz="914354" rtl="0" eaLnBrk="1" latinLnBrk="0" hangingPunct="1">
       <a:defRPr sz="1200" kern="1200">
         <a:solidFill>
           <a:schemeClr val="tx1"/>
@@ -390,7 +391,7 @@
         <a:cs typeface="+mn-cs"/>
       </a:defRPr>
     </a:lvl1pPr>
-    <a:lvl2pPr marL="457200" algn="l" defTabSz="914400" rtl="0" eaLnBrk="1" latinLnBrk="0" hangingPunct="1">
+    <a:lvl2pPr marL="457178" algn="l" defTabSz="914354" rtl="0" eaLnBrk="1" latinLnBrk="0" hangingPunct="1">
       <a:defRPr sz="1200" kern="1200">
         <a:solidFill>
           <a:schemeClr val="tx1"/>
@@ -400,7 +401,7 @@
         <a:cs typeface="+mn-cs"/>
       </a:defRPr>
     </a:lvl2pPr>
-    <a:lvl3pPr marL="914400" algn="l" defTabSz="914400" rtl="0" eaLnBrk="1" latinLnBrk="0" hangingPunct="1">
+    <a:lvl3pPr marL="914354" algn="l" defTabSz="914354" rtl="0" eaLnBrk="1" latinLnBrk="0" hangingPunct="1">
       <a:defRPr sz="1200" kern="1200">
         <a:solidFill>
           <a:schemeClr val="tx1"/>
@@ -410,7 +411,7 @@
         <a:cs typeface="+mn-cs"/>
       </a:defRPr>
     </a:lvl3pPr>
-    <a:lvl4pPr marL="1371600" algn="l" defTabSz="914400" rtl="0" eaLnBrk="1" latinLnBrk="0" hangingPunct="1">
+    <a:lvl4pPr marL="1371532" algn="l" defTabSz="914354" rtl="0" eaLnBrk="1" latinLnBrk="0" hangingPunct="1">
       <a:defRPr sz="1200" kern="1200">
         <a:solidFill>
           <a:schemeClr val="tx1"/>
@@ -420,7 +421,7 @@
         <a:cs typeface="+mn-cs"/>
       </a:defRPr>
     </a:lvl4pPr>
-    <a:lvl5pPr marL="1828800" algn="l" defTabSz="914400" rtl="0" eaLnBrk="1" latinLnBrk="0" hangingPunct="1">
+    <a:lvl5pPr marL="1828709" algn="l" defTabSz="914354" rtl="0" eaLnBrk="1" latinLnBrk="0" hangingPunct="1">
       <a:defRPr sz="1200" kern="1200">
         <a:solidFill>
           <a:schemeClr val="tx1"/>
@@ -430,7 +431,7 @@
         <a:cs typeface="+mn-cs"/>
       </a:defRPr>
     </a:lvl5pPr>
-    <a:lvl6pPr marL="2286000" algn="l" defTabSz="914400" rtl="0" eaLnBrk="1" latinLnBrk="0" hangingPunct="1">
+    <a:lvl6pPr marL="2285886" algn="l" defTabSz="914354" rtl="0" eaLnBrk="1" latinLnBrk="0" hangingPunct="1">
       <a:defRPr sz="1200" kern="1200">
         <a:solidFill>
           <a:schemeClr val="tx1"/>
@@ -440,7 +441,7 @@
         <a:cs typeface="+mn-cs"/>
       </a:defRPr>
     </a:lvl6pPr>
-    <a:lvl7pPr marL="2743200" algn="l" defTabSz="914400" rtl="0" eaLnBrk="1" latinLnBrk="0" hangingPunct="1">
+    <a:lvl7pPr marL="2743062" algn="l" defTabSz="914354" rtl="0" eaLnBrk="1" latinLnBrk="0" hangingPunct="1">
       <a:defRPr sz="1200" kern="1200">
         <a:solidFill>
           <a:schemeClr val="tx1"/>
@@ -450,7 +451,7 @@
         <a:cs typeface="+mn-cs"/>
       </a:defRPr>
     </a:lvl7pPr>
-    <a:lvl8pPr marL="3200400" algn="l" defTabSz="914400" rtl="0" eaLnBrk="1" latinLnBrk="0" hangingPunct="1">
+    <a:lvl8pPr marL="3200240" algn="l" defTabSz="914354" rtl="0" eaLnBrk="1" latinLnBrk="0" hangingPunct="1">
       <a:defRPr sz="1200" kern="1200">
         <a:solidFill>
           <a:schemeClr val="tx1"/>
@@ -460,7 +461,7 @@
         <a:cs typeface="+mn-cs"/>
       </a:defRPr>
     </a:lvl8pPr>
-    <a:lvl9pPr marL="3657600" algn="l" defTabSz="914400" rtl="0" eaLnBrk="1" latinLnBrk="0" hangingPunct="1">
+    <a:lvl9pPr marL="3657418" algn="l" defTabSz="914354" rtl="0" eaLnBrk="1" latinLnBrk="0" hangingPunct="1">
       <a:defRPr sz="1200" kern="1200">
         <a:solidFill>
           <a:schemeClr val="tx1"/>
@@ -539,7 +540,7 @@
           <a:p>
             <a:fld id="{124B74E8-2CB9-4B43-A677-99F470D1B8ED}" type="slidenum">
               <a:rPr lang="en-DE" smtClean="0"/>
-              <a:t>6</a:t>
+              <a:t>7</a:t>
             </a:fld>
             <a:endParaRPr lang="en-DE"/>
           </a:p>
@@ -623,7 +624,7 @@
           <a:p>
             <a:fld id="{124B74E8-2CB9-4B43-A677-99F470D1B8ED}" type="slidenum">
               <a:rPr lang="en-DE" smtClean="0"/>
-              <a:t>9</a:t>
+              <a:t>10</a:t>
             </a:fld>
             <a:endParaRPr lang="en-DE"/>
           </a:p>
@@ -715,8 +716,8 @@
         </p:nvSpPr>
         <p:spPr>
           <a:xfrm>
-            <a:off x="1524000" y="3602038"/>
-            <a:ext cx="9144000" cy="1655762"/>
+            <a:off x="1524000" y="3602037"/>
+            <a:ext cx="9144000" cy="1655763"/>
           </a:xfrm>
         </p:spPr>
         <p:txBody>
@@ -726,35 +727,35 @@
               <a:buNone/>
               <a:defRPr sz="2400"/>
             </a:lvl1pPr>
-            <a:lvl2pPr marL="457200" indent="0" algn="ctr">
+            <a:lvl2pPr marL="457189" indent="0" algn="ctr">
               <a:buNone/>
               <a:defRPr sz="2000"/>
             </a:lvl2pPr>
-            <a:lvl3pPr marL="914400" indent="0" algn="ctr">
+            <a:lvl3pPr marL="914377" indent="0" algn="ctr">
               <a:buNone/>
               <a:defRPr sz="1800"/>
             </a:lvl3pPr>
-            <a:lvl4pPr marL="1371600" indent="0" algn="ctr">
+            <a:lvl4pPr marL="1371566" indent="0" algn="ctr">
               <a:buNone/>
               <a:defRPr sz="1600"/>
             </a:lvl4pPr>
-            <a:lvl5pPr marL="1828800" indent="0" algn="ctr">
+            <a:lvl5pPr marL="1828754" indent="0" algn="ctr">
               <a:buNone/>
               <a:defRPr sz="1600"/>
             </a:lvl5pPr>
-            <a:lvl6pPr marL="2286000" indent="0" algn="ctr">
+            <a:lvl6pPr marL="2285943" indent="0" algn="ctr">
               <a:buNone/>
               <a:defRPr sz="1600"/>
             </a:lvl6pPr>
-            <a:lvl7pPr marL="2743200" indent="0" algn="ctr">
+            <a:lvl7pPr marL="2743131" indent="0" algn="ctr">
               <a:buNone/>
               <a:defRPr sz="1600"/>
             </a:lvl7pPr>
-            <a:lvl8pPr marL="3200400" indent="0" algn="ctr">
+            <a:lvl8pPr marL="3200320" indent="0" algn="ctr">
               <a:buNone/>
               <a:defRPr sz="1600"/>
             </a:lvl8pPr>
-            <a:lvl9pPr marL="3657600" indent="0" algn="ctr">
+            <a:lvl9pPr marL="3657509" indent="0" algn="ctr">
               <a:buNone/>
               <a:defRPr sz="1600"/>
             </a:lvl9pPr>
@@ -791,7 +792,7 @@
           <a:p>
             <a:fld id="{3FB693E0-9A46-1A4F-9326-4156F3EFE763}" type="datetimeFigureOut">
               <a:rPr lang="en-DE" smtClean="0"/>
-              <a:t>06/12/2024</a:t>
+              <a:t>25.06.24</a:t>
             </a:fld>
             <a:endParaRPr lang="en-DE"/>
           </a:p>
@@ -845,7 +846,7 @@
           <a:p>
             <a:fld id="{2B8C0FD7-E9E3-554C-BCF5-5FAFB13DAE90}" type="slidenum">
               <a:rPr lang="en-DE" smtClean="0"/>
-              <a:t>‹Nr.›</a:t>
+              <a:t>‹#›</a:t>
             </a:fld>
             <a:endParaRPr lang="en-DE"/>
           </a:p>
@@ -991,7 +992,7 @@
           <a:p>
             <a:fld id="{3FB693E0-9A46-1A4F-9326-4156F3EFE763}" type="datetimeFigureOut">
               <a:rPr lang="en-DE" smtClean="0"/>
-              <a:t>06/12/2024</a:t>
+              <a:t>25.06.24</a:t>
             </a:fld>
             <a:endParaRPr lang="en-DE"/>
           </a:p>
@@ -1045,7 +1046,7 @@
           <a:p>
             <a:fld id="{2B8C0FD7-E9E3-554C-BCF5-5FAFB13DAE90}" type="slidenum">
               <a:rPr lang="en-DE" smtClean="0"/>
-              <a:t>‹Nr.›</a:t>
+              <a:t>‹#›</a:t>
             </a:fld>
             <a:endParaRPr lang="en-DE"/>
           </a:p>
@@ -1099,8 +1100,8 @@
         </p:nvSpPr>
         <p:spPr>
           <a:xfrm>
-            <a:off x="8724900" y="365125"/>
-            <a:ext cx="2628900" cy="5811838"/>
+            <a:off x="8724901" y="365124"/>
+            <a:ext cx="2628900" cy="5811839"/>
           </a:xfrm>
         </p:spPr>
         <p:txBody>
@@ -1133,8 +1134,8 @@
         </p:nvSpPr>
         <p:spPr>
           <a:xfrm>
-            <a:off x="838200" y="365125"/>
-            <a:ext cx="7734300" cy="5811838"/>
+            <a:off x="838201" y="365124"/>
+            <a:ext cx="7734300" cy="5811839"/>
           </a:xfrm>
         </p:spPr>
         <p:txBody>
@@ -1201,7 +1202,7 @@
           <a:p>
             <a:fld id="{3FB693E0-9A46-1A4F-9326-4156F3EFE763}" type="datetimeFigureOut">
               <a:rPr lang="en-DE" smtClean="0"/>
-              <a:t>06/12/2024</a:t>
+              <a:t>25.06.24</a:t>
             </a:fld>
             <a:endParaRPr lang="en-DE"/>
           </a:p>
@@ -1255,7 +1256,7 @@
           <a:p>
             <a:fld id="{2B8C0FD7-E9E3-554C-BCF5-5FAFB13DAE90}" type="slidenum">
               <a:rPr lang="en-DE" smtClean="0"/>
-              <a:t>‹Nr.›</a:t>
+              <a:t>‹#›</a:t>
             </a:fld>
             <a:endParaRPr lang="en-DE"/>
           </a:p>
@@ -1401,7 +1402,7 @@
           <a:p>
             <a:fld id="{3FB693E0-9A46-1A4F-9326-4156F3EFE763}" type="datetimeFigureOut">
               <a:rPr lang="en-DE" smtClean="0"/>
-              <a:t>06/12/2024</a:t>
+              <a:t>25.06.24</a:t>
             </a:fld>
             <a:endParaRPr lang="en-DE"/>
           </a:p>
@@ -1455,7 +1456,7 @@
           <a:p>
             <a:fld id="{2B8C0FD7-E9E3-554C-BCF5-5FAFB13DAE90}" type="slidenum">
               <a:rPr lang="en-DE" smtClean="0"/>
-              <a:t>‹Nr.›</a:t>
+              <a:t>‹#›</a:t>
             </a:fld>
             <a:endParaRPr lang="en-DE"/>
           </a:p>
@@ -1509,7 +1510,7 @@
         </p:nvSpPr>
         <p:spPr>
           <a:xfrm>
-            <a:off x="831850" y="1709738"/>
+            <a:off x="831849" y="1709740"/>
             <a:ext cx="10515600" cy="2852737"/>
           </a:xfrm>
         </p:spPr>
@@ -1547,7 +1548,7 @@
         </p:nvSpPr>
         <p:spPr>
           <a:xfrm>
-            <a:off x="831850" y="4589463"/>
+            <a:off x="831849" y="4589464"/>
             <a:ext cx="10515600" cy="1500187"/>
           </a:xfrm>
         </p:spPr>
@@ -1564,7 +1565,7 @@
                 </a:solidFill>
               </a:defRPr>
             </a:lvl1pPr>
-            <a:lvl2pPr marL="457200" indent="0">
+            <a:lvl2pPr marL="457189" indent="0">
               <a:buNone/>
               <a:defRPr sz="2000">
                 <a:solidFill>
@@ -1574,7 +1575,7 @@
                 </a:solidFill>
               </a:defRPr>
             </a:lvl2pPr>
-            <a:lvl3pPr marL="914400" indent="0">
+            <a:lvl3pPr marL="914377" indent="0">
               <a:buNone/>
               <a:defRPr sz="1800">
                 <a:solidFill>
@@ -1584,7 +1585,7 @@
                 </a:solidFill>
               </a:defRPr>
             </a:lvl3pPr>
-            <a:lvl4pPr marL="1371600" indent="0">
+            <a:lvl4pPr marL="1371566" indent="0">
               <a:buNone/>
               <a:defRPr sz="1600">
                 <a:solidFill>
@@ -1594,7 +1595,7 @@
                 </a:solidFill>
               </a:defRPr>
             </a:lvl4pPr>
-            <a:lvl5pPr marL="1828800" indent="0">
+            <a:lvl5pPr marL="1828754" indent="0">
               <a:buNone/>
               <a:defRPr sz="1600">
                 <a:solidFill>
@@ -1604,7 +1605,7 @@
                 </a:solidFill>
               </a:defRPr>
             </a:lvl5pPr>
-            <a:lvl6pPr marL="2286000" indent="0">
+            <a:lvl6pPr marL="2285943" indent="0">
               <a:buNone/>
               <a:defRPr sz="1600">
                 <a:solidFill>
@@ -1614,7 +1615,7 @@
                 </a:solidFill>
               </a:defRPr>
             </a:lvl6pPr>
-            <a:lvl7pPr marL="2743200" indent="0">
+            <a:lvl7pPr marL="2743131" indent="0">
               <a:buNone/>
               <a:defRPr sz="1600">
                 <a:solidFill>
@@ -1624,7 +1625,7 @@
                 </a:solidFill>
               </a:defRPr>
             </a:lvl7pPr>
-            <a:lvl8pPr marL="3200400" indent="0">
+            <a:lvl8pPr marL="3200320" indent="0">
               <a:buNone/>
               <a:defRPr sz="1600">
                 <a:solidFill>
@@ -1634,7 +1635,7 @@
                 </a:solidFill>
               </a:defRPr>
             </a:lvl8pPr>
-            <a:lvl9pPr marL="3657600" indent="0">
+            <a:lvl9pPr marL="3657509" indent="0">
               <a:buNone/>
               <a:defRPr sz="1600">
                 <a:solidFill>
@@ -1677,7 +1678,7 @@
           <a:p>
             <a:fld id="{3FB693E0-9A46-1A4F-9326-4156F3EFE763}" type="datetimeFigureOut">
               <a:rPr lang="en-DE" smtClean="0"/>
-              <a:t>06/12/2024</a:t>
+              <a:t>25.06.24</a:t>
             </a:fld>
             <a:endParaRPr lang="en-DE"/>
           </a:p>
@@ -1731,7 +1732,7 @@
           <a:p>
             <a:fld id="{2B8C0FD7-E9E3-554C-BCF5-5FAFB13DAE90}" type="slidenum">
               <a:rPr lang="en-DE" smtClean="0"/>
-              <a:t>‹Nr.›</a:t>
+              <a:t>‹#›</a:t>
             </a:fld>
             <a:endParaRPr lang="en-DE"/>
           </a:p>
@@ -1814,8 +1815,8 @@
         </p:nvSpPr>
         <p:spPr>
           <a:xfrm>
-            <a:off x="838200" y="1825625"/>
-            <a:ext cx="5181600" cy="4351338"/>
+            <a:off x="838200" y="1825624"/>
+            <a:ext cx="5181600" cy="4351339"/>
           </a:xfrm>
         </p:spPr>
         <p:txBody>
@@ -1877,8 +1878,8 @@
         </p:nvSpPr>
         <p:spPr>
           <a:xfrm>
-            <a:off x="6172200" y="1825625"/>
-            <a:ext cx="5181600" cy="4351338"/>
+            <a:off x="6172200" y="1825624"/>
+            <a:ext cx="5181600" cy="4351339"/>
           </a:xfrm>
         </p:spPr>
         <p:txBody>
@@ -1945,7 +1946,7 @@
           <a:p>
             <a:fld id="{3FB693E0-9A46-1A4F-9326-4156F3EFE763}" type="datetimeFigureOut">
               <a:rPr lang="en-DE" smtClean="0"/>
-              <a:t>06/12/2024</a:t>
+              <a:t>25.06.24</a:t>
             </a:fld>
             <a:endParaRPr lang="en-DE"/>
           </a:p>
@@ -1999,7 +2000,7 @@
           <a:p>
             <a:fld id="{2B8C0FD7-E9E3-554C-BCF5-5FAFB13DAE90}" type="slidenum">
               <a:rPr lang="en-DE" smtClean="0"/>
-              <a:t>‹Nr.›</a:t>
+              <a:t>‹#›</a:t>
             </a:fld>
             <a:endParaRPr lang="en-DE"/>
           </a:p>
@@ -2087,7 +2088,7 @@
         </p:nvSpPr>
         <p:spPr>
           <a:xfrm>
-            <a:off x="839788" y="1681163"/>
+            <a:off x="839789" y="1681163"/>
             <a:ext cx="5157787" cy="823912"/>
           </a:xfrm>
         </p:spPr>
@@ -2098,35 +2099,35 @@
               <a:buNone/>
               <a:defRPr sz="2400" b="1"/>
             </a:lvl1pPr>
-            <a:lvl2pPr marL="457200" indent="0">
+            <a:lvl2pPr marL="457189" indent="0">
               <a:buNone/>
               <a:defRPr sz="2000" b="1"/>
             </a:lvl2pPr>
-            <a:lvl3pPr marL="914400" indent="0">
+            <a:lvl3pPr marL="914377" indent="0">
               <a:buNone/>
               <a:defRPr sz="1800" b="1"/>
             </a:lvl3pPr>
-            <a:lvl4pPr marL="1371600" indent="0">
+            <a:lvl4pPr marL="1371566" indent="0">
               <a:buNone/>
               <a:defRPr sz="1600" b="1"/>
             </a:lvl4pPr>
-            <a:lvl5pPr marL="1828800" indent="0">
+            <a:lvl5pPr marL="1828754" indent="0">
               <a:buNone/>
               <a:defRPr sz="1600" b="1"/>
             </a:lvl5pPr>
-            <a:lvl6pPr marL="2286000" indent="0">
+            <a:lvl6pPr marL="2285943" indent="0">
               <a:buNone/>
               <a:defRPr sz="1600" b="1"/>
             </a:lvl6pPr>
-            <a:lvl7pPr marL="2743200" indent="0">
+            <a:lvl7pPr marL="2743131" indent="0">
               <a:buNone/>
               <a:defRPr sz="1600" b="1"/>
             </a:lvl7pPr>
-            <a:lvl8pPr marL="3200400" indent="0">
+            <a:lvl8pPr marL="3200320" indent="0">
               <a:buNone/>
               <a:defRPr sz="1600" b="1"/>
             </a:lvl8pPr>
-            <a:lvl9pPr marL="3657600" indent="0">
+            <a:lvl9pPr marL="3657509" indent="0">
               <a:buNone/>
               <a:defRPr sz="1600" b="1"/>
             </a:lvl9pPr>
@@ -2158,7 +2159,7 @@
         </p:nvSpPr>
         <p:spPr>
           <a:xfrm>
-            <a:off x="839788" y="2505075"/>
+            <a:off x="839789" y="2505075"/>
             <a:ext cx="5157787" cy="3684588"/>
           </a:xfrm>
         </p:spPr>
@@ -2221,7 +2222,7 @@
         </p:nvSpPr>
         <p:spPr>
           <a:xfrm>
-            <a:off x="6172200" y="1681163"/>
+            <a:off x="6172201" y="1681163"/>
             <a:ext cx="5183188" cy="823912"/>
           </a:xfrm>
         </p:spPr>
@@ -2232,35 +2233,35 @@
               <a:buNone/>
               <a:defRPr sz="2400" b="1"/>
             </a:lvl1pPr>
-            <a:lvl2pPr marL="457200" indent="0">
+            <a:lvl2pPr marL="457189" indent="0">
               <a:buNone/>
               <a:defRPr sz="2000" b="1"/>
             </a:lvl2pPr>
-            <a:lvl3pPr marL="914400" indent="0">
+            <a:lvl3pPr marL="914377" indent="0">
               <a:buNone/>
               <a:defRPr sz="1800" b="1"/>
             </a:lvl3pPr>
-            <a:lvl4pPr marL="1371600" indent="0">
+            <a:lvl4pPr marL="1371566" indent="0">
               <a:buNone/>
               <a:defRPr sz="1600" b="1"/>
             </a:lvl4pPr>
-            <a:lvl5pPr marL="1828800" indent="0">
+            <a:lvl5pPr marL="1828754" indent="0">
               <a:buNone/>
               <a:defRPr sz="1600" b="1"/>
             </a:lvl5pPr>
-            <a:lvl6pPr marL="2286000" indent="0">
+            <a:lvl6pPr marL="2285943" indent="0">
               <a:buNone/>
               <a:defRPr sz="1600" b="1"/>
             </a:lvl6pPr>
-            <a:lvl7pPr marL="2743200" indent="0">
+            <a:lvl7pPr marL="2743131" indent="0">
               <a:buNone/>
               <a:defRPr sz="1600" b="1"/>
             </a:lvl7pPr>
-            <a:lvl8pPr marL="3200400" indent="0">
+            <a:lvl8pPr marL="3200320" indent="0">
               <a:buNone/>
               <a:defRPr sz="1600" b="1"/>
             </a:lvl8pPr>
-            <a:lvl9pPr marL="3657600" indent="0">
+            <a:lvl9pPr marL="3657509" indent="0">
               <a:buNone/>
               <a:defRPr sz="1600" b="1"/>
             </a:lvl9pPr>
@@ -2292,7 +2293,7 @@
         </p:nvSpPr>
         <p:spPr>
           <a:xfrm>
-            <a:off x="6172200" y="2505075"/>
+            <a:off x="6172201" y="2505075"/>
             <a:ext cx="5183188" cy="3684588"/>
           </a:xfrm>
         </p:spPr>
@@ -2360,7 +2361,7 @@
           <a:p>
             <a:fld id="{3FB693E0-9A46-1A4F-9326-4156F3EFE763}" type="datetimeFigureOut">
               <a:rPr lang="en-DE" smtClean="0"/>
-              <a:t>06/12/2024</a:t>
+              <a:t>25.06.24</a:t>
             </a:fld>
             <a:endParaRPr lang="en-DE"/>
           </a:p>
@@ -2414,7 +2415,7 @@
           <a:p>
             <a:fld id="{2B8C0FD7-E9E3-554C-BCF5-5FAFB13DAE90}" type="slidenum">
               <a:rPr lang="en-DE" smtClean="0"/>
-              <a:t>‹Nr.›</a:t>
+              <a:t>‹#›</a:t>
             </a:fld>
             <a:endParaRPr lang="en-DE"/>
           </a:p>
@@ -2502,7 +2503,7 @@
           <a:p>
             <a:fld id="{3FB693E0-9A46-1A4F-9326-4156F3EFE763}" type="datetimeFigureOut">
               <a:rPr lang="en-DE" smtClean="0"/>
-              <a:t>06/12/2024</a:t>
+              <a:t>25.06.24</a:t>
             </a:fld>
             <a:endParaRPr lang="en-DE"/>
           </a:p>
@@ -2556,7 +2557,7 @@
           <a:p>
             <a:fld id="{2B8C0FD7-E9E3-554C-BCF5-5FAFB13DAE90}" type="slidenum">
               <a:rPr lang="en-DE" smtClean="0"/>
-              <a:t>‹Nr.›</a:t>
+              <a:t>‹#›</a:t>
             </a:fld>
             <a:endParaRPr lang="en-DE"/>
           </a:p>
@@ -2615,7 +2616,7 @@
           <a:p>
             <a:fld id="{3FB693E0-9A46-1A4F-9326-4156F3EFE763}" type="datetimeFigureOut">
               <a:rPr lang="en-DE" smtClean="0"/>
-              <a:t>06/12/2024</a:t>
+              <a:t>25.06.24</a:t>
             </a:fld>
             <a:endParaRPr lang="en-DE"/>
           </a:p>
@@ -2669,7 +2670,7 @@
           <a:p>
             <a:fld id="{2B8C0FD7-E9E3-554C-BCF5-5FAFB13DAE90}" type="slidenum">
               <a:rPr lang="en-DE" smtClean="0"/>
-              <a:t>‹Nr.›</a:t>
+              <a:t>‹#›</a:t>
             </a:fld>
             <a:endParaRPr lang="en-DE"/>
           </a:p>
@@ -2761,7 +2762,7 @@
         </p:nvSpPr>
         <p:spPr>
           <a:xfrm>
-            <a:off x="5183188" y="987425"/>
+            <a:off x="5183188" y="987426"/>
             <a:ext cx="6172200" cy="4873625"/>
           </a:xfrm>
         </p:spPr>
@@ -2852,7 +2853,7 @@
         </p:nvSpPr>
         <p:spPr>
           <a:xfrm>
-            <a:off x="839788" y="2057400"/>
+            <a:off x="839788" y="2057401"/>
             <a:ext cx="3932237" cy="3811588"/>
           </a:xfrm>
         </p:spPr>
@@ -2863,35 +2864,35 @@
               <a:buNone/>
               <a:defRPr sz="1600"/>
             </a:lvl1pPr>
-            <a:lvl2pPr marL="457200" indent="0">
+            <a:lvl2pPr marL="457189" indent="0">
               <a:buNone/>
               <a:defRPr sz="1400"/>
             </a:lvl2pPr>
-            <a:lvl3pPr marL="914400" indent="0">
+            <a:lvl3pPr marL="914377" indent="0">
               <a:buNone/>
               <a:defRPr sz="1200"/>
             </a:lvl3pPr>
-            <a:lvl4pPr marL="1371600" indent="0">
+            <a:lvl4pPr marL="1371566" indent="0">
               <a:buNone/>
               <a:defRPr sz="1000"/>
             </a:lvl4pPr>
-            <a:lvl5pPr marL="1828800" indent="0">
+            <a:lvl5pPr marL="1828754" indent="0">
               <a:buNone/>
               <a:defRPr sz="1000"/>
             </a:lvl5pPr>
-            <a:lvl6pPr marL="2286000" indent="0">
+            <a:lvl6pPr marL="2285943" indent="0">
               <a:buNone/>
               <a:defRPr sz="1000"/>
             </a:lvl6pPr>
-            <a:lvl7pPr marL="2743200" indent="0">
+            <a:lvl7pPr marL="2743131" indent="0">
               <a:buNone/>
               <a:defRPr sz="1000"/>
             </a:lvl7pPr>
-            <a:lvl8pPr marL="3200400" indent="0">
+            <a:lvl8pPr marL="3200320" indent="0">
               <a:buNone/>
               <a:defRPr sz="1000"/>
             </a:lvl8pPr>
-            <a:lvl9pPr marL="3657600" indent="0">
+            <a:lvl9pPr marL="3657509" indent="0">
               <a:buNone/>
               <a:defRPr sz="1000"/>
             </a:lvl9pPr>
@@ -2928,7 +2929,7 @@
           <a:p>
             <a:fld id="{3FB693E0-9A46-1A4F-9326-4156F3EFE763}" type="datetimeFigureOut">
               <a:rPr lang="en-DE" smtClean="0"/>
-              <a:t>06/12/2024</a:t>
+              <a:t>25.06.24</a:t>
             </a:fld>
             <a:endParaRPr lang="en-DE"/>
           </a:p>
@@ -2982,7 +2983,7 @@
           <a:p>
             <a:fld id="{2B8C0FD7-E9E3-554C-BCF5-5FAFB13DAE90}" type="slidenum">
               <a:rPr lang="en-DE" smtClean="0"/>
-              <a:t>‹Nr.›</a:t>
+              <a:t>‹#›</a:t>
             </a:fld>
             <a:endParaRPr lang="en-DE"/>
           </a:p>
@@ -3074,7 +3075,7 @@
         </p:nvSpPr>
         <p:spPr>
           <a:xfrm>
-            <a:off x="5183188" y="987425"/>
+            <a:off x="5183188" y="987426"/>
             <a:ext cx="6172200" cy="4873625"/>
           </a:xfrm>
         </p:spPr>
@@ -3085,35 +3086,35 @@
               <a:buNone/>
               <a:defRPr sz="3200"/>
             </a:lvl1pPr>
-            <a:lvl2pPr marL="457200" indent="0">
+            <a:lvl2pPr marL="457189" indent="0">
               <a:buNone/>
               <a:defRPr sz="2800"/>
             </a:lvl2pPr>
-            <a:lvl3pPr marL="914400" indent="0">
+            <a:lvl3pPr marL="914377" indent="0">
               <a:buNone/>
               <a:defRPr sz="2400"/>
             </a:lvl3pPr>
-            <a:lvl4pPr marL="1371600" indent="0">
+            <a:lvl4pPr marL="1371566" indent="0">
               <a:buNone/>
               <a:defRPr sz="2000"/>
             </a:lvl4pPr>
-            <a:lvl5pPr marL="1828800" indent="0">
+            <a:lvl5pPr marL="1828754" indent="0">
               <a:buNone/>
               <a:defRPr sz="2000"/>
             </a:lvl5pPr>
-            <a:lvl6pPr marL="2286000" indent="0">
+            <a:lvl6pPr marL="2285943" indent="0">
               <a:buNone/>
               <a:defRPr sz="2000"/>
             </a:lvl6pPr>
-            <a:lvl7pPr marL="2743200" indent="0">
+            <a:lvl7pPr marL="2743131" indent="0">
               <a:buNone/>
               <a:defRPr sz="2000"/>
             </a:lvl7pPr>
-            <a:lvl8pPr marL="3200400" indent="0">
+            <a:lvl8pPr marL="3200320" indent="0">
               <a:buNone/>
               <a:defRPr sz="2000"/>
             </a:lvl8pPr>
-            <a:lvl9pPr marL="3657600" indent="0">
+            <a:lvl9pPr marL="3657509" indent="0">
               <a:buNone/>
               <a:defRPr sz="2000"/>
             </a:lvl9pPr>
@@ -3141,7 +3142,7 @@
         </p:nvSpPr>
         <p:spPr>
           <a:xfrm>
-            <a:off x="839788" y="2057400"/>
+            <a:off x="839788" y="2057401"/>
             <a:ext cx="3932237" cy="3811588"/>
           </a:xfrm>
         </p:spPr>
@@ -3152,35 +3153,35 @@
               <a:buNone/>
               <a:defRPr sz="1600"/>
             </a:lvl1pPr>
-            <a:lvl2pPr marL="457200" indent="0">
+            <a:lvl2pPr marL="457189" indent="0">
               <a:buNone/>
               <a:defRPr sz="1400"/>
             </a:lvl2pPr>
-            <a:lvl3pPr marL="914400" indent="0">
+            <a:lvl3pPr marL="914377" indent="0">
               <a:buNone/>
               <a:defRPr sz="1200"/>
             </a:lvl3pPr>
-            <a:lvl4pPr marL="1371600" indent="0">
+            <a:lvl4pPr marL="1371566" indent="0">
               <a:buNone/>
               <a:defRPr sz="1000"/>
             </a:lvl4pPr>
-            <a:lvl5pPr marL="1828800" indent="0">
+            <a:lvl5pPr marL="1828754" indent="0">
               <a:buNone/>
               <a:defRPr sz="1000"/>
             </a:lvl5pPr>
-            <a:lvl6pPr marL="2286000" indent="0">
+            <a:lvl6pPr marL="2285943" indent="0">
               <a:buNone/>
               <a:defRPr sz="1000"/>
             </a:lvl6pPr>
-            <a:lvl7pPr marL="2743200" indent="0">
+            <a:lvl7pPr marL="2743131" indent="0">
               <a:buNone/>
               <a:defRPr sz="1000"/>
             </a:lvl7pPr>
-            <a:lvl8pPr marL="3200400" indent="0">
+            <a:lvl8pPr marL="3200320" indent="0">
               <a:buNone/>
               <a:defRPr sz="1000"/>
             </a:lvl8pPr>
-            <a:lvl9pPr marL="3657600" indent="0">
+            <a:lvl9pPr marL="3657509" indent="0">
               <a:buNone/>
               <a:defRPr sz="1000"/>
             </a:lvl9pPr>
@@ -3217,7 +3218,7 @@
           <a:p>
             <a:fld id="{3FB693E0-9A46-1A4F-9326-4156F3EFE763}" type="datetimeFigureOut">
               <a:rPr lang="en-DE" smtClean="0"/>
-              <a:t>06/12/2024</a:t>
+              <a:t>25.06.24</a:t>
             </a:fld>
             <a:endParaRPr lang="en-DE"/>
           </a:p>
@@ -3271,7 +3272,7 @@
           <a:p>
             <a:fld id="{2B8C0FD7-E9E3-554C-BCF5-5FAFB13DAE90}" type="slidenum">
               <a:rPr lang="en-DE" smtClean="0"/>
-              <a:t>‹Nr.›</a:t>
+              <a:t>‹#›</a:t>
             </a:fld>
             <a:endParaRPr lang="en-DE"/>
           </a:p>
@@ -3369,8 +3370,8 @@
         </p:nvSpPr>
         <p:spPr>
           <a:xfrm>
-            <a:off x="838200" y="1825625"/>
-            <a:ext cx="10515600" cy="4351338"/>
+            <a:off x="838200" y="1825624"/>
+            <a:ext cx="10515600" cy="4351339"/>
           </a:xfrm>
           <a:prstGeom prst="rect">
             <a:avLst/>
@@ -3437,7 +3438,7 @@
         </p:nvSpPr>
         <p:spPr>
           <a:xfrm>
-            <a:off x="838200" y="6356350"/>
+            <a:off x="838200" y="6356351"/>
             <a:ext cx="2743200" cy="365125"/>
           </a:xfrm>
           <a:prstGeom prst="rect">
@@ -3460,7 +3461,7 @@
           <a:p>
             <a:fld id="{3FB693E0-9A46-1A4F-9326-4156F3EFE763}" type="datetimeFigureOut">
               <a:rPr lang="en-DE" smtClean="0"/>
-              <a:t>06/12/2024</a:t>
+              <a:t>25.06.24</a:t>
             </a:fld>
             <a:endParaRPr lang="en-DE"/>
           </a:p>
@@ -3484,7 +3485,7 @@
         </p:nvSpPr>
         <p:spPr>
           <a:xfrm>
-            <a:off x="4038600" y="6356350"/>
+            <a:off x="4038600" y="6356351"/>
             <a:ext cx="4114800" cy="365125"/>
           </a:xfrm>
           <a:prstGeom prst="rect">
@@ -3527,7 +3528,7 @@
         </p:nvSpPr>
         <p:spPr>
           <a:xfrm>
-            <a:off x="8610600" y="6356350"/>
+            <a:off x="8610600" y="6356351"/>
             <a:ext cx="2743200" cy="365125"/>
           </a:xfrm>
           <a:prstGeom prst="rect">
@@ -3550,7 +3551,7 @@
           <a:p>
             <a:fld id="{2B8C0FD7-E9E3-554C-BCF5-5FAFB13DAE90}" type="slidenum">
               <a:rPr lang="en-DE" smtClean="0"/>
-              <a:t>‹Nr.›</a:t>
+              <a:t>‹#›</a:t>
             </a:fld>
             <a:endParaRPr lang="en-DE"/>
           </a:p>
@@ -3579,7 +3580,7 @@
   </p:sldLayoutIdLst>
   <p:txStyles>
     <p:titleStyle>
-      <a:lvl1pPr algn="l" defTabSz="914400" rtl="0" eaLnBrk="1" latinLnBrk="0" hangingPunct="1">
+      <a:lvl1pPr algn="l" defTabSz="914377" rtl="0" eaLnBrk="1" latinLnBrk="0" hangingPunct="1">
         <a:lnSpc>
           <a:spcPct val="90000"/>
         </a:lnSpc>
@@ -3598,7 +3599,7 @@
       </a:lvl1pPr>
     </p:titleStyle>
     <p:bodyStyle>
-      <a:lvl1pPr marL="228600" indent="-228600" algn="l" defTabSz="914400" rtl="0" eaLnBrk="1" latinLnBrk="0" hangingPunct="1">
+      <a:lvl1pPr marL="228594" indent="-228594" algn="l" defTabSz="914377" rtl="0" eaLnBrk="1" latinLnBrk="0" hangingPunct="1">
         <a:lnSpc>
           <a:spcPct val="90000"/>
         </a:lnSpc>
@@ -3616,7 +3617,7 @@
           <a:cs typeface="+mn-cs"/>
         </a:defRPr>
       </a:lvl1pPr>
-      <a:lvl2pPr marL="685800" indent="-228600" algn="l" defTabSz="914400" rtl="0" eaLnBrk="1" latinLnBrk="0" hangingPunct="1">
+      <a:lvl2pPr marL="685783" indent="-228594" algn="l" defTabSz="914377" rtl="0" eaLnBrk="1" latinLnBrk="0" hangingPunct="1">
         <a:lnSpc>
           <a:spcPct val="90000"/>
         </a:lnSpc>
@@ -3634,7 +3635,7 @@
           <a:cs typeface="+mn-cs"/>
         </a:defRPr>
       </a:lvl2pPr>
-      <a:lvl3pPr marL="1143000" indent="-228600" algn="l" defTabSz="914400" rtl="0" eaLnBrk="1" latinLnBrk="0" hangingPunct="1">
+      <a:lvl3pPr marL="1142971" indent="-228594" algn="l" defTabSz="914377" rtl="0" eaLnBrk="1" latinLnBrk="0" hangingPunct="1">
         <a:lnSpc>
           <a:spcPct val="90000"/>
         </a:lnSpc>
@@ -3652,7 +3653,7 @@
           <a:cs typeface="+mn-cs"/>
         </a:defRPr>
       </a:lvl3pPr>
-      <a:lvl4pPr marL="1600200" indent="-228600" algn="l" defTabSz="914400" rtl="0" eaLnBrk="1" latinLnBrk="0" hangingPunct="1">
+      <a:lvl4pPr marL="1600160" indent="-228594" algn="l" defTabSz="914377" rtl="0" eaLnBrk="1" latinLnBrk="0" hangingPunct="1">
         <a:lnSpc>
           <a:spcPct val="90000"/>
         </a:lnSpc>
@@ -3670,7 +3671,7 @@
           <a:cs typeface="+mn-cs"/>
         </a:defRPr>
       </a:lvl4pPr>
-      <a:lvl5pPr marL="2057400" indent="-228600" algn="l" defTabSz="914400" rtl="0" eaLnBrk="1" latinLnBrk="0" hangingPunct="1">
+      <a:lvl5pPr marL="2057349" indent="-228594" algn="l" defTabSz="914377" rtl="0" eaLnBrk="1" latinLnBrk="0" hangingPunct="1">
         <a:lnSpc>
           <a:spcPct val="90000"/>
         </a:lnSpc>
@@ -3688,7 +3689,7 @@
           <a:cs typeface="+mn-cs"/>
         </a:defRPr>
       </a:lvl5pPr>
-      <a:lvl6pPr marL="2514600" indent="-228600" algn="l" defTabSz="914400" rtl="0" eaLnBrk="1" latinLnBrk="0" hangingPunct="1">
+      <a:lvl6pPr marL="2514537" indent="-228594" algn="l" defTabSz="914377" rtl="0" eaLnBrk="1" latinLnBrk="0" hangingPunct="1">
         <a:lnSpc>
           <a:spcPct val="90000"/>
         </a:lnSpc>
@@ -3706,7 +3707,7 @@
           <a:cs typeface="+mn-cs"/>
         </a:defRPr>
       </a:lvl6pPr>
-      <a:lvl7pPr marL="2971800" indent="-228600" algn="l" defTabSz="914400" rtl="0" eaLnBrk="1" latinLnBrk="0" hangingPunct="1">
+      <a:lvl7pPr marL="2971726" indent="-228594" algn="l" defTabSz="914377" rtl="0" eaLnBrk="1" latinLnBrk="0" hangingPunct="1">
         <a:lnSpc>
           <a:spcPct val="90000"/>
         </a:lnSpc>
@@ -3724,7 +3725,7 @@
           <a:cs typeface="+mn-cs"/>
         </a:defRPr>
       </a:lvl7pPr>
-      <a:lvl8pPr marL="3429000" indent="-228600" algn="l" defTabSz="914400" rtl="0" eaLnBrk="1" latinLnBrk="0" hangingPunct="1">
+      <a:lvl8pPr marL="3428914" indent="-228594" algn="l" defTabSz="914377" rtl="0" eaLnBrk="1" latinLnBrk="0" hangingPunct="1">
         <a:lnSpc>
           <a:spcPct val="90000"/>
         </a:lnSpc>
@@ -3742,7 +3743,7 @@
           <a:cs typeface="+mn-cs"/>
         </a:defRPr>
       </a:lvl8pPr>
-      <a:lvl9pPr marL="3886200" indent="-228600" algn="l" defTabSz="914400" rtl="0" eaLnBrk="1" latinLnBrk="0" hangingPunct="1">
+      <a:lvl9pPr marL="3886103" indent="-228594" algn="l" defTabSz="914377" rtl="0" eaLnBrk="1" latinLnBrk="0" hangingPunct="1">
         <a:lnSpc>
           <a:spcPct val="90000"/>
         </a:lnSpc>
@@ -3765,7 +3766,7 @@
       <a:defPPr>
         <a:defRPr lang="en-DE"/>
       </a:defPPr>
-      <a:lvl1pPr marL="0" algn="l" defTabSz="914400" rtl="0" eaLnBrk="1" latinLnBrk="0" hangingPunct="1">
+      <a:lvl1pPr marL="0" algn="l" defTabSz="914377" rtl="0" eaLnBrk="1" latinLnBrk="0" hangingPunct="1">
         <a:defRPr sz="1800" kern="1200">
           <a:solidFill>
             <a:schemeClr val="tx1"/>
@@ -3775,7 +3776,7 @@
           <a:cs typeface="+mn-cs"/>
         </a:defRPr>
       </a:lvl1pPr>
-      <a:lvl2pPr marL="457200" algn="l" defTabSz="914400" rtl="0" eaLnBrk="1" latinLnBrk="0" hangingPunct="1">
+      <a:lvl2pPr marL="457189" algn="l" defTabSz="914377" rtl="0" eaLnBrk="1" latinLnBrk="0" hangingPunct="1">
         <a:defRPr sz="1800" kern="1200">
           <a:solidFill>
             <a:schemeClr val="tx1"/>
@@ -3785,7 +3786,7 @@
           <a:cs typeface="+mn-cs"/>
         </a:defRPr>
       </a:lvl2pPr>
-      <a:lvl3pPr marL="914400" algn="l" defTabSz="914400" rtl="0" eaLnBrk="1" latinLnBrk="0" hangingPunct="1">
+      <a:lvl3pPr marL="914377" algn="l" defTabSz="914377" rtl="0" eaLnBrk="1" latinLnBrk="0" hangingPunct="1">
         <a:defRPr sz="1800" kern="1200">
           <a:solidFill>
             <a:schemeClr val="tx1"/>
@@ -3795,7 +3796,7 @@
           <a:cs typeface="+mn-cs"/>
         </a:defRPr>
       </a:lvl3pPr>
-      <a:lvl4pPr marL="1371600" algn="l" defTabSz="914400" rtl="0" eaLnBrk="1" latinLnBrk="0" hangingPunct="1">
+      <a:lvl4pPr marL="1371566" algn="l" defTabSz="914377" rtl="0" eaLnBrk="1" latinLnBrk="0" hangingPunct="1">
         <a:defRPr sz="1800" kern="1200">
           <a:solidFill>
             <a:schemeClr val="tx1"/>
@@ -3805,7 +3806,7 @@
           <a:cs typeface="+mn-cs"/>
         </a:defRPr>
       </a:lvl4pPr>
-      <a:lvl5pPr marL="1828800" algn="l" defTabSz="914400" rtl="0" eaLnBrk="1" latinLnBrk="0" hangingPunct="1">
+      <a:lvl5pPr marL="1828754" algn="l" defTabSz="914377" rtl="0" eaLnBrk="1" latinLnBrk="0" hangingPunct="1">
         <a:defRPr sz="1800" kern="1200">
           <a:solidFill>
             <a:schemeClr val="tx1"/>
@@ -3815,7 +3816,7 @@
           <a:cs typeface="+mn-cs"/>
         </a:defRPr>
       </a:lvl5pPr>
-      <a:lvl6pPr marL="2286000" algn="l" defTabSz="914400" rtl="0" eaLnBrk="1" latinLnBrk="0" hangingPunct="1">
+      <a:lvl6pPr marL="2285943" algn="l" defTabSz="914377" rtl="0" eaLnBrk="1" latinLnBrk="0" hangingPunct="1">
         <a:defRPr sz="1800" kern="1200">
           <a:solidFill>
             <a:schemeClr val="tx1"/>
@@ -3825,7 +3826,7 @@
           <a:cs typeface="+mn-cs"/>
         </a:defRPr>
       </a:lvl6pPr>
-      <a:lvl7pPr marL="2743200" algn="l" defTabSz="914400" rtl="0" eaLnBrk="1" latinLnBrk="0" hangingPunct="1">
+      <a:lvl7pPr marL="2743131" algn="l" defTabSz="914377" rtl="0" eaLnBrk="1" latinLnBrk="0" hangingPunct="1">
         <a:defRPr sz="1800" kern="1200">
           <a:solidFill>
             <a:schemeClr val="tx1"/>
@@ -3835,7 +3836,7 @@
           <a:cs typeface="+mn-cs"/>
         </a:defRPr>
       </a:lvl7pPr>
-      <a:lvl8pPr marL="3200400" algn="l" defTabSz="914400" rtl="0" eaLnBrk="1" latinLnBrk="0" hangingPunct="1">
+      <a:lvl8pPr marL="3200320" algn="l" defTabSz="914377" rtl="0" eaLnBrk="1" latinLnBrk="0" hangingPunct="1">
         <a:defRPr sz="1800" kern="1200">
           <a:solidFill>
             <a:schemeClr val="tx1"/>
@@ -3845,7 +3846,7 @@
           <a:cs typeface="+mn-cs"/>
         </a:defRPr>
       </a:lvl8pPr>
-      <a:lvl9pPr marL="3657600" algn="l" defTabSz="914400" rtl="0" eaLnBrk="1" latinLnBrk="0" hangingPunct="1">
+      <a:lvl9pPr marL="3657509" algn="l" defTabSz="914377" rtl="0" eaLnBrk="1" latinLnBrk="0" hangingPunct="1">
         <a:defRPr sz="1800" kern="1200">
           <a:solidFill>
             <a:schemeClr val="tx1"/>
@@ -3968,6 +3969,1375 @@
           <p:cNvPr id="2" name="Title 1">
             <a:extLst>
               <a:ext uri="{FF2B5EF4-FFF2-40B4-BE49-F238E27FC236}">
+                <a16:creationId xmlns:a16="http://schemas.microsoft.com/office/drawing/2014/main" id="{FF7B60E5-A69F-29C9-E354-CD58DBEC380D}"/>
+              </a:ext>
+            </a:extLst>
+          </p:cNvPr>
+          <p:cNvSpPr>
+            <a:spLocks noGrp="1"/>
+          </p:cNvSpPr>
+          <p:nvPr>
+            <p:ph type="title"/>
+          </p:nvPr>
+        </p:nvSpPr>
+        <p:spPr/>
+        <p:txBody>
+          <a:bodyPr/>
+          <a:lstStyle/>
+          <a:p>
+            <a:r>
+              <a:rPr lang="en-DE" dirty="0"/>
+              <a:t>Product Backlog</a:t>
+            </a:r>
+          </a:p>
+        </p:txBody>
+      </p:sp>
+      <p:graphicFrame>
+        <p:nvGraphicFramePr>
+          <p:cNvPr id="4" name="Content Placeholder 3">
+            <a:extLst>
+              <a:ext uri="{FF2B5EF4-FFF2-40B4-BE49-F238E27FC236}">
+                <a16:creationId xmlns:a16="http://schemas.microsoft.com/office/drawing/2014/main" id="{5C6E70F7-27AF-28B9-E363-472395824058}"/>
+              </a:ext>
+            </a:extLst>
+          </p:cNvPr>
+          <p:cNvGraphicFramePr>
+            <a:graphicFrameLocks noGrp="1"/>
+          </p:cNvGraphicFramePr>
+          <p:nvPr>
+            <p:ph idx="1"/>
+            <p:extLst>
+              <p:ext uri="{D42A27DB-BD31-4B8C-83A1-F6EECF244321}">
+                <p14:modId xmlns:p14="http://schemas.microsoft.com/office/powerpoint/2010/main" val="3079057424"/>
+              </p:ext>
+            </p:extLst>
+          </p:nvPr>
+        </p:nvGraphicFramePr>
+        <p:xfrm>
+          <a:off x="838200" y="1825625"/>
+          <a:ext cx="10515600" cy="11506200"/>
+        </p:xfrm>
+        <a:graphic>
+          <a:graphicData uri="http://schemas.openxmlformats.org/drawingml/2006/table">
+            <a:tbl>
+              <a:tblPr firstRow="1" bandRow="1">
+                <a:tableStyleId>{21E4AEA4-8DFA-4A89-87EB-49C32662AFE0}</a:tableStyleId>
+              </a:tblPr>
+              <a:tblGrid>
+                <a:gridCol w="729343">
+                  <a:extLst>
+                    <a:ext uri="{9D8B030D-6E8A-4147-A177-3AD203B41FA5}">
+                      <a16:colId xmlns:a16="http://schemas.microsoft.com/office/drawing/2014/main" val="1987750083"/>
+                    </a:ext>
+                  </a:extLst>
+                </a:gridCol>
+                <a:gridCol w="2300369">
+                  <a:extLst>
+                    <a:ext uri="{9D8B030D-6E8A-4147-A177-3AD203B41FA5}">
+                      <a16:colId xmlns:a16="http://schemas.microsoft.com/office/drawing/2014/main" val="645368892"/>
+                    </a:ext>
+                  </a:extLst>
+                </a:gridCol>
+                <a:gridCol w="6053328">
+                  <a:extLst>
+                    <a:ext uri="{9D8B030D-6E8A-4147-A177-3AD203B41FA5}">
+                      <a16:colId xmlns:a16="http://schemas.microsoft.com/office/drawing/2014/main" val="207721845"/>
+                    </a:ext>
+                  </a:extLst>
+                </a:gridCol>
+                <a:gridCol w="1432560">
+                  <a:extLst>
+                    <a:ext uri="{9D8B030D-6E8A-4147-A177-3AD203B41FA5}">
+                      <a16:colId xmlns:a16="http://schemas.microsoft.com/office/drawing/2014/main" val="2256790804"/>
+                    </a:ext>
+                  </a:extLst>
+                </a:gridCol>
+              </a:tblGrid>
+              <a:tr h="370840">
+                <a:tc>
+                  <a:txBody>
+                    <a:bodyPr/>
+                    <a:lstStyle/>
+                    <a:p>
+                      <a:r>
+                        <a:rPr lang="en-DE" sz="1300" dirty="0"/>
+                        <a:t>ID</a:t>
+                      </a:r>
+                    </a:p>
+                  </a:txBody>
+                  <a:tcPr/>
+                </a:tc>
+                <a:tc>
+                  <a:txBody>
+                    <a:bodyPr/>
+                    <a:lstStyle/>
+                    <a:p>
+                      <a:r>
+                        <a:rPr lang="en-DE" sz="1300" dirty="0"/>
+                        <a:t>Epic</a:t>
+                      </a:r>
+                    </a:p>
+                  </a:txBody>
+                  <a:tcPr/>
+                </a:tc>
+                <a:tc>
+                  <a:txBody>
+                    <a:bodyPr/>
+                    <a:lstStyle/>
+                    <a:p>
+                      <a:r>
+                        <a:rPr lang="en-DE" sz="1300" dirty="0"/>
+                        <a:t>User Story</a:t>
+                      </a:r>
+                    </a:p>
+                  </a:txBody>
+                  <a:tcPr/>
+                </a:tc>
+                <a:tc>
+                  <a:txBody>
+                    <a:bodyPr/>
+                    <a:lstStyle/>
+                    <a:p>
+                      <a:r>
+                        <a:rPr lang="en-DE" sz="1300" dirty="0"/>
+                        <a:t>Priorität</a:t>
+                      </a:r>
+                    </a:p>
+                  </a:txBody>
+                  <a:tcPr/>
+                </a:tc>
+                <a:extLst>
+                  <a:ext uri="{0D108BD9-81ED-4DB2-BD59-A6C34878D82A}">
+                    <a16:rowId xmlns:a16="http://schemas.microsoft.com/office/drawing/2014/main" val="3256265648"/>
+                  </a:ext>
+                </a:extLst>
+              </a:tr>
+              <a:tr h="502920">
+                <a:tc>
+                  <a:txBody>
+                    <a:bodyPr/>
+                    <a:lstStyle/>
+                    <a:p>
+                      <a:r>
+                        <a:rPr lang="en-DE" sz="1300" dirty="0"/>
+                        <a:t>1001</a:t>
+                      </a:r>
+                    </a:p>
+                  </a:txBody>
+                  <a:tcPr/>
+                </a:tc>
+                <a:tc>
+                  <a:txBody>
+                    <a:bodyPr/>
+                    <a:lstStyle/>
+                    <a:p>
+                      <a:r>
+                        <a:rPr lang="en-DE" sz="1300" dirty="0"/>
+                        <a:t>Spiel erstellen</a:t>
+                      </a:r>
+                    </a:p>
+                  </a:txBody>
+                  <a:tcPr/>
+                </a:tc>
+                <a:tc>
+                  <a:txBody>
+                    <a:bodyPr/>
+                    <a:lstStyle/>
+                    <a:p>
+                      <a:r>
+                        <a:rPr lang="en-DE" sz="1300" dirty="0"/>
+                        <a:t>Als Benutzer möchte ich ein Spiel erstellen können, dass andere dann sehen und diesem beitreten können</a:t>
+                      </a:r>
+                    </a:p>
+                  </a:txBody>
+                  <a:tcPr/>
+                </a:tc>
+                <a:tc>
+                  <a:txBody>
+                    <a:bodyPr/>
+                    <a:lstStyle/>
+                    <a:p>
+                      <a:endParaRPr lang="en-DE" sz="1300"/>
+                    </a:p>
+                  </a:txBody>
+                  <a:tcPr/>
+                </a:tc>
+                <a:extLst>
+                  <a:ext uri="{0D108BD9-81ED-4DB2-BD59-A6C34878D82A}">
+                    <a16:rowId xmlns:a16="http://schemas.microsoft.com/office/drawing/2014/main" val="3855986042"/>
+                  </a:ext>
+                </a:extLst>
+              </a:tr>
+              <a:tr h="708660">
+                <a:tc>
+                  <a:txBody>
+                    <a:bodyPr/>
+                    <a:lstStyle/>
+                    <a:p>
+                      <a:r>
+                        <a:rPr lang="en-DE" sz="1300" dirty="0"/>
+                        <a:t>2001</a:t>
+                      </a:r>
+                    </a:p>
+                  </a:txBody>
+                  <a:tcPr/>
+                </a:tc>
+                <a:tc>
+                  <a:txBody>
+                    <a:bodyPr/>
+                    <a:lstStyle/>
+                    <a:p>
+                      <a:r>
+                        <a:rPr lang="en-DE" sz="1300" dirty="0"/>
+                        <a:t>Spiel erstellen</a:t>
+                      </a:r>
+                    </a:p>
+                  </a:txBody>
+                  <a:tcPr/>
+                </a:tc>
+                <a:tc>
+                  <a:txBody>
+                    <a:bodyPr/>
+                    <a:lstStyle/>
+                    <a:p>
+                      <a:r>
+                        <a:rPr lang="en-DE" sz="1300" dirty="0"/>
+                        <a:t>Als B</a:t>
+                      </a:r>
+                      <a:r>
+                        <a:rPr lang="en-GB" sz="1300" dirty="0"/>
+                        <a:t>e</a:t>
+                      </a:r>
+                      <a:r>
+                        <a:rPr lang="en-DE" sz="1300" dirty="0"/>
+                        <a:t>nutzer möchte ich eine Oberfläche haben, auf der ich ein Spiel erstellen und konfigurieren kann, wenn das spiel erstellt ist, werde ich in die Spielansicht weitergeleitet</a:t>
+                      </a:r>
+                    </a:p>
+                  </a:txBody>
+                  <a:tcPr/>
+                </a:tc>
+                <a:tc>
+                  <a:txBody>
+                    <a:bodyPr/>
+                    <a:lstStyle/>
+                    <a:p>
+                      <a:endParaRPr lang="en-DE" sz="1300"/>
+                    </a:p>
+                  </a:txBody>
+                  <a:tcPr/>
+                </a:tc>
+                <a:extLst>
+                  <a:ext uri="{0D108BD9-81ED-4DB2-BD59-A6C34878D82A}">
+                    <a16:rowId xmlns:a16="http://schemas.microsoft.com/office/drawing/2014/main" val="3411303007"/>
+                  </a:ext>
+                </a:extLst>
+              </a:tr>
+              <a:tr h="502920">
+                <a:tc>
+                  <a:txBody>
+                    <a:bodyPr/>
+                    <a:lstStyle/>
+                    <a:p>
+                      <a:r>
+                        <a:rPr lang="en-DE" sz="1300" dirty="0"/>
+                        <a:t>1002</a:t>
+                      </a:r>
+                    </a:p>
+                  </a:txBody>
+                  <a:tcPr/>
+                </a:tc>
+                <a:tc>
+                  <a:txBody>
+                    <a:bodyPr/>
+                    <a:lstStyle/>
+                    <a:p>
+                      <a:r>
+                        <a:rPr lang="en-DE" sz="1300" dirty="0"/>
+                        <a:t>Spiel beitreten</a:t>
+                      </a:r>
+                    </a:p>
+                  </a:txBody>
+                  <a:tcPr/>
+                </a:tc>
+                <a:tc>
+                  <a:txBody>
+                    <a:bodyPr/>
+                    <a:lstStyle/>
+                    <a:p>
+                      <a:r>
+                        <a:rPr lang="en-DE" sz="1300" dirty="0"/>
+                        <a:t>Als Benutzer möchte ich einem Spiel beitreten können und an diesem dann teilnehmen</a:t>
+                      </a:r>
+                    </a:p>
+                  </a:txBody>
+                  <a:tcPr/>
+                </a:tc>
+                <a:tc>
+                  <a:txBody>
+                    <a:bodyPr/>
+                    <a:lstStyle/>
+                    <a:p>
+                      <a:endParaRPr lang="en-DE" sz="1300"/>
+                    </a:p>
+                  </a:txBody>
+                  <a:tcPr/>
+                </a:tc>
+                <a:extLst>
+                  <a:ext uri="{0D108BD9-81ED-4DB2-BD59-A6C34878D82A}">
+                    <a16:rowId xmlns:a16="http://schemas.microsoft.com/office/drawing/2014/main" val="1293520576"/>
+                  </a:ext>
+                </a:extLst>
+              </a:tr>
+              <a:tr h="502920">
+                <a:tc>
+                  <a:txBody>
+                    <a:bodyPr/>
+                    <a:lstStyle/>
+                    <a:p>
+                      <a:r>
+                        <a:rPr lang="en-DE" sz="1300" dirty="0"/>
+                        <a:t>2002</a:t>
+                      </a:r>
+                    </a:p>
+                  </a:txBody>
+                  <a:tcPr/>
+                </a:tc>
+                <a:tc>
+                  <a:txBody>
+                    <a:bodyPr/>
+                    <a:lstStyle/>
+                    <a:p>
+                      <a:r>
+                        <a:rPr lang="en-DE" sz="1300" dirty="0"/>
+                        <a:t>Spiel beitreten</a:t>
+                      </a:r>
+                    </a:p>
+                  </a:txBody>
+                  <a:tcPr/>
+                </a:tc>
+                <a:tc>
+                  <a:txBody>
+                    <a:bodyPr/>
+                    <a:lstStyle/>
+                    <a:p>
+                      <a:r>
+                        <a:rPr lang="en-DE" sz="1300" dirty="0"/>
+                        <a:t>Als Benutzer möchte ich eine Übersicht an Spielen haben, denen ich beitreten kann</a:t>
+                      </a:r>
+                    </a:p>
+                  </a:txBody>
+                  <a:tcPr/>
+                </a:tc>
+                <a:tc>
+                  <a:txBody>
+                    <a:bodyPr/>
+                    <a:lstStyle/>
+                    <a:p>
+                      <a:endParaRPr lang="en-DE" sz="1300"/>
+                    </a:p>
+                  </a:txBody>
+                  <a:tcPr/>
+                </a:tc>
+                <a:extLst>
+                  <a:ext uri="{0D108BD9-81ED-4DB2-BD59-A6C34878D82A}">
+                    <a16:rowId xmlns:a16="http://schemas.microsoft.com/office/drawing/2014/main" val="2489901243"/>
+                  </a:ext>
+                </a:extLst>
+              </a:tr>
+              <a:tr h="502920">
+                <a:tc>
+                  <a:txBody>
+                    <a:bodyPr/>
+                    <a:lstStyle/>
+                    <a:p>
+                      <a:r>
+                        <a:rPr lang="en-DE" sz="1300" dirty="0"/>
+                        <a:t>2003</a:t>
+                      </a:r>
+                    </a:p>
+                  </a:txBody>
+                  <a:tcPr/>
+                </a:tc>
+                <a:tc>
+                  <a:txBody>
+                    <a:bodyPr/>
+                    <a:lstStyle/>
+                    <a:p>
+                      <a:r>
+                        <a:rPr lang="en-DE" sz="1300" dirty="0"/>
+                        <a:t>Spiel beitreten</a:t>
+                      </a:r>
+                    </a:p>
+                  </a:txBody>
+                  <a:tcPr/>
+                </a:tc>
+                <a:tc>
+                  <a:txBody>
+                    <a:bodyPr/>
+                    <a:lstStyle/>
+                    <a:p>
+                      <a:r>
+                        <a:rPr lang="en-DE" sz="1300" dirty="0"/>
+                        <a:t>Als Benutzer möchte ich, wenn ich einem Spiel beitrete, meinen Namen eingeben müssen und dann auf die Spielseite weitergeleitet werden</a:t>
+                      </a:r>
+                    </a:p>
+                  </a:txBody>
+                  <a:tcPr/>
+                </a:tc>
+                <a:tc>
+                  <a:txBody>
+                    <a:bodyPr/>
+                    <a:lstStyle/>
+                    <a:p>
+                      <a:endParaRPr lang="en-DE" sz="1300"/>
+                    </a:p>
+                  </a:txBody>
+                  <a:tcPr/>
+                </a:tc>
+                <a:extLst>
+                  <a:ext uri="{0D108BD9-81ED-4DB2-BD59-A6C34878D82A}">
+                    <a16:rowId xmlns:a16="http://schemas.microsoft.com/office/drawing/2014/main" val="3463875102"/>
+                  </a:ext>
+                </a:extLst>
+              </a:tr>
+              <a:tr h="370840">
+                <a:tc>
+                  <a:txBody>
+                    <a:bodyPr/>
+                    <a:lstStyle/>
+                    <a:p>
+                      <a:r>
+                        <a:rPr lang="en-DE" sz="1300" dirty="0"/>
+                        <a:t>1003</a:t>
+                      </a:r>
+                    </a:p>
+                  </a:txBody>
+                  <a:tcPr/>
+                </a:tc>
+                <a:tc>
+                  <a:txBody>
+                    <a:bodyPr/>
+                    <a:lstStyle/>
+                    <a:p>
+                      <a:r>
+                        <a:rPr lang="en-DE" sz="1300" dirty="0"/>
+                        <a:t>Spiel verlassen</a:t>
+                      </a:r>
+                    </a:p>
+                  </a:txBody>
+                  <a:tcPr/>
+                </a:tc>
+                <a:tc>
+                  <a:txBody>
+                    <a:bodyPr/>
+                    <a:lstStyle/>
+                    <a:p>
+                      <a:r>
+                        <a:rPr lang="en-DE" sz="1300" dirty="0"/>
+                        <a:t>Als Benutzer möchte ich jederzeit das Spiel wieder verlassen können</a:t>
+                      </a:r>
+                    </a:p>
+                  </a:txBody>
+                  <a:tcPr/>
+                </a:tc>
+                <a:tc>
+                  <a:txBody>
+                    <a:bodyPr/>
+                    <a:lstStyle/>
+                    <a:p>
+                      <a:endParaRPr lang="en-DE" sz="1300"/>
+                    </a:p>
+                  </a:txBody>
+                  <a:tcPr/>
+                </a:tc>
+                <a:extLst>
+                  <a:ext uri="{0D108BD9-81ED-4DB2-BD59-A6C34878D82A}">
+                    <a16:rowId xmlns:a16="http://schemas.microsoft.com/office/drawing/2014/main" val="1907830566"/>
+                  </a:ext>
+                </a:extLst>
+              </a:tr>
+              <a:tr h="708660">
+                <a:tc>
+                  <a:txBody>
+                    <a:bodyPr/>
+                    <a:lstStyle/>
+                    <a:p>
+                      <a:r>
+                        <a:rPr lang="en-DE" sz="1300" dirty="0"/>
+                        <a:t>2004</a:t>
+                      </a:r>
+                    </a:p>
+                  </a:txBody>
+                  <a:tcPr/>
+                </a:tc>
+                <a:tc>
+                  <a:txBody>
+                    <a:bodyPr/>
+                    <a:lstStyle/>
+                    <a:p>
+                      <a:r>
+                        <a:rPr lang="en-DE" sz="1300" dirty="0"/>
+                        <a:t>Spiel verlassen</a:t>
+                      </a:r>
+                    </a:p>
+                  </a:txBody>
+                  <a:tcPr/>
+                </a:tc>
+                <a:tc>
+                  <a:txBody>
+                    <a:bodyPr/>
+                    <a:lstStyle/>
+                    <a:p>
+                      <a:r>
+                        <a:rPr lang="en-DE" sz="1300" dirty="0"/>
+                        <a:t>Als Benutzer möchte ich jederzeit über eine Knopf das Spiel verlassen können und werde dann wieder auf die Seite, auf der man Spielen beitreten kann, weitergeleitet</a:t>
+                      </a:r>
+                    </a:p>
+                  </a:txBody>
+                  <a:tcPr/>
+                </a:tc>
+                <a:tc>
+                  <a:txBody>
+                    <a:bodyPr/>
+                    <a:lstStyle/>
+                    <a:p>
+                      <a:endParaRPr lang="en-DE" sz="1300"/>
+                    </a:p>
+                  </a:txBody>
+                  <a:tcPr/>
+                </a:tc>
+                <a:extLst>
+                  <a:ext uri="{0D108BD9-81ED-4DB2-BD59-A6C34878D82A}">
+                    <a16:rowId xmlns:a16="http://schemas.microsoft.com/office/drawing/2014/main" val="3996010894"/>
+                  </a:ext>
+                </a:extLst>
+              </a:tr>
+              <a:tr h="502920">
+                <a:tc>
+                  <a:txBody>
+                    <a:bodyPr/>
+                    <a:lstStyle/>
+                    <a:p>
+                      <a:r>
+                        <a:rPr lang="en-DE" sz="1300" dirty="0"/>
+                        <a:t>1004</a:t>
+                      </a:r>
+                    </a:p>
+                  </a:txBody>
+                  <a:tcPr/>
+                </a:tc>
+                <a:tc>
+                  <a:txBody>
+                    <a:bodyPr/>
+                    <a:lstStyle/>
+                    <a:p>
+                      <a:r>
+                        <a:rPr lang="en-DE" sz="1300" dirty="0"/>
+                        <a:t>Bingofeld erstellen</a:t>
+                      </a:r>
+                    </a:p>
+                  </a:txBody>
+                  <a:tcPr/>
+                </a:tc>
+                <a:tc>
+                  <a:txBody>
+                    <a:bodyPr/>
+                    <a:lstStyle/>
+                    <a:p>
+                      <a:r>
+                        <a:rPr lang="en-DE" sz="1300" dirty="0"/>
+                        <a:t>Als Benutzer möchte ich eine Bingofeld erstellen können indem ich dort meine eigenen Begriffe eintrage</a:t>
+                      </a:r>
+                    </a:p>
+                  </a:txBody>
+                  <a:tcPr/>
+                </a:tc>
+                <a:tc>
+                  <a:txBody>
+                    <a:bodyPr/>
+                    <a:lstStyle/>
+                    <a:p>
+                      <a:endParaRPr lang="en-DE" sz="1300"/>
+                    </a:p>
+                  </a:txBody>
+                  <a:tcPr/>
+                </a:tc>
+                <a:extLst>
+                  <a:ext uri="{0D108BD9-81ED-4DB2-BD59-A6C34878D82A}">
+                    <a16:rowId xmlns:a16="http://schemas.microsoft.com/office/drawing/2014/main" val="1946434553"/>
+                  </a:ext>
+                </a:extLst>
+              </a:tr>
+              <a:tr h="502920">
+                <a:tc>
+                  <a:txBody>
+                    <a:bodyPr/>
+                    <a:lstStyle/>
+                    <a:p>
+                      <a:r>
+                        <a:rPr lang="en-DE" sz="1300" dirty="0"/>
+                        <a:t>2005</a:t>
+                      </a:r>
+                    </a:p>
+                  </a:txBody>
+                  <a:tcPr/>
+                </a:tc>
+                <a:tc>
+                  <a:txBody>
+                    <a:bodyPr/>
+                    <a:lstStyle/>
+                    <a:p>
+                      <a:r>
+                        <a:rPr lang="en-DE" sz="1300" dirty="0"/>
+                        <a:t>Bingofeld erstellen</a:t>
+                      </a:r>
+                    </a:p>
+                  </a:txBody>
+                  <a:tcPr/>
+                </a:tc>
+                <a:tc>
+                  <a:txBody>
+                    <a:bodyPr/>
+                    <a:lstStyle/>
+                    <a:p>
+                      <a:r>
+                        <a:rPr lang="en-DE" sz="1300" dirty="0"/>
+                        <a:t>Als Benutzer möchte ich auf der Spielseite in die Bingofelder eigene Begriffe eintragen können</a:t>
+                      </a:r>
+                    </a:p>
+                  </a:txBody>
+                  <a:tcPr/>
+                </a:tc>
+                <a:tc>
+                  <a:txBody>
+                    <a:bodyPr/>
+                    <a:lstStyle/>
+                    <a:p>
+                      <a:endParaRPr lang="en-DE" sz="1300" dirty="0"/>
+                    </a:p>
+                  </a:txBody>
+                  <a:tcPr/>
+                </a:tc>
+                <a:extLst>
+                  <a:ext uri="{0D108BD9-81ED-4DB2-BD59-A6C34878D82A}">
+                    <a16:rowId xmlns:a16="http://schemas.microsoft.com/office/drawing/2014/main" val="2074463469"/>
+                  </a:ext>
+                </a:extLst>
+              </a:tr>
+              <a:tr h="502920">
+                <a:tc>
+                  <a:txBody>
+                    <a:bodyPr/>
+                    <a:lstStyle/>
+                    <a:p>
+                      <a:r>
+                        <a:rPr lang="en-DE" sz="1300" dirty="0"/>
+                        <a:t>1005</a:t>
+                      </a:r>
+                    </a:p>
+                  </a:txBody>
+                  <a:tcPr/>
+                </a:tc>
+                <a:tc>
+                  <a:txBody>
+                    <a:bodyPr/>
+                    <a:lstStyle/>
+                    <a:p>
+                      <a:r>
+                        <a:rPr lang="en-DE" sz="1300" dirty="0"/>
+                        <a:t>Spiel starten</a:t>
+                      </a:r>
+                    </a:p>
+                  </a:txBody>
+                  <a:tcPr/>
+                </a:tc>
+                <a:tc>
+                  <a:txBody>
+                    <a:bodyPr/>
+                    <a:lstStyle/>
+                    <a:p>
+                      <a:r>
+                        <a:rPr lang="en-DE" sz="1300" dirty="0"/>
+                        <a:t>Als Benutzer, der eine Spiel erstellt hat, möchte ich ein Spiel starten können, die Spieler sollen darüber informiert werden</a:t>
+                      </a:r>
+                    </a:p>
+                  </a:txBody>
+                  <a:tcPr/>
+                </a:tc>
+                <a:tc>
+                  <a:txBody>
+                    <a:bodyPr/>
+                    <a:lstStyle/>
+                    <a:p>
+                      <a:endParaRPr lang="en-DE" sz="1300" dirty="0"/>
+                    </a:p>
+                  </a:txBody>
+                  <a:tcPr/>
+                </a:tc>
+                <a:extLst>
+                  <a:ext uri="{0D108BD9-81ED-4DB2-BD59-A6C34878D82A}">
+                    <a16:rowId xmlns:a16="http://schemas.microsoft.com/office/drawing/2014/main" val="2709662696"/>
+                  </a:ext>
+                </a:extLst>
+              </a:tr>
+              <a:tr h="914400">
+                <a:tc>
+                  <a:txBody>
+                    <a:bodyPr/>
+                    <a:lstStyle/>
+                    <a:p>
+                      <a:r>
+                        <a:rPr lang="en-DE" sz="1300" dirty="0"/>
+                        <a:t>2006</a:t>
+                      </a:r>
+                    </a:p>
+                  </a:txBody>
+                  <a:tcPr/>
+                </a:tc>
+                <a:tc>
+                  <a:txBody>
+                    <a:bodyPr/>
+                    <a:lstStyle/>
+                    <a:p>
+                      <a:r>
+                        <a:rPr lang="en-DE" sz="1300" dirty="0"/>
+                        <a:t>Spiel starten</a:t>
+                      </a:r>
+                    </a:p>
+                  </a:txBody>
+                  <a:tcPr/>
+                </a:tc>
+                <a:tc>
+                  <a:txBody>
+                    <a:bodyPr/>
+                    <a:lstStyle/>
+                    <a:p>
+                      <a:r>
+                        <a:rPr lang="en-DE" sz="1300" dirty="0"/>
+                        <a:t>Als Benutzer, der eine Spiel erstellt hat, möchte ich ein Spiel über eine Button starten können, die Spieler sollen dann über eine N</a:t>
+                      </a:r>
+                      <a:r>
+                        <a:rPr lang="en-GB" sz="1300" dirty="0"/>
+                        <a:t>a</a:t>
+                      </a:r>
+                      <a:r>
+                        <a:rPr lang="en-DE" sz="1300" dirty="0"/>
+                        <a:t>chricht und eine Veränderung des Status darüber informiert werden, dass das Spiel gestartet wurde</a:t>
+                      </a:r>
+                    </a:p>
+                  </a:txBody>
+                  <a:tcPr/>
+                </a:tc>
+                <a:tc>
+                  <a:txBody>
+                    <a:bodyPr/>
+                    <a:lstStyle/>
+                    <a:p>
+                      <a:endParaRPr lang="en-DE" sz="1300" dirty="0"/>
+                    </a:p>
+                  </a:txBody>
+                  <a:tcPr/>
+                </a:tc>
+                <a:extLst>
+                  <a:ext uri="{0D108BD9-81ED-4DB2-BD59-A6C34878D82A}">
+                    <a16:rowId xmlns:a16="http://schemas.microsoft.com/office/drawing/2014/main" val="243785666"/>
+                  </a:ext>
+                </a:extLst>
+              </a:tr>
+              <a:tr h="370840">
+                <a:tc>
+                  <a:txBody>
+                    <a:bodyPr/>
+                    <a:lstStyle/>
+                    <a:p>
+                      <a:r>
+                        <a:rPr lang="en-DE" sz="1300" dirty="0"/>
+                        <a:t>1006</a:t>
+                      </a:r>
+                    </a:p>
+                  </a:txBody>
+                  <a:tcPr/>
+                </a:tc>
+                <a:tc>
+                  <a:txBody>
+                    <a:bodyPr/>
+                    <a:lstStyle/>
+                    <a:p>
+                      <a:r>
+                        <a:rPr lang="en-DE" sz="1300" dirty="0"/>
+                        <a:t>Bingofeld abkreuzen</a:t>
+                      </a:r>
+                    </a:p>
+                  </a:txBody>
+                  <a:tcPr/>
+                </a:tc>
+                <a:tc>
+                  <a:txBody>
+                    <a:bodyPr/>
+                    <a:lstStyle/>
+                    <a:p>
+                      <a:r>
+                        <a:rPr lang="en-DE" sz="1300" dirty="0"/>
+                        <a:t>Als Benutzer möchte ich ein Feld abkreuzen können.</a:t>
+                      </a:r>
+                    </a:p>
+                  </a:txBody>
+                  <a:tcPr/>
+                </a:tc>
+                <a:tc>
+                  <a:txBody>
+                    <a:bodyPr/>
+                    <a:lstStyle/>
+                    <a:p>
+                      <a:endParaRPr lang="en-DE" sz="1300" dirty="0"/>
+                    </a:p>
+                  </a:txBody>
+                  <a:tcPr/>
+                </a:tc>
+                <a:extLst>
+                  <a:ext uri="{0D108BD9-81ED-4DB2-BD59-A6C34878D82A}">
+                    <a16:rowId xmlns:a16="http://schemas.microsoft.com/office/drawing/2014/main" val="4090877107"/>
+                  </a:ext>
+                </a:extLst>
+              </a:tr>
+              <a:tr h="502920">
+                <a:tc>
+                  <a:txBody>
+                    <a:bodyPr/>
+                    <a:lstStyle/>
+                    <a:p>
+                      <a:r>
+                        <a:rPr lang="en-DE" sz="1300" dirty="0"/>
+                        <a:t>2007</a:t>
+                      </a:r>
+                    </a:p>
+                  </a:txBody>
+                  <a:tcPr/>
+                </a:tc>
+                <a:tc>
+                  <a:txBody>
+                    <a:bodyPr/>
+                    <a:lstStyle/>
+                    <a:p>
+                      <a:r>
+                        <a:rPr lang="en-DE" sz="1300" dirty="0"/>
+                        <a:t>Bingofeld abkreuzen</a:t>
+                      </a:r>
+                    </a:p>
+                  </a:txBody>
+                  <a:tcPr/>
+                </a:tc>
+                <a:tc>
+                  <a:txBody>
+                    <a:bodyPr/>
+                    <a:lstStyle/>
+                    <a:p>
+                      <a:r>
+                        <a:rPr lang="en-DE" sz="1300" dirty="0"/>
+                        <a:t>Als Benutzer möchte ich durch anklicken eines Feldes dieses Abkreuzen können.</a:t>
+                      </a:r>
+                    </a:p>
+                  </a:txBody>
+                  <a:tcPr/>
+                </a:tc>
+                <a:tc>
+                  <a:txBody>
+                    <a:bodyPr/>
+                    <a:lstStyle/>
+                    <a:p>
+                      <a:endParaRPr lang="en-DE" sz="1300" dirty="0"/>
+                    </a:p>
+                  </a:txBody>
+                  <a:tcPr/>
+                </a:tc>
+                <a:extLst>
+                  <a:ext uri="{0D108BD9-81ED-4DB2-BD59-A6C34878D82A}">
+                    <a16:rowId xmlns:a16="http://schemas.microsoft.com/office/drawing/2014/main" val="2376865773"/>
+                  </a:ext>
+                </a:extLst>
+              </a:tr>
+              <a:tr h="370840">
+                <a:tc>
+                  <a:txBody>
+                    <a:bodyPr/>
+                    <a:lstStyle/>
+                    <a:p>
+                      <a:r>
+                        <a:rPr lang="en-DE" sz="1300" dirty="0"/>
+                        <a:t>1007</a:t>
+                      </a:r>
+                    </a:p>
+                  </a:txBody>
+                  <a:tcPr/>
+                </a:tc>
+                <a:tc>
+                  <a:txBody>
+                    <a:bodyPr/>
+                    <a:lstStyle/>
+                    <a:p>
+                      <a:r>
+                        <a:rPr lang="en-DE" sz="1300" dirty="0"/>
+                        <a:t>Bingo ausgeben</a:t>
+                      </a:r>
+                    </a:p>
+                  </a:txBody>
+                  <a:tcPr/>
+                </a:tc>
+                <a:tc>
+                  <a:txBody>
+                    <a:bodyPr/>
+                    <a:lstStyle/>
+                    <a:p>
+                      <a:r>
+                        <a:rPr lang="en-DE" sz="1300" dirty="0"/>
+                        <a:t>Als Benutzer möchte ich, dass das Spiel erkennt, wenn jemand ein Bingo hat</a:t>
+                      </a:r>
+                    </a:p>
+                  </a:txBody>
+                  <a:tcPr/>
+                </a:tc>
+                <a:tc>
+                  <a:txBody>
+                    <a:bodyPr/>
+                    <a:lstStyle/>
+                    <a:p>
+                      <a:endParaRPr lang="en-DE" sz="1300" dirty="0"/>
+                    </a:p>
+                  </a:txBody>
+                  <a:tcPr/>
+                </a:tc>
+                <a:extLst>
+                  <a:ext uri="{0D108BD9-81ED-4DB2-BD59-A6C34878D82A}">
+                    <a16:rowId xmlns:a16="http://schemas.microsoft.com/office/drawing/2014/main" val="2019315468"/>
+                  </a:ext>
+                </a:extLst>
+              </a:tr>
+              <a:tr h="708660">
+                <a:tc>
+                  <a:txBody>
+                    <a:bodyPr/>
+                    <a:lstStyle/>
+                    <a:p>
+                      <a:r>
+                        <a:rPr lang="en-DE" sz="1300" dirty="0"/>
+                        <a:t>2008</a:t>
+                      </a:r>
+                    </a:p>
+                  </a:txBody>
+                  <a:tcPr/>
+                </a:tc>
+                <a:tc>
+                  <a:txBody>
+                    <a:bodyPr/>
+                    <a:lstStyle/>
+                    <a:p>
+                      <a:r>
+                        <a:rPr lang="en-DE" sz="1300" dirty="0"/>
+                        <a:t>Bingo ausgeben</a:t>
+                      </a:r>
+                    </a:p>
+                  </a:txBody>
+                  <a:tcPr/>
+                </a:tc>
+                <a:tc>
+                  <a:txBody>
+                    <a:bodyPr/>
+                    <a:lstStyle/>
+                    <a:p>
+                      <a:r>
+                        <a:rPr lang="en-DE" sz="1300" dirty="0"/>
+                        <a:t>Als Benutzer möchte ich, dass das Spiel auf dem Bingofeld ein Bingo markiert und die anderen Spieler über mein Bingo informiert. Außerdem soll auch ich informiert werden, wenn jemand anderes ein Bingo macht</a:t>
+                      </a:r>
+                    </a:p>
+                  </a:txBody>
+                  <a:tcPr/>
+                </a:tc>
+                <a:tc>
+                  <a:txBody>
+                    <a:bodyPr/>
+                    <a:lstStyle/>
+                    <a:p>
+                      <a:endParaRPr lang="en-DE" sz="1300" dirty="0"/>
+                    </a:p>
+                  </a:txBody>
+                  <a:tcPr/>
+                </a:tc>
+                <a:extLst>
+                  <a:ext uri="{0D108BD9-81ED-4DB2-BD59-A6C34878D82A}">
+                    <a16:rowId xmlns:a16="http://schemas.microsoft.com/office/drawing/2014/main" val="683198553"/>
+                  </a:ext>
+                </a:extLst>
+              </a:tr>
+              <a:tr h="502920">
+                <a:tc>
+                  <a:txBody>
+                    <a:bodyPr/>
+                    <a:lstStyle/>
+                    <a:p>
+                      <a:r>
+                        <a:rPr lang="en-DE" sz="1300" dirty="0"/>
+                        <a:t>1008</a:t>
+                      </a:r>
+                    </a:p>
+                  </a:txBody>
+                  <a:tcPr/>
+                </a:tc>
+                <a:tc>
+                  <a:txBody>
+                    <a:bodyPr/>
+                    <a:lstStyle/>
+                    <a:p>
+                      <a:r>
+                        <a:rPr lang="en-DE" sz="1300" dirty="0"/>
+                        <a:t>Spielstand einsehen</a:t>
+                      </a:r>
+                    </a:p>
+                  </a:txBody>
+                  <a:tcPr/>
+                </a:tc>
+                <a:tc>
+                  <a:txBody>
+                    <a:bodyPr/>
+                    <a:lstStyle/>
+                    <a:p>
+                      <a:r>
+                        <a:rPr lang="en-DE" sz="1300" dirty="0"/>
+                        <a:t>Als Benutzer möchte ich wissen, wie viel Felder in einer Reihe alle anderen Spieler haben</a:t>
+                      </a:r>
+                    </a:p>
+                  </a:txBody>
+                  <a:tcPr/>
+                </a:tc>
+                <a:tc>
+                  <a:txBody>
+                    <a:bodyPr/>
+                    <a:lstStyle/>
+                    <a:p>
+                      <a:endParaRPr lang="en-DE" sz="1300" dirty="0"/>
+                    </a:p>
+                  </a:txBody>
+                  <a:tcPr/>
+                </a:tc>
+                <a:extLst>
+                  <a:ext uri="{0D108BD9-81ED-4DB2-BD59-A6C34878D82A}">
+                    <a16:rowId xmlns:a16="http://schemas.microsoft.com/office/drawing/2014/main" val="3990464832"/>
+                  </a:ext>
+                </a:extLst>
+              </a:tr>
+              <a:tr h="708660">
+                <a:tc>
+                  <a:txBody>
+                    <a:bodyPr/>
+                    <a:lstStyle/>
+                    <a:p>
+                      <a:r>
+                        <a:rPr lang="en-DE" sz="1300" dirty="0"/>
+                        <a:t>2009</a:t>
+                      </a:r>
+                    </a:p>
+                  </a:txBody>
+                  <a:tcPr/>
+                </a:tc>
+                <a:tc>
+                  <a:txBody>
+                    <a:bodyPr/>
+                    <a:lstStyle/>
+                    <a:p>
+                      <a:r>
+                        <a:rPr lang="en-DE" sz="1300" dirty="0"/>
+                        <a:t>Spielstand einsehen</a:t>
+                      </a:r>
+                    </a:p>
+                  </a:txBody>
+                  <a:tcPr/>
+                </a:tc>
+                <a:tc>
+                  <a:txBody>
+                    <a:bodyPr/>
+                    <a:lstStyle/>
+                    <a:p>
+                      <a:r>
+                        <a:rPr lang="en-DE" sz="1300" dirty="0"/>
+                        <a:t>Als Benutzer möchte ich in der Liste am Rand, in der alle andere Spieler stehen, neben dem Name sehen, wie viele Felder in einer Reihe sie haben. Außerdem sollen hier auch die Sieger angezeigt werden</a:t>
+                      </a:r>
+                    </a:p>
+                  </a:txBody>
+                  <a:tcPr/>
+                </a:tc>
+                <a:tc>
+                  <a:txBody>
+                    <a:bodyPr/>
+                    <a:lstStyle/>
+                    <a:p>
+                      <a:endParaRPr lang="en-DE" sz="1300" dirty="0"/>
+                    </a:p>
+                  </a:txBody>
+                  <a:tcPr/>
+                </a:tc>
+                <a:extLst>
+                  <a:ext uri="{0D108BD9-81ED-4DB2-BD59-A6C34878D82A}">
+                    <a16:rowId xmlns:a16="http://schemas.microsoft.com/office/drawing/2014/main" val="1019733955"/>
+                  </a:ext>
+                </a:extLst>
+              </a:tr>
+              <a:tr h="502920">
+                <a:tc>
+                  <a:txBody>
+                    <a:bodyPr/>
+                    <a:lstStyle/>
+                    <a:p>
+                      <a:r>
+                        <a:rPr lang="en-DE" sz="1300" dirty="0"/>
+                        <a:t>1009</a:t>
+                      </a:r>
+                    </a:p>
+                  </a:txBody>
+                  <a:tcPr/>
+                </a:tc>
+                <a:tc>
+                  <a:txBody>
+                    <a:bodyPr/>
+                    <a:lstStyle/>
+                    <a:p>
+                      <a:r>
+                        <a:rPr lang="en-DE" sz="1300" dirty="0"/>
+                        <a:t>Spielfelder ansehen</a:t>
+                      </a:r>
+                    </a:p>
+                  </a:txBody>
+                  <a:tcPr/>
+                </a:tc>
+                <a:tc>
+                  <a:txBody>
+                    <a:bodyPr/>
+                    <a:lstStyle/>
+                    <a:p>
+                      <a:r>
+                        <a:rPr lang="en-DE" sz="1300" dirty="0"/>
+                        <a:t>Als Benutzer möchte ich mir die aktuellen Spielfelder der anderen Spieler ansehen können.</a:t>
+                      </a:r>
+                    </a:p>
+                  </a:txBody>
+                  <a:tcPr/>
+                </a:tc>
+                <a:tc>
+                  <a:txBody>
+                    <a:bodyPr/>
+                    <a:lstStyle/>
+                    <a:p>
+                      <a:endParaRPr lang="en-DE" sz="1300" dirty="0"/>
+                    </a:p>
+                  </a:txBody>
+                  <a:tcPr/>
+                </a:tc>
+                <a:extLst>
+                  <a:ext uri="{0D108BD9-81ED-4DB2-BD59-A6C34878D82A}">
+                    <a16:rowId xmlns:a16="http://schemas.microsoft.com/office/drawing/2014/main" val="2716980319"/>
+                  </a:ext>
+                </a:extLst>
+              </a:tr>
+              <a:tr h="502920">
+                <a:tc>
+                  <a:txBody>
+                    <a:bodyPr/>
+                    <a:lstStyle/>
+                    <a:p>
+                      <a:r>
+                        <a:rPr lang="en-DE" sz="1300" dirty="0"/>
+                        <a:t>2010</a:t>
+                      </a:r>
+                    </a:p>
+                  </a:txBody>
+                  <a:tcPr/>
+                </a:tc>
+                <a:tc>
+                  <a:txBody>
+                    <a:bodyPr/>
+                    <a:lstStyle/>
+                    <a:p>
+                      <a:r>
+                        <a:rPr lang="en-DE" sz="1300" dirty="0"/>
+                        <a:t>Spielfelder ansehen</a:t>
+                      </a:r>
+                    </a:p>
+                  </a:txBody>
+                  <a:tcPr/>
+                </a:tc>
+                <a:tc>
+                  <a:txBody>
+                    <a:bodyPr/>
+                    <a:lstStyle/>
+                    <a:p>
+                      <a:r>
+                        <a:rPr lang="en-DE" sz="1300" dirty="0"/>
+                        <a:t>Als Benutzer möchte ich die Mitspieler in der Liste rechts vom Spiel anklicken können, um mir ihre Spielfelder anschauen zu können</a:t>
+                      </a:r>
+                    </a:p>
+                  </a:txBody>
+                  <a:tcPr/>
+                </a:tc>
+                <a:tc>
+                  <a:txBody>
+                    <a:bodyPr/>
+                    <a:lstStyle/>
+                    <a:p>
+                      <a:endParaRPr lang="en-DE" sz="1300" dirty="0"/>
+                    </a:p>
+                  </a:txBody>
+                  <a:tcPr/>
+                </a:tc>
+                <a:extLst>
+                  <a:ext uri="{0D108BD9-81ED-4DB2-BD59-A6C34878D82A}">
+                    <a16:rowId xmlns:a16="http://schemas.microsoft.com/office/drawing/2014/main" val="1477488863"/>
+                  </a:ext>
+                </a:extLst>
+              </a:tr>
+              <a:tr h="370840">
+                <a:tc>
+                  <a:txBody>
+                    <a:bodyPr/>
+                    <a:lstStyle/>
+                    <a:p>
+                      <a:r>
+                        <a:rPr lang="en-DE" sz="1300" dirty="0"/>
+                        <a:t>1010</a:t>
+                      </a:r>
+                    </a:p>
+                  </a:txBody>
+                  <a:tcPr/>
+                </a:tc>
+                <a:tc>
+                  <a:txBody>
+                    <a:bodyPr/>
+                    <a:lstStyle/>
+                    <a:p>
+                      <a:r>
+                        <a:rPr lang="en-DE" sz="1300" dirty="0"/>
+                        <a:t>Test</a:t>
+                      </a:r>
+                    </a:p>
+                  </a:txBody>
+                  <a:tcPr/>
+                </a:tc>
+                <a:tc>
+                  <a:txBody>
+                    <a:bodyPr/>
+                    <a:lstStyle/>
+                    <a:p>
+                      <a:endParaRPr lang="en-DE" sz="1300" dirty="0"/>
+                    </a:p>
+                  </a:txBody>
+                  <a:tcPr/>
+                </a:tc>
+                <a:tc>
+                  <a:txBody>
+                    <a:bodyPr/>
+                    <a:lstStyle/>
+                    <a:p>
+                      <a:endParaRPr lang="en-DE" sz="1300" dirty="0"/>
+                    </a:p>
+                  </a:txBody>
+                  <a:tcPr/>
+                </a:tc>
+                <a:extLst>
+                  <a:ext uri="{0D108BD9-81ED-4DB2-BD59-A6C34878D82A}">
+                    <a16:rowId xmlns:a16="http://schemas.microsoft.com/office/drawing/2014/main" val="511092063"/>
+                  </a:ext>
+                </a:extLst>
+              </a:tr>
+              <a:tr h="370840">
+                <a:tc>
+                  <a:txBody>
+                    <a:bodyPr/>
+                    <a:lstStyle/>
+                    <a:p>
+                      <a:r>
+                        <a:rPr lang="en-DE" sz="1300" dirty="0"/>
+                        <a:t>2011</a:t>
+                      </a:r>
+                    </a:p>
+                  </a:txBody>
+                  <a:tcPr/>
+                </a:tc>
+                <a:tc>
+                  <a:txBody>
+                    <a:bodyPr/>
+                    <a:lstStyle/>
+                    <a:p>
+                      <a:r>
+                        <a:rPr lang="en-DE" sz="1300"/>
+                        <a:t>Usertest</a:t>
+                      </a:r>
+                      <a:endParaRPr lang="en-DE" sz="1300" dirty="0"/>
+                    </a:p>
+                  </a:txBody>
+                  <a:tcPr/>
+                </a:tc>
+                <a:tc>
+                  <a:txBody>
+                    <a:bodyPr/>
+                    <a:lstStyle/>
+                    <a:p>
+                      <a:endParaRPr lang="en-DE" sz="1300" dirty="0"/>
+                    </a:p>
+                  </a:txBody>
+                  <a:tcPr/>
+                </a:tc>
+                <a:tc>
+                  <a:txBody>
+                    <a:bodyPr/>
+                    <a:lstStyle/>
+                    <a:p>
+                      <a:endParaRPr lang="en-DE" sz="1300" dirty="0"/>
+                    </a:p>
+                  </a:txBody>
+                  <a:tcPr/>
+                </a:tc>
+                <a:extLst>
+                  <a:ext uri="{0D108BD9-81ED-4DB2-BD59-A6C34878D82A}">
+                    <a16:rowId xmlns:a16="http://schemas.microsoft.com/office/drawing/2014/main" val="154090631"/>
+                  </a:ext>
+                </a:extLst>
+              </a:tr>
+            </a:tbl>
+          </a:graphicData>
+        </a:graphic>
+      </p:graphicFrame>
+    </p:spTree>
+    <p:extLst>
+      <p:ext uri="{BB962C8B-B14F-4D97-AF65-F5344CB8AC3E}">
+        <p14:creationId xmlns:p14="http://schemas.microsoft.com/office/powerpoint/2010/main" val="1342165261"/>
+      </p:ext>
+    </p:extLst>
+  </p:cSld>
+  <p:clrMapOvr>
+    <a:masterClrMapping/>
+  </p:clrMapOvr>
+</p:sld>
+</file>
+
+<file path=ppt/slides/slide11.xml><?xml version="1.0" encoding="utf-8"?>
+<p:sld xmlns:a="http://schemas.openxmlformats.org/drawingml/2006/main" xmlns:r="http://schemas.openxmlformats.org/officeDocument/2006/relationships" xmlns:p="http://schemas.openxmlformats.org/presentationml/2006/main">
+  <p:cSld>
+    <p:spTree>
+      <p:nvGrpSpPr>
+        <p:cNvPr id="1" name=""/>
+        <p:cNvGrpSpPr/>
+        <p:nvPr/>
+      </p:nvGrpSpPr>
+      <p:grpSpPr>
+        <a:xfrm>
+          <a:off x="0" y="0"/>
+          <a:ext cx="0" cy="0"/>
+          <a:chOff x="0" y="0"/>
+          <a:chExt cx="0" cy="0"/>
+        </a:xfrm>
+      </p:grpSpPr>
+      <p:sp>
+        <p:nvSpPr>
+          <p:cNvPr id="2" name="Title 1">
+            <a:extLst>
+              <a:ext uri="{FF2B5EF4-FFF2-40B4-BE49-F238E27FC236}">
                 <a16:creationId xmlns:a16="http://schemas.microsoft.com/office/drawing/2014/main" id="{7F066BBA-8414-3ECF-75FC-13E851634B76}"/>
               </a:ext>
             </a:extLst>
@@ -4097,7 +5467,7 @@
         </p:nvGraphicFramePr>
         <p:xfrm>
           <a:off x="838200" y="1825625"/>
-          <a:ext cx="10515600" cy="5831840"/>
+          <a:ext cx="10515600" cy="6004560"/>
         </p:xfrm>
         <a:graphic>
           <a:graphicData uri="http://schemas.openxmlformats.org/drawingml/2006/table">
@@ -4121,14 +5491,14 @@
                   </a:extLst>
                 </a:gridCol>
               </a:tblGrid>
-              <a:tr h="370840">
+              <a:tr h="381000">
                 <a:tc gridSpan="2">
                   <a:txBody>
                     <a:bodyPr/>
                     <a:lstStyle/>
                     <a:p>
                       <a:r>
-                        <a:rPr lang="en-DE" b="1" dirty="0"/>
+                        <a:rPr lang="en-DE" sz="1900" b="1" dirty="0"/>
                         <a:t>Projektauftrag</a:t>
                       </a:r>
                     </a:p>
@@ -4151,14 +5521,14 @@
                   </a:ext>
                 </a:extLst>
               </a:tr>
-              <a:tr h="370840">
-                <a:tc>
-                  <a:txBody>
-                    <a:bodyPr/>
-                    <a:lstStyle/>
-                    <a:p>
-                      <a:r>
-                        <a:rPr lang="en-DE" b="0" dirty="0"/>
+              <a:tr h="381000">
+                <a:tc>
+                  <a:txBody>
+                    <a:bodyPr/>
+                    <a:lstStyle/>
+                    <a:p>
+                      <a:r>
+                        <a:rPr lang="en-DE" sz="1900" b="0" dirty="0"/>
                         <a:t>Projektname</a:t>
                       </a:r>
                     </a:p>
@@ -4170,7 +5540,7 @@
                     <a:bodyPr/>
                     <a:lstStyle/>
                     <a:p>
-                      <a:endParaRPr lang="en-DE" b="0" dirty="0"/>
+                      <a:endParaRPr lang="en-DE" sz="1900" b="0" dirty="0"/>
                     </a:p>
                   </a:txBody>
                   <a:tcPr/>
@@ -4181,14 +5551,14 @@
                   </a:ext>
                 </a:extLst>
               </a:tr>
-              <a:tr h="370840">
-                <a:tc>
-                  <a:txBody>
-                    <a:bodyPr/>
-                    <a:lstStyle/>
-                    <a:p>
-                      <a:r>
-                        <a:rPr lang="en-DE" b="0" dirty="0"/>
+              <a:tr h="381000">
+                <a:tc>
+                  <a:txBody>
+                    <a:bodyPr/>
+                    <a:lstStyle/>
+                    <a:p>
+                      <a:r>
+                        <a:rPr lang="en-DE" sz="1900" b="0" dirty="0"/>
                         <a:t>Projektziel</a:t>
                       </a:r>
                     </a:p>
@@ -4201,7 +5571,7 @@
                     <a:lstStyle/>
                     <a:p>
                       <a:r>
-                        <a:rPr lang="en-DE" b="0" dirty="0"/>
+                        <a:rPr lang="en-DE" sz="1900" b="0" dirty="0"/>
                         <a:t>Bingo</a:t>
                       </a:r>
                     </a:p>
@@ -4214,14 +5584,14 @@
                   </a:ext>
                 </a:extLst>
               </a:tr>
-              <a:tr h="370840">
-                <a:tc>
-                  <a:txBody>
-                    <a:bodyPr/>
-                    <a:lstStyle/>
-                    <a:p>
-                      <a:r>
-                        <a:rPr lang="en-DE" b="0" dirty="0"/>
+              <a:tr h="381000">
+                <a:tc>
+                  <a:txBody>
+                    <a:bodyPr/>
+                    <a:lstStyle/>
+                    <a:p>
+                      <a:r>
+                        <a:rPr lang="en-DE" sz="1900" b="0" dirty="0"/>
                         <a:t>Beschreibung</a:t>
                       </a:r>
                     </a:p>
@@ -4233,7 +5603,7 @@
                     <a:bodyPr/>
                     <a:lstStyle/>
                     <a:p>
-                      <a:endParaRPr lang="en-DE" b="0" dirty="0"/>
+                      <a:endParaRPr lang="en-DE" sz="1900" b="0" dirty="0"/>
                     </a:p>
                   </a:txBody>
                   <a:tcPr/>
@@ -4244,14 +5614,14 @@
                   </a:ext>
                 </a:extLst>
               </a:tr>
-              <a:tr h="370840">
+              <a:tr h="381000">
                 <a:tc gridSpan="2">
                   <a:txBody>
                     <a:bodyPr/>
                     <a:lstStyle/>
                     <a:p>
                       <a:r>
-                        <a:rPr lang="en-DE" b="1" dirty="0"/>
+                        <a:rPr lang="en-DE" sz="1900" b="1" dirty="0"/>
                         <a:t>Projektlaufzeit</a:t>
                       </a:r>
                     </a:p>
@@ -4274,14 +5644,14 @@
                   </a:ext>
                 </a:extLst>
               </a:tr>
-              <a:tr h="370840">
-                <a:tc>
-                  <a:txBody>
-                    <a:bodyPr/>
-                    <a:lstStyle/>
-                    <a:p>
-                      <a:r>
-                        <a:rPr lang="en-DE" b="0" dirty="0"/>
+              <a:tr h="381000">
+                <a:tc>
+                  <a:txBody>
+                    <a:bodyPr/>
+                    <a:lstStyle/>
+                    <a:p>
+                      <a:r>
+                        <a:rPr lang="en-DE" sz="1900" b="0" dirty="0"/>
                         <a:t>Anfang</a:t>
                       </a:r>
                     </a:p>
@@ -4294,7 +5664,7 @@
                     <a:lstStyle/>
                     <a:p>
                       <a:r>
-                        <a:rPr lang="en-DE" b="0" dirty="0"/>
+                        <a:rPr lang="en-DE" sz="1900" b="0" dirty="0"/>
                         <a:t>Juni 2024</a:t>
                       </a:r>
                     </a:p>
@@ -4307,14 +5677,14 @@
                   </a:ext>
                 </a:extLst>
               </a:tr>
-              <a:tr h="370840">
-                <a:tc>
-                  <a:txBody>
-                    <a:bodyPr/>
-                    <a:lstStyle/>
-                    <a:p>
-                      <a:r>
-                        <a:rPr lang="en-DE" b="0" dirty="0"/>
+              <a:tr h="381000">
+                <a:tc>
+                  <a:txBody>
+                    <a:bodyPr/>
+                    <a:lstStyle/>
+                    <a:p>
+                      <a:r>
+                        <a:rPr lang="en-DE" sz="1900" b="0" dirty="0"/>
                         <a:t>Ende</a:t>
                       </a:r>
                     </a:p>
@@ -4327,7 +5697,7 @@
                     <a:lstStyle/>
                     <a:p>
                       <a:r>
-                        <a:rPr lang="en-DE" b="0" dirty="0"/>
+                        <a:rPr lang="en-DE" sz="1900" b="0" dirty="0"/>
                         <a:t>Juli 2024</a:t>
                       </a:r>
                     </a:p>
@@ -4340,14 +5710,14 @@
                   </a:ext>
                 </a:extLst>
               </a:tr>
-              <a:tr h="370840">
+              <a:tr h="381000">
                 <a:tc gridSpan="2">
                   <a:txBody>
                     <a:bodyPr/>
                     <a:lstStyle/>
                     <a:p>
                       <a:r>
-                        <a:rPr lang="en-DE" b="1" dirty="0"/>
+                        <a:rPr lang="en-DE" sz="1900" b="1" dirty="0"/>
                         <a:t>Projektbeteiligte</a:t>
                       </a:r>
                     </a:p>
@@ -4370,14 +5740,14 @@
                   </a:ext>
                 </a:extLst>
               </a:tr>
-              <a:tr h="370840">
-                <a:tc>
-                  <a:txBody>
-                    <a:bodyPr/>
-                    <a:lstStyle/>
-                    <a:p>
-                      <a:r>
-                        <a:rPr lang="en-DE" b="0" dirty="0"/>
+              <a:tr h="381000">
+                <a:tc>
+                  <a:txBody>
+                    <a:bodyPr/>
+                    <a:lstStyle/>
+                    <a:p>
+                      <a:r>
+                        <a:rPr lang="en-DE" sz="1900" b="0" dirty="0"/>
                         <a:t>Auftrageber</a:t>
                       </a:r>
                     </a:p>
@@ -4407,7 +5777,7 @@
                         <a:defRPr/>
                       </a:pPr>
                       <a:r>
-                        <a:rPr lang="en-DE" b="0" dirty="0"/>
+                        <a:rPr lang="en-DE" sz="1900" b="0" dirty="0"/>
                         <a:t>Dr. Arno Mielke, Christoph Häfner</a:t>
                       </a:r>
                     </a:p>
@@ -4420,14 +5790,14 @@
                   </a:ext>
                 </a:extLst>
               </a:tr>
-              <a:tr h="370840">
-                <a:tc>
-                  <a:txBody>
-                    <a:bodyPr/>
-                    <a:lstStyle/>
-                    <a:p>
-                      <a:r>
-                        <a:rPr lang="en-DE" b="0" dirty="0"/>
+              <a:tr h="381000">
+                <a:tc>
+                  <a:txBody>
+                    <a:bodyPr/>
+                    <a:lstStyle/>
+                    <a:p>
+                      <a:r>
+                        <a:rPr lang="en-DE" sz="1900" b="0" dirty="0"/>
                         <a:t>Projektleiter</a:t>
                       </a:r>
                     </a:p>
@@ -4440,7 +5810,7 @@
                     <a:lstStyle/>
                     <a:p>
                       <a:r>
-                        <a:rPr lang="en-DE" b="0" dirty="0"/>
+                        <a:rPr lang="en-DE" sz="1900" b="0" dirty="0"/>
                         <a:t>Mathis Köder</a:t>
                       </a:r>
                     </a:p>
@@ -4453,14 +5823,14 @@
                   </a:ext>
                 </a:extLst>
               </a:tr>
-              <a:tr h="370840">
+              <a:tr h="381000">
                 <a:tc gridSpan="2">
                   <a:txBody>
                     <a:bodyPr/>
                     <a:lstStyle/>
                     <a:p>
                       <a:r>
-                        <a:rPr lang="en-DE" b="1" dirty="0"/>
+                        <a:rPr lang="en-DE" sz="1900" b="1" dirty="0"/>
                         <a:t>Kernteam</a:t>
                       </a:r>
                     </a:p>
@@ -4483,14 +5853,14 @@
                   </a:ext>
                 </a:extLst>
               </a:tr>
-              <a:tr h="370840">
-                <a:tc>
-                  <a:txBody>
-                    <a:bodyPr/>
-                    <a:lstStyle/>
-                    <a:p>
-                      <a:r>
-                        <a:rPr lang="en-DE" b="0" dirty="0"/>
+              <a:tr h="381000">
+                <a:tc>
+                  <a:txBody>
+                    <a:bodyPr/>
+                    <a:lstStyle/>
+                    <a:p>
+                      <a:r>
+                        <a:rPr lang="en-DE" sz="1900" b="0" dirty="0"/>
                         <a:t>Product Owner</a:t>
                       </a:r>
                     </a:p>
@@ -4503,7 +5873,7 @@
                     <a:lstStyle/>
                     <a:p>
                       <a:r>
-                        <a:rPr lang="en-DE" b="0" dirty="0"/>
+                        <a:rPr lang="en-DE" sz="1900" b="0" dirty="0"/>
                         <a:t>Mathis Köder</a:t>
                       </a:r>
                     </a:p>
@@ -4516,14 +5886,14 @@
                   </a:ext>
                 </a:extLst>
               </a:tr>
-              <a:tr h="370840">
-                <a:tc>
-                  <a:txBody>
-                    <a:bodyPr/>
-                    <a:lstStyle/>
-                    <a:p>
-                      <a:r>
-                        <a:rPr lang="en-DE" b="0" dirty="0"/>
+              <a:tr h="381000">
+                <a:tc>
+                  <a:txBody>
+                    <a:bodyPr/>
+                    <a:lstStyle/>
+                    <a:p>
+                      <a:r>
+                        <a:rPr lang="en-DE" sz="1900" b="0" dirty="0"/>
                         <a:t>Srum Master</a:t>
                       </a:r>
                     </a:p>
@@ -4536,7 +5906,7 @@
                     <a:lstStyle/>
                     <a:p>
                       <a:r>
-                        <a:rPr lang="en-DE" b="0" dirty="0"/>
+                        <a:rPr lang="en-DE" sz="1900" b="0" dirty="0"/>
                         <a:t>Gilbert Becker</a:t>
                       </a:r>
                     </a:p>
@@ -4549,14 +5919,14 @@
                   </a:ext>
                 </a:extLst>
               </a:tr>
-              <a:tr h="370840">
-                <a:tc>
-                  <a:txBody>
-                    <a:bodyPr/>
-                    <a:lstStyle/>
-                    <a:p>
-                      <a:r>
-                        <a:rPr lang="en-DE" b="0" dirty="0"/>
+              <a:tr h="670560">
+                <a:tc>
+                  <a:txBody>
+                    <a:bodyPr/>
+                    <a:lstStyle/>
+                    <a:p>
+                      <a:r>
+                        <a:rPr lang="en-DE" sz="1900" b="0" dirty="0"/>
                         <a:t>Entwickler</a:t>
                       </a:r>
                     </a:p>
@@ -4569,7 +5939,7 @@
                     <a:lstStyle/>
                     <a:p>
                       <a:r>
-                        <a:rPr lang="en-DE" b="0" dirty="0"/>
+                        <a:rPr lang="en-DE" sz="1900" b="0" dirty="0"/>
                         <a:t>Jakob Arne Wiesmann, Max Katzenberger, Marvin Fuchs</a:t>
                       </a:r>
                     </a:p>
@@ -4582,23 +5952,23 @@
                   </a:ext>
                 </a:extLst>
               </a:tr>
-              <a:tr h="370840">
-                <a:tc>
-                  <a:txBody>
-                    <a:bodyPr/>
-                    <a:lstStyle/>
-                    <a:p>
-                      <a:endParaRPr lang="en-DE" b="0" dirty="0"/>
-                    </a:p>
-                  </a:txBody>
-                  <a:tcPr/>
-                </a:tc>
-                <a:tc>
-                  <a:txBody>
-                    <a:bodyPr/>
-                    <a:lstStyle/>
-                    <a:p>
-                      <a:endParaRPr lang="en-DE" b="0" dirty="0"/>
+              <a:tr h="381000">
+                <a:tc>
+                  <a:txBody>
+                    <a:bodyPr/>
+                    <a:lstStyle/>
+                    <a:p>
+                      <a:endParaRPr lang="en-DE" sz="1900" b="0" dirty="0"/>
+                    </a:p>
+                  </a:txBody>
+                  <a:tcPr/>
+                </a:tc>
+                <a:tc>
+                  <a:txBody>
+                    <a:bodyPr/>
+                    <a:lstStyle/>
+                    <a:p>
+                      <a:endParaRPr lang="en-DE" sz="1900" b="0" dirty="0"/>
                     </a:p>
                   </a:txBody>
                   <a:tcPr/>
@@ -4796,7 +6166,7 @@
           <p:cNvPr id="2" name="Title 1">
             <a:extLst>
               <a:ext uri="{FF2B5EF4-FFF2-40B4-BE49-F238E27FC236}">
-                <a16:creationId xmlns:a16="http://schemas.microsoft.com/office/drawing/2014/main" id="{82F75A57-3C61-5D2B-2617-B36192FF0334}"/>
+                <a16:creationId xmlns:a16="http://schemas.microsoft.com/office/drawing/2014/main" id="{0288B637-FFB3-2A04-FA6A-F4C56C5FFE64}"/>
               </a:ext>
             </a:extLst>
           </p:cNvPr>
@@ -4814,129 +6184,1225 @@
           <a:p>
             <a:r>
               <a:rPr lang="en-DE" dirty="0"/>
-              <a:t>Projektstrukturplan</a:t>
-            </a:r>
-          </a:p>
-        </p:txBody>
-      </p:sp>
-      <p:sp>
-        <p:nvSpPr>
-          <p:cNvPr id="3" name="Content Placeholder 2">
-            <a:extLst>
-              <a:ext uri="{FF2B5EF4-FFF2-40B4-BE49-F238E27FC236}">
-                <a16:creationId xmlns:a16="http://schemas.microsoft.com/office/drawing/2014/main" id="{387DA067-DD43-F975-70F7-74FEB88EE602}"/>
-              </a:ext>
-            </a:extLst>
-          </p:cNvPr>
-          <p:cNvSpPr>
-            <a:spLocks noGrp="1"/>
-          </p:cNvSpPr>
-          <p:nvPr>
-            <p:ph idx="1"/>
-          </p:nvPr>
-        </p:nvSpPr>
-        <p:spPr/>
-        <p:txBody>
-          <a:bodyPr/>
+              <a:t>Phasen und Meilensteine</a:t>
+            </a:r>
+          </a:p>
+        </p:txBody>
+      </p:sp>
+      <p:sp>
+        <p:nvSpPr>
+          <p:cNvPr id="4" name="Rectangle 3">
+            <a:extLst>
+              <a:ext uri="{FF2B5EF4-FFF2-40B4-BE49-F238E27FC236}">
+                <a16:creationId xmlns:a16="http://schemas.microsoft.com/office/drawing/2014/main" id="{861B7A4D-66B5-B2A4-6FF3-9596EBF6BEA1}"/>
+              </a:ext>
+            </a:extLst>
+          </p:cNvPr>
+          <p:cNvSpPr/>
+          <p:nvPr/>
+        </p:nvSpPr>
+        <p:spPr>
+          <a:xfrm rot="2716586">
+            <a:off x="696000" y="2520000"/>
+            <a:ext cx="360000" cy="360000"/>
+          </a:xfrm>
+          <a:prstGeom prst="rect">
+            <a:avLst/>
+          </a:prstGeom>
+          <a:solidFill>
+            <a:srgbClr val="FF0000"/>
+          </a:solidFill>
+          <a:ln>
+            <a:noFill/>
+          </a:ln>
+        </p:spPr>
+        <p:style>
+          <a:lnRef idx="2">
+            <a:schemeClr val="accent1">
+              <a:shade val="15000"/>
+            </a:schemeClr>
+          </a:lnRef>
+          <a:fillRef idx="1">
+            <a:schemeClr val="accent1"/>
+          </a:fillRef>
+          <a:effectRef idx="0">
+            <a:schemeClr val="accent1"/>
+          </a:effectRef>
+          <a:fontRef idx="minor">
+            <a:schemeClr val="lt1"/>
+          </a:fontRef>
+        </p:style>
+        <p:txBody>
+          <a:bodyPr rtlCol="0" anchor="ctr"/>
           <a:lstStyle/>
           <a:p>
-            <a:pPr marL="514350" indent="-514350">
-              <a:buFont typeface="+mj-lt"/>
-              <a:buAutoNum type="arabicPeriod"/>
-            </a:pPr>
+            <a:pPr algn="ctr"/>
+            <a:endParaRPr lang="en-DE" sz="1351"/>
+          </a:p>
+        </p:txBody>
+      </p:sp>
+      <p:sp>
+        <p:nvSpPr>
+          <p:cNvPr id="5" name="Rectangle 4">
+            <a:extLst>
+              <a:ext uri="{FF2B5EF4-FFF2-40B4-BE49-F238E27FC236}">
+                <a16:creationId xmlns:a16="http://schemas.microsoft.com/office/drawing/2014/main" id="{9EF1BCAE-C357-29F5-7108-E47591ABBB99}"/>
+              </a:ext>
+            </a:extLst>
+          </p:cNvPr>
+          <p:cNvSpPr/>
+          <p:nvPr/>
+        </p:nvSpPr>
+        <p:spPr>
+          <a:xfrm rot="2716586">
+            <a:off x="2856000" y="2520000"/>
+            <a:ext cx="360000" cy="360000"/>
+          </a:xfrm>
+          <a:prstGeom prst="rect">
+            <a:avLst/>
+          </a:prstGeom>
+          <a:solidFill>
+            <a:srgbClr val="FF0000"/>
+          </a:solidFill>
+          <a:ln>
+            <a:noFill/>
+          </a:ln>
+        </p:spPr>
+        <p:style>
+          <a:lnRef idx="2">
+            <a:schemeClr val="accent1">
+              <a:shade val="15000"/>
+            </a:schemeClr>
+          </a:lnRef>
+          <a:fillRef idx="1">
+            <a:schemeClr val="accent1"/>
+          </a:fillRef>
+          <a:effectRef idx="0">
+            <a:schemeClr val="accent1"/>
+          </a:effectRef>
+          <a:fontRef idx="minor">
+            <a:schemeClr val="lt1"/>
+          </a:fontRef>
+        </p:style>
+        <p:txBody>
+          <a:bodyPr rtlCol="0" anchor="ctr"/>
+          <a:lstStyle/>
+          <a:p>
+            <a:pPr algn="ctr"/>
+            <a:endParaRPr lang="en-DE" sz="1351"/>
+          </a:p>
+        </p:txBody>
+      </p:sp>
+      <p:sp>
+        <p:nvSpPr>
+          <p:cNvPr id="6" name="Rectangle 5">
+            <a:extLst>
+              <a:ext uri="{FF2B5EF4-FFF2-40B4-BE49-F238E27FC236}">
+                <a16:creationId xmlns:a16="http://schemas.microsoft.com/office/drawing/2014/main" id="{34297BB4-25FB-0994-B99D-53EEDEDD9948}"/>
+              </a:ext>
+            </a:extLst>
+          </p:cNvPr>
+          <p:cNvSpPr/>
+          <p:nvPr/>
+        </p:nvSpPr>
+        <p:spPr>
+          <a:xfrm rot="2716586">
+            <a:off x="5016000" y="2520000"/>
+            <a:ext cx="360000" cy="360000"/>
+          </a:xfrm>
+          <a:prstGeom prst="rect">
+            <a:avLst/>
+          </a:prstGeom>
+          <a:solidFill>
+            <a:srgbClr val="FF0000"/>
+          </a:solidFill>
+          <a:ln>
+            <a:noFill/>
+          </a:ln>
+        </p:spPr>
+        <p:style>
+          <a:lnRef idx="2">
+            <a:schemeClr val="accent1">
+              <a:shade val="15000"/>
+            </a:schemeClr>
+          </a:lnRef>
+          <a:fillRef idx="1">
+            <a:schemeClr val="accent1"/>
+          </a:fillRef>
+          <a:effectRef idx="0">
+            <a:schemeClr val="accent1"/>
+          </a:effectRef>
+          <a:fontRef idx="minor">
+            <a:schemeClr val="lt1"/>
+          </a:fontRef>
+        </p:style>
+        <p:txBody>
+          <a:bodyPr rtlCol="0" anchor="ctr"/>
+          <a:lstStyle/>
+          <a:p>
+            <a:pPr algn="ctr"/>
+            <a:endParaRPr lang="en-DE" sz="1351"/>
+          </a:p>
+        </p:txBody>
+      </p:sp>
+      <p:sp>
+        <p:nvSpPr>
+          <p:cNvPr id="7" name="Rectangle 6">
+            <a:extLst>
+              <a:ext uri="{FF2B5EF4-FFF2-40B4-BE49-F238E27FC236}">
+                <a16:creationId xmlns:a16="http://schemas.microsoft.com/office/drawing/2014/main" id="{0060F37F-E80C-CD0E-AFA0-4788978FA23F}"/>
+              </a:ext>
+            </a:extLst>
+          </p:cNvPr>
+          <p:cNvSpPr/>
+          <p:nvPr/>
+        </p:nvSpPr>
+        <p:spPr>
+          <a:xfrm rot="2716586">
+            <a:off x="7176000" y="2520000"/>
+            <a:ext cx="360000" cy="360000"/>
+          </a:xfrm>
+          <a:prstGeom prst="rect">
+            <a:avLst/>
+          </a:prstGeom>
+          <a:solidFill>
+            <a:srgbClr val="FF0000"/>
+          </a:solidFill>
+          <a:ln>
+            <a:noFill/>
+          </a:ln>
+        </p:spPr>
+        <p:style>
+          <a:lnRef idx="2">
+            <a:schemeClr val="accent1">
+              <a:shade val="15000"/>
+            </a:schemeClr>
+          </a:lnRef>
+          <a:fillRef idx="1">
+            <a:schemeClr val="accent1"/>
+          </a:fillRef>
+          <a:effectRef idx="0">
+            <a:schemeClr val="accent1"/>
+          </a:effectRef>
+          <a:fontRef idx="minor">
+            <a:schemeClr val="lt1"/>
+          </a:fontRef>
+        </p:style>
+        <p:txBody>
+          <a:bodyPr rtlCol="0" anchor="ctr"/>
+          <a:lstStyle/>
+          <a:p>
+            <a:pPr algn="ctr"/>
+            <a:endParaRPr lang="en-DE" sz="1351" dirty="0"/>
+          </a:p>
+        </p:txBody>
+      </p:sp>
+      <p:sp>
+        <p:nvSpPr>
+          <p:cNvPr id="8" name="Rectangle 7">
+            <a:extLst>
+              <a:ext uri="{FF2B5EF4-FFF2-40B4-BE49-F238E27FC236}">
+                <a16:creationId xmlns:a16="http://schemas.microsoft.com/office/drawing/2014/main" id="{28584789-90FC-BB75-8149-4021E33BBF2D}"/>
+              </a:ext>
+            </a:extLst>
+          </p:cNvPr>
+          <p:cNvSpPr/>
+          <p:nvPr/>
+        </p:nvSpPr>
+        <p:spPr>
+          <a:xfrm rot="2716586">
+            <a:off x="9336000" y="2520000"/>
+            <a:ext cx="360000" cy="360000"/>
+          </a:xfrm>
+          <a:prstGeom prst="rect">
+            <a:avLst/>
+          </a:prstGeom>
+          <a:solidFill>
+            <a:srgbClr val="FF0000"/>
+          </a:solidFill>
+          <a:ln>
+            <a:noFill/>
+          </a:ln>
+        </p:spPr>
+        <p:style>
+          <a:lnRef idx="2">
+            <a:schemeClr val="accent1">
+              <a:shade val="15000"/>
+            </a:schemeClr>
+          </a:lnRef>
+          <a:fillRef idx="1">
+            <a:schemeClr val="accent1"/>
+          </a:fillRef>
+          <a:effectRef idx="0">
+            <a:schemeClr val="accent1"/>
+          </a:effectRef>
+          <a:fontRef idx="minor">
+            <a:schemeClr val="lt1"/>
+          </a:fontRef>
+        </p:style>
+        <p:txBody>
+          <a:bodyPr rtlCol="0" anchor="ctr"/>
+          <a:lstStyle/>
+          <a:p>
+            <a:pPr algn="ctr"/>
+            <a:endParaRPr lang="en-DE" sz="1351" dirty="0"/>
+          </a:p>
+        </p:txBody>
+      </p:sp>
+      <p:sp>
+        <p:nvSpPr>
+          <p:cNvPr id="9" name="Rectangle 8">
+            <a:extLst>
+              <a:ext uri="{FF2B5EF4-FFF2-40B4-BE49-F238E27FC236}">
+                <a16:creationId xmlns:a16="http://schemas.microsoft.com/office/drawing/2014/main" id="{E99EDF16-3635-B01D-1AC2-FAD0506431D9}"/>
+              </a:ext>
+            </a:extLst>
+          </p:cNvPr>
+          <p:cNvSpPr/>
+          <p:nvPr/>
+        </p:nvSpPr>
+        <p:spPr>
+          <a:xfrm rot="2716586">
+            <a:off x="11496000" y="2520000"/>
+            <a:ext cx="360000" cy="360000"/>
+          </a:xfrm>
+          <a:prstGeom prst="rect">
+            <a:avLst/>
+          </a:prstGeom>
+          <a:solidFill>
+            <a:srgbClr val="FF0000"/>
+          </a:solidFill>
+          <a:ln>
+            <a:noFill/>
+          </a:ln>
+        </p:spPr>
+        <p:style>
+          <a:lnRef idx="2">
+            <a:schemeClr val="accent1">
+              <a:shade val="15000"/>
+            </a:schemeClr>
+          </a:lnRef>
+          <a:fillRef idx="1">
+            <a:schemeClr val="accent1"/>
+          </a:fillRef>
+          <a:effectRef idx="0">
+            <a:schemeClr val="accent1"/>
+          </a:effectRef>
+          <a:fontRef idx="minor">
+            <a:schemeClr val="lt1"/>
+          </a:fontRef>
+        </p:style>
+        <p:txBody>
+          <a:bodyPr rtlCol="0" anchor="ctr"/>
+          <a:lstStyle/>
+          <a:p>
+            <a:pPr algn="ctr"/>
+            <a:endParaRPr lang="en-DE" sz="1351" dirty="0">
+              <a:noFill/>
+            </a:endParaRPr>
+          </a:p>
+        </p:txBody>
+      </p:sp>
+      <p:sp>
+        <p:nvSpPr>
+          <p:cNvPr id="10" name="TextBox 9">
+            <a:extLst>
+              <a:ext uri="{FF2B5EF4-FFF2-40B4-BE49-F238E27FC236}">
+                <a16:creationId xmlns:a16="http://schemas.microsoft.com/office/drawing/2014/main" id="{1FD2DCAD-B9C7-EA65-6DFE-42B6004D76EA}"/>
+              </a:ext>
+            </a:extLst>
+          </p:cNvPr>
+          <p:cNvSpPr txBox="1"/>
+          <p:nvPr/>
+        </p:nvSpPr>
+        <p:spPr>
+          <a:xfrm>
+            <a:off x="-24000" y="1440000"/>
+            <a:ext cx="1800000" cy="508088"/>
+          </a:xfrm>
+          <a:prstGeom prst="rect">
+            <a:avLst/>
+          </a:prstGeom>
+          <a:noFill/>
+        </p:spPr>
+        <p:txBody>
+          <a:bodyPr wrap="square" rtlCol="0" anchor="t">
+            <a:spAutoFit/>
+          </a:bodyPr>
+          <a:lstStyle/>
+          <a:p>
+            <a:pPr algn="ctr"/>
+            <a:r>
+              <a:rPr lang="en-DE" sz="1351" dirty="0"/>
+              <a:t>Start</a:t>
+            </a:r>
+          </a:p>
+          <a:p>
+            <a:pPr algn="ctr"/>
+            <a:endParaRPr lang="en-DE" sz="1351" dirty="0"/>
+          </a:p>
+        </p:txBody>
+      </p:sp>
+      <p:sp>
+        <p:nvSpPr>
+          <p:cNvPr id="11" name="TextBox 10">
+            <a:extLst>
+              <a:ext uri="{FF2B5EF4-FFF2-40B4-BE49-F238E27FC236}">
+                <a16:creationId xmlns:a16="http://schemas.microsoft.com/office/drawing/2014/main" id="{9330EF37-DB17-52E2-E3C3-81250C5F00DA}"/>
+              </a:ext>
+            </a:extLst>
+          </p:cNvPr>
+          <p:cNvSpPr txBox="1"/>
+          <p:nvPr/>
+        </p:nvSpPr>
+        <p:spPr>
+          <a:xfrm>
+            <a:off x="2136000" y="1440000"/>
+            <a:ext cx="1800000" cy="715965"/>
+          </a:xfrm>
+          <a:prstGeom prst="rect">
+            <a:avLst/>
+          </a:prstGeom>
+          <a:noFill/>
+        </p:spPr>
+        <p:txBody>
+          <a:bodyPr wrap="square" rtlCol="0" anchor="b">
+            <a:spAutoFit/>
+          </a:bodyPr>
+          <a:lstStyle/>
+          <a:p>
+            <a:pPr algn="ctr"/>
+            <a:r>
+              <a:rPr lang="en-DE" sz="1351" dirty="0"/>
+              <a:t>Festlegen des Backlogs</a:t>
+            </a:r>
+          </a:p>
+          <a:p>
+            <a:pPr algn="ctr"/>
+            <a:endParaRPr lang="en-DE" sz="1351" dirty="0"/>
+          </a:p>
+        </p:txBody>
+      </p:sp>
+      <p:sp>
+        <p:nvSpPr>
+          <p:cNvPr id="12" name="TextBox 11">
+            <a:extLst>
+              <a:ext uri="{FF2B5EF4-FFF2-40B4-BE49-F238E27FC236}">
+                <a16:creationId xmlns:a16="http://schemas.microsoft.com/office/drawing/2014/main" id="{F0B5A961-BD8D-445A-A829-67FB128BA88F}"/>
+              </a:ext>
+            </a:extLst>
+          </p:cNvPr>
+          <p:cNvSpPr txBox="1"/>
+          <p:nvPr/>
+        </p:nvSpPr>
+        <p:spPr>
+          <a:xfrm>
+            <a:off x="4296000" y="1440000"/>
+            <a:ext cx="1800000" cy="972000"/>
+          </a:xfrm>
+          <a:prstGeom prst="rect">
+            <a:avLst/>
+          </a:prstGeom>
+          <a:noFill/>
+        </p:spPr>
+        <p:txBody>
+          <a:bodyPr wrap="square" rtlCol="0">
+            <a:spAutoFit/>
+          </a:bodyPr>
+          <a:lstStyle/>
+          <a:p>
+            <a:pPr algn="ctr"/>
+            <a:r>
+              <a:rPr lang="en-DE" sz="1350" dirty="0"/>
+              <a:t>Präsentation von Produkt Design und Lösungen des Backends</a:t>
+            </a:r>
+          </a:p>
+          <a:p>
+            <a:pPr algn="ctr"/>
+            <a:endParaRPr lang="en-DE" sz="1350" dirty="0"/>
+          </a:p>
+          <a:p>
+            <a:pPr algn="ctr"/>
+            <a:endParaRPr lang="en-DE" sz="1350" dirty="0"/>
+          </a:p>
+        </p:txBody>
+      </p:sp>
+      <p:sp>
+        <p:nvSpPr>
+          <p:cNvPr id="13" name="TextBox 12">
+            <a:extLst>
+              <a:ext uri="{FF2B5EF4-FFF2-40B4-BE49-F238E27FC236}">
+                <a16:creationId xmlns:a16="http://schemas.microsoft.com/office/drawing/2014/main" id="{7706EEBB-3AA3-F5BC-B242-A0D8C35950BC}"/>
+              </a:ext>
+            </a:extLst>
+          </p:cNvPr>
+          <p:cNvSpPr txBox="1"/>
+          <p:nvPr/>
+        </p:nvSpPr>
+        <p:spPr>
+          <a:xfrm>
+            <a:off x="6456000" y="1440000"/>
+            <a:ext cx="1800000" cy="508088"/>
+          </a:xfrm>
+          <a:prstGeom prst="rect">
+            <a:avLst/>
+          </a:prstGeom>
+          <a:noFill/>
+        </p:spPr>
+        <p:txBody>
+          <a:bodyPr wrap="square" rtlCol="0">
+            <a:spAutoFit/>
+          </a:bodyPr>
+          <a:lstStyle/>
+          <a:p>
+            <a:pPr algn="ctr"/>
+            <a:r>
+              <a:rPr lang="en-DE" sz="1351" dirty="0"/>
+              <a:t>Fertiges Produkt</a:t>
+            </a:r>
+          </a:p>
+          <a:p>
+            <a:pPr algn="ctr"/>
+            <a:endParaRPr lang="en-DE" sz="1351" dirty="0"/>
+          </a:p>
+        </p:txBody>
+      </p:sp>
+      <p:sp>
+        <p:nvSpPr>
+          <p:cNvPr id="14" name="TextBox 13">
+            <a:extLst>
+              <a:ext uri="{FF2B5EF4-FFF2-40B4-BE49-F238E27FC236}">
+                <a16:creationId xmlns:a16="http://schemas.microsoft.com/office/drawing/2014/main" id="{E515CDBB-4EB7-61B5-124D-CFED743A845B}"/>
+              </a:ext>
+            </a:extLst>
+          </p:cNvPr>
+          <p:cNvSpPr txBox="1"/>
+          <p:nvPr/>
+        </p:nvSpPr>
+        <p:spPr>
+          <a:xfrm>
+            <a:off x="8616000" y="1440000"/>
+            <a:ext cx="1800000" cy="923843"/>
+          </a:xfrm>
+          <a:prstGeom prst="rect">
+            <a:avLst/>
+          </a:prstGeom>
+          <a:noFill/>
+        </p:spPr>
+        <p:txBody>
+          <a:bodyPr wrap="square" rtlCol="0">
+            <a:spAutoFit/>
+          </a:bodyPr>
+          <a:lstStyle/>
+          <a:p>
+            <a:pPr algn="ctr"/>
+            <a:r>
+              <a:rPr lang="en-DE" sz="1351" dirty="0"/>
+              <a:t>Produkt mit erfolgreichem Usertest</a:t>
+            </a:r>
+          </a:p>
+          <a:p>
+            <a:pPr algn="ctr"/>
+            <a:endParaRPr lang="en-DE" sz="1351" dirty="0"/>
+          </a:p>
+        </p:txBody>
+      </p:sp>
+      <p:sp>
+        <p:nvSpPr>
+          <p:cNvPr id="15" name="TextBox 14">
+            <a:extLst>
+              <a:ext uri="{FF2B5EF4-FFF2-40B4-BE49-F238E27FC236}">
+                <a16:creationId xmlns:a16="http://schemas.microsoft.com/office/drawing/2014/main" id="{55F376BA-7D11-3918-0E24-4DAADADF05FC}"/>
+              </a:ext>
+            </a:extLst>
+          </p:cNvPr>
+          <p:cNvSpPr txBox="1"/>
+          <p:nvPr/>
+        </p:nvSpPr>
+        <p:spPr>
+          <a:xfrm>
+            <a:off x="10776000" y="1440000"/>
+            <a:ext cx="1800000" cy="508088"/>
+          </a:xfrm>
+          <a:prstGeom prst="rect">
+            <a:avLst/>
+          </a:prstGeom>
+          <a:noFill/>
+        </p:spPr>
+        <p:txBody>
+          <a:bodyPr wrap="square" rtlCol="0">
+            <a:spAutoFit/>
+          </a:bodyPr>
+          <a:lstStyle/>
+          <a:p>
+            <a:pPr algn="ctr"/>
+            <a:r>
+              <a:rPr lang="en-DE" sz="1351" dirty="0"/>
+              <a:t>Auslieferung</a:t>
+            </a:r>
+          </a:p>
+          <a:p>
+            <a:pPr algn="ctr"/>
+            <a:endParaRPr lang="en-DE" sz="1351" dirty="0"/>
+          </a:p>
+        </p:txBody>
+      </p:sp>
+      <p:sp>
+        <p:nvSpPr>
+          <p:cNvPr id="18" name="Pentagon 17">
+            <a:extLst>
+              <a:ext uri="{FF2B5EF4-FFF2-40B4-BE49-F238E27FC236}">
+                <a16:creationId xmlns:a16="http://schemas.microsoft.com/office/drawing/2014/main" id="{F5F357DC-7BE8-5A21-06EB-E2D97C5A9903}"/>
+              </a:ext>
+            </a:extLst>
+          </p:cNvPr>
+          <p:cNvSpPr/>
+          <p:nvPr/>
+        </p:nvSpPr>
+        <p:spPr>
+          <a:xfrm>
+            <a:off x="1130556" y="3780000"/>
+            <a:ext cx="1650888" cy="720000"/>
+          </a:xfrm>
+          <a:prstGeom prst="homePlate">
+            <a:avLst/>
+          </a:prstGeom>
+          <a:ln>
+            <a:noFill/>
+          </a:ln>
+        </p:spPr>
+        <p:style>
+          <a:lnRef idx="2">
+            <a:schemeClr val="accent1">
+              <a:shade val="15000"/>
+            </a:schemeClr>
+          </a:lnRef>
+          <a:fillRef idx="1">
+            <a:schemeClr val="accent1"/>
+          </a:fillRef>
+          <a:effectRef idx="0">
+            <a:schemeClr val="accent1"/>
+          </a:effectRef>
+          <a:fontRef idx="minor">
+            <a:schemeClr val="lt1"/>
+          </a:fontRef>
+        </p:style>
+        <p:txBody>
+          <a:bodyPr rtlCol="0" anchor="ctr"/>
+          <a:lstStyle/>
+          <a:p>
+            <a:pPr algn="ctr"/>
+            <a:endParaRPr lang="en-DE"/>
+          </a:p>
+        </p:txBody>
+      </p:sp>
+      <p:sp>
+        <p:nvSpPr>
+          <p:cNvPr id="19" name="Pentagon 18">
+            <a:extLst>
+              <a:ext uri="{FF2B5EF4-FFF2-40B4-BE49-F238E27FC236}">
+                <a16:creationId xmlns:a16="http://schemas.microsoft.com/office/drawing/2014/main" id="{86A49744-EB95-693F-75B6-571FE39607F3}"/>
+              </a:ext>
+            </a:extLst>
+          </p:cNvPr>
+          <p:cNvSpPr/>
+          <p:nvPr/>
+        </p:nvSpPr>
+        <p:spPr>
+          <a:xfrm>
+            <a:off x="3290556" y="3780000"/>
+            <a:ext cx="1650888" cy="720000"/>
+          </a:xfrm>
+          <a:prstGeom prst="homePlate">
+            <a:avLst/>
+          </a:prstGeom>
+          <a:ln>
+            <a:noFill/>
+          </a:ln>
+        </p:spPr>
+        <p:style>
+          <a:lnRef idx="2">
+            <a:schemeClr val="accent1">
+              <a:shade val="15000"/>
+            </a:schemeClr>
+          </a:lnRef>
+          <a:fillRef idx="1">
+            <a:schemeClr val="accent1"/>
+          </a:fillRef>
+          <a:effectRef idx="0">
+            <a:schemeClr val="accent1"/>
+          </a:effectRef>
+          <a:fontRef idx="minor">
+            <a:schemeClr val="lt1"/>
+          </a:fontRef>
+        </p:style>
+        <p:txBody>
+          <a:bodyPr rtlCol="0" anchor="ctr"/>
+          <a:lstStyle/>
+          <a:p>
+            <a:pPr algn="ctr"/>
+            <a:endParaRPr lang="en-DE"/>
+          </a:p>
+        </p:txBody>
+      </p:sp>
+      <p:sp>
+        <p:nvSpPr>
+          <p:cNvPr id="20" name="Pentagon 19">
+            <a:extLst>
+              <a:ext uri="{FF2B5EF4-FFF2-40B4-BE49-F238E27FC236}">
+                <a16:creationId xmlns:a16="http://schemas.microsoft.com/office/drawing/2014/main" id="{77A0AC97-0D7D-4BB0-A7BA-F791B27BC5AE}"/>
+              </a:ext>
+            </a:extLst>
+          </p:cNvPr>
+          <p:cNvSpPr/>
+          <p:nvPr/>
+        </p:nvSpPr>
+        <p:spPr>
+          <a:xfrm>
+            <a:off x="5450556" y="3780000"/>
+            <a:ext cx="1650888" cy="720000"/>
+          </a:xfrm>
+          <a:prstGeom prst="homePlate">
+            <a:avLst/>
+          </a:prstGeom>
+          <a:ln>
+            <a:noFill/>
+          </a:ln>
+        </p:spPr>
+        <p:style>
+          <a:lnRef idx="2">
+            <a:schemeClr val="accent1">
+              <a:shade val="15000"/>
+            </a:schemeClr>
+          </a:lnRef>
+          <a:fillRef idx="1">
+            <a:schemeClr val="accent1"/>
+          </a:fillRef>
+          <a:effectRef idx="0">
+            <a:schemeClr val="accent1"/>
+          </a:effectRef>
+          <a:fontRef idx="minor">
+            <a:schemeClr val="lt1"/>
+          </a:fontRef>
+        </p:style>
+        <p:txBody>
+          <a:bodyPr rtlCol="0" anchor="ctr"/>
+          <a:lstStyle/>
+          <a:p>
+            <a:pPr algn="ctr"/>
+            <a:endParaRPr lang="en-DE" dirty="0"/>
+          </a:p>
+        </p:txBody>
+      </p:sp>
+      <p:sp>
+        <p:nvSpPr>
+          <p:cNvPr id="21" name="Pentagon 20">
+            <a:extLst>
+              <a:ext uri="{FF2B5EF4-FFF2-40B4-BE49-F238E27FC236}">
+                <a16:creationId xmlns:a16="http://schemas.microsoft.com/office/drawing/2014/main" id="{6B2416A0-A5F0-435E-1D91-3F7B8FD3C87A}"/>
+              </a:ext>
+            </a:extLst>
+          </p:cNvPr>
+          <p:cNvSpPr/>
+          <p:nvPr/>
+        </p:nvSpPr>
+        <p:spPr>
+          <a:xfrm>
+            <a:off x="7610556" y="3780000"/>
+            <a:ext cx="1650888" cy="720000"/>
+          </a:xfrm>
+          <a:prstGeom prst="homePlate">
+            <a:avLst/>
+          </a:prstGeom>
+          <a:ln>
+            <a:noFill/>
+          </a:ln>
+        </p:spPr>
+        <p:style>
+          <a:lnRef idx="2">
+            <a:schemeClr val="accent1">
+              <a:shade val="15000"/>
+            </a:schemeClr>
+          </a:lnRef>
+          <a:fillRef idx="1">
+            <a:schemeClr val="accent1"/>
+          </a:fillRef>
+          <a:effectRef idx="0">
+            <a:schemeClr val="accent1"/>
+          </a:effectRef>
+          <a:fontRef idx="minor">
+            <a:schemeClr val="lt1"/>
+          </a:fontRef>
+        </p:style>
+        <p:txBody>
+          <a:bodyPr rtlCol="0" anchor="ctr"/>
+          <a:lstStyle/>
+          <a:p>
+            <a:pPr algn="ctr"/>
+            <a:endParaRPr lang="en-DE"/>
+          </a:p>
+        </p:txBody>
+      </p:sp>
+      <p:sp>
+        <p:nvSpPr>
+          <p:cNvPr id="22" name="Pentagon 21">
+            <a:extLst>
+              <a:ext uri="{FF2B5EF4-FFF2-40B4-BE49-F238E27FC236}">
+                <a16:creationId xmlns:a16="http://schemas.microsoft.com/office/drawing/2014/main" id="{B4923FB6-4EFD-714E-5347-D14D890F1F96}"/>
+              </a:ext>
+            </a:extLst>
+          </p:cNvPr>
+          <p:cNvSpPr/>
+          <p:nvPr/>
+        </p:nvSpPr>
+        <p:spPr>
+          <a:xfrm>
+            <a:off x="9770556" y="3780000"/>
+            <a:ext cx="1650888" cy="720000"/>
+          </a:xfrm>
+          <a:prstGeom prst="homePlate">
+            <a:avLst/>
+          </a:prstGeom>
+          <a:ln>
+            <a:noFill/>
+          </a:ln>
+        </p:spPr>
+        <p:style>
+          <a:lnRef idx="2">
+            <a:schemeClr val="accent1">
+              <a:shade val="15000"/>
+            </a:schemeClr>
+          </a:lnRef>
+          <a:fillRef idx="1">
+            <a:schemeClr val="accent1"/>
+          </a:fillRef>
+          <a:effectRef idx="0">
+            <a:schemeClr val="accent1"/>
+          </a:effectRef>
+          <a:fontRef idx="minor">
+            <a:schemeClr val="lt1"/>
+          </a:fontRef>
+        </p:style>
+        <p:txBody>
+          <a:bodyPr rtlCol="0" anchor="ctr"/>
+          <a:lstStyle/>
+          <a:p>
+            <a:pPr algn="ctr"/>
+            <a:endParaRPr lang="en-DE"/>
+          </a:p>
+        </p:txBody>
+      </p:sp>
+      <p:sp>
+        <p:nvSpPr>
+          <p:cNvPr id="23" name="TextBox 22">
+            <a:extLst>
+              <a:ext uri="{FF2B5EF4-FFF2-40B4-BE49-F238E27FC236}">
+                <a16:creationId xmlns:a16="http://schemas.microsoft.com/office/drawing/2014/main" id="{1B1B1700-F348-83C1-4063-93AEB098A1AC}"/>
+              </a:ext>
+            </a:extLst>
+          </p:cNvPr>
+          <p:cNvSpPr txBox="1"/>
+          <p:nvPr/>
+        </p:nvSpPr>
+        <p:spPr>
+          <a:xfrm>
+            <a:off x="-24000" y="3060000"/>
+            <a:ext cx="1800000" cy="508088"/>
+          </a:xfrm>
+          <a:prstGeom prst="rect">
+            <a:avLst/>
+          </a:prstGeom>
+          <a:noFill/>
+        </p:spPr>
+        <p:txBody>
+          <a:bodyPr wrap="square" rtlCol="0">
+            <a:spAutoFit/>
+          </a:bodyPr>
+          <a:lstStyle/>
+          <a:p>
+            <a:pPr algn="ctr"/>
+            <a:r>
+              <a:rPr lang="en-DE" sz="1351" dirty="0"/>
+              <a:t>04.06.2024</a:t>
+            </a:r>
+          </a:p>
+          <a:p>
+            <a:pPr algn="ctr"/>
+            <a:endParaRPr lang="en-DE" sz="1351" dirty="0"/>
+          </a:p>
+        </p:txBody>
+      </p:sp>
+      <p:sp>
+        <p:nvSpPr>
+          <p:cNvPr id="24" name="TextBox 23">
+            <a:extLst>
+              <a:ext uri="{FF2B5EF4-FFF2-40B4-BE49-F238E27FC236}">
+                <a16:creationId xmlns:a16="http://schemas.microsoft.com/office/drawing/2014/main" id="{D3524E84-DE11-9621-6CFF-1155953A6295}"/>
+              </a:ext>
+            </a:extLst>
+          </p:cNvPr>
+          <p:cNvSpPr txBox="1"/>
+          <p:nvPr/>
+        </p:nvSpPr>
+        <p:spPr>
+          <a:xfrm>
+            <a:off x="2136000" y="3060000"/>
+            <a:ext cx="1800000" cy="508088"/>
+          </a:xfrm>
+          <a:prstGeom prst="rect">
+            <a:avLst/>
+          </a:prstGeom>
+          <a:noFill/>
+        </p:spPr>
+        <p:txBody>
+          <a:bodyPr wrap="square" rtlCol="0">
+            <a:spAutoFit/>
+          </a:bodyPr>
+          <a:lstStyle/>
+          <a:p>
+            <a:pPr algn="ctr"/>
+            <a:r>
+              <a:rPr lang="en-DE" sz="1351" dirty="0"/>
+              <a:t>08.06.2024</a:t>
+            </a:r>
+          </a:p>
+          <a:p>
+            <a:pPr algn="ctr"/>
+            <a:endParaRPr lang="en-DE" sz="1351" dirty="0"/>
+          </a:p>
+        </p:txBody>
+      </p:sp>
+      <p:sp>
+        <p:nvSpPr>
+          <p:cNvPr id="25" name="TextBox 24">
+            <a:extLst>
+              <a:ext uri="{FF2B5EF4-FFF2-40B4-BE49-F238E27FC236}">
+                <a16:creationId xmlns:a16="http://schemas.microsoft.com/office/drawing/2014/main" id="{6E71C7D8-DB7E-9115-E44E-7E04A752E845}"/>
+              </a:ext>
+            </a:extLst>
+          </p:cNvPr>
+          <p:cNvSpPr txBox="1"/>
+          <p:nvPr/>
+        </p:nvSpPr>
+        <p:spPr>
+          <a:xfrm>
+            <a:off x="4296000" y="3060000"/>
+            <a:ext cx="1800000" cy="508088"/>
+          </a:xfrm>
+          <a:prstGeom prst="rect">
+            <a:avLst/>
+          </a:prstGeom>
+          <a:noFill/>
+        </p:spPr>
+        <p:txBody>
+          <a:bodyPr wrap="square" rtlCol="0">
+            <a:spAutoFit/>
+          </a:bodyPr>
+          <a:lstStyle/>
+          <a:p>
+            <a:pPr algn="ctr"/>
+            <a:r>
+              <a:rPr lang="en-DE" sz="1351" dirty="0"/>
+              <a:t>12.06.2024</a:t>
+            </a:r>
+          </a:p>
+          <a:p>
+            <a:pPr algn="ctr"/>
+            <a:endParaRPr lang="en-DE" sz="1351" dirty="0"/>
+          </a:p>
+        </p:txBody>
+      </p:sp>
+      <p:sp>
+        <p:nvSpPr>
+          <p:cNvPr id="26" name="TextBox 25">
+            <a:extLst>
+              <a:ext uri="{FF2B5EF4-FFF2-40B4-BE49-F238E27FC236}">
+                <a16:creationId xmlns:a16="http://schemas.microsoft.com/office/drawing/2014/main" id="{DA6723C1-A884-481C-2D53-544CD94664DB}"/>
+              </a:ext>
+            </a:extLst>
+          </p:cNvPr>
+          <p:cNvSpPr txBox="1"/>
+          <p:nvPr/>
+        </p:nvSpPr>
+        <p:spPr>
+          <a:xfrm>
+            <a:off x="6456000" y="3060000"/>
+            <a:ext cx="1800000" cy="508088"/>
+          </a:xfrm>
+          <a:prstGeom prst="rect">
+            <a:avLst/>
+          </a:prstGeom>
+          <a:noFill/>
+        </p:spPr>
+        <p:txBody>
+          <a:bodyPr wrap="square" rtlCol="0">
+            <a:spAutoFit/>
+          </a:bodyPr>
+          <a:lstStyle/>
+          <a:p>
+            <a:pPr algn="ctr"/>
+            <a:r>
+              <a:rPr lang="en-DE" sz="1351" dirty="0"/>
+              <a:t>27.06.2024</a:t>
+            </a:r>
+          </a:p>
+          <a:p>
+            <a:pPr algn="ctr"/>
+            <a:endParaRPr lang="en-DE" sz="1351" dirty="0"/>
+          </a:p>
+        </p:txBody>
+      </p:sp>
+      <p:sp>
+        <p:nvSpPr>
+          <p:cNvPr id="27" name="TextBox 26">
+            <a:extLst>
+              <a:ext uri="{FF2B5EF4-FFF2-40B4-BE49-F238E27FC236}">
+                <a16:creationId xmlns:a16="http://schemas.microsoft.com/office/drawing/2014/main" id="{25AE8BC9-9768-3C96-2238-4640E5D2A326}"/>
+              </a:ext>
+            </a:extLst>
+          </p:cNvPr>
+          <p:cNvSpPr txBox="1"/>
+          <p:nvPr/>
+        </p:nvSpPr>
+        <p:spPr>
+          <a:xfrm>
+            <a:off x="8616000" y="3060000"/>
+            <a:ext cx="1800000" cy="508088"/>
+          </a:xfrm>
+          <a:prstGeom prst="rect">
+            <a:avLst/>
+          </a:prstGeom>
+          <a:noFill/>
+        </p:spPr>
+        <p:txBody>
+          <a:bodyPr wrap="square" rtlCol="0">
+            <a:spAutoFit/>
+          </a:bodyPr>
+          <a:lstStyle/>
+          <a:p>
+            <a:pPr algn="ctr"/>
+            <a:r>
+              <a:rPr lang="en-DE" sz="1351" dirty="0"/>
+              <a:t>30.06.2024</a:t>
+            </a:r>
+          </a:p>
+          <a:p>
+            <a:pPr algn="ctr"/>
+            <a:endParaRPr lang="en-DE" sz="1351" dirty="0"/>
+          </a:p>
+        </p:txBody>
+      </p:sp>
+      <p:sp>
+        <p:nvSpPr>
+          <p:cNvPr id="28" name="TextBox 27">
+            <a:extLst>
+              <a:ext uri="{FF2B5EF4-FFF2-40B4-BE49-F238E27FC236}">
+                <a16:creationId xmlns:a16="http://schemas.microsoft.com/office/drawing/2014/main" id="{14370A00-BC8A-3AB5-160E-B1E05269B7B7}"/>
+              </a:ext>
+            </a:extLst>
+          </p:cNvPr>
+          <p:cNvSpPr txBox="1"/>
+          <p:nvPr/>
+        </p:nvSpPr>
+        <p:spPr>
+          <a:xfrm>
+            <a:off x="10776000" y="3060000"/>
+            <a:ext cx="1800000" cy="508088"/>
+          </a:xfrm>
+          <a:prstGeom prst="rect">
+            <a:avLst/>
+          </a:prstGeom>
+          <a:noFill/>
+        </p:spPr>
+        <p:txBody>
+          <a:bodyPr wrap="square" rtlCol="0">
+            <a:spAutoFit/>
+          </a:bodyPr>
+          <a:lstStyle/>
+          <a:p>
+            <a:pPr algn="ctr"/>
+            <a:r>
+              <a:rPr lang="en-DE" sz="1351" dirty="0"/>
+              <a:t>01.07.2024</a:t>
+            </a:r>
+          </a:p>
+          <a:p>
+            <a:pPr algn="ctr"/>
+            <a:endParaRPr lang="en-DE" sz="1351" dirty="0"/>
+          </a:p>
+        </p:txBody>
+      </p:sp>
+      <p:sp>
+        <p:nvSpPr>
+          <p:cNvPr id="29" name="TextBox 28">
+            <a:extLst>
+              <a:ext uri="{FF2B5EF4-FFF2-40B4-BE49-F238E27FC236}">
+                <a16:creationId xmlns:a16="http://schemas.microsoft.com/office/drawing/2014/main" id="{867B8E9E-BAE0-CFD9-45B6-947F90FD7D0B}"/>
+              </a:ext>
+            </a:extLst>
+          </p:cNvPr>
+          <p:cNvSpPr txBox="1"/>
+          <p:nvPr/>
+        </p:nvSpPr>
+        <p:spPr>
+          <a:xfrm>
+            <a:off x="1130556" y="5040000"/>
+            <a:ext cx="1650888" cy="1200329"/>
+          </a:xfrm>
+          <a:prstGeom prst="rect">
+            <a:avLst/>
+          </a:prstGeom>
+          <a:noFill/>
+        </p:spPr>
+        <p:txBody>
+          <a:bodyPr wrap="square" rtlCol="0">
+            <a:spAutoFit/>
+          </a:bodyPr>
+          <a:lstStyle/>
+          <a:p>
             <a:r>
               <a:rPr lang="en-DE" dirty="0"/>
-              <a:t>Projektmanagment</a:t>
-            </a:r>
-          </a:p>
-          <a:p>
-            <a:pPr marL="971550" lvl="1" indent="-514350">
-              <a:buFont typeface="+mj-lt"/>
-              <a:buAutoNum type="arabicPeriod"/>
-            </a:pPr>
+              <a:t>Überblick über das Projekt und Planung der Aufgaben</a:t>
+            </a:r>
+          </a:p>
+        </p:txBody>
+      </p:sp>
+      <p:sp>
+        <p:nvSpPr>
+          <p:cNvPr id="31" name="TextBox 30">
+            <a:extLst>
+              <a:ext uri="{FF2B5EF4-FFF2-40B4-BE49-F238E27FC236}">
+                <a16:creationId xmlns:a16="http://schemas.microsoft.com/office/drawing/2014/main" id="{06EA2B43-F574-7DAB-B839-432F223B2864}"/>
+              </a:ext>
+            </a:extLst>
+          </p:cNvPr>
+          <p:cNvSpPr txBox="1"/>
+          <p:nvPr/>
+        </p:nvSpPr>
+        <p:spPr>
+          <a:xfrm>
+            <a:off x="5450556" y="5040000"/>
+            <a:ext cx="1915444" cy="369332"/>
+          </a:xfrm>
+          <a:prstGeom prst="rect">
+            <a:avLst/>
+          </a:prstGeom>
+          <a:noFill/>
+        </p:spPr>
+        <p:txBody>
+          <a:bodyPr wrap="square" rtlCol="0">
+            <a:spAutoFit/>
+          </a:bodyPr>
+          <a:lstStyle/>
+          <a:p>
             <a:r>
               <a:rPr lang="en-DE" dirty="0"/>
-              <a:t>Verteilung der Rollen und Zuständigkeiten</a:t>
-            </a:r>
-          </a:p>
-          <a:p>
-            <a:pPr marL="971550" lvl="1" indent="-514350">
-              <a:buFont typeface="+mj-lt"/>
-              <a:buAutoNum type="arabicPeriod"/>
-            </a:pPr>
+              <a:t>Implementation</a:t>
+            </a:r>
+          </a:p>
+        </p:txBody>
+      </p:sp>
+      <p:sp>
+        <p:nvSpPr>
+          <p:cNvPr id="32" name="TextBox 31">
+            <a:extLst>
+              <a:ext uri="{FF2B5EF4-FFF2-40B4-BE49-F238E27FC236}">
+                <a16:creationId xmlns:a16="http://schemas.microsoft.com/office/drawing/2014/main" id="{A843F1CD-9346-2713-134B-6E74F32BD213}"/>
+              </a:ext>
+            </a:extLst>
+          </p:cNvPr>
+          <p:cNvSpPr txBox="1"/>
+          <p:nvPr/>
+        </p:nvSpPr>
+        <p:spPr>
+          <a:xfrm>
+            <a:off x="7610556" y="5040000"/>
+            <a:ext cx="1650888" cy="646331"/>
+          </a:xfrm>
+          <a:prstGeom prst="rect">
+            <a:avLst/>
+          </a:prstGeom>
+          <a:noFill/>
+        </p:spPr>
+        <p:txBody>
+          <a:bodyPr wrap="square" rtlCol="0">
+            <a:spAutoFit/>
+          </a:bodyPr>
+          <a:lstStyle/>
+          <a:p>
             <a:r>
               <a:rPr lang="en-DE" dirty="0"/>
-              <a:t>Planung durchführen</a:t>
-            </a:r>
-          </a:p>
-          <a:p>
-            <a:pPr marL="971550" lvl="1" indent="-514350">
-              <a:buFont typeface="+mj-lt"/>
-              <a:buAutoNum type="arabicPeriod"/>
-            </a:pPr>
+              <a:t>Testen und Anpassen</a:t>
+            </a:r>
+          </a:p>
+        </p:txBody>
+      </p:sp>
+      <p:sp>
+        <p:nvSpPr>
+          <p:cNvPr id="33" name="TextBox 32">
+            <a:extLst>
+              <a:ext uri="{FF2B5EF4-FFF2-40B4-BE49-F238E27FC236}">
+                <a16:creationId xmlns:a16="http://schemas.microsoft.com/office/drawing/2014/main" id="{14EE26F5-40CD-7AA8-9CF9-0D8ADBBB5E4F}"/>
+              </a:ext>
+            </a:extLst>
+          </p:cNvPr>
+          <p:cNvSpPr txBox="1"/>
+          <p:nvPr/>
+        </p:nvSpPr>
+        <p:spPr>
+          <a:xfrm>
+            <a:off x="9770556" y="5040000"/>
+            <a:ext cx="1650888" cy="1200329"/>
+          </a:xfrm>
+          <a:prstGeom prst="rect">
+            <a:avLst/>
+          </a:prstGeom>
+          <a:noFill/>
+        </p:spPr>
+        <p:txBody>
+          <a:bodyPr wrap="square" rtlCol="0">
+            <a:spAutoFit/>
+          </a:bodyPr>
+          <a:lstStyle/>
+          <a:p>
             <a:r>
               <a:rPr lang="en-DE" dirty="0"/>
-              <a:t>Klärung der Anfordungen </a:t>
-            </a:r>
-          </a:p>
-          <a:p>
-            <a:pPr marL="971550" lvl="1" indent="-514350">
-              <a:buFont typeface="+mj-lt"/>
-              <a:buAutoNum type="arabicPeriod"/>
-            </a:pPr>
+              <a:t>Planung des Showcases und der Auslieferung</a:t>
+            </a:r>
+          </a:p>
+        </p:txBody>
+      </p:sp>
+      <p:sp>
+        <p:nvSpPr>
+          <p:cNvPr id="35" name="TextBox 34">
+            <a:extLst>
+              <a:ext uri="{FF2B5EF4-FFF2-40B4-BE49-F238E27FC236}">
+                <a16:creationId xmlns:a16="http://schemas.microsoft.com/office/drawing/2014/main" id="{5EC623E6-060C-4A76-2628-E7E114C7812E}"/>
+              </a:ext>
+            </a:extLst>
+          </p:cNvPr>
+          <p:cNvSpPr txBox="1"/>
+          <p:nvPr/>
+        </p:nvSpPr>
+        <p:spPr>
+          <a:xfrm>
+            <a:off x="3290556" y="5040000"/>
+            <a:ext cx="1650888" cy="1200329"/>
+          </a:xfrm>
+          <a:prstGeom prst="rect">
+            <a:avLst/>
+          </a:prstGeom>
+          <a:noFill/>
+        </p:spPr>
+        <p:txBody>
+          <a:bodyPr wrap="square" rtlCol="0">
+            <a:spAutoFit/>
+          </a:bodyPr>
+          <a:lstStyle/>
+          <a:p>
             <a:r>
               <a:rPr lang="en-DE" dirty="0"/>
-              <a:t>Schreiben des Backlogs</a:t>
-            </a:r>
-          </a:p>
-          <a:p>
-            <a:pPr marL="971550" lvl="1" indent="-514350">
-              <a:buFont typeface="+mj-lt"/>
-              <a:buAutoNum type="arabicPeriod"/>
-            </a:pPr>
-            <a:r>
-              <a:rPr lang="en-DE" dirty="0"/>
-              <a:t>Controlling durchführen</a:t>
-            </a:r>
-          </a:p>
-          <a:p>
-            <a:pPr marL="514350" indent="-514350">
-              <a:buFont typeface="+mj-lt"/>
-              <a:buAutoNum type="arabicPeriod"/>
-            </a:pPr>
-            <a:r>
-              <a:rPr lang="en-DE" dirty="0"/>
-              <a:t>Spezifikationsphase</a:t>
-            </a:r>
-          </a:p>
-          <a:p>
-            <a:pPr marL="971550" lvl="1" indent="-514350">
-              <a:buFont typeface="+mj-lt"/>
-              <a:buAutoNum type="arabicPeriod"/>
-            </a:pPr>
-            <a:r>
-              <a:rPr lang="en-DE" dirty="0"/>
-              <a:t>Festlegen der Frameworks und der Sprachen</a:t>
-            </a:r>
-          </a:p>
-          <a:p>
-            <a:pPr marL="971550" lvl="1" indent="-514350">
-              <a:buFont typeface="+mj-lt"/>
-              <a:buAutoNum type="arabicPeriod"/>
-            </a:pPr>
-            <a:r>
-              <a:rPr lang="en-DE" dirty="0"/>
-              <a:t>Design des Frontends </a:t>
-            </a:r>
-          </a:p>
-          <a:p>
-            <a:pPr marL="971550" lvl="1" indent="-514350">
-              <a:buFont typeface="+mj-lt"/>
-              <a:buAutoNum type="arabicPeriod"/>
-            </a:pPr>
-            <a:r>
-              <a:rPr lang="en-DE" dirty="0"/>
-              <a:t>Planung des Backends</a:t>
+              <a:t>(Technisches) Design für Backend und Frontend</a:t>
             </a:r>
           </a:p>
         </p:txBody>
@@ -4944,7 +7410,7 @@
     </p:spTree>
     <p:extLst>
       <p:ext uri="{BB962C8B-B14F-4D97-AF65-F5344CB8AC3E}">
-        <p14:creationId xmlns:p14="http://schemas.microsoft.com/office/powerpoint/2010/main" val="1205569394"/>
+        <p14:creationId xmlns:p14="http://schemas.microsoft.com/office/powerpoint/2010/main" val="682011295"/>
       </p:ext>
     </p:extLst>
   </p:cSld>
@@ -4976,7 +7442,7 @@
           <p:cNvPr id="2" name="Title 1">
             <a:extLst>
               <a:ext uri="{FF2B5EF4-FFF2-40B4-BE49-F238E27FC236}">
-                <a16:creationId xmlns:a16="http://schemas.microsoft.com/office/drawing/2014/main" id="{C0489FF1-E81D-6567-D9E2-679B1950535C}"/>
+                <a16:creationId xmlns:a16="http://schemas.microsoft.com/office/drawing/2014/main" id="{82F75A57-3C61-5D2B-2617-B36192FF0334}"/>
               </a:ext>
             </a:extLst>
           </p:cNvPr>
@@ -5004,7 +7470,7 @@
           <p:cNvPr id="3" name="Content Placeholder 2">
             <a:extLst>
               <a:ext uri="{FF2B5EF4-FFF2-40B4-BE49-F238E27FC236}">
-                <a16:creationId xmlns:a16="http://schemas.microsoft.com/office/drawing/2014/main" id="{E3AA2C6F-1518-A9CB-5EE2-1CD3306ADA79}"/>
+                <a16:creationId xmlns:a16="http://schemas.microsoft.com/office/drawing/2014/main" id="{387DA067-DD43-F975-70F7-74FEB88EE602}"/>
               </a:ext>
             </a:extLst>
           </p:cNvPr>
@@ -5020,93 +7486,103 @@
           <a:bodyPr/>
           <a:lstStyle/>
           <a:p>
-            <a:pPr marL="514350" indent="-514350">
+            <a:pPr marL="514326" indent="-514326">
               <a:buFont typeface="+mj-lt"/>
               <a:buAutoNum type="arabicPeriod"/>
             </a:pPr>
             <a:r>
               <a:rPr lang="en-DE" dirty="0"/>
-              <a:t>Durchführungsphase</a:t>
-            </a:r>
-          </a:p>
-          <a:p>
-            <a:pPr marL="971550" lvl="1" indent="-514350">
+              <a:t>Projektmanagment</a:t>
+            </a:r>
+          </a:p>
+          <a:p>
+            <a:pPr marL="971502" lvl="1" indent="-514326">
               <a:buFont typeface="+mj-lt"/>
               <a:buAutoNum type="arabicPeriod"/>
             </a:pPr>
             <a:r>
               <a:rPr lang="en-DE" dirty="0"/>
-              <a:t>Implementation</a:t>
-            </a:r>
-          </a:p>
-          <a:p>
-            <a:pPr marL="971550" lvl="1" indent="-514350">
+              <a:t>Verteilung der Rollen und Zuständigkeiten</a:t>
+            </a:r>
+          </a:p>
+          <a:p>
+            <a:pPr marL="971502" lvl="1" indent="-514326">
               <a:buFont typeface="+mj-lt"/>
               <a:buAutoNum type="arabicPeriod"/>
             </a:pPr>
             <a:r>
               <a:rPr lang="en-DE" dirty="0"/>
-              <a:t>Dokumentation erstellen</a:t>
-            </a:r>
-          </a:p>
-          <a:p>
-            <a:pPr marL="514350" indent="-514350">
+              <a:t>Planung durchführen</a:t>
+            </a:r>
+          </a:p>
+          <a:p>
+            <a:pPr marL="971502" lvl="1" indent="-514326">
               <a:buFont typeface="+mj-lt"/>
               <a:buAutoNum type="arabicPeriod"/>
             </a:pPr>
             <a:r>
               <a:rPr lang="en-DE" dirty="0"/>
-              <a:t>Abschluss</a:t>
-            </a:r>
-          </a:p>
-          <a:p>
-            <a:pPr marL="971550" lvl="1" indent="-514350">
+              <a:t>Klärung der Anfordungen </a:t>
+            </a:r>
+          </a:p>
+          <a:p>
+            <a:pPr marL="971502" lvl="1" indent="-514326">
               <a:buFont typeface="+mj-lt"/>
               <a:buAutoNum type="arabicPeriod"/>
             </a:pPr>
             <a:r>
               <a:rPr lang="en-DE" dirty="0"/>
-              <a:t>Test der Anwendung</a:t>
-            </a:r>
-          </a:p>
-          <a:p>
-            <a:pPr marL="971550" lvl="1" indent="-514350">
+              <a:t>Schreiben des Backlogs</a:t>
+            </a:r>
+          </a:p>
+          <a:p>
+            <a:pPr marL="971502" lvl="1" indent="-514326">
               <a:buFont typeface="+mj-lt"/>
               <a:buAutoNum type="arabicPeriod"/>
             </a:pPr>
             <a:r>
               <a:rPr lang="en-DE" dirty="0"/>
-              <a:t>Erstellung der Präsentation</a:t>
-            </a:r>
-          </a:p>
-          <a:p>
-            <a:pPr marL="1428750" lvl="2" indent="-514350">
+              <a:t>Controlling durchführen</a:t>
+            </a:r>
+          </a:p>
+          <a:p>
+            <a:pPr marL="514326" indent="-514326">
               <a:buFont typeface="+mj-lt"/>
               <a:buAutoNum type="arabicPeriod"/>
             </a:pPr>
             <a:r>
               <a:rPr lang="en-DE" dirty="0"/>
-              <a:t>Planung des Showcases</a:t>
-            </a:r>
-          </a:p>
-          <a:p>
-            <a:pPr marL="1428750" lvl="2" indent="-514350">
+              <a:t>Spezifikationsphase</a:t>
+            </a:r>
+          </a:p>
+          <a:p>
+            <a:pPr marL="971502" lvl="1" indent="-514326">
               <a:buFont typeface="+mj-lt"/>
               <a:buAutoNum type="arabicPeriod"/>
             </a:pPr>
             <a:r>
               <a:rPr lang="en-DE" dirty="0"/>
-              <a:t>Planung der Präsentation</a:t>
-            </a:r>
-          </a:p>
-          <a:p>
-            <a:pPr marL="971550" lvl="1" indent="-514350">
+              <a:t>Festlegen der Frameworks und der Sprachen</a:t>
+            </a:r>
+          </a:p>
+          <a:p>
+            <a:pPr marL="971502" lvl="1" indent="-514326">
               <a:buFont typeface="+mj-lt"/>
               <a:buAutoNum type="arabicPeriod"/>
             </a:pPr>
             <a:r>
               <a:rPr lang="en-DE" dirty="0"/>
-              <a:t>Präsentation</a:t>
+              <a:t>Design des Frontends </a:t>
+            </a:r>
+          </a:p>
+          <a:p>
+            <a:pPr marL="971502" lvl="1" indent="-514326">
+              <a:buFont typeface="+mj-lt"/>
+              <a:buAutoNum type="arabicPeriod"/>
+            </a:pPr>
+            <a:r>
+              <a:rPr lang="en-DE" dirty="0"/>
+              <a:t>Planung des Backends</a:t>
             </a:r>
           </a:p>
         </p:txBody>
@@ -5114,7 +7590,7 @@
     </p:spTree>
     <p:extLst>
       <p:ext uri="{BB962C8B-B14F-4D97-AF65-F5344CB8AC3E}">
-        <p14:creationId xmlns:p14="http://schemas.microsoft.com/office/powerpoint/2010/main" val="2331074384"/>
+        <p14:creationId xmlns:p14="http://schemas.microsoft.com/office/powerpoint/2010/main" val="1205569394"/>
       </p:ext>
     </p:extLst>
   </p:cSld>
@@ -5146,7 +7622,7 @@
           <p:cNvPr id="2" name="Title 1">
             <a:extLst>
               <a:ext uri="{FF2B5EF4-FFF2-40B4-BE49-F238E27FC236}">
-                <a16:creationId xmlns:a16="http://schemas.microsoft.com/office/drawing/2014/main" id="{6D5BC19F-C135-7B30-001C-EC8BFC9C757B}"/>
+                <a16:creationId xmlns:a16="http://schemas.microsoft.com/office/drawing/2014/main" id="{C0489FF1-E81D-6567-D9E2-679B1950535C}"/>
               </a:ext>
             </a:extLst>
           </p:cNvPr>
@@ -5164,793 +7640,127 @@
           <a:p>
             <a:r>
               <a:rPr lang="en-DE" dirty="0"/>
-              <a:t>Ablaufplan</a:t>
-            </a:r>
-          </a:p>
-        </p:txBody>
-      </p:sp>
-      <p:graphicFrame>
-        <p:nvGraphicFramePr>
-          <p:cNvPr id="4" name="Content Placeholder 3">
-            <a:extLst>
-              <a:ext uri="{FF2B5EF4-FFF2-40B4-BE49-F238E27FC236}">
-                <a16:creationId xmlns:a16="http://schemas.microsoft.com/office/drawing/2014/main" id="{7372C82D-6365-7739-1C16-32E932C56DDC}"/>
-              </a:ext>
-            </a:extLst>
-          </p:cNvPr>
-          <p:cNvGraphicFramePr>
-            <a:graphicFrameLocks noGrp="1"/>
-          </p:cNvGraphicFramePr>
+              <a:t>Projektstrukturplan</a:t>
+            </a:r>
+          </a:p>
+        </p:txBody>
+      </p:sp>
+      <p:sp>
+        <p:nvSpPr>
+          <p:cNvPr id="3" name="Content Placeholder 2">
+            <a:extLst>
+              <a:ext uri="{FF2B5EF4-FFF2-40B4-BE49-F238E27FC236}">
+                <a16:creationId xmlns:a16="http://schemas.microsoft.com/office/drawing/2014/main" id="{E3AA2C6F-1518-A9CB-5EE2-1CD3306ADA79}"/>
+              </a:ext>
+            </a:extLst>
+          </p:cNvPr>
+          <p:cNvSpPr>
+            <a:spLocks noGrp="1"/>
+          </p:cNvSpPr>
           <p:nvPr>
             <p:ph idx="1"/>
-            <p:extLst>
-              <p:ext uri="{D42A27DB-BD31-4B8C-83A1-F6EECF244321}">
-                <p14:modId xmlns:p14="http://schemas.microsoft.com/office/powerpoint/2010/main" val="3052204824"/>
-              </p:ext>
-            </p:extLst>
           </p:nvPr>
-        </p:nvGraphicFramePr>
-        <p:xfrm>
-          <a:off x="838200" y="1825625"/>
-          <a:ext cx="10515600" cy="4450080"/>
-        </p:xfrm>
-        <a:graphic>
-          <a:graphicData uri="http://schemas.openxmlformats.org/drawingml/2006/table">
-            <a:tbl>
-              <a:tblPr firstRow="1" bandRow="1">
-                <a:solidFill>
-                  <a:srgbClr val="C00000"/>
-                </a:solidFill>
-                <a:tableStyleId>{21E4AEA4-8DFA-4A89-87EB-49C32662AFE0}</a:tableStyleId>
-              </a:tblPr>
-              <a:tblGrid>
-                <a:gridCol w="1079665">
-                  <a:extLst>
-                    <a:ext uri="{9D8B030D-6E8A-4147-A177-3AD203B41FA5}">
-                      <a16:colId xmlns:a16="http://schemas.microsoft.com/office/drawing/2014/main" val="1935207542"/>
-                    </a:ext>
-                  </a:extLst>
-                </a:gridCol>
-                <a:gridCol w="4773880">
-                  <a:extLst>
-                    <a:ext uri="{9D8B030D-6E8A-4147-A177-3AD203B41FA5}">
-                      <a16:colId xmlns:a16="http://schemas.microsoft.com/office/drawing/2014/main" val="1180961405"/>
-                    </a:ext>
-                  </a:extLst>
-                </a:gridCol>
-                <a:gridCol w="1306286">
-                  <a:extLst>
-                    <a:ext uri="{9D8B030D-6E8A-4147-A177-3AD203B41FA5}">
-                      <a16:colId xmlns:a16="http://schemas.microsoft.com/office/drawing/2014/main" val="3318192054"/>
-                    </a:ext>
-                  </a:extLst>
-                </a:gridCol>
-                <a:gridCol w="3355769">
-                  <a:extLst>
-                    <a:ext uri="{9D8B030D-6E8A-4147-A177-3AD203B41FA5}">
-                      <a16:colId xmlns:a16="http://schemas.microsoft.com/office/drawing/2014/main" val="2832026615"/>
-                    </a:ext>
-                  </a:extLst>
-                </a:gridCol>
-              </a:tblGrid>
-              <a:tr h="370840">
-                <a:tc>
-                  <a:txBody>
-                    <a:bodyPr/>
-                    <a:lstStyle/>
-                    <a:p>
-                      <a:r>
-                        <a:rPr lang="en-DE" dirty="0"/>
-                        <a:t>ID</a:t>
-                      </a:r>
-                    </a:p>
-                  </a:txBody>
-                  <a:tcPr/>
-                </a:tc>
-                <a:tc>
-                  <a:txBody>
-                    <a:bodyPr/>
-                    <a:lstStyle/>
-                    <a:p>
-                      <a:r>
-                        <a:rPr lang="en-DE" dirty="0"/>
-                        <a:t>Vorgang/Arbeitspaket</a:t>
-                      </a:r>
-                    </a:p>
-                  </a:txBody>
-                  <a:tcPr/>
-                </a:tc>
-                <a:tc>
-                  <a:txBody>
-                    <a:bodyPr/>
-                    <a:lstStyle/>
-                    <a:p>
-                      <a:r>
-                        <a:rPr lang="en-DE" dirty="0"/>
-                        <a:t>Dauer</a:t>
-                      </a:r>
-                    </a:p>
-                  </a:txBody>
-                  <a:tcPr/>
-                </a:tc>
-                <a:tc>
-                  <a:txBody>
-                    <a:bodyPr/>
-                    <a:lstStyle/>
-                    <a:p>
-                      <a:r>
-                        <a:rPr lang="en-DE" dirty="0"/>
-                        <a:t>Vorgänger</a:t>
-                      </a:r>
-                    </a:p>
-                  </a:txBody>
-                  <a:tcPr/>
-                </a:tc>
-                <a:extLst>
-                  <a:ext uri="{0D108BD9-81ED-4DB2-BD59-A6C34878D82A}">
-                    <a16:rowId xmlns:a16="http://schemas.microsoft.com/office/drawing/2014/main" val="712556138"/>
-                  </a:ext>
-                </a:extLst>
-              </a:tr>
-              <a:tr h="370840">
-                <a:tc>
-                  <a:txBody>
-                    <a:bodyPr/>
-                    <a:lstStyle/>
-                    <a:p>
-                      <a:r>
-                        <a:rPr lang="en-DE" dirty="0"/>
-                        <a:t>001</a:t>
-                      </a:r>
-                    </a:p>
-                  </a:txBody>
-                  <a:tcPr/>
-                </a:tc>
-                <a:tc>
-                  <a:txBody>
-                    <a:bodyPr/>
-                    <a:lstStyle/>
-                    <a:p>
-                      <a:r>
-                        <a:rPr lang="en-DE" dirty="0"/>
-                        <a:t>Rollen Verteilung</a:t>
-                      </a:r>
-                    </a:p>
-                  </a:txBody>
-                  <a:tcPr/>
-                </a:tc>
-                <a:tc>
-                  <a:txBody>
-                    <a:bodyPr/>
-                    <a:lstStyle/>
-                    <a:p>
-                      <a:r>
-                        <a:rPr lang="en-DE" dirty="0"/>
-                        <a:t>1 d</a:t>
-                      </a:r>
-                    </a:p>
-                  </a:txBody>
-                  <a:tcPr/>
-                </a:tc>
-                <a:tc>
-                  <a:txBody>
-                    <a:bodyPr/>
-                    <a:lstStyle/>
-                    <a:p>
-                      <a:endParaRPr lang="en-DE" dirty="0"/>
-                    </a:p>
-                  </a:txBody>
-                  <a:tcPr/>
-                </a:tc>
-                <a:extLst>
-                  <a:ext uri="{0D108BD9-81ED-4DB2-BD59-A6C34878D82A}">
-                    <a16:rowId xmlns:a16="http://schemas.microsoft.com/office/drawing/2014/main" val="3317126260"/>
-                  </a:ext>
-                </a:extLst>
-              </a:tr>
-              <a:tr h="370840">
-                <a:tc>
-                  <a:txBody>
-                    <a:bodyPr/>
-                    <a:lstStyle/>
-                    <a:p>
-                      <a:r>
-                        <a:rPr lang="en-DE" dirty="0"/>
-                        <a:t>002</a:t>
-                      </a:r>
-                    </a:p>
-                  </a:txBody>
-                  <a:tcPr/>
-                </a:tc>
-                <a:tc>
-                  <a:txBody>
-                    <a:bodyPr/>
-                    <a:lstStyle/>
-                    <a:p>
-                      <a:r>
-                        <a:rPr lang="en-DE" dirty="0"/>
-                        <a:t>Klärung der Anforderungen</a:t>
-                      </a:r>
-                    </a:p>
-                  </a:txBody>
-                  <a:tcPr/>
-                </a:tc>
-                <a:tc>
-                  <a:txBody>
-                    <a:bodyPr/>
-                    <a:lstStyle/>
-                    <a:p>
-                      <a:r>
-                        <a:rPr lang="en-DE" dirty="0"/>
-                        <a:t>1 d</a:t>
-                      </a:r>
-                    </a:p>
-                  </a:txBody>
-                  <a:tcPr/>
-                </a:tc>
-                <a:tc>
-                  <a:txBody>
-                    <a:bodyPr/>
-                    <a:lstStyle/>
-                    <a:p>
-                      <a:endParaRPr lang="en-DE" dirty="0"/>
-                    </a:p>
-                  </a:txBody>
-                  <a:tcPr/>
-                </a:tc>
-                <a:extLst>
-                  <a:ext uri="{0D108BD9-81ED-4DB2-BD59-A6C34878D82A}">
-                    <a16:rowId xmlns:a16="http://schemas.microsoft.com/office/drawing/2014/main" val="1119334958"/>
-                  </a:ext>
-                </a:extLst>
-              </a:tr>
-              <a:tr h="370840">
-                <a:tc>
-                  <a:txBody>
-                    <a:bodyPr/>
-                    <a:lstStyle/>
-                    <a:p>
-                      <a:r>
-                        <a:rPr lang="en-DE" dirty="0"/>
-                        <a:t>003</a:t>
-                      </a:r>
-                    </a:p>
-                  </a:txBody>
-                  <a:tcPr/>
-                </a:tc>
-                <a:tc>
-                  <a:txBody>
-                    <a:bodyPr/>
-                    <a:lstStyle/>
-                    <a:p>
-                      <a:r>
-                        <a:rPr lang="en-DE" dirty="0"/>
-                        <a:t>Schreiben des Backlogs</a:t>
-                      </a:r>
-                    </a:p>
-                  </a:txBody>
-                  <a:tcPr/>
-                </a:tc>
-                <a:tc>
-                  <a:txBody>
-                    <a:bodyPr/>
-                    <a:lstStyle/>
-                    <a:p>
-                      <a:r>
-                        <a:rPr lang="en-DE" dirty="0"/>
-                        <a:t>3 d</a:t>
-                      </a:r>
-                    </a:p>
-                  </a:txBody>
-                  <a:tcPr/>
-                </a:tc>
-                <a:tc>
-                  <a:txBody>
-                    <a:bodyPr/>
-                    <a:lstStyle/>
-                    <a:p>
-                      <a:r>
-                        <a:rPr lang="en-DE" dirty="0"/>
-                        <a:t>001, 002</a:t>
-                      </a:r>
-                    </a:p>
-                  </a:txBody>
-                  <a:tcPr/>
-                </a:tc>
-                <a:extLst>
-                  <a:ext uri="{0D108BD9-81ED-4DB2-BD59-A6C34878D82A}">
-                    <a16:rowId xmlns:a16="http://schemas.microsoft.com/office/drawing/2014/main" val="4011287731"/>
-                  </a:ext>
-                </a:extLst>
-              </a:tr>
-              <a:tr h="370840">
-                <a:tc>
-                  <a:txBody>
-                    <a:bodyPr/>
-                    <a:lstStyle/>
-                    <a:p>
-                      <a:r>
-                        <a:rPr lang="en-DE" dirty="0"/>
-                        <a:t>004</a:t>
-                      </a:r>
-                    </a:p>
-                  </a:txBody>
-                  <a:tcPr/>
-                </a:tc>
-                <a:tc>
-                  <a:txBody>
-                    <a:bodyPr/>
-                    <a:lstStyle/>
-                    <a:p>
-                      <a:r>
-                        <a:rPr lang="en-DE" dirty="0"/>
-                        <a:t>Festlegen des Frameworks und der Sprachen</a:t>
-                      </a:r>
-                    </a:p>
-                  </a:txBody>
-                  <a:tcPr/>
-                </a:tc>
-                <a:tc>
-                  <a:txBody>
-                    <a:bodyPr/>
-                    <a:lstStyle/>
-                    <a:p>
-                      <a:r>
-                        <a:rPr lang="en-DE" dirty="0"/>
-                        <a:t>1 d</a:t>
-                      </a:r>
-                    </a:p>
-                  </a:txBody>
-                  <a:tcPr/>
-                </a:tc>
-                <a:tc>
-                  <a:txBody>
-                    <a:bodyPr/>
-                    <a:lstStyle/>
-                    <a:p>
-                      <a:r>
-                        <a:rPr lang="en-DE" dirty="0"/>
-                        <a:t>003</a:t>
-                      </a:r>
-                    </a:p>
-                  </a:txBody>
-                  <a:tcPr/>
-                </a:tc>
-                <a:extLst>
-                  <a:ext uri="{0D108BD9-81ED-4DB2-BD59-A6C34878D82A}">
-                    <a16:rowId xmlns:a16="http://schemas.microsoft.com/office/drawing/2014/main" val="3951912939"/>
-                  </a:ext>
-                </a:extLst>
-              </a:tr>
-              <a:tr h="370840">
-                <a:tc>
-                  <a:txBody>
-                    <a:bodyPr/>
-                    <a:lstStyle/>
-                    <a:p>
-                      <a:r>
-                        <a:rPr lang="en-DE" dirty="0"/>
-                        <a:t>005</a:t>
-                      </a:r>
-                    </a:p>
-                  </a:txBody>
-                  <a:tcPr/>
-                </a:tc>
-                <a:tc>
-                  <a:txBody>
-                    <a:bodyPr/>
-                    <a:lstStyle/>
-                    <a:p>
-                      <a:r>
-                        <a:rPr lang="en-DE" dirty="0"/>
-                        <a:t>Design des Frontends</a:t>
-                      </a:r>
-                    </a:p>
-                  </a:txBody>
-                  <a:tcPr/>
-                </a:tc>
-                <a:tc>
-                  <a:txBody>
-                    <a:bodyPr/>
-                    <a:lstStyle/>
-                    <a:p>
-                      <a:r>
-                        <a:rPr lang="en-DE" dirty="0"/>
-                        <a:t>3 d</a:t>
-                      </a:r>
-                    </a:p>
-                  </a:txBody>
-                  <a:tcPr/>
-                </a:tc>
-                <a:tc>
-                  <a:txBody>
-                    <a:bodyPr/>
-                    <a:lstStyle/>
-                    <a:p>
-                      <a:r>
-                        <a:rPr lang="en-DE" dirty="0"/>
-                        <a:t>003, 004</a:t>
-                      </a:r>
-                    </a:p>
-                  </a:txBody>
-                  <a:tcPr/>
-                </a:tc>
-                <a:extLst>
-                  <a:ext uri="{0D108BD9-81ED-4DB2-BD59-A6C34878D82A}">
-                    <a16:rowId xmlns:a16="http://schemas.microsoft.com/office/drawing/2014/main" val="910714745"/>
-                  </a:ext>
-                </a:extLst>
-              </a:tr>
-              <a:tr h="370840">
-                <a:tc>
-                  <a:txBody>
-                    <a:bodyPr/>
-                    <a:lstStyle/>
-                    <a:p>
-                      <a:r>
-                        <a:rPr lang="en-DE" dirty="0"/>
-                        <a:t>006</a:t>
-                      </a:r>
-                    </a:p>
-                  </a:txBody>
-                  <a:tcPr/>
-                </a:tc>
-                <a:tc>
-                  <a:txBody>
-                    <a:bodyPr/>
-                    <a:lstStyle/>
-                    <a:p>
-                      <a:r>
-                        <a:rPr lang="en-DE" dirty="0"/>
-                        <a:t>Planung des Backends</a:t>
-                      </a:r>
-                    </a:p>
-                  </a:txBody>
-                  <a:tcPr/>
-                </a:tc>
-                <a:tc>
-                  <a:txBody>
-                    <a:bodyPr/>
-                    <a:lstStyle/>
-                    <a:p>
-                      <a:r>
-                        <a:rPr lang="en-DE" dirty="0"/>
-                        <a:t>3 d</a:t>
-                      </a:r>
-                    </a:p>
-                  </a:txBody>
-                  <a:tcPr/>
-                </a:tc>
-                <a:tc>
-                  <a:txBody>
-                    <a:bodyPr/>
-                    <a:lstStyle/>
-                    <a:p>
-                      <a:r>
-                        <a:rPr lang="en-DE" dirty="0"/>
-                        <a:t>003, 004</a:t>
-                      </a:r>
-                    </a:p>
-                  </a:txBody>
-                  <a:tcPr/>
-                </a:tc>
-                <a:extLst>
-                  <a:ext uri="{0D108BD9-81ED-4DB2-BD59-A6C34878D82A}">
-                    <a16:rowId xmlns:a16="http://schemas.microsoft.com/office/drawing/2014/main" val="810071938"/>
-                  </a:ext>
-                </a:extLst>
-              </a:tr>
-              <a:tr h="370840">
-                <a:tc>
-                  <a:txBody>
-                    <a:bodyPr/>
-                    <a:lstStyle/>
-                    <a:p>
-                      <a:r>
-                        <a:rPr lang="en-DE" dirty="0"/>
-                        <a:t>007</a:t>
-                      </a:r>
-                    </a:p>
-                  </a:txBody>
-                  <a:tcPr/>
-                </a:tc>
-                <a:tc>
-                  <a:txBody>
-                    <a:bodyPr/>
-                    <a:lstStyle/>
-                    <a:p>
-                      <a:r>
-                        <a:rPr lang="en-DE" dirty="0"/>
-                        <a:t>Implementation</a:t>
-                      </a:r>
-                    </a:p>
-                  </a:txBody>
-                  <a:tcPr/>
-                </a:tc>
-                <a:tc>
-                  <a:txBody>
-                    <a:bodyPr/>
-                    <a:lstStyle/>
-                    <a:p>
-                      <a:r>
-                        <a:rPr lang="en-DE" dirty="0"/>
-                        <a:t>15 d</a:t>
-                      </a:r>
-                    </a:p>
-                  </a:txBody>
-                  <a:tcPr/>
-                </a:tc>
-                <a:tc>
-                  <a:txBody>
-                    <a:bodyPr/>
-                    <a:lstStyle/>
-                    <a:p>
-                      <a:r>
-                        <a:rPr lang="en-DE" dirty="0"/>
-                        <a:t>003, 005, 006</a:t>
-                      </a:r>
-                    </a:p>
-                  </a:txBody>
-                  <a:tcPr/>
-                </a:tc>
-                <a:extLst>
-                  <a:ext uri="{0D108BD9-81ED-4DB2-BD59-A6C34878D82A}">
-                    <a16:rowId xmlns:a16="http://schemas.microsoft.com/office/drawing/2014/main" val="646375227"/>
-                  </a:ext>
-                </a:extLst>
-              </a:tr>
-              <a:tr h="370840">
-                <a:tc>
-                  <a:txBody>
-                    <a:bodyPr/>
-                    <a:lstStyle/>
-                    <a:p>
-                      <a:r>
-                        <a:rPr lang="en-DE" dirty="0"/>
-                        <a:t>008</a:t>
-                      </a:r>
-                    </a:p>
-                  </a:txBody>
-                  <a:tcPr/>
-                </a:tc>
-                <a:tc>
-                  <a:txBody>
-                    <a:bodyPr/>
-                    <a:lstStyle/>
-                    <a:p>
-                      <a:r>
-                        <a:rPr lang="en-DE" dirty="0">
-                          <a:solidFill>
-                            <a:schemeClr val="tx1"/>
-                          </a:solidFill>
-                        </a:rPr>
-                        <a:t>Dokumentation erstellen</a:t>
-                      </a:r>
-                    </a:p>
-                  </a:txBody>
-                  <a:tcPr/>
-                </a:tc>
-                <a:tc>
-                  <a:txBody>
-                    <a:bodyPr/>
-                    <a:lstStyle/>
-                    <a:p>
-                      <a:r>
-                        <a:rPr lang="en-DE" dirty="0"/>
-                        <a:t>4 d</a:t>
-                      </a:r>
-                    </a:p>
-                  </a:txBody>
-                  <a:tcPr/>
-                </a:tc>
-                <a:tc>
-                  <a:txBody>
-                    <a:bodyPr/>
-                    <a:lstStyle/>
-                    <a:p>
-                      <a:r>
-                        <a:rPr lang="en-DE" dirty="0"/>
-                        <a:t>007</a:t>
-                      </a:r>
-                    </a:p>
-                  </a:txBody>
-                  <a:tcPr/>
-                </a:tc>
-                <a:extLst>
-                  <a:ext uri="{0D108BD9-81ED-4DB2-BD59-A6C34878D82A}">
-                    <a16:rowId xmlns:a16="http://schemas.microsoft.com/office/drawing/2014/main" val="652125406"/>
-                  </a:ext>
-                </a:extLst>
-              </a:tr>
-              <a:tr h="370840">
-                <a:tc>
-                  <a:txBody>
-                    <a:bodyPr/>
-                    <a:lstStyle/>
-                    <a:p>
-                      <a:r>
-                        <a:rPr lang="en-DE" dirty="0"/>
-                        <a:t>009</a:t>
-                      </a:r>
-                    </a:p>
-                  </a:txBody>
-                  <a:tcPr/>
-                </a:tc>
-                <a:tc>
-                  <a:txBody>
-                    <a:bodyPr/>
-                    <a:lstStyle/>
-                    <a:p>
-                      <a:r>
-                        <a:rPr lang="en-DE" dirty="0"/>
-                        <a:t>Test der Anwendung</a:t>
-                      </a:r>
-                    </a:p>
-                  </a:txBody>
-                  <a:tcPr/>
-                </a:tc>
-                <a:tc>
-                  <a:txBody>
-                    <a:bodyPr/>
-                    <a:lstStyle/>
-                    <a:p>
-                      <a:r>
-                        <a:rPr lang="en-DE" dirty="0"/>
-                        <a:t>4 d</a:t>
-                      </a:r>
-                    </a:p>
-                  </a:txBody>
-                  <a:tcPr/>
-                </a:tc>
-                <a:tc>
-                  <a:txBody>
-                    <a:bodyPr/>
-                    <a:lstStyle/>
-                    <a:p>
-                      <a:r>
-                        <a:rPr lang="en-DE" dirty="0"/>
-                        <a:t>002, 007</a:t>
-                      </a:r>
-                    </a:p>
-                  </a:txBody>
-                  <a:tcPr/>
-                </a:tc>
-                <a:extLst>
-                  <a:ext uri="{0D108BD9-81ED-4DB2-BD59-A6C34878D82A}">
-                    <a16:rowId xmlns:a16="http://schemas.microsoft.com/office/drawing/2014/main" val="2384931300"/>
-                  </a:ext>
-                </a:extLst>
-              </a:tr>
-              <a:tr h="370840">
-                <a:tc>
-                  <a:txBody>
-                    <a:bodyPr/>
-                    <a:lstStyle/>
-                    <a:p>
-                      <a:r>
-                        <a:rPr lang="en-DE" dirty="0"/>
-                        <a:t>010</a:t>
-                      </a:r>
-                    </a:p>
-                  </a:txBody>
-                  <a:tcPr/>
-                </a:tc>
-                <a:tc>
-                  <a:txBody>
-                    <a:bodyPr/>
-                    <a:lstStyle/>
-                    <a:p>
-                      <a:r>
-                        <a:rPr lang="en-DE" dirty="0">
-                          <a:solidFill>
-                            <a:srgbClr val="00B050"/>
-                          </a:solidFill>
-                        </a:rPr>
-                        <a:t>Erstellung der Präsentation</a:t>
-                      </a:r>
-                    </a:p>
-                  </a:txBody>
-                  <a:tcPr/>
-                </a:tc>
-                <a:tc>
-                  <a:txBody>
-                    <a:bodyPr/>
-                    <a:lstStyle/>
-                    <a:p>
-                      <a:r>
-                        <a:rPr lang="en-DE" dirty="0"/>
-                        <a:t>2 d</a:t>
-                      </a:r>
-                    </a:p>
-                  </a:txBody>
-                  <a:tcPr/>
-                </a:tc>
-                <a:tc>
-                  <a:txBody>
-                    <a:bodyPr/>
-                    <a:lstStyle/>
-                    <a:p>
-                      <a:r>
-                        <a:rPr lang="en-DE" dirty="0"/>
-                        <a:t>002, 007</a:t>
-                      </a:r>
-                    </a:p>
-                  </a:txBody>
-                  <a:tcPr/>
-                </a:tc>
-                <a:extLst>
-                  <a:ext uri="{0D108BD9-81ED-4DB2-BD59-A6C34878D82A}">
-                    <a16:rowId xmlns:a16="http://schemas.microsoft.com/office/drawing/2014/main" val="4185326369"/>
-                  </a:ext>
-                </a:extLst>
-              </a:tr>
-              <a:tr h="370840">
-                <a:tc>
-                  <a:txBody>
-                    <a:bodyPr/>
-                    <a:lstStyle/>
-                    <a:p>
-                      <a:r>
-                        <a:rPr lang="en-DE" dirty="0"/>
-                        <a:t>011</a:t>
-                      </a:r>
-                    </a:p>
-                  </a:txBody>
-                  <a:tcPr/>
-                </a:tc>
-                <a:tc>
-                  <a:txBody>
-                    <a:bodyPr/>
-                    <a:lstStyle/>
-                    <a:p>
-                      <a:r>
-                        <a:rPr lang="en-DE" dirty="0"/>
-                        <a:t>Präsentation und Übergabe</a:t>
-                      </a:r>
-                    </a:p>
-                  </a:txBody>
-                  <a:tcPr/>
-                </a:tc>
-                <a:tc>
-                  <a:txBody>
-                    <a:bodyPr/>
-                    <a:lstStyle/>
-                    <a:p>
-                      <a:r>
-                        <a:rPr lang="en-DE" dirty="0"/>
-                        <a:t>1 d</a:t>
-                      </a:r>
-                    </a:p>
-                  </a:txBody>
-                  <a:tcPr/>
-                </a:tc>
-                <a:tc>
-                  <a:txBody>
-                    <a:bodyPr/>
-                    <a:lstStyle/>
-                    <a:p>
-                      <a:r>
-                        <a:rPr lang="en-DE" dirty="0"/>
-                        <a:t>007, 008, 009, 010</a:t>
-                      </a:r>
-                    </a:p>
-                  </a:txBody>
-                  <a:tcPr/>
-                </a:tc>
-                <a:extLst>
-                  <a:ext uri="{0D108BD9-81ED-4DB2-BD59-A6C34878D82A}">
-                    <a16:rowId xmlns:a16="http://schemas.microsoft.com/office/drawing/2014/main" val="625360320"/>
-                  </a:ext>
-                </a:extLst>
-              </a:tr>
-            </a:tbl>
-          </a:graphicData>
-        </a:graphic>
-      </p:graphicFrame>
+        </p:nvSpPr>
+        <p:spPr/>
+        <p:txBody>
+          <a:bodyPr/>
+          <a:lstStyle/>
+          <a:p>
+            <a:pPr marL="514326" indent="-514326">
+              <a:buFont typeface="+mj-lt"/>
+              <a:buAutoNum type="arabicPeriod"/>
+            </a:pPr>
+            <a:r>
+              <a:rPr lang="en-DE" dirty="0"/>
+              <a:t>Durchführungsphase</a:t>
+            </a:r>
+          </a:p>
+          <a:p>
+            <a:pPr marL="971502" lvl="1" indent="-514326">
+              <a:buFont typeface="+mj-lt"/>
+              <a:buAutoNum type="arabicPeriod"/>
+            </a:pPr>
+            <a:r>
+              <a:rPr lang="en-DE" dirty="0"/>
+              <a:t>Implementation</a:t>
+            </a:r>
+          </a:p>
+          <a:p>
+            <a:pPr marL="971502" lvl="1" indent="-514326">
+              <a:buFont typeface="+mj-lt"/>
+              <a:buAutoNum type="arabicPeriod"/>
+            </a:pPr>
+            <a:r>
+              <a:rPr lang="en-DE" dirty="0"/>
+              <a:t>Dokumentation erstellen</a:t>
+            </a:r>
+          </a:p>
+          <a:p>
+            <a:pPr marL="514326" indent="-514326">
+              <a:buFont typeface="+mj-lt"/>
+              <a:buAutoNum type="arabicPeriod"/>
+            </a:pPr>
+            <a:r>
+              <a:rPr lang="en-DE" dirty="0"/>
+              <a:t>Abschluss</a:t>
+            </a:r>
+          </a:p>
+          <a:p>
+            <a:pPr marL="971502" lvl="1" indent="-514326">
+              <a:buFont typeface="+mj-lt"/>
+              <a:buAutoNum type="arabicPeriod"/>
+            </a:pPr>
+            <a:r>
+              <a:rPr lang="en-DE" dirty="0"/>
+              <a:t>Test der Anwendung</a:t>
+            </a:r>
+          </a:p>
+          <a:p>
+            <a:pPr marL="971502" lvl="1" indent="-514326">
+              <a:buFont typeface="+mj-lt"/>
+              <a:buAutoNum type="arabicPeriod"/>
+            </a:pPr>
+            <a:r>
+              <a:rPr lang="en-DE" dirty="0"/>
+              <a:t>Erstellung der Präsentation</a:t>
+            </a:r>
+          </a:p>
+          <a:p>
+            <a:pPr marL="1428679" lvl="2" indent="-514326">
+              <a:buFont typeface="+mj-lt"/>
+              <a:buAutoNum type="arabicPeriod"/>
+            </a:pPr>
+            <a:r>
+              <a:rPr lang="en-DE" dirty="0"/>
+              <a:t>Planung des Showcases</a:t>
+            </a:r>
+          </a:p>
+          <a:p>
+            <a:pPr marL="1428679" lvl="2" indent="-514326">
+              <a:buFont typeface="+mj-lt"/>
+              <a:buAutoNum type="arabicPeriod"/>
+            </a:pPr>
+            <a:r>
+              <a:rPr lang="en-DE" dirty="0"/>
+              <a:t>Planung der Präsentation</a:t>
+            </a:r>
+          </a:p>
+          <a:p>
+            <a:pPr marL="971502" lvl="1" indent="-514326">
+              <a:buFont typeface="+mj-lt"/>
+              <a:buAutoNum type="arabicPeriod"/>
+            </a:pPr>
+            <a:r>
+              <a:rPr lang="en-DE" dirty="0"/>
+              <a:t>Präsentation</a:t>
+            </a:r>
+          </a:p>
+        </p:txBody>
+      </p:sp>
     </p:spTree>
     <p:extLst>
       <p:ext uri="{BB962C8B-B14F-4D97-AF65-F5344CB8AC3E}">
-        <p14:creationId xmlns:p14="http://schemas.microsoft.com/office/powerpoint/2010/main" val="4076420045"/>
+        <p14:creationId xmlns:p14="http://schemas.microsoft.com/office/powerpoint/2010/main" val="2331074384"/>
       </p:ext>
     </p:extLst>
   </p:cSld>
@@ -5982,7 +7792,7 @@
           <p:cNvPr id="2" name="Title 1">
             <a:extLst>
               <a:ext uri="{FF2B5EF4-FFF2-40B4-BE49-F238E27FC236}">
-                <a16:creationId xmlns:a16="http://schemas.microsoft.com/office/drawing/2014/main" id="{992D4995-A997-8A8D-3AAE-9F18818CE903}"/>
+                <a16:creationId xmlns:a16="http://schemas.microsoft.com/office/drawing/2014/main" id="{6D5BC19F-C135-7B30-001C-EC8BFC9C757B}"/>
               </a:ext>
             </a:extLst>
           </p:cNvPr>
@@ -6000,40 +7810,793 @@
           <a:p>
             <a:r>
               <a:rPr lang="en-DE" dirty="0"/>
-              <a:t>Balkenplan Gantt-Chart</a:t>
-            </a:r>
-          </a:p>
-        </p:txBody>
-      </p:sp>
-      <p:sp>
-        <p:nvSpPr>
-          <p:cNvPr id="3" name="Content Placeholder 2">
-            <a:extLst>
-              <a:ext uri="{FF2B5EF4-FFF2-40B4-BE49-F238E27FC236}">
-                <a16:creationId xmlns:a16="http://schemas.microsoft.com/office/drawing/2014/main" id="{4EA87C42-757A-469C-AE5C-417DF64B6695}"/>
-              </a:ext>
-            </a:extLst>
-          </p:cNvPr>
-          <p:cNvSpPr>
-            <a:spLocks noGrp="1"/>
-          </p:cNvSpPr>
+              <a:t>Ablaufplan</a:t>
+            </a:r>
+          </a:p>
+        </p:txBody>
+      </p:sp>
+      <p:graphicFrame>
+        <p:nvGraphicFramePr>
+          <p:cNvPr id="4" name="Content Placeholder 3">
+            <a:extLst>
+              <a:ext uri="{FF2B5EF4-FFF2-40B4-BE49-F238E27FC236}">
+                <a16:creationId xmlns:a16="http://schemas.microsoft.com/office/drawing/2014/main" id="{7372C82D-6365-7739-1C16-32E932C56DDC}"/>
+              </a:ext>
+            </a:extLst>
+          </p:cNvPr>
+          <p:cNvGraphicFramePr>
+            <a:graphicFrameLocks noGrp="1"/>
+          </p:cNvGraphicFramePr>
           <p:nvPr>
             <p:ph idx="1"/>
+            <p:extLst>
+              <p:ext uri="{D42A27DB-BD31-4B8C-83A1-F6EECF244321}">
+                <p14:modId xmlns:p14="http://schemas.microsoft.com/office/powerpoint/2010/main" val="3052204824"/>
+              </p:ext>
+            </p:extLst>
           </p:nvPr>
-        </p:nvSpPr>
-        <p:spPr/>
-        <p:txBody>
-          <a:bodyPr/>
-          <a:lstStyle/>
-          <a:p>
-            <a:endParaRPr lang="en-DE" dirty="0"/>
-          </a:p>
-        </p:txBody>
-      </p:sp>
+        </p:nvGraphicFramePr>
+        <p:xfrm>
+          <a:off x="838200" y="1825625"/>
+          <a:ext cx="10515601" cy="4450080"/>
+        </p:xfrm>
+        <a:graphic>
+          <a:graphicData uri="http://schemas.openxmlformats.org/drawingml/2006/table">
+            <a:tbl>
+              <a:tblPr firstRow="1" bandRow="1">
+                <a:solidFill>
+                  <a:srgbClr val="C00000"/>
+                </a:solidFill>
+                <a:tableStyleId>{21E4AEA4-8DFA-4A89-87EB-49C32662AFE0}</a:tableStyleId>
+              </a:tblPr>
+              <a:tblGrid>
+                <a:gridCol w="1079665">
+                  <a:extLst>
+                    <a:ext uri="{9D8B030D-6E8A-4147-A177-3AD203B41FA5}">
+                      <a16:colId xmlns:a16="http://schemas.microsoft.com/office/drawing/2014/main" val="1935207542"/>
+                    </a:ext>
+                  </a:extLst>
+                </a:gridCol>
+                <a:gridCol w="4773880">
+                  <a:extLst>
+                    <a:ext uri="{9D8B030D-6E8A-4147-A177-3AD203B41FA5}">
+                      <a16:colId xmlns:a16="http://schemas.microsoft.com/office/drawing/2014/main" val="1180961405"/>
+                    </a:ext>
+                  </a:extLst>
+                </a:gridCol>
+                <a:gridCol w="1306287">
+                  <a:extLst>
+                    <a:ext uri="{9D8B030D-6E8A-4147-A177-3AD203B41FA5}">
+                      <a16:colId xmlns:a16="http://schemas.microsoft.com/office/drawing/2014/main" val="3318192054"/>
+                    </a:ext>
+                  </a:extLst>
+                </a:gridCol>
+                <a:gridCol w="3355769">
+                  <a:extLst>
+                    <a:ext uri="{9D8B030D-6E8A-4147-A177-3AD203B41FA5}">
+                      <a16:colId xmlns:a16="http://schemas.microsoft.com/office/drawing/2014/main" val="2832026615"/>
+                    </a:ext>
+                  </a:extLst>
+                </a:gridCol>
+              </a:tblGrid>
+              <a:tr h="370840">
+                <a:tc>
+                  <a:txBody>
+                    <a:bodyPr/>
+                    <a:lstStyle/>
+                    <a:p>
+                      <a:r>
+                        <a:rPr lang="en-DE" sz="1300" dirty="0"/>
+                        <a:t>ID</a:t>
+                      </a:r>
+                    </a:p>
+                  </a:txBody>
+                  <a:tcPr/>
+                </a:tc>
+                <a:tc>
+                  <a:txBody>
+                    <a:bodyPr/>
+                    <a:lstStyle/>
+                    <a:p>
+                      <a:r>
+                        <a:rPr lang="en-DE" sz="1300" dirty="0"/>
+                        <a:t>Vorgang/Arbeitspaket</a:t>
+                      </a:r>
+                    </a:p>
+                  </a:txBody>
+                  <a:tcPr/>
+                </a:tc>
+                <a:tc>
+                  <a:txBody>
+                    <a:bodyPr/>
+                    <a:lstStyle/>
+                    <a:p>
+                      <a:r>
+                        <a:rPr lang="en-DE" sz="1300" dirty="0"/>
+                        <a:t>Dauer</a:t>
+                      </a:r>
+                    </a:p>
+                  </a:txBody>
+                  <a:tcPr/>
+                </a:tc>
+                <a:tc>
+                  <a:txBody>
+                    <a:bodyPr/>
+                    <a:lstStyle/>
+                    <a:p>
+                      <a:r>
+                        <a:rPr lang="en-DE" sz="1300" dirty="0"/>
+                        <a:t>Vorgänger</a:t>
+                      </a:r>
+                    </a:p>
+                  </a:txBody>
+                  <a:tcPr/>
+                </a:tc>
+                <a:extLst>
+                  <a:ext uri="{0D108BD9-81ED-4DB2-BD59-A6C34878D82A}">
+                    <a16:rowId xmlns:a16="http://schemas.microsoft.com/office/drawing/2014/main" val="712556138"/>
+                  </a:ext>
+                </a:extLst>
+              </a:tr>
+              <a:tr h="370840">
+                <a:tc>
+                  <a:txBody>
+                    <a:bodyPr/>
+                    <a:lstStyle/>
+                    <a:p>
+                      <a:r>
+                        <a:rPr lang="en-DE" sz="1300" dirty="0"/>
+                        <a:t>001</a:t>
+                      </a:r>
+                    </a:p>
+                  </a:txBody>
+                  <a:tcPr/>
+                </a:tc>
+                <a:tc>
+                  <a:txBody>
+                    <a:bodyPr/>
+                    <a:lstStyle/>
+                    <a:p>
+                      <a:r>
+                        <a:rPr lang="en-DE" sz="1300" dirty="0"/>
+                        <a:t>Rollen Verteilung</a:t>
+                      </a:r>
+                    </a:p>
+                  </a:txBody>
+                  <a:tcPr/>
+                </a:tc>
+                <a:tc>
+                  <a:txBody>
+                    <a:bodyPr/>
+                    <a:lstStyle/>
+                    <a:p>
+                      <a:r>
+                        <a:rPr lang="en-DE" sz="1300" dirty="0"/>
+                        <a:t>1 d</a:t>
+                      </a:r>
+                    </a:p>
+                  </a:txBody>
+                  <a:tcPr/>
+                </a:tc>
+                <a:tc>
+                  <a:txBody>
+                    <a:bodyPr/>
+                    <a:lstStyle/>
+                    <a:p>
+                      <a:endParaRPr lang="en-DE" sz="1300" dirty="0"/>
+                    </a:p>
+                  </a:txBody>
+                  <a:tcPr/>
+                </a:tc>
+                <a:extLst>
+                  <a:ext uri="{0D108BD9-81ED-4DB2-BD59-A6C34878D82A}">
+                    <a16:rowId xmlns:a16="http://schemas.microsoft.com/office/drawing/2014/main" val="3317126260"/>
+                  </a:ext>
+                </a:extLst>
+              </a:tr>
+              <a:tr h="370840">
+                <a:tc>
+                  <a:txBody>
+                    <a:bodyPr/>
+                    <a:lstStyle/>
+                    <a:p>
+                      <a:r>
+                        <a:rPr lang="en-DE" sz="1300" dirty="0"/>
+                        <a:t>002</a:t>
+                      </a:r>
+                    </a:p>
+                  </a:txBody>
+                  <a:tcPr/>
+                </a:tc>
+                <a:tc>
+                  <a:txBody>
+                    <a:bodyPr/>
+                    <a:lstStyle/>
+                    <a:p>
+                      <a:r>
+                        <a:rPr lang="en-DE" sz="1300" dirty="0"/>
+                        <a:t>Klärung der Anforderungen</a:t>
+                      </a:r>
+                    </a:p>
+                  </a:txBody>
+                  <a:tcPr/>
+                </a:tc>
+                <a:tc>
+                  <a:txBody>
+                    <a:bodyPr/>
+                    <a:lstStyle/>
+                    <a:p>
+                      <a:r>
+                        <a:rPr lang="en-DE" sz="1300" dirty="0"/>
+                        <a:t>1 d</a:t>
+                      </a:r>
+                    </a:p>
+                  </a:txBody>
+                  <a:tcPr/>
+                </a:tc>
+                <a:tc>
+                  <a:txBody>
+                    <a:bodyPr/>
+                    <a:lstStyle/>
+                    <a:p>
+                      <a:endParaRPr lang="en-DE" sz="1300" dirty="0"/>
+                    </a:p>
+                  </a:txBody>
+                  <a:tcPr/>
+                </a:tc>
+                <a:extLst>
+                  <a:ext uri="{0D108BD9-81ED-4DB2-BD59-A6C34878D82A}">
+                    <a16:rowId xmlns:a16="http://schemas.microsoft.com/office/drawing/2014/main" val="1119334958"/>
+                  </a:ext>
+                </a:extLst>
+              </a:tr>
+              <a:tr h="370840">
+                <a:tc>
+                  <a:txBody>
+                    <a:bodyPr/>
+                    <a:lstStyle/>
+                    <a:p>
+                      <a:r>
+                        <a:rPr lang="en-DE" sz="1300" dirty="0"/>
+                        <a:t>003</a:t>
+                      </a:r>
+                    </a:p>
+                  </a:txBody>
+                  <a:tcPr/>
+                </a:tc>
+                <a:tc>
+                  <a:txBody>
+                    <a:bodyPr/>
+                    <a:lstStyle/>
+                    <a:p>
+                      <a:r>
+                        <a:rPr lang="en-DE" sz="1300" dirty="0"/>
+                        <a:t>Schreiben des Backlogs</a:t>
+                      </a:r>
+                    </a:p>
+                  </a:txBody>
+                  <a:tcPr/>
+                </a:tc>
+                <a:tc>
+                  <a:txBody>
+                    <a:bodyPr/>
+                    <a:lstStyle/>
+                    <a:p>
+                      <a:r>
+                        <a:rPr lang="en-DE" sz="1300" dirty="0"/>
+                        <a:t>3 d</a:t>
+                      </a:r>
+                    </a:p>
+                  </a:txBody>
+                  <a:tcPr/>
+                </a:tc>
+                <a:tc>
+                  <a:txBody>
+                    <a:bodyPr/>
+                    <a:lstStyle/>
+                    <a:p>
+                      <a:r>
+                        <a:rPr lang="en-DE" sz="1300" dirty="0"/>
+                        <a:t>001, 002</a:t>
+                      </a:r>
+                    </a:p>
+                  </a:txBody>
+                  <a:tcPr/>
+                </a:tc>
+                <a:extLst>
+                  <a:ext uri="{0D108BD9-81ED-4DB2-BD59-A6C34878D82A}">
+                    <a16:rowId xmlns:a16="http://schemas.microsoft.com/office/drawing/2014/main" val="4011287731"/>
+                  </a:ext>
+                </a:extLst>
+              </a:tr>
+              <a:tr h="370840">
+                <a:tc>
+                  <a:txBody>
+                    <a:bodyPr/>
+                    <a:lstStyle/>
+                    <a:p>
+                      <a:r>
+                        <a:rPr lang="en-DE" sz="1300" dirty="0"/>
+                        <a:t>004</a:t>
+                      </a:r>
+                    </a:p>
+                  </a:txBody>
+                  <a:tcPr/>
+                </a:tc>
+                <a:tc>
+                  <a:txBody>
+                    <a:bodyPr/>
+                    <a:lstStyle/>
+                    <a:p>
+                      <a:r>
+                        <a:rPr lang="en-DE" sz="1300" dirty="0"/>
+                        <a:t>Festlegen des Frameworks und der Sprachen</a:t>
+                      </a:r>
+                    </a:p>
+                  </a:txBody>
+                  <a:tcPr/>
+                </a:tc>
+                <a:tc>
+                  <a:txBody>
+                    <a:bodyPr/>
+                    <a:lstStyle/>
+                    <a:p>
+                      <a:r>
+                        <a:rPr lang="en-DE" sz="1300" dirty="0"/>
+                        <a:t>1 d</a:t>
+                      </a:r>
+                    </a:p>
+                  </a:txBody>
+                  <a:tcPr/>
+                </a:tc>
+                <a:tc>
+                  <a:txBody>
+                    <a:bodyPr/>
+                    <a:lstStyle/>
+                    <a:p>
+                      <a:r>
+                        <a:rPr lang="en-DE" sz="1300" dirty="0"/>
+                        <a:t>003</a:t>
+                      </a:r>
+                    </a:p>
+                  </a:txBody>
+                  <a:tcPr/>
+                </a:tc>
+                <a:extLst>
+                  <a:ext uri="{0D108BD9-81ED-4DB2-BD59-A6C34878D82A}">
+                    <a16:rowId xmlns:a16="http://schemas.microsoft.com/office/drawing/2014/main" val="3951912939"/>
+                  </a:ext>
+                </a:extLst>
+              </a:tr>
+              <a:tr h="370840">
+                <a:tc>
+                  <a:txBody>
+                    <a:bodyPr/>
+                    <a:lstStyle/>
+                    <a:p>
+                      <a:r>
+                        <a:rPr lang="en-DE" sz="1300" dirty="0"/>
+                        <a:t>005</a:t>
+                      </a:r>
+                    </a:p>
+                  </a:txBody>
+                  <a:tcPr/>
+                </a:tc>
+                <a:tc>
+                  <a:txBody>
+                    <a:bodyPr/>
+                    <a:lstStyle/>
+                    <a:p>
+                      <a:r>
+                        <a:rPr lang="en-DE" sz="1300" dirty="0"/>
+                        <a:t>Design des Frontends</a:t>
+                      </a:r>
+                    </a:p>
+                  </a:txBody>
+                  <a:tcPr/>
+                </a:tc>
+                <a:tc>
+                  <a:txBody>
+                    <a:bodyPr/>
+                    <a:lstStyle/>
+                    <a:p>
+                      <a:r>
+                        <a:rPr lang="en-DE" sz="1300" dirty="0"/>
+                        <a:t>3 d</a:t>
+                      </a:r>
+                    </a:p>
+                  </a:txBody>
+                  <a:tcPr/>
+                </a:tc>
+                <a:tc>
+                  <a:txBody>
+                    <a:bodyPr/>
+                    <a:lstStyle/>
+                    <a:p>
+                      <a:r>
+                        <a:rPr lang="en-DE" sz="1300" dirty="0"/>
+                        <a:t>003, 004</a:t>
+                      </a:r>
+                    </a:p>
+                  </a:txBody>
+                  <a:tcPr/>
+                </a:tc>
+                <a:extLst>
+                  <a:ext uri="{0D108BD9-81ED-4DB2-BD59-A6C34878D82A}">
+                    <a16:rowId xmlns:a16="http://schemas.microsoft.com/office/drawing/2014/main" val="910714745"/>
+                  </a:ext>
+                </a:extLst>
+              </a:tr>
+              <a:tr h="370840">
+                <a:tc>
+                  <a:txBody>
+                    <a:bodyPr/>
+                    <a:lstStyle/>
+                    <a:p>
+                      <a:r>
+                        <a:rPr lang="en-DE" sz="1300" dirty="0"/>
+                        <a:t>006</a:t>
+                      </a:r>
+                    </a:p>
+                  </a:txBody>
+                  <a:tcPr/>
+                </a:tc>
+                <a:tc>
+                  <a:txBody>
+                    <a:bodyPr/>
+                    <a:lstStyle/>
+                    <a:p>
+                      <a:r>
+                        <a:rPr lang="en-DE" sz="1300" dirty="0"/>
+                        <a:t>Planung des Backends</a:t>
+                      </a:r>
+                    </a:p>
+                  </a:txBody>
+                  <a:tcPr/>
+                </a:tc>
+                <a:tc>
+                  <a:txBody>
+                    <a:bodyPr/>
+                    <a:lstStyle/>
+                    <a:p>
+                      <a:r>
+                        <a:rPr lang="en-DE" sz="1300" dirty="0"/>
+                        <a:t>3 d</a:t>
+                      </a:r>
+                    </a:p>
+                  </a:txBody>
+                  <a:tcPr/>
+                </a:tc>
+                <a:tc>
+                  <a:txBody>
+                    <a:bodyPr/>
+                    <a:lstStyle/>
+                    <a:p>
+                      <a:r>
+                        <a:rPr lang="en-DE" sz="1300" dirty="0"/>
+                        <a:t>003, 004</a:t>
+                      </a:r>
+                    </a:p>
+                  </a:txBody>
+                  <a:tcPr/>
+                </a:tc>
+                <a:extLst>
+                  <a:ext uri="{0D108BD9-81ED-4DB2-BD59-A6C34878D82A}">
+                    <a16:rowId xmlns:a16="http://schemas.microsoft.com/office/drawing/2014/main" val="810071938"/>
+                  </a:ext>
+                </a:extLst>
+              </a:tr>
+              <a:tr h="370840">
+                <a:tc>
+                  <a:txBody>
+                    <a:bodyPr/>
+                    <a:lstStyle/>
+                    <a:p>
+                      <a:r>
+                        <a:rPr lang="en-DE" sz="1300" dirty="0"/>
+                        <a:t>007</a:t>
+                      </a:r>
+                    </a:p>
+                  </a:txBody>
+                  <a:tcPr/>
+                </a:tc>
+                <a:tc>
+                  <a:txBody>
+                    <a:bodyPr/>
+                    <a:lstStyle/>
+                    <a:p>
+                      <a:r>
+                        <a:rPr lang="en-DE" sz="1300" dirty="0"/>
+                        <a:t>Implementation</a:t>
+                      </a:r>
+                    </a:p>
+                  </a:txBody>
+                  <a:tcPr/>
+                </a:tc>
+                <a:tc>
+                  <a:txBody>
+                    <a:bodyPr/>
+                    <a:lstStyle/>
+                    <a:p>
+                      <a:r>
+                        <a:rPr lang="en-DE" sz="1300" dirty="0"/>
+                        <a:t>15 d</a:t>
+                      </a:r>
+                    </a:p>
+                  </a:txBody>
+                  <a:tcPr/>
+                </a:tc>
+                <a:tc>
+                  <a:txBody>
+                    <a:bodyPr/>
+                    <a:lstStyle/>
+                    <a:p>
+                      <a:r>
+                        <a:rPr lang="en-DE" sz="1300" dirty="0"/>
+                        <a:t>003, 005, 006</a:t>
+                      </a:r>
+                    </a:p>
+                  </a:txBody>
+                  <a:tcPr/>
+                </a:tc>
+                <a:extLst>
+                  <a:ext uri="{0D108BD9-81ED-4DB2-BD59-A6C34878D82A}">
+                    <a16:rowId xmlns:a16="http://schemas.microsoft.com/office/drawing/2014/main" val="646375227"/>
+                  </a:ext>
+                </a:extLst>
+              </a:tr>
+              <a:tr h="370840">
+                <a:tc>
+                  <a:txBody>
+                    <a:bodyPr/>
+                    <a:lstStyle/>
+                    <a:p>
+                      <a:r>
+                        <a:rPr lang="en-DE" sz="1300" dirty="0"/>
+                        <a:t>008</a:t>
+                      </a:r>
+                    </a:p>
+                  </a:txBody>
+                  <a:tcPr/>
+                </a:tc>
+                <a:tc>
+                  <a:txBody>
+                    <a:bodyPr/>
+                    <a:lstStyle/>
+                    <a:p>
+                      <a:r>
+                        <a:rPr lang="en-DE" sz="1300" dirty="0">
+                          <a:solidFill>
+                            <a:schemeClr val="tx1"/>
+                          </a:solidFill>
+                        </a:rPr>
+                        <a:t>Dokumentation erstellen</a:t>
+                      </a:r>
+                    </a:p>
+                  </a:txBody>
+                  <a:tcPr/>
+                </a:tc>
+                <a:tc>
+                  <a:txBody>
+                    <a:bodyPr/>
+                    <a:lstStyle/>
+                    <a:p>
+                      <a:r>
+                        <a:rPr lang="en-DE" sz="1300" dirty="0"/>
+                        <a:t>4 d</a:t>
+                      </a:r>
+                    </a:p>
+                  </a:txBody>
+                  <a:tcPr/>
+                </a:tc>
+                <a:tc>
+                  <a:txBody>
+                    <a:bodyPr/>
+                    <a:lstStyle/>
+                    <a:p>
+                      <a:r>
+                        <a:rPr lang="en-DE" sz="1300" dirty="0"/>
+                        <a:t>007</a:t>
+                      </a:r>
+                    </a:p>
+                  </a:txBody>
+                  <a:tcPr/>
+                </a:tc>
+                <a:extLst>
+                  <a:ext uri="{0D108BD9-81ED-4DB2-BD59-A6C34878D82A}">
+                    <a16:rowId xmlns:a16="http://schemas.microsoft.com/office/drawing/2014/main" val="652125406"/>
+                  </a:ext>
+                </a:extLst>
+              </a:tr>
+              <a:tr h="370840">
+                <a:tc>
+                  <a:txBody>
+                    <a:bodyPr/>
+                    <a:lstStyle/>
+                    <a:p>
+                      <a:r>
+                        <a:rPr lang="en-DE" sz="1300" dirty="0"/>
+                        <a:t>009</a:t>
+                      </a:r>
+                    </a:p>
+                  </a:txBody>
+                  <a:tcPr/>
+                </a:tc>
+                <a:tc>
+                  <a:txBody>
+                    <a:bodyPr/>
+                    <a:lstStyle/>
+                    <a:p>
+                      <a:r>
+                        <a:rPr lang="en-DE" sz="1300" dirty="0"/>
+                        <a:t>Test der Anwendung</a:t>
+                      </a:r>
+                    </a:p>
+                  </a:txBody>
+                  <a:tcPr/>
+                </a:tc>
+                <a:tc>
+                  <a:txBody>
+                    <a:bodyPr/>
+                    <a:lstStyle/>
+                    <a:p>
+                      <a:r>
+                        <a:rPr lang="en-DE" sz="1300" dirty="0"/>
+                        <a:t>4 d</a:t>
+                      </a:r>
+                    </a:p>
+                  </a:txBody>
+                  <a:tcPr/>
+                </a:tc>
+                <a:tc>
+                  <a:txBody>
+                    <a:bodyPr/>
+                    <a:lstStyle/>
+                    <a:p>
+                      <a:r>
+                        <a:rPr lang="en-DE" sz="1300" dirty="0"/>
+                        <a:t>002, 007</a:t>
+                      </a:r>
+                    </a:p>
+                  </a:txBody>
+                  <a:tcPr/>
+                </a:tc>
+                <a:extLst>
+                  <a:ext uri="{0D108BD9-81ED-4DB2-BD59-A6C34878D82A}">
+                    <a16:rowId xmlns:a16="http://schemas.microsoft.com/office/drawing/2014/main" val="2384931300"/>
+                  </a:ext>
+                </a:extLst>
+              </a:tr>
+              <a:tr h="370840">
+                <a:tc>
+                  <a:txBody>
+                    <a:bodyPr/>
+                    <a:lstStyle/>
+                    <a:p>
+                      <a:r>
+                        <a:rPr lang="en-DE" sz="1300" dirty="0"/>
+                        <a:t>010</a:t>
+                      </a:r>
+                    </a:p>
+                  </a:txBody>
+                  <a:tcPr/>
+                </a:tc>
+                <a:tc>
+                  <a:txBody>
+                    <a:bodyPr/>
+                    <a:lstStyle/>
+                    <a:p>
+                      <a:r>
+                        <a:rPr lang="en-DE" sz="1300" dirty="0">
+                          <a:solidFill>
+                            <a:srgbClr val="00B050"/>
+                          </a:solidFill>
+                        </a:rPr>
+                        <a:t>Erstellung der Präsentation</a:t>
+                      </a:r>
+                    </a:p>
+                  </a:txBody>
+                  <a:tcPr/>
+                </a:tc>
+                <a:tc>
+                  <a:txBody>
+                    <a:bodyPr/>
+                    <a:lstStyle/>
+                    <a:p>
+                      <a:r>
+                        <a:rPr lang="en-DE" sz="1300" dirty="0"/>
+                        <a:t>2 d</a:t>
+                      </a:r>
+                    </a:p>
+                  </a:txBody>
+                  <a:tcPr/>
+                </a:tc>
+                <a:tc>
+                  <a:txBody>
+                    <a:bodyPr/>
+                    <a:lstStyle/>
+                    <a:p>
+                      <a:r>
+                        <a:rPr lang="en-DE" sz="1300" dirty="0"/>
+                        <a:t>002, 007</a:t>
+                      </a:r>
+                    </a:p>
+                  </a:txBody>
+                  <a:tcPr/>
+                </a:tc>
+                <a:extLst>
+                  <a:ext uri="{0D108BD9-81ED-4DB2-BD59-A6C34878D82A}">
+                    <a16:rowId xmlns:a16="http://schemas.microsoft.com/office/drawing/2014/main" val="4185326369"/>
+                  </a:ext>
+                </a:extLst>
+              </a:tr>
+              <a:tr h="370840">
+                <a:tc>
+                  <a:txBody>
+                    <a:bodyPr/>
+                    <a:lstStyle/>
+                    <a:p>
+                      <a:r>
+                        <a:rPr lang="en-DE" sz="1300" dirty="0"/>
+                        <a:t>011</a:t>
+                      </a:r>
+                    </a:p>
+                  </a:txBody>
+                  <a:tcPr/>
+                </a:tc>
+                <a:tc>
+                  <a:txBody>
+                    <a:bodyPr/>
+                    <a:lstStyle/>
+                    <a:p>
+                      <a:r>
+                        <a:rPr lang="en-DE" sz="1300" dirty="0"/>
+                        <a:t>Präsentation und Übergabe</a:t>
+                      </a:r>
+                    </a:p>
+                  </a:txBody>
+                  <a:tcPr/>
+                </a:tc>
+                <a:tc>
+                  <a:txBody>
+                    <a:bodyPr/>
+                    <a:lstStyle/>
+                    <a:p>
+                      <a:r>
+                        <a:rPr lang="en-DE" sz="1300" dirty="0"/>
+                        <a:t>1 d</a:t>
+                      </a:r>
+                    </a:p>
+                  </a:txBody>
+                  <a:tcPr/>
+                </a:tc>
+                <a:tc>
+                  <a:txBody>
+                    <a:bodyPr/>
+                    <a:lstStyle/>
+                    <a:p>
+                      <a:r>
+                        <a:rPr lang="en-DE" sz="1300" dirty="0"/>
+                        <a:t>007, 008, 009, 010</a:t>
+                      </a:r>
+                    </a:p>
+                  </a:txBody>
+                  <a:tcPr/>
+                </a:tc>
+                <a:extLst>
+                  <a:ext uri="{0D108BD9-81ED-4DB2-BD59-A6C34878D82A}">
+                    <a16:rowId xmlns:a16="http://schemas.microsoft.com/office/drawing/2014/main" val="625360320"/>
+                  </a:ext>
+                </a:extLst>
+              </a:tr>
+            </a:tbl>
+          </a:graphicData>
+        </a:graphic>
+      </p:graphicFrame>
     </p:spTree>
     <p:extLst>
       <p:ext uri="{BB962C8B-B14F-4D97-AF65-F5344CB8AC3E}">
-        <p14:creationId xmlns:p14="http://schemas.microsoft.com/office/powerpoint/2010/main" val="3073082300"/>
+        <p14:creationId xmlns:p14="http://schemas.microsoft.com/office/powerpoint/2010/main" val="4076420045"/>
       </p:ext>
     </p:extLst>
   </p:cSld>
@@ -6065,6 +8628,89 @@
           <p:cNvPr id="2" name="Title 1">
             <a:extLst>
               <a:ext uri="{FF2B5EF4-FFF2-40B4-BE49-F238E27FC236}">
+                <a16:creationId xmlns:a16="http://schemas.microsoft.com/office/drawing/2014/main" id="{992D4995-A997-8A8D-3AAE-9F18818CE903}"/>
+              </a:ext>
+            </a:extLst>
+          </p:cNvPr>
+          <p:cNvSpPr>
+            <a:spLocks noGrp="1"/>
+          </p:cNvSpPr>
+          <p:nvPr>
+            <p:ph type="title"/>
+          </p:nvPr>
+        </p:nvSpPr>
+        <p:spPr/>
+        <p:txBody>
+          <a:bodyPr/>
+          <a:lstStyle/>
+          <a:p>
+            <a:r>
+              <a:rPr lang="en-DE" dirty="0"/>
+              <a:t>Balkenplan Gantt-Chart</a:t>
+            </a:r>
+          </a:p>
+        </p:txBody>
+      </p:sp>
+      <p:sp>
+        <p:nvSpPr>
+          <p:cNvPr id="3" name="Content Placeholder 2">
+            <a:extLst>
+              <a:ext uri="{FF2B5EF4-FFF2-40B4-BE49-F238E27FC236}">
+                <a16:creationId xmlns:a16="http://schemas.microsoft.com/office/drawing/2014/main" id="{4EA87C42-757A-469C-AE5C-417DF64B6695}"/>
+              </a:ext>
+            </a:extLst>
+          </p:cNvPr>
+          <p:cNvSpPr>
+            <a:spLocks noGrp="1"/>
+          </p:cNvSpPr>
+          <p:nvPr>
+            <p:ph idx="1"/>
+          </p:nvPr>
+        </p:nvSpPr>
+        <p:spPr/>
+        <p:txBody>
+          <a:bodyPr/>
+          <a:lstStyle/>
+          <a:p>
+            <a:endParaRPr lang="en-DE" dirty="0"/>
+          </a:p>
+        </p:txBody>
+      </p:sp>
+    </p:spTree>
+    <p:extLst>
+      <p:ext uri="{BB962C8B-B14F-4D97-AF65-F5344CB8AC3E}">
+        <p14:creationId xmlns:p14="http://schemas.microsoft.com/office/powerpoint/2010/main" val="3073082300"/>
+      </p:ext>
+    </p:extLst>
+  </p:cSld>
+  <p:clrMapOvr>
+    <a:masterClrMapping/>
+  </p:clrMapOvr>
+</p:sld>
+</file>
+
+<file path=ppt/slides/slide9.xml><?xml version="1.0" encoding="utf-8"?>
+<p:sld xmlns:a="http://schemas.openxmlformats.org/drawingml/2006/main" xmlns:r="http://schemas.openxmlformats.org/officeDocument/2006/relationships" xmlns:p="http://schemas.openxmlformats.org/presentationml/2006/main">
+  <p:cSld>
+    <p:spTree>
+      <p:nvGrpSpPr>
+        <p:cNvPr id="1" name=""/>
+        <p:cNvGrpSpPr/>
+        <p:nvPr/>
+      </p:nvGrpSpPr>
+      <p:grpSpPr>
+        <a:xfrm>
+          <a:off x="0" y="0"/>
+          <a:ext cx="0" cy="0"/>
+          <a:chOff x="0" y="0"/>
+          <a:chExt cx="0" cy="0"/>
+        </a:xfrm>
+      </p:grpSpPr>
+      <p:sp>
+        <p:nvSpPr>
+          <p:cNvPr id="2" name="Title 1">
+            <a:extLst>
+              <a:ext uri="{FF2B5EF4-FFF2-40B4-BE49-F238E27FC236}">
                 <a16:creationId xmlns:a16="http://schemas.microsoft.com/office/drawing/2014/main" id="{ECB7C652-2907-E48F-08F6-303E09C6EB10}"/>
               </a:ext>
             </a:extLst>
@@ -6111,7 +8757,7 @@
         </p:nvGraphicFramePr>
         <p:xfrm>
           <a:off x="838200" y="1825625"/>
-          <a:ext cx="10515600" cy="5120640"/>
+          <a:ext cx="10515601" cy="3131820"/>
         </p:xfrm>
         <a:graphic>
           <a:graphicData uri="http://schemas.openxmlformats.org/drawingml/2006/table">
@@ -6141,7 +8787,7 @@
                     </a:ext>
                   </a:extLst>
                 </a:gridCol>
-                <a:gridCol w="3051958">
+                <a:gridCol w="3051959">
                   <a:extLst>
                     <a:ext uri="{9D8B030D-6E8A-4147-A177-3AD203B41FA5}">
                       <a16:colId xmlns:a16="http://schemas.microsoft.com/office/drawing/2014/main" val="1596670242"/>
@@ -6156,14 +8802,14 @@
                   </a:extLst>
                 </a:gridCol>
               </a:tblGrid>
-              <a:tr h="370840">
-                <a:tc>
-                  <a:txBody>
-                    <a:bodyPr/>
-                    <a:lstStyle/>
-                    <a:p>
-                      <a:r>
-                        <a:rPr lang="en-DE" dirty="0"/>
+              <a:tr h="708660">
+                <a:tc>
+                  <a:txBody>
+                    <a:bodyPr/>
+                    <a:lstStyle/>
+                    <a:p>
+                      <a:r>
+                        <a:rPr lang="en-DE" sz="1300" dirty="0"/>
                         <a:t>Risiko</a:t>
                       </a:r>
                     </a:p>
@@ -6176,7 +8822,7 @@
                     <a:lstStyle/>
                     <a:p>
                       <a:r>
-                        <a:rPr lang="en-DE" dirty="0"/>
+                        <a:rPr lang="en-DE" sz="1300" dirty="0"/>
                         <a:t>Ursache</a:t>
                       </a:r>
                     </a:p>
@@ -6189,7 +8835,7 @@
                     <a:lstStyle/>
                     <a:p>
                       <a:r>
-                        <a:rPr lang="en-DE" dirty="0"/>
+                        <a:rPr lang="en-DE" sz="1300" dirty="0"/>
                         <a:t>Eintritts Wahrscheinlichkeit</a:t>
                       </a:r>
                     </a:p>
@@ -6202,7 +8848,7 @@
                     <a:lstStyle/>
                     <a:p>
                       <a:r>
-                        <a:rPr lang="en-DE" dirty="0"/>
+                        <a:rPr lang="en-DE" sz="1300" dirty="0"/>
                         <a:t>Mitigation / Gegenmaßnahme</a:t>
                       </a:r>
                     </a:p>
@@ -6215,7 +8861,7 @@
                     <a:lstStyle/>
                     <a:p>
                       <a:r>
-                        <a:rPr lang="en-DE" dirty="0"/>
+                        <a:rPr lang="en-DE" sz="1300" dirty="0"/>
                         <a:t>Stakeholder</a:t>
                       </a:r>
                     </a:p>
@@ -6228,14 +8874,14 @@
                   </a:ext>
                 </a:extLst>
               </a:tr>
-              <a:tr h="370840">
-                <a:tc>
-                  <a:txBody>
-                    <a:bodyPr/>
-                    <a:lstStyle/>
-                    <a:p>
-                      <a:r>
-                        <a:rPr lang="en-DE" dirty="0"/>
+              <a:tr h="502920">
+                <a:tc>
+                  <a:txBody>
+                    <a:bodyPr/>
+                    <a:lstStyle/>
+                    <a:p>
+                      <a:r>
+                        <a:rPr lang="en-DE" sz="1300" dirty="0"/>
                         <a:t>Dokumentation wird nicht rechtzeitig fertig</a:t>
                       </a:r>
                     </a:p>
@@ -6248,7 +8894,7 @@
                     <a:lstStyle/>
                     <a:p>
                       <a:r>
-                        <a:rPr lang="en-DE" dirty="0"/>
+                        <a:rPr lang="en-DE" sz="1300" dirty="0"/>
                         <a:t>Ausfälle bei Doku-Entwicklung</a:t>
                       </a:r>
                     </a:p>
@@ -6261,7 +8907,7 @@
                     <a:lstStyle/>
                     <a:p>
                       <a:r>
-                        <a:rPr lang="en-DE" dirty="0"/>
+                        <a:rPr lang="en-DE" sz="1300" dirty="0"/>
                         <a:t>5,0%</a:t>
                       </a:r>
                     </a:p>
@@ -6274,7 +8920,7 @@
                     <a:lstStyle/>
                     <a:p>
                       <a:r>
-                        <a:rPr lang="en-DE" dirty="0"/>
+                        <a:rPr lang="en-DE" sz="1300" dirty="0"/>
                         <a:t>Regelmäßige Absprache mit Reviews unter den Entwicklern</a:t>
                       </a:r>
                     </a:p>
@@ -6287,7 +8933,7 @@
                     <a:lstStyle/>
                     <a:p>
                       <a:r>
-                        <a:rPr lang="en-DE" dirty="0"/>
+                        <a:rPr lang="en-DE" sz="1300" dirty="0"/>
                         <a:t>Scrum Master</a:t>
                       </a:r>
                     </a:p>
@@ -6300,14 +8946,14 @@
                   </a:ext>
                 </a:extLst>
               </a:tr>
-              <a:tr h="370840">
-                <a:tc>
-                  <a:txBody>
-                    <a:bodyPr/>
-                    <a:lstStyle/>
-                    <a:p>
-                      <a:r>
-                        <a:rPr lang="en-DE" dirty="0"/>
+              <a:tr h="502920">
+                <a:tc>
+                  <a:txBody>
+                    <a:bodyPr/>
+                    <a:lstStyle/>
+                    <a:p>
+                      <a:r>
+                        <a:rPr lang="en-DE" sz="1300" dirty="0"/>
                         <a:t>Produkt wird nicht rechtzeitig fertig</a:t>
                       </a:r>
                     </a:p>
@@ -6320,7 +8966,7 @@
                     <a:lstStyle/>
                     <a:p>
                       <a:r>
-                        <a:rPr lang="en-DE" dirty="0"/>
+                        <a:rPr lang="en-DE" sz="1300" dirty="0"/>
                         <a:t>Ausfälle in der Entwicklung</a:t>
                       </a:r>
                     </a:p>
@@ -6333,7 +8979,7 @@
                     <a:lstStyle/>
                     <a:p>
                       <a:r>
-                        <a:rPr lang="en-DE" dirty="0"/>
+                        <a:rPr lang="en-DE" sz="1300" dirty="0"/>
                         <a:t>0,5%</a:t>
                       </a:r>
                     </a:p>
@@ -6346,7 +8992,7 @@
                     <a:lstStyle/>
                     <a:p>
                       <a:r>
-                        <a:rPr lang="en-DE" dirty="0"/>
+                        <a:rPr lang="en-DE" sz="1300" dirty="0"/>
                         <a:t>Alle Entwickler werden in Front- und Backend eingebunden</a:t>
                       </a:r>
                     </a:p>
@@ -6359,13 +9005,13 @@
                     <a:lstStyle/>
                     <a:p>
                       <a:r>
-                        <a:rPr lang="en-DE" dirty="0"/>
+                        <a:rPr lang="en-DE" sz="1300" dirty="0"/>
                         <a:t>Scrum Master,</a:t>
                       </a:r>
                     </a:p>
                     <a:p>
                       <a:r>
-                        <a:rPr lang="en-DE" dirty="0"/>
+                        <a:rPr lang="en-DE" sz="1300" dirty="0"/>
                         <a:t>Projektmanager</a:t>
                       </a:r>
                     </a:p>
@@ -6378,14 +9024,14 @@
                   </a:ext>
                 </a:extLst>
               </a:tr>
-              <a:tr h="370840">
-                <a:tc>
-                  <a:txBody>
-                    <a:bodyPr/>
-                    <a:lstStyle/>
-                    <a:p>
-                      <a:r>
-                        <a:rPr lang="en-DE" dirty="0"/>
+              <a:tr h="914400">
+                <a:tc>
+                  <a:txBody>
+                    <a:bodyPr/>
+                    <a:lstStyle/>
+                    <a:p>
+                      <a:r>
+                        <a:rPr lang="en-DE" sz="1300" dirty="0"/>
                         <a:t>Mangel an Fachwissen</a:t>
                       </a:r>
                     </a:p>
@@ -6398,7 +9044,7 @@
                     <a:lstStyle/>
                     <a:p>
                       <a:r>
-                        <a:rPr lang="en-DE" dirty="0"/>
+                        <a:rPr lang="en-DE" sz="1300" dirty="0"/>
                         <a:t>Unzureichende Kenntnisse oder Erfahrungen im Team</a:t>
                       </a:r>
                     </a:p>
@@ -6411,7 +9057,7 @@
                     <a:lstStyle/>
                     <a:p>
                       <a:r>
-                        <a:rPr lang="en-DE" dirty="0"/>
+                        <a:rPr lang="en-DE" sz="1300" dirty="0"/>
                         <a:t>20%</a:t>
                       </a:r>
                     </a:p>
@@ -6424,7 +9070,7 @@
                     <a:lstStyle/>
                     <a:p>
                       <a:r>
-                        <a:rPr lang="en-DE" dirty="0"/>
+                        <a:rPr lang="en-DE" sz="1300" dirty="0"/>
                         <a:t>Alle Entwickler werden bei der Wahl der Technologie mit einbezogen und auf ihre Kenntnisse Rücksicht genommen</a:t>
                       </a:r>
                     </a:p>
@@ -6437,13 +9083,13 @@
                     <a:lstStyle/>
                     <a:p>
                       <a:r>
-                        <a:rPr lang="en-DE" dirty="0"/>
+                        <a:rPr lang="en-DE" sz="1300" dirty="0"/>
                         <a:t>Projektmanager,</a:t>
                       </a:r>
                     </a:p>
                     <a:p>
                       <a:r>
-                        <a:rPr lang="en-DE" dirty="0"/>
+                        <a:rPr lang="en-DE" sz="1300" dirty="0"/>
                         <a:t>Scrum Master</a:t>
                       </a:r>
                     </a:p>
@@ -6456,14 +9102,14 @@
                   </a:ext>
                 </a:extLst>
               </a:tr>
-              <a:tr h="370840">
-                <a:tc>
-                  <a:txBody>
-                    <a:bodyPr/>
-                    <a:lstStyle/>
-                    <a:p>
-                      <a:r>
-                        <a:rPr lang="en-DE" dirty="0"/>
+              <a:tr h="502920">
+                <a:tc>
+                  <a:txBody>
+                    <a:bodyPr/>
+                    <a:lstStyle/>
+                    <a:p>
+                      <a:r>
+                        <a:rPr lang="en-DE" sz="1300" dirty="0"/>
                         <a:t>Test Coverage &lt;80%</a:t>
                       </a:r>
                     </a:p>
@@ -6476,7 +9122,7 @@
                     <a:lstStyle/>
                     <a:p>
                       <a:r>
-                        <a:rPr lang="en-DE" dirty="0"/>
+                        <a:rPr lang="en-DE" sz="1300" dirty="0"/>
                         <a:t>Ausfälle in der Entwicklung</a:t>
                       </a:r>
                     </a:p>
@@ -6489,7 +9135,7 @@
                     <a:lstStyle/>
                     <a:p>
                       <a:r>
-                        <a:rPr lang="en-DE" dirty="0"/>
+                        <a:rPr lang="en-DE" sz="1300" dirty="0"/>
                         <a:t>20%</a:t>
                       </a:r>
                     </a:p>
@@ -6502,7 +9148,7 @@
                     <a:lstStyle/>
                     <a:p>
                       <a:r>
-                        <a:rPr lang="en-DE" dirty="0"/>
+                        <a:rPr lang="en-DE" sz="1300" dirty="0"/>
                         <a:t>Keine- Risiko wird aufgrund der kurzen Entwicklungszeit akzeptiert </a:t>
                       </a:r>
                     </a:p>
@@ -6515,7 +9161,7 @@
                     <a:lstStyle/>
                     <a:p>
                       <a:r>
-                        <a:rPr lang="en-DE" dirty="0"/>
+                        <a:rPr lang="en-DE" sz="1300" dirty="0"/>
                         <a:t>Projektmanager</a:t>
                       </a:r>
                     </a:p>
@@ -6536,1375 +9182,6 @@
     <p:extLst>
       <p:ext uri="{BB962C8B-B14F-4D97-AF65-F5344CB8AC3E}">
         <p14:creationId xmlns:p14="http://schemas.microsoft.com/office/powerpoint/2010/main" val="379084021"/>
-      </p:ext>
-    </p:extLst>
-  </p:cSld>
-  <p:clrMapOvr>
-    <a:masterClrMapping/>
-  </p:clrMapOvr>
-</p:sld>
-</file>
-
-<file path=ppt/slides/slide9.xml><?xml version="1.0" encoding="utf-8"?>
-<p:sld xmlns:a="http://schemas.openxmlformats.org/drawingml/2006/main" xmlns:r="http://schemas.openxmlformats.org/officeDocument/2006/relationships" xmlns:p="http://schemas.openxmlformats.org/presentationml/2006/main">
-  <p:cSld>
-    <p:spTree>
-      <p:nvGrpSpPr>
-        <p:cNvPr id="1" name=""/>
-        <p:cNvGrpSpPr/>
-        <p:nvPr/>
-      </p:nvGrpSpPr>
-      <p:grpSpPr>
-        <a:xfrm>
-          <a:off x="0" y="0"/>
-          <a:ext cx="0" cy="0"/>
-          <a:chOff x="0" y="0"/>
-          <a:chExt cx="0" cy="0"/>
-        </a:xfrm>
-      </p:grpSpPr>
-      <p:sp>
-        <p:nvSpPr>
-          <p:cNvPr id="2" name="Title 1">
-            <a:extLst>
-              <a:ext uri="{FF2B5EF4-FFF2-40B4-BE49-F238E27FC236}">
-                <a16:creationId xmlns:a16="http://schemas.microsoft.com/office/drawing/2014/main" id="{FF7B60E5-A69F-29C9-E354-CD58DBEC380D}"/>
-              </a:ext>
-            </a:extLst>
-          </p:cNvPr>
-          <p:cNvSpPr>
-            <a:spLocks noGrp="1"/>
-          </p:cNvSpPr>
-          <p:nvPr>
-            <p:ph type="title"/>
-          </p:nvPr>
-        </p:nvSpPr>
-        <p:spPr/>
-        <p:txBody>
-          <a:bodyPr/>
-          <a:lstStyle/>
-          <a:p>
-            <a:r>
-              <a:rPr lang="en-DE" dirty="0"/>
-              <a:t>Product Backlog</a:t>
-            </a:r>
-          </a:p>
-        </p:txBody>
-      </p:sp>
-      <p:graphicFrame>
-        <p:nvGraphicFramePr>
-          <p:cNvPr id="4" name="Content Placeholder 3">
-            <a:extLst>
-              <a:ext uri="{FF2B5EF4-FFF2-40B4-BE49-F238E27FC236}">
-                <a16:creationId xmlns:a16="http://schemas.microsoft.com/office/drawing/2014/main" id="{5C6E70F7-27AF-28B9-E363-472395824058}"/>
-              </a:ext>
-            </a:extLst>
-          </p:cNvPr>
-          <p:cNvGraphicFramePr>
-            <a:graphicFrameLocks noGrp="1"/>
-          </p:cNvGraphicFramePr>
-          <p:nvPr>
-            <p:ph idx="1"/>
-            <p:extLst>
-              <p:ext uri="{D42A27DB-BD31-4B8C-83A1-F6EECF244321}">
-                <p14:modId xmlns:p14="http://schemas.microsoft.com/office/powerpoint/2010/main" val="3079057424"/>
-              </p:ext>
-            </p:extLst>
-          </p:nvPr>
-        </p:nvGraphicFramePr>
-        <p:xfrm>
-          <a:off x="838200" y="1825625"/>
-          <a:ext cx="10515600" cy="16022320"/>
-        </p:xfrm>
-        <a:graphic>
-          <a:graphicData uri="http://schemas.openxmlformats.org/drawingml/2006/table">
-            <a:tbl>
-              <a:tblPr firstRow="1" bandRow="1">
-                <a:tableStyleId>{21E4AEA4-8DFA-4A89-87EB-49C32662AFE0}</a:tableStyleId>
-              </a:tblPr>
-              <a:tblGrid>
-                <a:gridCol w="729343">
-                  <a:extLst>
-                    <a:ext uri="{9D8B030D-6E8A-4147-A177-3AD203B41FA5}">
-                      <a16:colId xmlns:a16="http://schemas.microsoft.com/office/drawing/2014/main" val="1987750083"/>
-                    </a:ext>
-                  </a:extLst>
-                </a:gridCol>
-                <a:gridCol w="2300369">
-                  <a:extLst>
-                    <a:ext uri="{9D8B030D-6E8A-4147-A177-3AD203B41FA5}">
-                      <a16:colId xmlns:a16="http://schemas.microsoft.com/office/drawing/2014/main" val="645368892"/>
-                    </a:ext>
-                  </a:extLst>
-                </a:gridCol>
-                <a:gridCol w="6053328">
-                  <a:extLst>
-                    <a:ext uri="{9D8B030D-6E8A-4147-A177-3AD203B41FA5}">
-                      <a16:colId xmlns:a16="http://schemas.microsoft.com/office/drawing/2014/main" val="207721845"/>
-                    </a:ext>
-                  </a:extLst>
-                </a:gridCol>
-                <a:gridCol w="1432560">
-                  <a:extLst>
-                    <a:ext uri="{9D8B030D-6E8A-4147-A177-3AD203B41FA5}">
-                      <a16:colId xmlns:a16="http://schemas.microsoft.com/office/drawing/2014/main" val="2256790804"/>
-                    </a:ext>
-                  </a:extLst>
-                </a:gridCol>
-              </a:tblGrid>
-              <a:tr h="370840">
-                <a:tc>
-                  <a:txBody>
-                    <a:bodyPr/>
-                    <a:lstStyle/>
-                    <a:p>
-                      <a:r>
-                        <a:rPr lang="en-DE" dirty="0"/>
-                        <a:t>ID</a:t>
-                      </a:r>
-                    </a:p>
-                  </a:txBody>
-                  <a:tcPr/>
-                </a:tc>
-                <a:tc>
-                  <a:txBody>
-                    <a:bodyPr/>
-                    <a:lstStyle/>
-                    <a:p>
-                      <a:r>
-                        <a:rPr lang="en-DE" dirty="0"/>
-                        <a:t>Epic</a:t>
-                      </a:r>
-                    </a:p>
-                  </a:txBody>
-                  <a:tcPr/>
-                </a:tc>
-                <a:tc>
-                  <a:txBody>
-                    <a:bodyPr/>
-                    <a:lstStyle/>
-                    <a:p>
-                      <a:r>
-                        <a:rPr lang="en-DE" dirty="0"/>
-                        <a:t>User Story</a:t>
-                      </a:r>
-                    </a:p>
-                  </a:txBody>
-                  <a:tcPr/>
-                </a:tc>
-                <a:tc>
-                  <a:txBody>
-                    <a:bodyPr/>
-                    <a:lstStyle/>
-                    <a:p>
-                      <a:r>
-                        <a:rPr lang="en-DE" dirty="0"/>
-                        <a:t>Priorität</a:t>
-                      </a:r>
-                    </a:p>
-                  </a:txBody>
-                  <a:tcPr/>
-                </a:tc>
-                <a:extLst>
-                  <a:ext uri="{0D108BD9-81ED-4DB2-BD59-A6C34878D82A}">
-                    <a16:rowId xmlns:a16="http://schemas.microsoft.com/office/drawing/2014/main" val="3256265648"/>
-                  </a:ext>
-                </a:extLst>
-              </a:tr>
-              <a:tr h="370840">
-                <a:tc>
-                  <a:txBody>
-                    <a:bodyPr/>
-                    <a:lstStyle/>
-                    <a:p>
-                      <a:r>
-                        <a:rPr lang="en-DE" dirty="0"/>
-                        <a:t>1001</a:t>
-                      </a:r>
-                    </a:p>
-                  </a:txBody>
-                  <a:tcPr/>
-                </a:tc>
-                <a:tc>
-                  <a:txBody>
-                    <a:bodyPr/>
-                    <a:lstStyle/>
-                    <a:p>
-                      <a:r>
-                        <a:rPr lang="en-DE" dirty="0"/>
-                        <a:t>Spiel erstellen</a:t>
-                      </a:r>
-                    </a:p>
-                  </a:txBody>
-                  <a:tcPr/>
-                </a:tc>
-                <a:tc>
-                  <a:txBody>
-                    <a:bodyPr/>
-                    <a:lstStyle/>
-                    <a:p>
-                      <a:r>
-                        <a:rPr lang="en-DE" dirty="0"/>
-                        <a:t>Als Benutzer möchte ich ein Spiel erstellen können, dass andere dann sehen und diesem beitreten können</a:t>
-                      </a:r>
-                    </a:p>
-                  </a:txBody>
-                  <a:tcPr/>
-                </a:tc>
-                <a:tc>
-                  <a:txBody>
-                    <a:bodyPr/>
-                    <a:lstStyle/>
-                    <a:p>
-                      <a:endParaRPr lang="en-DE"/>
-                    </a:p>
-                  </a:txBody>
-                  <a:tcPr/>
-                </a:tc>
-                <a:extLst>
-                  <a:ext uri="{0D108BD9-81ED-4DB2-BD59-A6C34878D82A}">
-                    <a16:rowId xmlns:a16="http://schemas.microsoft.com/office/drawing/2014/main" val="3855986042"/>
-                  </a:ext>
-                </a:extLst>
-              </a:tr>
-              <a:tr h="370840">
-                <a:tc>
-                  <a:txBody>
-                    <a:bodyPr/>
-                    <a:lstStyle/>
-                    <a:p>
-                      <a:r>
-                        <a:rPr lang="en-DE" dirty="0"/>
-                        <a:t>2001</a:t>
-                      </a:r>
-                    </a:p>
-                  </a:txBody>
-                  <a:tcPr/>
-                </a:tc>
-                <a:tc>
-                  <a:txBody>
-                    <a:bodyPr/>
-                    <a:lstStyle/>
-                    <a:p>
-                      <a:r>
-                        <a:rPr lang="en-DE" dirty="0"/>
-                        <a:t>Spiel erstellen</a:t>
-                      </a:r>
-                    </a:p>
-                  </a:txBody>
-                  <a:tcPr/>
-                </a:tc>
-                <a:tc>
-                  <a:txBody>
-                    <a:bodyPr/>
-                    <a:lstStyle/>
-                    <a:p>
-                      <a:r>
-                        <a:rPr lang="en-DE" dirty="0"/>
-                        <a:t>Als B</a:t>
-                      </a:r>
-                      <a:r>
-                        <a:rPr lang="en-GB" dirty="0"/>
-                        <a:t>e</a:t>
-                      </a:r>
-                      <a:r>
-                        <a:rPr lang="en-DE" dirty="0"/>
-                        <a:t>nutzer möchte ich eine Oberfläche haben, auf der ich ein Spiel erstellen und konfigurieren kann, wenn das spiel erstellt ist, werde ich in die Spielansicht weitergeleitet</a:t>
-                      </a:r>
-                    </a:p>
-                  </a:txBody>
-                  <a:tcPr/>
-                </a:tc>
-                <a:tc>
-                  <a:txBody>
-                    <a:bodyPr/>
-                    <a:lstStyle/>
-                    <a:p>
-                      <a:endParaRPr lang="en-DE"/>
-                    </a:p>
-                  </a:txBody>
-                  <a:tcPr/>
-                </a:tc>
-                <a:extLst>
-                  <a:ext uri="{0D108BD9-81ED-4DB2-BD59-A6C34878D82A}">
-                    <a16:rowId xmlns:a16="http://schemas.microsoft.com/office/drawing/2014/main" val="3411303007"/>
-                  </a:ext>
-                </a:extLst>
-              </a:tr>
-              <a:tr h="370840">
-                <a:tc>
-                  <a:txBody>
-                    <a:bodyPr/>
-                    <a:lstStyle/>
-                    <a:p>
-                      <a:r>
-                        <a:rPr lang="en-DE" dirty="0"/>
-                        <a:t>1002</a:t>
-                      </a:r>
-                    </a:p>
-                  </a:txBody>
-                  <a:tcPr/>
-                </a:tc>
-                <a:tc>
-                  <a:txBody>
-                    <a:bodyPr/>
-                    <a:lstStyle/>
-                    <a:p>
-                      <a:r>
-                        <a:rPr lang="en-DE" dirty="0"/>
-                        <a:t>Spiel beitreten</a:t>
-                      </a:r>
-                    </a:p>
-                  </a:txBody>
-                  <a:tcPr/>
-                </a:tc>
-                <a:tc>
-                  <a:txBody>
-                    <a:bodyPr/>
-                    <a:lstStyle/>
-                    <a:p>
-                      <a:r>
-                        <a:rPr lang="en-DE" dirty="0"/>
-                        <a:t>Als Benutzer möchte ich einem Spiel beitreten können und an diesem dann teilnehmen</a:t>
-                      </a:r>
-                    </a:p>
-                  </a:txBody>
-                  <a:tcPr/>
-                </a:tc>
-                <a:tc>
-                  <a:txBody>
-                    <a:bodyPr/>
-                    <a:lstStyle/>
-                    <a:p>
-                      <a:endParaRPr lang="en-DE"/>
-                    </a:p>
-                  </a:txBody>
-                  <a:tcPr/>
-                </a:tc>
-                <a:extLst>
-                  <a:ext uri="{0D108BD9-81ED-4DB2-BD59-A6C34878D82A}">
-                    <a16:rowId xmlns:a16="http://schemas.microsoft.com/office/drawing/2014/main" val="1293520576"/>
-                  </a:ext>
-                </a:extLst>
-              </a:tr>
-              <a:tr h="370840">
-                <a:tc>
-                  <a:txBody>
-                    <a:bodyPr/>
-                    <a:lstStyle/>
-                    <a:p>
-                      <a:r>
-                        <a:rPr lang="en-DE" dirty="0"/>
-                        <a:t>2002</a:t>
-                      </a:r>
-                    </a:p>
-                  </a:txBody>
-                  <a:tcPr/>
-                </a:tc>
-                <a:tc>
-                  <a:txBody>
-                    <a:bodyPr/>
-                    <a:lstStyle/>
-                    <a:p>
-                      <a:r>
-                        <a:rPr lang="en-DE" dirty="0"/>
-                        <a:t>Spiel beitreten</a:t>
-                      </a:r>
-                    </a:p>
-                  </a:txBody>
-                  <a:tcPr/>
-                </a:tc>
-                <a:tc>
-                  <a:txBody>
-                    <a:bodyPr/>
-                    <a:lstStyle/>
-                    <a:p>
-                      <a:r>
-                        <a:rPr lang="en-DE" dirty="0"/>
-                        <a:t>Als Benutzer möchte ich eine Übersicht an Spielen haben, denen ich beitreten kann</a:t>
-                      </a:r>
-                    </a:p>
-                  </a:txBody>
-                  <a:tcPr/>
-                </a:tc>
-                <a:tc>
-                  <a:txBody>
-                    <a:bodyPr/>
-                    <a:lstStyle/>
-                    <a:p>
-                      <a:endParaRPr lang="en-DE"/>
-                    </a:p>
-                  </a:txBody>
-                  <a:tcPr/>
-                </a:tc>
-                <a:extLst>
-                  <a:ext uri="{0D108BD9-81ED-4DB2-BD59-A6C34878D82A}">
-                    <a16:rowId xmlns:a16="http://schemas.microsoft.com/office/drawing/2014/main" val="2489901243"/>
-                  </a:ext>
-                </a:extLst>
-              </a:tr>
-              <a:tr h="370840">
-                <a:tc>
-                  <a:txBody>
-                    <a:bodyPr/>
-                    <a:lstStyle/>
-                    <a:p>
-                      <a:r>
-                        <a:rPr lang="en-DE" dirty="0"/>
-                        <a:t>2003</a:t>
-                      </a:r>
-                    </a:p>
-                  </a:txBody>
-                  <a:tcPr/>
-                </a:tc>
-                <a:tc>
-                  <a:txBody>
-                    <a:bodyPr/>
-                    <a:lstStyle/>
-                    <a:p>
-                      <a:r>
-                        <a:rPr lang="en-DE" dirty="0"/>
-                        <a:t>Spiel beitreten</a:t>
-                      </a:r>
-                    </a:p>
-                  </a:txBody>
-                  <a:tcPr/>
-                </a:tc>
-                <a:tc>
-                  <a:txBody>
-                    <a:bodyPr/>
-                    <a:lstStyle/>
-                    <a:p>
-                      <a:r>
-                        <a:rPr lang="en-DE" dirty="0"/>
-                        <a:t>Als Benutzer möchte ich, wenn ich einem Spiel beitrete, meinen Namen eingeben müssen und dann auf die Spielseite weitergeleitet werden</a:t>
-                      </a:r>
-                    </a:p>
-                  </a:txBody>
-                  <a:tcPr/>
-                </a:tc>
-                <a:tc>
-                  <a:txBody>
-                    <a:bodyPr/>
-                    <a:lstStyle/>
-                    <a:p>
-                      <a:endParaRPr lang="en-DE"/>
-                    </a:p>
-                  </a:txBody>
-                  <a:tcPr/>
-                </a:tc>
-                <a:extLst>
-                  <a:ext uri="{0D108BD9-81ED-4DB2-BD59-A6C34878D82A}">
-                    <a16:rowId xmlns:a16="http://schemas.microsoft.com/office/drawing/2014/main" val="3463875102"/>
-                  </a:ext>
-                </a:extLst>
-              </a:tr>
-              <a:tr h="370840">
-                <a:tc>
-                  <a:txBody>
-                    <a:bodyPr/>
-                    <a:lstStyle/>
-                    <a:p>
-                      <a:r>
-                        <a:rPr lang="en-DE" dirty="0"/>
-                        <a:t>1003</a:t>
-                      </a:r>
-                    </a:p>
-                  </a:txBody>
-                  <a:tcPr/>
-                </a:tc>
-                <a:tc>
-                  <a:txBody>
-                    <a:bodyPr/>
-                    <a:lstStyle/>
-                    <a:p>
-                      <a:r>
-                        <a:rPr lang="en-DE" dirty="0"/>
-                        <a:t>Spiel verlassen</a:t>
-                      </a:r>
-                    </a:p>
-                  </a:txBody>
-                  <a:tcPr/>
-                </a:tc>
-                <a:tc>
-                  <a:txBody>
-                    <a:bodyPr/>
-                    <a:lstStyle/>
-                    <a:p>
-                      <a:r>
-                        <a:rPr lang="en-DE" dirty="0"/>
-                        <a:t>Als Benutzer möchte ich jederzeit das Spiel wieder verlassen können</a:t>
-                      </a:r>
-                    </a:p>
-                  </a:txBody>
-                  <a:tcPr/>
-                </a:tc>
-                <a:tc>
-                  <a:txBody>
-                    <a:bodyPr/>
-                    <a:lstStyle/>
-                    <a:p>
-                      <a:endParaRPr lang="en-DE"/>
-                    </a:p>
-                  </a:txBody>
-                  <a:tcPr/>
-                </a:tc>
-                <a:extLst>
-                  <a:ext uri="{0D108BD9-81ED-4DB2-BD59-A6C34878D82A}">
-                    <a16:rowId xmlns:a16="http://schemas.microsoft.com/office/drawing/2014/main" val="1907830566"/>
-                  </a:ext>
-                </a:extLst>
-              </a:tr>
-              <a:tr h="370840">
-                <a:tc>
-                  <a:txBody>
-                    <a:bodyPr/>
-                    <a:lstStyle/>
-                    <a:p>
-                      <a:r>
-                        <a:rPr lang="en-DE" dirty="0"/>
-                        <a:t>2004</a:t>
-                      </a:r>
-                    </a:p>
-                  </a:txBody>
-                  <a:tcPr/>
-                </a:tc>
-                <a:tc>
-                  <a:txBody>
-                    <a:bodyPr/>
-                    <a:lstStyle/>
-                    <a:p>
-                      <a:r>
-                        <a:rPr lang="en-DE" dirty="0"/>
-                        <a:t>Spiel verlassen</a:t>
-                      </a:r>
-                    </a:p>
-                  </a:txBody>
-                  <a:tcPr/>
-                </a:tc>
-                <a:tc>
-                  <a:txBody>
-                    <a:bodyPr/>
-                    <a:lstStyle/>
-                    <a:p>
-                      <a:r>
-                        <a:rPr lang="en-DE" dirty="0"/>
-                        <a:t>Als Benutzer möchte ich jederzeit über eine Knopf das Spiel verlassen können und werde dann wieder auf die Seite, auf der man Spielen beitreten kann, weitergeleitet</a:t>
-                      </a:r>
-                    </a:p>
-                  </a:txBody>
-                  <a:tcPr/>
-                </a:tc>
-                <a:tc>
-                  <a:txBody>
-                    <a:bodyPr/>
-                    <a:lstStyle/>
-                    <a:p>
-                      <a:endParaRPr lang="en-DE"/>
-                    </a:p>
-                  </a:txBody>
-                  <a:tcPr/>
-                </a:tc>
-                <a:extLst>
-                  <a:ext uri="{0D108BD9-81ED-4DB2-BD59-A6C34878D82A}">
-                    <a16:rowId xmlns:a16="http://schemas.microsoft.com/office/drawing/2014/main" val="3996010894"/>
-                  </a:ext>
-                </a:extLst>
-              </a:tr>
-              <a:tr h="370840">
-                <a:tc>
-                  <a:txBody>
-                    <a:bodyPr/>
-                    <a:lstStyle/>
-                    <a:p>
-                      <a:r>
-                        <a:rPr lang="en-DE" dirty="0"/>
-                        <a:t>1004</a:t>
-                      </a:r>
-                    </a:p>
-                  </a:txBody>
-                  <a:tcPr/>
-                </a:tc>
-                <a:tc>
-                  <a:txBody>
-                    <a:bodyPr/>
-                    <a:lstStyle/>
-                    <a:p>
-                      <a:r>
-                        <a:rPr lang="en-DE" dirty="0"/>
-                        <a:t>Bingofeld erstellen</a:t>
-                      </a:r>
-                    </a:p>
-                  </a:txBody>
-                  <a:tcPr/>
-                </a:tc>
-                <a:tc>
-                  <a:txBody>
-                    <a:bodyPr/>
-                    <a:lstStyle/>
-                    <a:p>
-                      <a:r>
-                        <a:rPr lang="en-DE" dirty="0"/>
-                        <a:t>Als Benutzer möchte ich eine Bingofeld erstellen können indem ich dort meine eigenen Begriffe eintrage</a:t>
-                      </a:r>
-                    </a:p>
-                  </a:txBody>
-                  <a:tcPr/>
-                </a:tc>
-                <a:tc>
-                  <a:txBody>
-                    <a:bodyPr/>
-                    <a:lstStyle/>
-                    <a:p>
-                      <a:endParaRPr lang="en-DE"/>
-                    </a:p>
-                  </a:txBody>
-                  <a:tcPr/>
-                </a:tc>
-                <a:extLst>
-                  <a:ext uri="{0D108BD9-81ED-4DB2-BD59-A6C34878D82A}">
-                    <a16:rowId xmlns:a16="http://schemas.microsoft.com/office/drawing/2014/main" val="1946434553"/>
-                  </a:ext>
-                </a:extLst>
-              </a:tr>
-              <a:tr h="370840">
-                <a:tc>
-                  <a:txBody>
-                    <a:bodyPr/>
-                    <a:lstStyle/>
-                    <a:p>
-                      <a:r>
-                        <a:rPr lang="en-DE" dirty="0"/>
-                        <a:t>2005</a:t>
-                      </a:r>
-                    </a:p>
-                  </a:txBody>
-                  <a:tcPr/>
-                </a:tc>
-                <a:tc>
-                  <a:txBody>
-                    <a:bodyPr/>
-                    <a:lstStyle/>
-                    <a:p>
-                      <a:r>
-                        <a:rPr lang="en-DE" dirty="0"/>
-                        <a:t>Bingofeld erstellen</a:t>
-                      </a:r>
-                    </a:p>
-                  </a:txBody>
-                  <a:tcPr/>
-                </a:tc>
-                <a:tc>
-                  <a:txBody>
-                    <a:bodyPr/>
-                    <a:lstStyle/>
-                    <a:p>
-                      <a:r>
-                        <a:rPr lang="en-DE" dirty="0"/>
-                        <a:t>Als Benutzer möchte ich auf der Spielseite in die Bingofelder eigene Begriffe eintragen können</a:t>
-                      </a:r>
-                    </a:p>
-                  </a:txBody>
-                  <a:tcPr/>
-                </a:tc>
-                <a:tc>
-                  <a:txBody>
-                    <a:bodyPr/>
-                    <a:lstStyle/>
-                    <a:p>
-                      <a:endParaRPr lang="en-DE" dirty="0"/>
-                    </a:p>
-                  </a:txBody>
-                  <a:tcPr/>
-                </a:tc>
-                <a:extLst>
-                  <a:ext uri="{0D108BD9-81ED-4DB2-BD59-A6C34878D82A}">
-                    <a16:rowId xmlns:a16="http://schemas.microsoft.com/office/drawing/2014/main" val="2074463469"/>
-                  </a:ext>
-                </a:extLst>
-              </a:tr>
-              <a:tr h="370840">
-                <a:tc>
-                  <a:txBody>
-                    <a:bodyPr/>
-                    <a:lstStyle/>
-                    <a:p>
-                      <a:r>
-                        <a:rPr lang="en-DE" dirty="0"/>
-                        <a:t>1005</a:t>
-                      </a:r>
-                    </a:p>
-                  </a:txBody>
-                  <a:tcPr/>
-                </a:tc>
-                <a:tc>
-                  <a:txBody>
-                    <a:bodyPr/>
-                    <a:lstStyle/>
-                    <a:p>
-                      <a:r>
-                        <a:rPr lang="en-DE" dirty="0"/>
-                        <a:t>Spiel starten</a:t>
-                      </a:r>
-                    </a:p>
-                  </a:txBody>
-                  <a:tcPr/>
-                </a:tc>
-                <a:tc>
-                  <a:txBody>
-                    <a:bodyPr/>
-                    <a:lstStyle/>
-                    <a:p>
-                      <a:r>
-                        <a:rPr lang="en-DE" dirty="0"/>
-                        <a:t>Als Benutzer, der eine Spiel erstellt hat, möchte ich ein Spiel starten können, die Spieler sollen darüber informiert werden</a:t>
-                      </a:r>
-                    </a:p>
-                  </a:txBody>
-                  <a:tcPr/>
-                </a:tc>
-                <a:tc>
-                  <a:txBody>
-                    <a:bodyPr/>
-                    <a:lstStyle/>
-                    <a:p>
-                      <a:endParaRPr lang="en-DE" dirty="0"/>
-                    </a:p>
-                  </a:txBody>
-                  <a:tcPr/>
-                </a:tc>
-                <a:extLst>
-                  <a:ext uri="{0D108BD9-81ED-4DB2-BD59-A6C34878D82A}">
-                    <a16:rowId xmlns:a16="http://schemas.microsoft.com/office/drawing/2014/main" val="2709662696"/>
-                  </a:ext>
-                </a:extLst>
-              </a:tr>
-              <a:tr h="370840">
-                <a:tc>
-                  <a:txBody>
-                    <a:bodyPr/>
-                    <a:lstStyle/>
-                    <a:p>
-                      <a:r>
-                        <a:rPr lang="en-DE" dirty="0"/>
-                        <a:t>2006</a:t>
-                      </a:r>
-                    </a:p>
-                  </a:txBody>
-                  <a:tcPr/>
-                </a:tc>
-                <a:tc>
-                  <a:txBody>
-                    <a:bodyPr/>
-                    <a:lstStyle/>
-                    <a:p>
-                      <a:r>
-                        <a:rPr lang="en-DE" dirty="0"/>
-                        <a:t>Spiel starten</a:t>
-                      </a:r>
-                    </a:p>
-                  </a:txBody>
-                  <a:tcPr/>
-                </a:tc>
-                <a:tc>
-                  <a:txBody>
-                    <a:bodyPr/>
-                    <a:lstStyle/>
-                    <a:p>
-                      <a:r>
-                        <a:rPr lang="en-DE" dirty="0"/>
-                        <a:t>Als Benutzer, der eine Spiel erstellt hat, möchte ich ein Spiel über eine Button starten können, die Spieler sollen dann über eine N</a:t>
-                      </a:r>
-                      <a:r>
-                        <a:rPr lang="en-GB" dirty="0"/>
-                        <a:t>a</a:t>
-                      </a:r>
-                      <a:r>
-                        <a:rPr lang="en-DE" dirty="0"/>
-                        <a:t>chricht und eine Veränderung des Status darüber informiert werden, dass das Spiel gestartet wurde</a:t>
-                      </a:r>
-                    </a:p>
-                  </a:txBody>
-                  <a:tcPr/>
-                </a:tc>
-                <a:tc>
-                  <a:txBody>
-                    <a:bodyPr/>
-                    <a:lstStyle/>
-                    <a:p>
-                      <a:endParaRPr lang="en-DE" dirty="0"/>
-                    </a:p>
-                  </a:txBody>
-                  <a:tcPr/>
-                </a:tc>
-                <a:extLst>
-                  <a:ext uri="{0D108BD9-81ED-4DB2-BD59-A6C34878D82A}">
-                    <a16:rowId xmlns:a16="http://schemas.microsoft.com/office/drawing/2014/main" val="243785666"/>
-                  </a:ext>
-                </a:extLst>
-              </a:tr>
-              <a:tr h="370840">
-                <a:tc>
-                  <a:txBody>
-                    <a:bodyPr/>
-                    <a:lstStyle/>
-                    <a:p>
-                      <a:r>
-                        <a:rPr lang="en-DE" dirty="0"/>
-                        <a:t>1006</a:t>
-                      </a:r>
-                    </a:p>
-                  </a:txBody>
-                  <a:tcPr/>
-                </a:tc>
-                <a:tc>
-                  <a:txBody>
-                    <a:bodyPr/>
-                    <a:lstStyle/>
-                    <a:p>
-                      <a:r>
-                        <a:rPr lang="en-DE" dirty="0"/>
-                        <a:t>Bingofeld abkreuzen</a:t>
-                      </a:r>
-                    </a:p>
-                  </a:txBody>
-                  <a:tcPr/>
-                </a:tc>
-                <a:tc>
-                  <a:txBody>
-                    <a:bodyPr/>
-                    <a:lstStyle/>
-                    <a:p>
-                      <a:r>
-                        <a:rPr lang="en-DE" dirty="0"/>
-                        <a:t>Als Benutzer möchte ich ein Feld abkreuzen können.</a:t>
-                      </a:r>
-                    </a:p>
-                  </a:txBody>
-                  <a:tcPr/>
-                </a:tc>
-                <a:tc>
-                  <a:txBody>
-                    <a:bodyPr/>
-                    <a:lstStyle/>
-                    <a:p>
-                      <a:endParaRPr lang="en-DE" dirty="0"/>
-                    </a:p>
-                  </a:txBody>
-                  <a:tcPr/>
-                </a:tc>
-                <a:extLst>
-                  <a:ext uri="{0D108BD9-81ED-4DB2-BD59-A6C34878D82A}">
-                    <a16:rowId xmlns:a16="http://schemas.microsoft.com/office/drawing/2014/main" val="4090877107"/>
-                  </a:ext>
-                </a:extLst>
-              </a:tr>
-              <a:tr h="370840">
-                <a:tc>
-                  <a:txBody>
-                    <a:bodyPr/>
-                    <a:lstStyle/>
-                    <a:p>
-                      <a:r>
-                        <a:rPr lang="en-DE" dirty="0"/>
-                        <a:t>2007</a:t>
-                      </a:r>
-                    </a:p>
-                  </a:txBody>
-                  <a:tcPr/>
-                </a:tc>
-                <a:tc>
-                  <a:txBody>
-                    <a:bodyPr/>
-                    <a:lstStyle/>
-                    <a:p>
-                      <a:r>
-                        <a:rPr lang="en-DE" dirty="0"/>
-                        <a:t>Bingofeld abkreuzen</a:t>
-                      </a:r>
-                    </a:p>
-                  </a:txBody>
-                  <a:tcPr/>
-                </a:tc>
-                <a:tc>
-                  <a:txBody>
-                    <a:bodyPr/>
-                    <a:lstStyle/>
-                    <a:p>
-                      <a:r>
-                        <a:rPr lang="en-DE" dirty="0"/>
-                        <a:t>Als Benutzer möchte ich durch anklicken eines Feldes dieses Abkreuzen können.</a:t>
-                      </a:r>
-                    </a:p>
-                  </a:txBody>
-                  <a:tcPr/>
-                </a:tc>
-                <a:tc>
-                  <a:txBody>
-                    <a:bodyPr/>
-                    <a:lstStyle/>
-                    <a:p>
-                      <a:endParaRPr lang="en-DE" dirty="0"/>
-                    </a:p>
-                  </a:txBody>
-                  <a:tcPr/>
-                </a:tc>
-                <a:extLst>
-                  <a:ext uri="{0D108BD9-81ED-4DB2-BD59-A6C34878D82A}">
-                    <a16:rowId xmlns:a16="http://schemas.microsoft.com/office/drawing/2014/main" val="2376865773"/>
-                  </a:ext>
-                </a:extLst>
-              </a:tr>
-              <a:tr h="370840">
-                <a:tc>
-                  <a:txBody>
-                    <a:bodyPr/>
-                    <a:lstStyle/>
-                    <a:p>
-                      <a:r>
-                        <a:rPr lang="en-DE" dirty="0"/>
-                        <a:t>1007</a:t>
-                      </a:r>
-                    </a:p>
-                  </a:txBody>
-                  <a:tcPr/>
-                </a:tc>
-                <a:tc>
-                  <a:txBody>
-                    <a:bodyPr/>
-                    <a:lstStyle/>
-                    <a:p>
-                      <a:r>
-                        <a:rPr lang="en-DE" dirty="0"/>
-                        <a:t>Bingo ausgeben</a:t>
-                      </a:r>
-                    </a:p>
-                  </a:txBody>
-                  <a:tcPr/>
-                </a:tc>
-                <a:tc>
-                  <a:txBody>
-                    <a:bodyPr/>
-                    <a:lstStyle/>
-                    <a:p>
-                      <a:r>
-                        <a:rPr lang="en-DE" dirty="0"/>
-                        <a:t>Als Benutzer möchte ich, dass das Spiel erkennt, wenn jemand ein Bingo hat</a:t>
-                      </a:r>
-                    </a:p>
-                  </a:txBody>
-                  <a:tcPr/>
-                </a:tc>
-                <a:tc>
-                  <a:txBody>
-                    <a:bodyPr/>
-                    <a:lstStyle/>
-                    <a:p>
-                      <a:endParaRPr lang="en-DE" dirty="0"/>
-                    </a:p>
-                  </a:txBody>
-                  <a:tcPr/>
-                </a:tc>
-                <a:extLst>
-                  <a:ext uri="{0D108BD9-81ED-4DB2-BD59-A6C34878D82A}">
-                    <a16:rowId xmlns:a16="http://schemas.microsoft.com/office/drawing/2014/main" val="2019315468"/>
-                  </a:ext>
-                </a:extLst>
-              </a:tr>
-              <a:tr h="370840">
-                <a:tc>
-                  <a:txBody>
-                    <a:bodyPr/>
-                    <a:lstStyle/>
-                    <a:p>
-                      <a:r>
-                        <a:rPr lang="en-DE" dirty="0"/>
-                        <a:t>2008</a:t>
-                      </a:r>
-                    </a:p>
-                  </a:txBody>
-                  <a:tcPr/>
-                </a:tc>
-                <a:tc>
-                  <a:txBody>
-                    <a:bodyPr/>
-                    <a:lstStyle/>
-                    <a:p>
-                      <a:r>
-                        <a:rPr lang="en-DE" dirty="0"/>
-                        <a:t>Bingo ausgeben</a:t>
-                      </a:r>
-                    </a:p>
-                  </a:txBody>
-                  <a:tcPr/>
-                </a:tc>
-                <a:tc>
-                  <a:txBody>
-                    <a:bodyPr/>
-                    <a:lstStyle/>
-                    <a:p>
-                      <a:r>
-                        <a:rPr lang="en-DE" dirty="0"/>
-                        <a:t>Als Benutzer möchte ich, dass das Spiel auf dem Bingofeld ein Bingo markiert und die anderen Spieler über mein Bingo informiert. Außerdem soll auch ich informiert werden, wenn jemand anderes ein Bingo macht</a:t>
-                      </a:r>
-                    </a:p>
-                  </a:txBody>
-                  <a:tcPr/>
-                </a:tc>
-                <a:tc>
-                  <a:txBody>
-                    <a:bodyPr/>
-                    <a:lstStyle/>
-                    <a:p>
-                      <a:endParaRPr lang="en-DE" dirty="0"/>
-                    </a:p>
-                  </a:txBody>
-                  <a:tcPr/>
-                </a:tc>
-                <a:extLst>
-                  <a:ext uri="{0D108BD9-81ED-4DB2-BD59-A6C34878D82A}">
-                    <a16:rowId xmlns:a16="http://schemas.microsoft.com/office/drawing/2014/main" val="683198553"/>
-                  </a:ext>
-                </a:extLst>
-              </a:tr>
-              <a:tr h="370840">
-                <a:tc>
-                  <a:txBody>
-                    <a:bodyPr/>
-                    <a:lstStyle/>
-                    <a:p>
-                      <a:r>
-                        <a:rPr lang="en-DE" dirty="0"/>
-                        <a:t>1008</a:t>
-                      </a:r>
-                    </a:p>
-                  </a:txBody>
-                  <a:tcPr/>
-                </a:tc>
-                <a:tc>
-                  <a:txBody>
-                    <a:bodyPr/>
-                    <a:lstStyle/>
-                    <a:p>
-                      <a:r>
-                        <a:rPr lang="en-DE" dirty="0"/>
-                        <a:t>Spielstand einsehen</a:t>
-                      </a:r>
-                    </a:p>
-                  </a:txBody>
-                  <a:tcPr/>
-                </a:tc>
-                <a:tc>
-                  <a:txBody>
-                    <a:bodyPr/>
-                    <a:lstStyle/>
-                    <a:p>
-                      <a:r>
-                        <a:rPr lang="en-DE" dirty="0"/>
-                        <a:t>Als Benutzer möchte ich wissen, wie viel Felder in einer Reihe alle anderen Spieler haben</a:t>
-                      </a:r>
-                    </a:p>
-                  </a:txBody>
-                  <a:tcPr/>
-                </a:tc>
-                <a:tc>
-                  <a:txBody>
-                    <a:bodyPr/>
-                    <a:lstStyle/>
-                    <a:p>
-                      <a:endParaRPr lang="en-DE" dirty="0"/>
-                    </a:p>
-                  </a:txBody>
-                  <a:tcPr/>
-                </a:tc>
-                <a:extLst>
-                  <a:ext uri="{0D108BD9-81ED-4DB2-BD59-A6C34878D82A}">
-                    <a16:rowId xmlns:a16="http://schemas.microsoft.com/office/drawing/2014/main" val="3990464832"/>
-                  </a:ext>
-                </a:extLst>
-              </a:tr>
-              <a:tr h="370840">
-                <a:tc>
-                  <a:txBody>
-                    <a:bodyPr/>
-                    <a:lstStyle/>
-                    <a:p>
-                      <a:r>
-                        <a:rPr lang="en-DE" dirty="0"/>
-                        <a:t>2009</a:t>
-                      </a:r>
-                    </a:p>
-                  </a:txBody>
-                  <a:tcPr/>
-                </a:tc>
-                <a:tc>
-                  <a:txBody>
-                    <a:bodyPr/>
-                    <a:lstStyle/>
-                    <a:p>
-                      <a:r>
-                        <a:rPr lang="en-DE" dirty="0"/>
-                        <a:t>Spielstand einsehen</a:t>
-                      </a:r>
-                    </a:p>
-                  </a:txBody>
-                  <a:tcPr/>
-                </a:tc>
-                <a:tc>
-                  <a:txBody>
-                    <a:bodyPr/>
-                    <a:lstStyle/>
-                    <a:p>
-                      <a:r>
-                        <a:rPr lang="en-DE" dirty="0"/>
-                        <a:t>Als Benutzer möchte ich in der Liste am Rand, in der alle andere Spieler stehen, neben dem Name sehen, wie viele Felder in einer Reihe sie haben. Außerdem sollen hier auch die Sieger angezeigt werden</a:t>
-                      </a:r>
-                    </a:p>
-                  </a:txBody>
-                  <a:tcPr/>
-                </a:tc>
-                <a:tc>
-                  <a:txBody>
-                    <a:bodyPr/>
-                    <a:lstStyle/>
-                    <a:p>
-                      <a:endParaRPr lang="en-DE" dirty="0"/>
-                    </a:p>
-                  </a:txBody>
-                  <a:tcPr/>
-                </a:tc>
-                <a:extLst>
-                  <a:ext uri="{0D108BD9-81ED-4DB2-BD59-A6C34878D82A}">
-                    <a16:rowId xmlns:a16="http://schemas.microsoft.com/office/drawing/2014/main" val="1019733955"/>
-                  </a:ext>
-                </a:extLst>
-              </a:tr>
-              <a:tr h="370840">
-                <a:tc>
-                  <a:txBody>
-                    <a:bodyPr/>
-                    <a:lstStyle/>
-                    <a:p>
-                      <a:r>
-                        <a:rPr lang="en-DE" dirty="0"/>
-                        <a:t>1009</a:t>
-                      </a:r>
-                    </a:p>
-                  </a:txBody>
-                  <a:tcPr/>
-                </a:tc>
-                <a:tc>
-                  <a:txBody>
-                    <a:bodyPr/>
-                    <a:lstStyle/>
-                    <a:p>
-                      <a:r>
-                        <a:rPr lang="en-DE" dirty="0"/>
-                        <a:t>Spielfelder ansehen</a:t>
-                      </a:r>
-                    </a:p>
-                  </a:txBody>
-                  <a:tcPr/>
-                </a:tc>
-                <a:tc>
-                  <a:txBody>
-                    <a:bodyPr/>
-                    <a:lstStyle/>
-                    <a:p>
-                      <a:r>
-                        <a:rPr lang="en-DE" dirty="0"/>
-                        <a:t>Als Benutzer möchte ich mir die aktuellen Spielfelder der anderen Spieler ansehen können.</a:t>
-                      </a:r>
-                    </a:p>
-                  </a:txBody>
-                  <a:tcPr/>
-                </a:tc>
-                <a:tc>
-                  <a:txBody>
-                    <a:bodyPr/>
-                    <a:lstStyle/>
-                    <a:p>
-                      <a:endParaRPr lang="en-DE" dirty="0"/>
-                    </a:p>
-                  </a:txBody>
-                  <a:tcPr/>
-                </a:tc>
-                <a:extLst>
-                  <a:ext uri="{0D108BD9-81ED-4DB2-BD59-A6C34878D82A}">
-                    <a16:rowId xmlns:a16="http://schemas.microsoft.com/office/drawing/2014/main" val="2716980319"/>
-                  </a:ext>
-                </a:extLst>
-              </a:tr>
-              <a:tr h="370840">
-                <a:tc>
-                  <a:txBody>
-                    <a:bodyPr/>
-                    <a:lstStyle/>
-                    <a:p>
-                      <a:r>
-                        <a:rPr lang="en-DE" dirty="0"/>
-                        <a:t>2010</a:t>
-                      </a:r>
-                    </a:p>
-                  </a:txBody>
-                  <a:tcPr/>
-                </a:tc>
-                <a:tc>
-                  <a:txBody>
-                    <a:bodyPr/>
-                    <a:lstStyle/>
-                    <a:p>
-                      <a:r>
-                        <a:rPr lang="en-DE" dirty="0"/>
-                        <a:t>Spielfelder ansehen</a:t>
-                      </a:r>
-                    </a:p>
-                  </a:txBody>
-                  <a:tcPr/>
-                </a:tc>
-                <a:tc>
-                  <a:txBody>
-                    <a:bodyPr/>
-                    <a:lstStyle/>
-                    <a:p>
-                      <a:r>
-                        <a:rPr lang="en-DE" dirty="0"/>
-                        <a:t>Als Benutzer möchte ich die Mitspieler in der Liste rechts vom Spiel anklicken können, um mir ihre Spielfelder anschauen zu können</a:t>
-                      </a:r>
-                    </a:p>
-                  </a:txBody>
-                  <a:tcPr/>
-                </a:tc>
-                <a:tc>
-                  <a:txBody>
-                    <a:bodyPr/>
-                    <a:lstStyle/>
-                    <a:p>
-                      <a:endParaRPr lang="en-DE" dirty="0"/>
-                    </a:p>
-                  </a:txBody>
-                  <a:tcPr/>
-                </a:tc>
-                <a:extLst>
-                  <a:ext uri="{0D108BD9-81ED-4DB2-BD59-A6C34878D82A}">
-                    <a16:rowId xmlns:a16="http://schemas.microsoft.com/office/drawing/2014/main" val="1477488863"/>
-                  </a:ext>
-                </a:extLst>
-              </a:tr>
-              <a:tr h="370840">
-                <a:tc>
-                  <a:txBody>
-                    <a:bodyPr/>
-                    <a:lstStyle/>
-                    <a:p>
-                      <a:r>
-                        <a:rPr lang="en-DE" dirty="0"/>
-                        <a:t>1010</a:t>
-                      </a:r>
-                    </a:p>
-                  </a:txBody>
-                  <a:tcPr/>
-                </a:tc>
-                <a:tc>
-                  <a:txBody>
-                    <a:bodyPr/>
-                    <a:lstStyle/>
-                    <a:p>
-                      <a:r>
-                        <a:rPr lang="en-DE" dirty="0"/>
-                        <a:t>Test</a:t>
-                      </a:r>
-                    </a:p>
-                  </a:txBody>
-                  <a:tcPr/>
-                </a:tc>
-                <a:tc>
-                  <a:txBody>
-                    <a:bodyPr/>
-                    <a:lstStyle/>
-                    <a:p>
-                      <a:endParaRPr lang="en-DE" dirty="0"/>
-                    </a:p>
-                  </a:txBody>
-                  <a:tcPr/>
-                </a:tc>
-                <a:tc>
-                  <a:txBody>
-                    <a:bodyPr/>
-                    <a:lstStyle/>
-                    <a:p>
-                      <a:endParaRPr lang="en-DE" dirty="0"/>
-                    </a:p>
-                  </a:txBody>
-                  <a:tcPr/>
-                </a:tc>
-                <a:extLst>
-                  <a:ext uri="{0D108BD9-81ED-4DB2-BD59-A6C34878D82A}">
-                    <a16:rowId xmlns:a16="http://schemas.microsoft.com/office/drawing/2014/main" val="511092063"/>
-                  </a:ext>
-                </a:extLst>
-              </a:tr>
-              <a:tr h="370840">
-                <a:tc>
-                  <a:txBody>
-                    <a:bodyPr/>
-                    <a:lstStyle/>
-                    <a:p>
-                      <a:r>
-                        <a:rPr lang="en-DE" dirty="0"/>
-                        <a:t>2011</a:t>
-                      </a:r>
-                    </a:p>
-                  </a:txBody>
-                  <a:tcPr/>
-                </a:tc>
-                <a:tc>
-                  <a:txBody>
-                    <a:bodyPr/>
-                    <a:lstStyle/>
-                    <a:p>
-                      <a:r>
-                        <a:rPr lang="en-DE"/>
-                        <a:t>Usertest</a:t>
-                      </a:r>
-                      <a:endParaRPr lang="en-DE" dirty="0"/>
-                    </a:p>
-                  </a:txBody>
-                  <a:tcPr/>
-                </a:tc>
-                <a:tc>
-                  <a:txBody>
-                    <a:bodyPr/>
-                    <a:lstStyle/>
-                    <a:p>
-                      <a:endParaRPr lang="en-DE" dirty="0"/>
-                    </a:p>
-                  </a:txBody>
-                  <a:tcPr/>
-                </a:tc>
-                <a:tc>
-                  <a:txBody>
-                    <a:bodyPr/>
-                    <a:lstStyle/>
-                    <a:p>
-                      <a:endParaRPr lang="en-DE" dirty="0"/>
-                    </a:p>
-                  </a:txBody>
-                  <a:tcPr/>
-                </a:tc>
-                <a:extLst>
-                  <a:ext uri="{0D108BD9-81ED-4DB2-BD59-A6C34878D82A}">
-                    <a16:rowId xmlns:a16="http://schemas.microsoft.com/office/drawing/2014/main" val="154090631"/>
-                  </a:ext>
-                </a:extLst>
-              </a:tr>
-            </a:tbl>
-          </a:graphicData>
-        </a:graphic>
-      </p:graphicFrame>
-    </p:spTree>
-    <p:extLst>
-      <p:ext uri="{BB962C8B-B14F-4D97-AF65-F5344CB8AC3E}">
-        <p14:creationId xmlns:p14="http://schemas.microsoft.com/office/powerpoint/2010/main" val="1342165261"/>
       </p:ext>
     </p:extLst>
   </p:cSld>

--- a/project_managment/Presentation.pptx
+++ b/project_managment/Presentation.pptx
@@ -207,7 +207,7 @@
           <a:p>
             <a:fld id="{401AF56D-A891-1E47-ADA4-0E5256E2EB53}" type="datetimeFigureOut">
               <a:rPr lang="en-DE" smtClean="0"/>
-              <a:t>25.06.24</a:t>
+              <a:t>06/27/2024</a:t>
             </a:fld>
             <a:endParaRPr lang="en-DE"/>
           </a:p>
@@ -366,7 +366,7 @@
           <a:p>
             <a:fld id="{124B74E8-2CB9-4B43-A677-99F470D1B8ED}" type="slidenum">
               <a:rPr lang="en-DE" smtClean="0"/>
-              <a:t>‹#›</a:t>
+              <a:t>‹Nr.›</a:t>
             </a:fld>
             <a:endParaRPr lang="en-DE"/>
           </a:p>
@@ -792,7 +792,7 @@
           <a:p>
             <a:fld id="{3FB693E0-9A46-1A4F-9326-4156F3EFE763}" type="datetimeFigureOut">
               <a:rPr lang="en-DE" smtClean="0"/>
-              <a:t>25.06.24</a:t>
+              <a:t>06/27/2024</a:t>
             </a:fld>
             <a:endParaRPr lang="en-DE"/>
           </a:p>
@@ -846,7 +846,7 @@
           <a:p>
             <a:fld id="{2B8C0FD7-E9E3-554C-BCF5-5FAFB13DAE90}" type="slidenum">
               <a:rPr lang="en-DE" smtClean="0"/>
-              <a:t>‹#›</a:t>
+              <a:t>‹Nr.›</a:t>
             </a:fld>
             <a:endParaRPr lang="en-DE"/>
           </a:p>
@@ -992,7 +992,7 @@
           <a:p>
             <a:fld id="{3FB693E0-9A46-1A4F-9326-4156F3EFE763}" type="datetimeFigureOut">
               <a:rPr lang="en-DE" smtClean="0"/>
-              <a:t>25.06.24</a:t>
+              <a:t>06/27/2024</a:t>
             </a:fld>
             <a:endParaRPr lang="en-DE"/>
           </a:p>
@@ -1046,7 +1046,7 @@
           <a:p>
             <a:fld id="{2B8C0FD7-E9E3-554C-BCF5-5FAFB13DAE90}" type="slidenum">
               <a:rPr lang="en-DE" smtClean="0"/>
-              <a:t>‹#›</a:t>
+              <a:t>‹Nr.›</a:t>
             </a:fld>
             <a:endParaRPr lang="en-DE"/>
           </a:p>
@@ -1202,7 +1202,7 @@
           <a:p>
             <a:fld id="{3FB693E0-9A46-1A4F-9326-4156F3EFE763}" type="datetimeFigureOut">
               <a:rPr lang="en-DE" smtClean="0"/>
-              <a:t>25.06.24</a:t>
+              <a:t>06/27/2024</a:t>
             </a:fld>
             <a:endParaRPr lang="en-DE"/>
           </a:p>
@@ -1256,7 +1256,7 @@
           <a:p>
             <a:fld id="{2B8C0FD7-E9E3-554C-BCF5-5FAFB13DAE90}" type="slidenum">
               <a:rPr lang="en-DE" smtClean="0"/>
-              <a:t>‹#›</a:t>
+              <a:t>‹Nr.›</a:t>
             </a:fld>
             <a:endParaRPr lang="en-DE"/>
           </a:p>
@@ -1402,7 +1402,7 @@
           <a:p>
             <a:fld id="{3FB693E0-9A46-1A4F-9326-4156F3EFE763}" type="datetimeFigureOut">
               <a:rPr lang="en-DE" smtClean="0"/>
-              <a:t>25.06.24</a:t>
+              <a:t>06/27/2024</a:t>
             </a:fld>
             <a:endParaRPr lang="en-DE"/>
           </a:p>
@@ -1456,7 +1456,7 @@
           <a:p>
             <a:fld id="{2B8C0FD7-E9E3-554C-BCF5-5FAFB13DAE90}" type="slidenum">
               <a:rPr lang="en-DE" smtClean="0"/>
-              <a:t>‹#›</a:t>
+              <a:t>‹Nr.›</a:t>
             </a:fld>
             <a:endParaRPr lang="en-DE"/>
           </a:p>
@@ -1678,7 +1678,7 @@
           <a:p>
             <a:fld id="{3FB693E0-9A46-1A4F-9326-4156F3EFE763}" type="datetimeFigureOut">
               <a:rPr lang="en-DE" smtClean="0"/>
-              <a:t>25.06.24</a:t>
+              <a:t>06/27/2024</a:t>
             </a:fld>
             <a:endParaRPr lang="en-DE"/>
           </a:p>
@@ -1732,7 +1732,7 @@
           <a:p>
             <a:fld id="{2B8C0FD7-E9E3-554C-BCF5-5FAFB13DAE90}" type="slidenum">
               <a:rPr lang="en-DE" smtClean="0"/>
-              <a:t>‹#›</a:t>
+              <a:t>‹Nr.›</a:t>
             </a:fld>
             <a:endParaRPr lang="en-DE"/>
           </a:p>
@@ -1946,7 +1946,7 @@
           <a:p>
             <a:fld id="{3FB693E0-9A46-1A4F-9326-4156F3EFE763}" type="datetimeFigureOut">
               <a:rPr lang="en-DE" smtClean="0"/>
-              <a:t>25.06.24</a:t>
+              <a:t>06/27/2024</a:t>
             </a:fld>
             <a:endParaRPr lang="en-DE"/>
           </a:p>
@@ -2000,7 +2000,7 @@
           <a:p>
             <a:fld id="{2B8C0FD7-E9E3-554C-BCF5-5FAFB13DAE90}" type="slidenum">
               <a:rPr lang="en-DE" smtClean="0"/>
-              <a:t>‹#›</a:t>
+              <a:t>‹Nr.›</a:t>
             </a:fld>
             <a:endParaRPr lang="en-DE"/>
           </a:p>
@@ -2361,7 +2361,7 @@
           <a:p>
             <a:fld id="{3FB693E0-9A46-1A4F-9326-4156F3EFE763}" type="datetimeFigureOut">
               <a:rPr lang="en-DE" smtClean="0"/>
-              <a:t>25.06.24</a:t>
+              <a:t>06/27/2024</a:t>
             </a:fld>
             <a:endParaRPr lang="en-DE"/>
           </a:p>
@@ -2415,7 +2415,7 @@
           <a:p>
             <a:fld id="{2B8C0FD7-E9E3-554C-BCF5-5FAFB13DAE90}" type="slidenum">
               <a:rPr lang="en-DE" smtClean="0"/>
-              <a:t>‹#›</a:t>
+              <a:t>‹Nr.›</a:t>
             </a:fld>
             <a:endParaRPr lang="en-DE"/>
           </a:p>
@@ -2503,7 +2503,7 @@
           <a:p>
             <a:fld id="{3FB693E0-9A46-1A4F-9326-4156F3EFE763}" type="datetimeFigureOut">
               <a:rPr lang="en-DE" smtClean="0"/>
-              <a:t>25.06.24</a:t>
+              <a:t>06/27/2024</a:t>
             </a:fld>
             <a:endParaRPr lang="en-DE"/>
           </a:p>
@@ -2557,7 +2557,7 @@
           <a:p>
             <a:fld id="{2B8C0FD7-E9E3-554C-BCF5-5FAFB13DAE90}" type="slidenum">
               <a:rPr lang="en-DE" smtClean="0"/>
-              <a:t>‹#›</a:t>
+              <a:t>‹Nr.›</a:t>
             </a:fld>
             <a:endParaRPr lang="en-DE"/>
           </a:p>
@@ -2616,7 +2616,7 @@
           <a:p>
             <a:fld id="{3FB693E0-9A46-1A4F-9326-4156F3EFE763}" type="datetimeFigureOut">
               <a:rPr lang="en-DE" smtClean="0"/>
-              <a:t>25.06.24</a:t>
+              <a:t>06/27/2024</a:t>
             </a:fld>
             <a:endParaRPr lang="en-DE"/>
           </a:p>
@@ -2670,7 +2670,7 @@
           <a:p>
             <a:fld id="{2B8C0FD7-E9E3-554C-BCF5-5FAFB13DAE90}" type="slidenum">
               <a:rPr lang="en-DE" smtClean="0"/>
-              <a:t>‹#›</a:t>
+              <a:t>‹Nr.›</a:t>
             </a:fld>
             <a:endParaRPr lang="en-DE"/>
           </a:p>
@@ -2929,7 +2929,7 @@
           <a:p>
             <a:fld id="{3FB693E0-9A46-1A4F-9326-4156F3EFE763}" type="datetimeFigureOut">
               <a:rPr lang="en-DE" smtClean="0"/>
-              <a:t>25.06.24</a:t>
+              <a:t>06/27/2024</a:t>
             </a:fld>
             <a:endParaRPr lang="en-DE"/>
           </a:p>
@@ -2983,7 +2983,7 @@
           <a:p>
             <a:fld id="{2B8C0FD7-E9E3-554C-BCF5-5FAFB13DAE90}" type="slidenum">
               <a:rPr lang="en-DE" smtClean="0"/>
-              <a:t>‹#›</a:t>
+              <a:t>‹Nr.›</a:t>
             </a:fld>
             <a:endParaRPr lang="en-DE"/>
           </a:p>
@@ -3218,7 +3218,7 @@
           <a:p>
             <a:fld id="{3FB693E0-9A46-1A4F-9326-4156F3EFE763}" type="datetimeFigureOut">
               <a:rPr lang="en-DE" smtClean="0"/>
-              <a:t>25.06.24</a:t>
+              <a:t>06/27/2024</a:t>
             </a:fld>
             <a:endParaRPr lang="en-DE"/>
           </a:p>
@@ -3272,7 +3272,7 @@
           <a:p>
             <a:fld id="{2B8C0FD7-E9E3-554C-BCF5-5FAFB13DAE90}" type="slidenum">
               <a:rPr lang="en-DE" smtClean="0"/>
-              <a:t>‹#›</a:t>
+              <a:t>‹Nr.›</a:t>
             </a:fld>
             <a:endParaRPr lang="en-DE"/>
           </a:p>
@@ -3461,7 +3461,7 @@
           <a:p>
             <a:fld id="{3FB693E0-9A46-1A4F-9326-4156F3EFE763}" type="datetimeFigureOut">
               <a:rPr lang="en-DE" smtClean="0"/>
-              <a:t>25.06.24</a:t>
+              <a:t>06/27/2024</a:t>
             </a:fld>
             <a:endParaRPr lang="en-DE"/>
           </a:p>
@@ -3551,7 +3551,7 @@
           <a:p>
             <a:fld id="{2B8C0FD7-E9E3-554C-BCF5-5FAFB13DAE90}" type="slidenum">
               <a:rPr lang="en-DE" smtClean="0"/>
-              <a:t>‹#›</a:t>
+              <a:t>‹Nr.›</a:t>
             </a:fld>
             <a:endParaRPr lang="en-DE"/>
           </a:p>
@@ -7126,7 +7126,7 @@
         </p:nvSpPr>
         <p:spPr>
           <a:xfrm>
-            <a:off x="6456000" y="3060000"/>
+            <a:off x="6456000" y="3066980"/>
             <a:ext cx="1800000" cy="508088"/>
           </a:xfrm>
           <a:prstGeom prst="rect">
@@ -8750,7 +8750,7 @@
             <p:ph idx="1"/>
             <p:extLst>
               <p:ext uri="{D42A27DB-BD31-4B8C-83A1-F6EECF244321}">
-                <p14:modId xmlns:p14="http://schemas.microsoft.com/office/powerpoint/2010/main" val="2295062658"/>
+                <p14:modId xmlns:p14="http://schemas.microsoft.com/office/powerpoint/2010/main" val="4141318337"/>
               </p:ext>
             </p:extLst>
           </p:nvPr>
@@ -9071,7 +9071,15 @@
                     <a:p>
                       <a:r>
                         <a:rPr lang="en-DE" sz="1300" dirty="0"/>
-                        <a:t>Alle Entwickler werden bei der Wahl der Technologie mit einbezogen und auf ihre Kenntnisse Rücksicht genommen</a:t>
+                        <a:t>Alle Entwickler werden bei der Wahl der Technologie mit einbezogen und auf ihre Kenntnisse </a:t>
+                      </a:r>
+                      <a:r>
+                        <a:rPr lang="de-DE" sz="1300" dirty="0"/>
+                        <a:t>wird </a:t>
+                      </a:r>
+                      <a:r>
+                        <a:rPr lang="en-DE" sz="1300" dirty="0"/>
+                        <a:t>Rücksicht genommen</a:t>
                       </a:r>
                     </a:p>
                   </a:txBody>
